--- a/系统仿真-2-计算基础.pptx
+++ b/系统仿真-2-计算基础.pptx
@@ -260,7 +260,7 @@
                 <a:latin typeface="微软雅黑" panose="020B0503020204020204" pitchFamily="34" charset="-122"/>
                 <a:ea typeface="微软雅黑" panose="020B0503020204020204" pitchFamily="34" charset="-122"/>
               </a:rPr>
-              <a:t>2019年3月3日</a:t>
+              <a:t>2019年3月3日 Sunday</a:t>
             </a:fld>
             <a:endParaRPr lang="zh-CN" altLang="en-US" dirty="0">
               <a:latin typeface="微软雅黑" panose="020B0503020204020204" pitchFamily="34" charset="-122"/>
@@ -452,7 +452,7 @@
             <a:fld id="{07D6BDDC-F39A-4E16-93D6-E40B88AA6D58}" type="datetime2">
               <a:rPr lang="zh-CN" altLang="en-US" smtClean="0"/>
               <a:pPr/>
-              <a:t>2019年3月3日</a:t>
+              <a:t>2019年3月3日 Sunday</a:t>
             </a:fld>
             <a:endParaRPr lang="zh-CN" altLang="en-US" dirty="0"/>
           </a:p>
@@ -1610,7 +1610,7 @@
           <a:p>
             <a:pPr rtl="0"/>
             <a:r>
-              <a:rPr lang="zh-CN" altLang="en-US" noProof="0" smtClean="0"/>
+              <a:rPr lang="zh-CN" altLang="en-US" noProof="0"/>
               <a:t>单击此处编辑母版标题样式</a:t>
             </a:r>
             <a:endParaRPr lang="zh-CN" altLang="en-US" noProof="0" dirty="0"/>
@@ -1735,7 +1735,7 @@
           <a:p>
             <a:pPr rtl="0"/>
             <a:r>
-              <a:rPr lang="zh-CN" altLang="en-US" noProof="0" smtClean="0"/>
+              <a:rPr lang="zh-CN" altLang="en-US" noProof="0"/>
               <a:t>单击以编辑母版副标题样式</a:t>
             </a:r>
             <a:endParaRPr lang="zh-CN" altLang="en-US" noProof="0" dirty="0"/>
@@ -1770,7 +1770,7 @@
             <a:fld id="{4947C3F0-2957-4D41-9FB7-182757A04D67}" type="datetime2">
               <a:rPr lang="zh-CN" altLang="en-US" smtClean="0"/>
               <a:pPr/>
-              <a:t>2019年3月3日</a:t>
+              <a:t>2019年3月3日 Sunday</a:t>
             </a:fld>
             <a:endParaRPr lang="zh-CN" altLang="en-US" dirty="0"/>
           </a:p>
@@ -1906,7 +1906,7 @@
           <a:p>
             <a:pPr rtl="0"/>
             <a:r>
-              <a:rPr lang="zh-CN" altLang="en-US" noProof="0" smtClean="0"/>
+              <a:rPr lang="zh-CN" altLang="en-US" noProof="0"/>
               <a:t>单击此处编辑母版标题样式</a:t>
             </a:r>
             <a:endParaRPr lang="zh-CN" altLang="en-US" noProof="0" dirty="0"/>
@@ -1946,35 +1946,35 @@
           <a:p>
             <a:pPr lvl="0" rtl="0"/>
             <a:r>
-              <a:rPr lang="zh-CN" altLang="en-US" noProof="0" smtClean="0"/>
+              <a:rPr lang="zh-CN" altLang="en-US" noProof="0"/>
               <a:t>编辑母版文本样式</a:t>
             </a:r>
           </a:p>
           <a:p>
             <a:pPr lvl="1" rtl="0"/>
             <a:r>
-              <a:rPr lang="zh-CN" altLang="en-US" noProof="0" smtClean="0"/>
+              <a:rPr lang="zh-CN" altLang="en-US" noProof="0"/>
               <a:t>第二级</a:t>
             </a:r>
           </a:p>
           <a:p>
             <a:pPr lvl="2" rtl="0"/>
             <a:r>
-              <a:rPr lang="zh-CN" altLang="en-US" noProof="0" smtClean="0"/>
+              <a:rPr lang="zh-CN" altLang="en-US" noProof="0"/>
               <a:t>第三级</a:t>
             </a:r>
           </a:p>
           <a:p>
             <a:pPr lvl="3" rtl="0"/>
             <a:r>
-              <a:rPr lang="zh-CN" altLang="en-US" noProof="0" smtClean="0"/>
+              <a:rPr lang="zh-CN" altLang="en-US" noProof="0"/>
               <a:t>第四级</a:t>
             </a:r>
           </a:p>
           <a:p>
             <a:pPr lvl="4" rtl="0"/>
             <a:r>
-              <a:rPr lang="zh-CN" altLang="en-US" noProof="0" smtClean="0"/>
+              <a:rPr lang="zh-CN" altLang="en-US" noProof="0"/>
               <a:t>第五级</a:t>
             </a:r>
             <a:endParaRPr lang="zh-CN" altLang="en-US" noProof="0" dirty="0"/>
@@ -2003,7 +2003,7 @@
             <a:fld id="{8DF8E148-EC1F-43A2-8C9E-1F57F6D08A76}" type="datetime2">
               <a:rPr lang="zh-CN" altLang="en-US" smtClean="0"/>
               <a:pPr/>
-              <a:t>2019年3月3日</a:t>
+              <a:t>2019年3月3日 Sunday</a:t>
             </a:fld>
             <a:endParaRPr lang="zh-CN" altLang="en-US" dirty="0"/>
           </a:p>
@@ -2766,7 +2766,7 @@
           <a:p>
             <a:pPr rtl="0"/>
             <a:r>
-              <a:rPr lang="zh-CN" altLang="en-US" noProof="0" smtClean="0"/>
+              <a:rPr lang="zh-CN" altLang="en-US" noProof="0"/>
               <a:t>单击此处编辑母版标题样式</a:t>
             </a:r>
             <a:endParaRPr lang="zh-CN" altLang="en-US" noProof="0" dirty="0"/>
@@ -2826,35 +2826,35 @@
           <a:p>
             <a:pPr lvl="0" rtl="0"/>
             <a:r>
-              <a:rPr lang="zh-CN" altLang="en-US" noProof="0" smtClean="0"/>
+              <a:rPr lang="zh-CN" altLang="en-US" noProof="0"/>
               <a:t>编辑母版文本样式</a:t>
             </a:r>
           </a:p>
           <a:p>
             <a:pPr lvl="1" rtl="0"/>
             <a:r>
-              <a:rPr lang="zh-CN" altLang="en-US" noProof="0" smtClean="0"/>
+              <a:rPr lang="zh-CN" altLang="en-US" noProof="0"/>
               <a:t>第二级</a:t>
             </a:r>
           </a:p>
           <a:p>
             <a:pPr lvl="2" rtl="0"/>
             <a:r>
-              <a:rPr lang="zh-CN" altLang="en-US" noProof="0" smtClean="0"/>
+              <a:rPr lang="zh-CN" altLang="en-US" noProof="0"/>
               <a:t>第三级</a:t>
             </a:r>
           </a:p>
           <a:p>
             <a:pPr lvl="3" rtl="0"/>
             <a:r>
-              <a:rPr lang="zh-CN" altLang="en-US" noProof="0" smtClean="0"/>
+              <a:rPr lang="zh-CN" altLang="en-US" noProof="0"/>
               <a:t>第四级</a:t>
             </a:r>
           </a:p>
           <a:p>
             <a:pPr lvl="4" rtl="0"/>
             <a:r>
-              <a:rPr lang="zh-CN" altLang="en-US" noProof="0" smtClean="0"/>
+              <a:rPr lang="zh-CN" altLang="en-US" noProof="0"/>
               <a:t>第五级</a:t>
             </a:r>
             <a:endParaRPr lang="zh-CN" altLang="en-US" noProof="0" dirty="0"/>
@@ -2886,7 +2886,7 @@
             <a:fld id="{FB7B4C11-1E14-4887-9E78-A9346EC068F1}" type="datetime2">
               <a:rPr lang="zh-CN" altLang="en-US" smtClean="0"/>
               <a:pPr/>
-              <a:t>2019年3月3日</a:t>
+              <a:t>2019年3月3日 Sunday</a:t>
             </a:fld>
             <a:endParaRPr lang="zh-CN" altLang="en-US" dirty="0"/>
           </a:p>
@@ -3018,7 +3018,7 @@
           <a:p>
             <a:pPr rtl="0"/>
             <a:r>
-              <a:rPr lang="zh-CN" altLang="en-US" smtClean="0"/>
+              <a:rPr lang="zh-CN" altLang="en-US"/>
               <a:t>单击此处编辑母版标题样式</a:t>
             </a:r>
             <a:endParaRPr lang="zh-CN" altLang="en-US" dirty="0"/>
@@ -3085,35 +3085,35 @@
           <a:p>
             <a:pPr lvl="0" rtl="0"/>
             <a:r>
-              <a:rPr lang="zh-CN" altLang="en-US" smtClean="0"/>
+              <a:rPr lang="zh-CN" altLang="en-US"/>
               <a:t>编辑母版文本样式</a:t>
             </a:r>
           </a:p>
           <a:p>
             <a:pPr lvl="1" rtl="0"/>
             <a:r>
-              <a:rPr lang="zh-CN" altLang="en-US" smtClean="0"/>
+              <a:rPr lang="zh-CN" altLang="en-US"/>
               <a:t>第二级</a:t>
             </a:r>
           </a:p>
           <a:p>
             <a:pPr lvl="2" rtl="0"/>
             <a:r>
-              <a:rPr lang="zh-CN" altLang="en-US" smtClean="0"/>
+              <a:rPr lang="zh-CN" altLang="en-US"/>
               <a:t>第三级</a:t>
             </a:r>
           </a:p>
           <a:p>
             <a:pPr lvl="3" rtl="0"/>
             <a:r>
-              <a:rPr lang="zh-CN" altLang="en-US" smtClean="0"/>
+              <a:rPr lang="zh-CN" altLang="en-US"/>
               <a:t>第四级</a:t>
             </a:r>
           </a:p>
           <a:p>
             <a:pPr lvl="4" rtl="0"/>
             <a:r>
-              <a:rPr lang="zh-CN" altLang="en-US" smtClean="0"/>
+              <a:rPr lang="zh-CN" altLang="en-US"/>
               <a:t>第五级</a:t>
             </a:r>
             <a:endParaRPr lang="zh-CN" altLang="en-US" dirty="0"/>
@@ -3145,7 +3145,7 @@
             <a:fld id="{86FD5D46-E987-42B2-B42C-B8920598FADE}" type="datetime2">
               <a:rPr lang="zh-CN" altLang="en-US" smtClean="0"/>
               <a:pPr/>
-              <a:t>2019年3月3日</a:t>
+              <a:t>2019年3月3日 Sunday</a:t>
             </a:fld>
             <a:endParaRPr lang="zh-CN" altLang="en-US" dirty="0"/>
           </a:p>
@@ -3234,13 +3234,6 @@
       </p:transition>
     </mc:Fallback>
   </mc:AlternateContent>
-  <p:timing>
-    <p:tnLst>
-      <p:par>
-        <p:cTn id="1" dur="indefinite" restart="never" nodeType="tmRoot"/>
-      </p:par>
-    </p:tnLst>
-  </p:timing>
 </p:sldLayout>
 </file>
 
@@ -4320,7 +4313,7 @@
           <a:p>
             <a:pPr rtl="0"/>
             <a:r>
-              <a:rPr lang="zh-CN" altLang="en-US" noProof="0" smtClean="0"/>
+              <a:rPr lang="zh-CN" altLang="en-US" noProof="0"/>
               <a:t>单击此处编辑母版标题样式</a:t>
             </a:r>
             <a:endParaRPr lang="zh-CN" altLang="en-US" noProof="0" dirty="0"/>
@@ -4445,7 +4438,7 @@
           <a:p>
             <a:pPr lvl="0" rtl="0"/>
             <a:r>
-              <a:rPr lang="zh-CN" altLang="en-US" noProof="0" smtClean="0"/>
+              <a:rPr lang="zh-CN" altLang="en-US" noProof="0"/>
               <a:t>编辑母版文本样式</a:t>
             </a:r>
           </a:p>
@@ -4479,7 +4472,7 @@
             <a:fld id="{8365F240-A7EF-41C8-A85B-C448CF84B5E5}" type="datetime2">
               <a:rPr lang="zh-CN" altLang="en-US" smtClean="0"/>
               <a:pPr/>
-              <a:t>2019年3月3日</a:t>
+              <a:t>2019年3月3日 Sunday</a:t>
             </a:fld>
             <a:endParaRPr lang="zh-CN" altLang="en-US" dirty="0"/>
           </a:p>
@@ -4615,7 +4608,7 @@
           <a:p>
             <a:pPr rtl="0"/>
             <a:r>
-              <a:rPr lang="zh-CN" altLang="en-US" smtClean="0"/>
+              <a:rPr lang="zh-CN" altLang="en-US"/>
               <a:t>单击此处编辑母版标题样式</a:t>
             </a:r>
             <a:endParaRPr lang="zh-CN" altLang="en-US" dirty="0"/>
@@ -4672,35 +4665,35 @@
           <a:p>
             <a:pPr lvl="0" rtl="0"/>
             <a:r>
-              <a:rPr lang="zh-CN" altLang="en-US" smtClean="0"/>
+              <a:rPr lang="zh-CN" altLang="en-US"/>
               <a:t>编辑母版文本样式</a:t>
             </a:r>
           </a:p>
           <a:p>
             <a:pPr lvl="1" rtl="0"/>
             <a:r>
-              <a:rPr lang="zh-CN" altLang="en-US" smtClean="0"/>
+              <a:rPr lang="zh-CN" altLang="en-US"/>
               <a:t>第二级</a:t>
             </a:r>
           </a:p>
           <a:p>
             <a:pPr lvl="2" rtl="0"/>
             <a:r>
-              <a:rPr lang="zh-CN" altLang="en-US" smtClean="0"/>
+              <a:rPr lang="zh-CN" altLang="en-US"/>
               <a:t>第三级</a:t>
             </a:r>
           </a:p>
           <a:p>
             <a:pPr lvl="3" rtl="0"/>
             <a:r>
-              <a:rPr lang="zh-CN" altLang="en-US" smtClean="0"/>
+              <a:rPr lang="zh-CN" altLang="en-US"/>
               <a:t>第四级</a:t>
             </a:r>
           </a:p>
           <a:p>
             <a:pPr lvl="4" rtl="0"/>
             <a:r>
-              <a:rPr lang="zh-CN" altLang="en-US" smtClean="0"/>
+              <a:rPr lang="zh-CN" altLang="en-US"/>
               <a:t>第五级</a:t>
             </a:r>
             <a:endParaRPr lang="zh-CN" altLang="en-US" dirty="0"/>
@@ -4757,35 +4750,35 @@
           <a:p>
             <a:pPr lvl="0" rtl="0"/>
             <a:r>
-              <a:rPr lang="zh-CN" altLang="en-US" smtClean="0"/>
+              <a:rPr lang="zh-CN" altLang="en-US"/>
               <a:t>编辑母版文本样式</a:t>
             </a:r>
           </a:p>
           <a:p>
             <a:pPr lvl="1" rtl="0"/>
             <a:r>
-              <a:rPr lang="zh-CN" altLang="en-US" smtClean="0"/>
+              <a:rPr lang="zh-CN" altLang="en-US"/>
               <a:t>第二级</a:t>
             </a:r>
           </a:p>
           <a:p>
             <a:pPr lvl="2" rtl="0"/>
             <a:r>
-              <a:rPr lang="zh-CN" altLang="en-US" smtClean="0"/>
+              <a:rPr lang="zh-CN" altLang="en-US"/>
               <a:t>第三级</a:t>
             </a:r>
           </a:p>
           <a:p>
             <a:pPr lvl="3" rtl="0"/>
             <a:r>
-              <a:rPr lang="zh-CN" altLang="en-US" smtClean="0"/>
+              <a:rPr lang="zh-CN" altLang="en-US"/>
               <a:t>第四级</a:t>
             </a:r>
           </a:p>
           <a:p>
             <a:pPr lvl="4" rtl="0"/>
             <a:r>
-              <a:rPr lang="zh-CN" altLang="en-US" smtClean="0"/>
+              <a:rPr lang="zh-CN" altLang="en-US"/>
               <a:t>第五级</a:t>
             </a:r>
             <a:endParaRPr lang="zh-CN" altLang="en-US" dirty="0"/>
@@ -4814,7 +4807,7 @@
             <a:fld id="{F770B30E-8728-44DB-AEE3-E4A75AEDBBD9}" type="datetime2">
               <a:rPr lang="zh-CN" altLang="en-US" smtClean="0"/>
               <a:pPr/>
-              <a:t>2019年3月3日</a:t>
+              <a:t>2019年3月3日 Sunday</a:t>
             </a:fld>
             <a:endParaRPr lang="zh-CN" altLang="en-US" dirty="0"/>
           </a:p>
@@ -4933,7 +4926,7 @@
           <a:p>
             <a:pPr rtl="0"/>
             <a:r>
-              <a:rPr lang="zh-CN" altLang="en-US" smtClean="0"/>
+              <a:rPr lang="zh-CN" altLang="en-US"/>
               <a:t>单击此处编辑母版标题样式</a:t>
             </a:r>
             <a:endParaRPr lang="zh-CN" altLang="en-US" dirty="0"/>
@@ -5007,7 +5000,7 @@
           <a:p>
             <a:pPr lvl="0" rtl="0"/>
             <a:r>
-              <a:rPr lang="zh-CN" altLang="en-US" smtClean="0"/>
+              <a:rPr lang="zh-CN" altLang="en-US"/>
               <a:t>编辑母版文本样式</a:t>
             </a:r>
           </a:p>
@@ -5080,35 +5073,35 @@
           <a:p>
             <a:pPr lvl="0" rtl="0"/>
             <a:r>
-              <a:rPr lang="zh-CN" altLang="en-US" smtClean="0"/>
+              <a:rPr lang="zh-CN" altLang="en-US"/>
               <a:t>编辑母版文本样式</a:t>
             </a:r>
           </a:p>
           <a:p>
             <a:pPr lvl="1" rtl="0"/>
             <a:r>
-              <a:rPr lang="zh-CN" altLang="en-US" smtClean="0"/>
+              <a:rPr lang="zh-CN" altLang="en-US"/>
               <a:t>第二级</a:t>
             </a:r>
           </a:p>
           <a:p>
             <a:pPr lvl="2" rtl="0"/>
             <a:r>
-              <a:rPr lang="zh-CN" altLang="en-US" smtClean="0"/>
+              <a:rPr lang="zh-CN" altLang="en-US"/>
               <a:t>第三级</a:t>
             </a:r>
           </a:p>
           <a:p>
             <a:pPr lvl="3" rtl="0"/>
             <a:r>
-              <a:rPr lang="zh-CN" altLang="en-US" smtClean="0"/>
+              <a:rPr lang="zh-CN" altLang="en-US"/>
               <a:t>第四级</a:t>
             </a:r>
           </a:p>
           <a:p>
             <a:pPr lvl="4" rtl="0"/>
             <a:r>
-              <a:rPr lang="zh-CN" altLang="en-US" smtClean="0"/>
+              <a:rPr lang="zh-CN" altLang="en-US"/>
               <a:t>第五级</a:t>
             </a:r>
             <a:endParaRPr lang="zh-CN" altLang="en-US" dirty="0"/>
@@ -5182,7 +5175,7 @@
           <a:p>
             <a:pPr lvl="0" rtl="0"/>
             <a:r>
-              <a:rPr lang="zh-CN" altLang="en-US" smtClean="0"/>
+              <a:rPr lang="zh-CN" altLang="en-US"/>
               <a:t>编辑母版文本样式</a:t>
             </a:r>
           </a:p>
@@ -5255,35 +5248,35 @@
           <a:p>
             <a:pPr lvl="0" rtl="0"/>
             <a:r>
-              <a:rPr lang="zh-CN" altLang="en-US" smtClean="0"/>
+              <a:rPr lang="zh-CN" altLang="en-US"/>
               <a:t>编辑母版文本样式</a:t>
             </a:r>
           </a:p>
           <a:p>
             <a:pPr lvl="1" rtl="0"/>
             <a:r>
-              <a:rPr lang="zh-CN" altLang="en-US" smtClean="0"/>
+              <a:rPr lang="zh-CN" altLang="en-US"/>
               <a:t>第二级</a:t>
             </a:r>
           </a:p>
           <a:p>
             <a:pPr lvl="2" rtl="0"/>
             <a:r>
-              <a:rPr lang="zh-CN" altLang="en-US" smtClean="0"/>
+              <a:rPr lang="zh-CN" altLang="en-US"/>
               <a:t>第三级</a:t>
             </a:r>
           </a:p>
           <a:p>
             <a:pPr lvl="3" rtl="0"/>
             <a:r>
-              <a:rPr lang="zh-CN" altLang="en-US" smtClean="0"/>
+              <a:rPr lang="zh-CN" altLang="en-US"/>
               <a:t>第四级</a:t>
             </a:r>
           </a:p>
           <a:p>
             <a:pPr lvl="4" rtl="0"/>
             <a:r>
-              <a:rPr lang="zh-CN" altLang="en-US" smtClean="0"/>
+              <a:rPr lang="zh-CN" altLang="en-US"/>
               <a:t>第五级</a:t>
             </a:r>
             <a:endParaRPr lang="zh-CN" altLang="en-US" dirty="0"/>
@@ -5315,7 +5308,7 @@
             <a:fld id="{680BCF82-A51A-4389-A573-378AD02C5141}" type="datetime2">
               <a:rPr lang="zh-CN" altLang="en-US" smtClean="0"/>
               <a:pPr/>
-              <a:t>2019年3月3日</a:t>
+              <a:t>2019年3月3日 Sunday</a:t>
             </a:fld>
             <a:endParaRPr lang="zh-CN" altLang="en-US" dirty="0"/>
           </a:p>
@@ -5441,7 +5434,7 @@
           <a:p>
             <a:pPr rtl="0"/>
             <a:r>
-              <a:rPr lang="zh-CN" altLang="en-US" smtClean="0"/>
+              <a:rPr lang="zh-CN" altLang="en-US"/>
               <a:t>单击此处编辑母版标题样式</a:t>
             </a:r>
             <a:endParaRPr lang="zh-CN" altLang="en-US" dirty="0"/>
@@ -5470,7 +5463,7 @@
             <a:fld id="{CE03A716-E3DC-4D9D-823C-60FCD8C9B163}" type="datetime2">
               <a:rPr lang="zh-CN" altLang="en-US" smtClean="0"/>
               <a:pPr/>
-              <a:t>2019年3月3日</a:t>
+              <a:t>2019年3月3日 Sunday</a:t>
             </a:fld>
             <a:endParaRPr lang="zh-CN" altLang="en-US" dirty="0"/>
           </a:p>
@@ -5830,7 +5823,7 @@
             <a:fld id="{C16B8A94-44E5-4844-A22C-F796FCAA90D9}" type="datetime2">
               <a:rPr lang="zh-CN" altLang="en-US" smtClean="0"/>
               <a:pPr/>
-              <a:t>2019年3月3日</a:t>
+              <a:t>2019年3月3日 Sunday</a:t>
             </a:fld>
             <a:endParaRPr lang="zh-CN" altLang="en-US" dirty="0"/>
           </a:p>
@@ -6165,7 +6158,7 @@
           <a:p>
             <a:pPr rtl="0"/>
             <a:r>
-              <a:rPr lang="zh-CN" altLang="en-US" noProof="0" smtClean="0"/>
+              <a:rPr lang="zh-CN" altLang="en-US" noProof="0"/>
               <a:t>单击此处编辑母版标题样式</a:t>
             </a:r>
             <a:endParaRPr lang="zh-CN" altLang="en-US" noProof="0" dirty="0"/>
@@ -6239,35 +6232,35 @@
           <a:p>
             <a:pPr lvl="0" rtl="0"/>
             <a:r>
-              <a:rPr lang="zh-CN" altLang="en-US" noProof="0" smtClean="0"/>
+              <a:rPr lang="zh-CN" altLang="en-US" noProof="0"/>
               <a:t>编辑母版文本样式</a:t>
             </a:r>
           </a:p>
           <a:p>
             <a:pPr lvl="1" rtl="0"/>
             <a:r>
-              <a:rPr lang="zh-CN" altLang="en-US" noProof="0" smtClean="0"/>
+              <a:rPr lang="zh-CN" altLang="en-US" noProof="0"/>
               <a:t>第二级</a:t>
             </a:r>
           </a:p>
           <a:p>
             <a:pPr lvl="2" rtl="0"/>
             <a:r>
-              <a:rPr lang="zh-CN" altLang="en-US" noProof="0" smtClean="0"/>
+              <a:rPr lang="zh-CN" altLang="en-US" noProof="0"/>
               <a:t>第三级</a:t>
             </a:r>
           </a:p>
           <a:p>
             <a:pPr lvl="3" rtl="0"/>
             <a:r>
-              <a:rPr lang="zh-CN" altLang="en-US" noProof="0" smtClean="0"/>
+              <a:rPr lang="zh-CN" altLang="en-US" noProof="0"/>
               <a:t>第四级</a:t>
             </a:r>
           </a:p>
           <a:p>
             <a:pPr lvl="4" rtl="0"/>
             <a:r>
-              <a:rPr lang="zh-CN" altLang="en-US" noProof="0" smtClean="0"/>
+              <a:rPr lang="zh-CN" altLang="en-US" noProof="0"/>
               <a:t>第五级</a:t>
             </a:r>
             <a:endParaRPr lang="zh-CN" altLang="en-US" noProof="0" dirty="0"/>
@@ -6341,7 +6334,7 @@
           <a:p>
             <a:pPr lvl="0" rtl="0"/>
             <a:r>
-              <a:rPr lang="zh-CN" altLang="en-US" noProof="0" smtClean="0"/>
+              <a:rPr lang="zh-CN" altLang="en-US" noProof="0"/>
               <a:t>编辑母版文本样式</a:t>
             </a:r>
           </a:p>
@@ -6372,7 +6365,7 @@
             <a:fld id="{F288B2AC-AC0A-4E49-82A3-94EE74FA7FBF}" type="datetime2">
               <a:rPr lang="zh-CN" altLang="en-US" smtClean="0"/>
               <a:pPr/>
-              <a:t>2019年3月3日</a:t>
+              <a:t>2019年3月3日 Sunday</a:t>
             </a:fld>
             <a:endParaRPr lang="zh-CN" altLang="en-US" dirty="0"/>
           </a:p>
@@ -6460,13 +6453,6 @@
       </p:transition>
     </mc:Fallback>
   </mc:AlternateContent>
-  <p:timing>
-    <p:tnLst>
-      <p:par>
-        <p:cTn id="1" dur="indefinite" restart="never" nodeType="tmRoot"/>
-      </p:par>
-    </p:tnLst>
-  </p:timing>
 </p:sldLayout>
 </file>
 
@@ -6678,7 +6664,7 @@
           <a:p>
             <a:pPr rtl="0"/>
             <a:r>
-              <a:rPr lang="zh-CN" altLang="en-US" smtClean="0"/>
+              <a:rPr lang="zh-CN" altLang="en-US"/>
               <a:t>单击此处编辑母版标题样式</a:t>
             </a:r>
             <a:endParaRPr lang="zh-CN" altLang="en-US" dirty="0"/>
@@ -6757,7 +6743,7 @@
           <a:p>
             <a:pPr rtl="0"/>
             <a:r>
-              <a:rPr lang="zh-CN" altLang="en-US" smtClean="0"/>
+              <a:rPr lang="zh-CN" altLang="en-US"/>
               <a:t>单击图标添加图片</a:t>
             </a:r>
             <a:endParaRPr lang="zh-CN" altLang="en-US" dirty="0"/>
@@ -6831,7 +6817,7 @@
           <a:p>
             <a:pPr lvl="0" rtl="0"/>
             <a:r>
-              <a:rPr lang="zh-CN" altLang="en-US" smtClean="0"/>
+              <a:rPr lang="zh-CN" altLang="en-US"/>
               <a:t>编辑母版文本样式</a:t>
             </a:r>
           </a:p>
@@ -6865,7 +6851,7 @@
             <a:fld id="{1878E339-1BD2-4FEE-A113-9A0301740CF6}" type="datetime2">
               <a:rPr lang="zh-CN" altLang="en-US" smtClean="0"/>
               <a:pPr/>
-              <a:t>2019年3月3日</a:t>
+              <a:t>2019年3月3日 Sunday</a:t>
             </a:fld>
             <a:endParaRPr lang="zh-CN" altLang="en-US" dirty="0"/>
           </a:p>
@@ -7789,7 +7775,7 @@
             <a:fld id="{A339CB27-C670-4AAB-948C-7E3D1D9FAE30}" type="datetime2">
               <a:rPr lang="zh-CN" altLang="en-US" smtClean="0"/>
               <a:pPr/>
-              <a:t>2019年3月3日</a:t>
+              <a:t>2019年3月3日 Sunday</a:t>
             </a:fld>
             <a:endParaRPr lang="zh-CN" altLang="en-US" dirty="0"/>
           </a:p>
@@ -8246,18 +8232,13 @@
           <a:p>
             <a:pPr rtl="0"/>
             <a:r>
-              <a:rPr lang="zh-CN" altLang="en-US" dirty="0" smtClean="0">
+              <a:rPr lang="zh-CN" altLang="en-US" dirty="0">
                 <a:latin typeface="Arial" panose="020B0604020202020204" pitchFamily="34" charset="0"/>
                 <a:ea typeface="微软雅黑" panose="020B0503020204020204" pitchFamily="34" charset="-122"/>
                 <a:sym typeface="Arial" panose="020B0604020202020204" pitchFamily="34" charset="0"/>
               </a:rPr>
               <a:t>物流系统建模与仿真</a:t>
             </a:r>
-            <a:endParaRPr lang="zh-CN" altLang="en-US" dirty="0">
-              <a:latin typeface="Arial" panose="020B0604020202020204" pitchFamily="34" charset="0"/>
-              <a:ea typeface="微软雅黑" panose="020B0503020204020204" pitchFamily="34" charset="-122"/>
-              <a:sym typeface="Arial" panose="020B0604020202020204" pitchFamily="34" charset="0"/>
-            </a:endParaRPr>
           </a:p>
         </p:txBody>
       </p:sp>
@@ -8278,37 +8259,46 @@
           <a:p>
             <a:pPr rtl="0"/>
             <a:r>
-              <a:rPr lang="zh-CN" altLang="en-US" dirty="0" smtClean="0">
+              <a:rPr lang="zh-CN" altLang="en-US" dirty="0">
                 <a:latin typeface="Arial" panose="020B0604020202020204" pitchFamily="34" charset="0"/>
                 <a:ea typeface="微软雅黑" panose="020B0503020204020204" pitchFamily="34" charset="-122"/>
                 <a:sym typeface="Arial" panose="020B0604020202020204" pitchFamily="34" charset="0"/>
               </a:rPr>
-              <a:t>第三</a:t>
-            </a:r>
-            <a:r>
-              <a:rPr lang="zh-CN" altLang="en-US" smtClean="0">
-                <a:latin typeface="Arial" panose="020B0604020202020204" pitchFamily="34" charset="0"/>
-                <a:ea typeface="微软雅黑" panose="020B0503020204020204" pitchFamily="34" charset="-122"/>
-                <a:sym typeface="Arial" panose="020B0604020202020204" pitchFamily="34" charset="0"/>
-              </a:rPr>
-              <a:t>节 仿真计算的理论</a:t>
-            </a:r>
-            <a:r>
-              <a:rPr lang="zh-CN" altLang="en-US" dirty="0" smtClean="0">
-                <a:latin typeface="Arial" panose="020B0604020202020204" pitchFamily="34" charset="0"/>
-                <a:ea typeface="微软雅黑" panose="020B0503020204020204" pitchFamily="34" charset="-122"/>
-                <a:sym typeface="Arial" panose="020B0604020202020204" pitchFamily="34" charset="0"/>
-              </a:rPr>
-              <a:t>基础 </a:t>
-            </a:r>
-            <a:endParaRPr lang="zh-CN" altLang="en-US" dirty="0">
-              <a:latin typeface="Arial" panose="020B0604020202020204" pitchFamily="34" charset="0"/>
-              <a:ea typeface="微软雅黑" panose="020B0503020204020204" pitchFamily="34" charset="-122"/>
-              <a:sym typeface="Arial" panose="020B0604020202020204" pitchFamily="34" charset="0"/>
-            </a:endParaRPr>
+              <a:t>仿真计算的理论基础 </a:t>
+            </a:r>
           </a:p>
         </p:txBody>
       </p:sp>
+      <p:pic>
+        <p:nvPicPr>
+          <p:cNvPr id="5" name="图片 4">
+            <a:extLst>
+              <a:ext uri="{FF2B5EF4-FFF2-40B4-BE49-F238E27FC236}">
+                <a16:creationId xmlns:a16="http://schemas.microsoft.com/office/drawing/2014/main" id="{628F2C51-7206-F44F-8714-4BDB33AD43CB}"/>
+              </a:ext>
+            </a:extLst>
+          </p:cNvPr>
+          <p:cNvPicPr>
+            <a:picLocks noChangeAspect="1"/>
+          </p:cNvPicPr>
+          <p:nvPr/>
+        </p:nvPicPr>
+        <p:blipFill>
+          <a:blip r:link="rId3"/>
+          <a:stretch>
+            <a:fillRect/>
+          </a:stretch>
+        </p:blipFill>
+        <p:spPr>
+          <a:xfrm>
+            <a:off x="1270000" y="1270000"/>
+            <a:ext cx="63500" cy="76200"/>
+          </a:xfrm>
+          <a:prstGeom prst="rect">
+            <a:avLst/>
+          </a:prstGeom>
+        </p:spPr>
+      </p:pic>
     </p:spTree>
     <p:extLst>
       <p:ext uri="{BB962C8B-B14F-4D97-AF65-F5344CB8AC3E}">
@@ -8331,13 +8321,6 @@
       </p:transition>
     </mc:Fallback>
   </mc:AlternateContent>
-  <p:timing>
-    <p:tnLst>
-      <p:par>
-        <p:cTn id="1" dur="indefinite" restart="never" nodeType="tmRoot"/>
-      </p:par>
-    </p:tnLst>
-  </p:timing>
 </p:sld>
 </file>
 
@@ -8374,10 +8357,9 @@
           <a:lstStyle/>
           <a:p>
             <a:r>
-              <a:rPr lang="zh-CN" altLang="en-US" dirty="0" smtClean="0"/>
+              <a:rPr lang="zh-CN" altLang="en-US" dirty="0"/>
               <a:t>时间间隔 </a:t>
             </a:r>
-            <a:endParaRPr lang="zh-CN" altLang="en-US" dirty="0"/>
           </a:p>
         </p:txBody>
       </p:sp>
@@ -8442,7 +8424,7 @@
                     <a:lstStyle/>
                     <a:p>
                       <a:r>
-                        <a:rPr lang="zh-CN" altLang="en-US" dirty="0" smtClean="0">
+                        <a:rPr lang="zh-CN" altLang="en-US" dirty="0">
                           <a:solidFill>
                             <a:srgbClr val="0070C0"/>
                           </a:solidFill>
@@ -8451,13 +8433,6 @@
                         </a:rPr>
                         <a:t>时间步长</a:t>
                       </a:r>
-                      <a:endParaRPr lang="zh-CN" altLang="en-US" dirty="0">
-                        <a:solidFill>
-                          <a:srgbClr val="0070C0"/>
-                        </a:solidFill>
-                        <a:latin typeface="宋体" panose="02010600030101010101" pitchFamily="2" charset="-122"/>
-                        <a:ea typeface="宋体" panose="02010600030101010101" pitchFamily="2" charset="-122"/>
-                      </a:endParaRPr>
                     </a:p>
                   </a:txBody>
                   <a:tcPr>
@@ -8475,7 +8450,7 @@
                     <a:lstStyle/>
                     <a:p>
                       <a:r>
-                        <a:rPr lang="zh-CN" altLang="en-US" dirty="0" smtClean="0">
+                        <a:rPr lang="zh-CN" altLang="en-US" dirty="0">
                           <a:solidFill>
                             <a:srgbClr val="0070C0"/>
                           </a:solidFill>
@@ -8484,13 +8459,6 @@
                         </a:rPr>
                         <a:t>无穷小</a:t>
                       </a:r>
-                      <a:endParaRPr lang="zh-CN" altLang="en-US" dirty="0">
-                        <a:solidFill>
-                          <a:srgbClr val="0070C0"/>
-                        </a:solidFill>
-                        <a:latin typeface="宋体" panose="02010600030101010101" pitchFamily="2" charset="-122"/>
-                        <a:ea typeface="宋体" panose="02010600030101010101" pitchFamily="2" charset="-122"/>
-                      </a:endParaRPr>
                     </a:p>
                   </a:txBody>
                   <a:tcPr>
@@ -8531,7 +8499,7 @@
                     <a:lstStyle/>
                     <a:p>
                       <a:r>
-                        <a:rPr lang="zh-CN" altLang="en-US" dirty="0" smtClean="0">
+                        <a:rPr lang="zh-CN" altLang="en-US" dirty="0">
                           <a:solidFill>
                             <a:srgbClr val="0070C0"/>
                           </a:solidFill>
@@ -8540,13 +8508,6 @@
                         </a:rPr>
                         <a:t>相对小</a:t>
                       </a:r>
-                      <a:endParaRPr lang="zh-CN" altLang="en-US" dirty="0">
-                        <a:solidFill>
-                          <a:srgbClr val="0070C0"/>
-                        </a:solidFill>
-                        <a:latin typeface="宋体" panose="02010600030101010101" pitchFamily="2" charset="-122"/>
-                        <a:ea typeface="宋体" panose="02010600030101010101" pitchFamily="2" charset="-122"/>
-                      </a:endParaRPr>
                     </a:p>
                   </a:txBody>
                   <a:tcPr>
@@ -8571,7 +8532,7 @@
                     <a:lstStyle/>
                     <a:p>
                       <a:r>
-                        <a:rPr lang="zh-CN" altLang="en-US" smtClean="0">
+                        <a:rPr lang="zh-CN" altLang="en-US">
                           <a:solidFill>
                             <a:srgbClr val="0070C0"/>
                           </a:solidFill>
@@ -8604,7 +8565,7 @@
                     <a:lstStyle/>
                     <a:p>
                       <a:r>
-                        <a:rPr lang="zh-CN" altLang="en-US" smtClean="0">
+                        <a:rPr lang="zh-CN" altLang="en-US">
                           <a:solidFill>
                             <a:srgbClr val="0070C0"/>
                           </a:solidFill>
@@ -8660,7 +8621,7 @@
                     <a:lstStyle/>
                     <a:p>
                       <a:r>
-                        <a:rPr lang="zh-CN" altLang="en-US" smtClean="0">
+                        <a:rPr lang="zh-CN" altLang="en-US">
                           <a:solidFill>
                             <a:srgbClr val="0070C0"/>
                           </a:solidFill>
@@ -8700,7 +8661,7 @@
                     <a:lstStyle/>
                     <a:p>
                       <a:r>
-                        <a:rPr lang="zh-CN" altLang="en-US" dirty="0" smtClean="0">
+                        <a:rPr lang="zh-CN" altLang="en-US" dirty="0">
                           <a:solidFill>
                             <a:srgbClr val="0070C0"/>
                           </a:solidFill>
@@ -8709,13 +8670,6 @@
                         </a:rPr>
                         <a:t>符号</a:t>
                       </a:r>
-                      <a:endParaRPr lang="zh-CN" altLang="en-US" dirty="0">
-                        <a:solidFill>
-                          <a:srgbClr val="0070C0"/>
-                        </a:solidFill>
-                        <a:latin typeface="宋体" panose="02010600030101010101" pitchFamily="2" charset="-122"/>
-                        <a:ea typeface="宋体" panose="02010600030101010101" pitchFamily="2" charset="-122"/>
-                      </a:endParaRPr>
                     </a:p>
                   </a:txBody>
                   <a:tcPr>
@@ -8733,7 +8687,7 @@
                     <a:lstStyle/>
                     <a:p>
                       <a:r>
-                        <a:rPr lang="en-US" altLang="zh-CN" i="1" dirty="0" err="1" smtClean="0">
+                        <a:rPr lang="en-US" altLang="zh-CN" i="1" dirty="0" err="1">
                           <a:solidFill>
                             <a:srgbClr val="0070C0"/>
                           </a:solidFill>
@@ -8789,7 +8743,7 @@
                     <a:lstStyle/>
                     <a:p>
                       <a:r>
-                        <a:rPr lang="zh-CN" altLang="en-US" dirty="0" smtClean="0">
+                        <a:rPr lang="zh-CN" altLang="en-US" dirty="0">
                           <a:solidFill>
                             <a:srgbClr val="0070C0"/>
                           </a:solidFill>
@@ -8800,7 +8754,7 @@
                         <a:t></a:t>
                       </a:r>
                       <a:r>
-                        <a:rPr lang="en-US" altLang="zh-CN" dirty="0" smtClean="0">
+                        <a:rPr lang="en-US" altLang="zh-CN" dirty="0">
                           <a:solidFill>
                             <a:srgbClr val="0070C0"/>
                           </a:solidFill>
@@ -8841,7 +8795,7 @@
                     <a:lstStyle/>
                     <a:p>
                       <a:r>
-                        <a:rPr lang="zh-CN" altLang="en-US" dirty="0" smtClean="0">
+                        <a:rPr lang="zh-CN" altLang="en-US" dirty="0">
                           <a:solidFill>
                             <a:srgbClr val="0070C0"/>
                           </a:solidFill>
@@ -8850,13 +8804,6 @@
                         </a:rPr>
                         <a:t>存量计算方法</a:t>
                       </a:r>
-                      <a:endParaRPr lang="zh-CN" altLang="en-US" dirty="0">
-                        <a:solidFill>
-                          <a:srgbClr val="0070C0"/>
-                        </a:solidFill>
-                        <a:latin typeface="宋体" panose="02010600030101010101" pitchFamily="2" charset="-122"/>
-                        <a:ea typeface="宋体" panose="02010600030101010101" pitchFamily="2" charset="-122"/>
-                      </a:endParaRPr>
                     </a:p>
                   </a:txBody>
                   <a:tcPr>
@@ -8874,7 +8821,7 @@
                     <a:lstStyle/>
                     <a:p>
                       <a:r>
-                        <a:rPr lang="zh-CN" altLang="en-US" smtClean="0">
+                        <a:rPr lang="zh-CN" altLang="en-US">
                           <a:solidFill>
                             <a:srgbClr val="0070C0"/>
                           </a:solidFill>
@@ -8930,7 +8877,7 @@
                     <a:lstStyle/>
                     <a:p>
                       <a:r>
-                        <a:rPr lang="zh-CN" altLang="en-US" dirty="0" smtClean="0">
+                        <a:rPr lang="zh-CN" altLang="en-US" dirty="0">
                           <a:solidFill>
                             <a:srgbClr val="0070C0"/>
                           </a:solidFill>
@@ -8939,13 +8886,6 @@
                         </a:rPr>
                         <a:t>累加</a:t>
                       </a:r>
-                      <a:endParaRPr lang="zh-CN" altLang="en-US" dirty="0">
-                        <a:solidFill>
-                          <a:srgbClr val="0070C0"/>
-                        </a:solidFill>
-                        <a:latin typeface="宋体" panose="02010600030101010101" pitchFamily="2" charset="-122"/>
-                        <a:ea typeface="宋体" panose="02010600030101010101" pitchFamily="2" charset="-122"/>
-                      </a:endParaRPr>
                     </a:p>
                   </a:txBody>
                   <a:tcPr>
@@ -8970,7 +8910,7 @@
                     <a:lstStyle/>
                     <a:p>
                       <a:r>
-                        <a:rPr lang="zh-CN" altLang="en-US" smtClean="0">
+                        <a:rPr lang="zh-CN" altLang="en-US">
                           <a:solidFill>
                             <a:srgbClr val="0070C0"/>
                           </a:solidFill>
@@ -9003,7 +8943,7 @@
                     <a:lstStyle/>
                     <a:p>
                       <a:r>
-                        <a:rPr lang="zh-CN" altLang="en-US" smtClean="0">
+                        <a:rPr lang="zh-CN" altLang="en-US">
                           <a:solidFill>
                             <a:srgbClr val="0070C0"/>
                           </a:solidFill>
@@ -9059,7 +8999,7 @@
                     <a:lstStyle/>
                     <a:p>
                       <a:r>
-                        <a:rPr lang="zh-CN" altLang="en-US" smtClean="0">
+                        <a:rPr lang="zh-CN" altLang="en-US">
                           <a:solidFill>
                             <a:srgbClr val="0070C0"/>
                           </a:solidFill>
@@ -9099,7 +9039,7 @@
                     <a:lstStyle/>
                     <a:p>
                       <a:r>
-                        <a:rPr lang="zh-CN" altLang="en-US" smtClean="0">
+                        <a:rPr lang="zh-CN" altLang="en-US">
                           <a:solidFill>
                             <a:srgbClr val="0070C0"/>
                           </a:solidFill>
@@ -9132,7 +9072,7 @@
                     <a:lstStyle/>
                     <a:p>
                       <a:r>
-                        <a:rPr lang="zh-CN" altLang="en-US" smtClean="0">
+                        <a:rPr lang="zh-CN" altLang="en-US">
                           <a:solidFill>
                             <a:srgbClr val="0070C0"/>
                           </a:solidFill>
@@ -9188,7 +9128,7 @@
                     <a:lstStyle/>
                     <a:p>
                       <a:r>
-                        <a:rPr lang="zh-CN" altLang="en-US" dirty="0" smtClean="0">
+                        <a:rPr lang="zh-CN" altLang="en-US" dirty="0">
                           <a:solidFill>
                             <a:srgbClr val="0070C0"/>
                           </a:solidFill>
@@ -9197,13 +9137,6 @@
                         </a:rPr>
                         <a:t>定量</a:t>
                       </a:r>
-                      <a:endParaRPr lang="zh-CN" altLang="en-US" dirty="0">
-                        <a:solidFill>
-                          <a:srgbClr val="0070C0"/>
-                        </a:solidFill>
-                        <a:latin typeface="宋体" panose="02010600030101010101" pitchFamily="2" charset="-122"/>
-                        <a:ea typeface="宋体" panose="02010600030101010101" pitchFamily="2" charset="-122"/>
-                      </a:endParaRPr>
                     </a:p>
                   </a:txBody>
                   <a:tcPr>
@@ -9283,13 +9216,6 @@
       </p:transition>
     </mc:Fallback>
   </mc:AlternateContent>
-  <p:timing>
-    <p:tnLst>
-      <p:par>
-        <p:cTn id="1" dur="indefinite" restart="never" nodeType="tmRoot"/>
-      </p:par>
-    </p:tnLst>
-  </p:timing>
 </p:sld>
 </file>
 
@@ -9326,23 +9252,22 @@
           <a:lstStyle/>
           <a:p>
             <a:r>
-              <a:rPr lang="zh-CN" altLang="en-US" dirty="0" smtClean="0"/>
+              <a:rPr lang="zh-CN" altLang="en-US" dirty="0"/>
               <a:t>问题</a:t>
             </a:r>
             <a:r>
-              <a:rPr lang="en-US" altLang="zh-CN" dirty="0" smtClean="0"/>
+              <a:rPr lang="en-US" altLang="zh-CN" dirty="0"/>
               <a:t>2</a:t>
             </a:r>
             <a:r>
-              <a:rPr lang="zh-CN" altLang="en-US" dirty="0" smtClean="0"/>
+              <a:rPr lang="zh-CN" altLang="en-US" dirty="0"/>
               <a:t>：入库出库问题</a:t>
             </a:r>
-            <a:endParaRPr lang="zh-CN" altLang="en-US" dirty="0"/>
           </a:p>
         </p:txBody>
       </p:sp>
-      <mc:AlternateContent xmlns:mc="http://schemas.openxmlformats.org/markup-compatibility/2006">
-        <mc:Choice xmlns:a14="http://schemas.microsoft.com/office/drawing/2010/main" Requires="a14">
+      <mc:AlternateContent xmlns:mc="http://schemas.openxmlformats.org/markup-compatibility/2006" xmlns:a14="http://schemas.microsoft.com/office/drawing/2010/main">
+        <mc:Choice Requires="a14">
           <p:sp>
             <p:nvSpPr>
               <p:cNvPr id="3" name="内容占位符 2"/>
@@ -9364,27 +9289,23 @@
               <a:lstStyle/>
               <a:p>
                 <a:r>
-                  <a:rPr lang="zh-CN" altLang="en-US" dirty="0" smtClean="0"/>
+                  <a:rPr lang="zh-CN" altLang="en-US" dirty="0"/>
                   <a:t>某仓库</a:t>
                 </a:r>
                 <a:r>
-                  <a:rPr lang="en-US" altLang="zh-CN" dirty="0" smtClean="0"/>
+                  <a:rPr lang="en-US" altLang="zh-CN" dirty="0"/>
                   <a:t>Stock</a:t>
                 </a:r>
                 <a:r>
-                  <a:rPr lang="zh-CN" altLang="en-US" dirty="0" smtClean="0"/>
-                  <a:t>，</a:t>
+                  <a:rPr lang="zh-CN" altLang="en-US" dirty="0"/>
+                  <a:t>，库存初始为</a:t>
+                </a:r>
+                <a:r>
+                  <a:rPr lang="en-US" altLang="zh-CN" dirty="0"/>
+                  <a:t>0</a:t>
                 </a:r>
                 <a:r>
                   <a:rPr lang="zh-CN" altLang="en-US" dirty="0"/>
-                  <a:t>库存初始为</a:t>
-                </a:r>
-                <a:r>
-                  <a:rPr lang="en-US" altLang="zh-CN" dirty="0" smtClean="0"/>
-                  <a:t>0</a:t>
-                </a:r>
-                <a:r>
-                  <a:rPr lang="zh-CN" altLang="en-US" dirty="0" smtClean="0"/>
                   <a:t>，时间</a:t>
                 </a:r>
                 <a:r>
@@ -9393,22 +9314,14 @@
                 </a:r>
                 <a:r>
                   <a:rPr lang="zh-CN" altLang="en-US" dirty="0"/>
-                  <a:t>以天为</a:t>
+                  <a:t>以天为单位</a:t>
                 </a:r>
-                <a:r>
-                  <a:rPr lang="zh-CN" altLang="en-US" dirty="0" smtClean="0"/>
-                  <a:t>单位</a:t>
-                </a:r>
-                <a:endParaRPr lang="en-US" altLang="zh-CN" dirty="0" smtClean="0"/>
+                <a:endParaRPr lang="en-US" altLang="zh-CN" dirty="0"/>
               </a:p>
               <a:p>
                 <a:r>
-                  <a:rPr lang="zh-CN" altLang="en-US" dirty="0" smtClean="0"/>
-                  <a:t>入库为</a:t>
-                </a:r>
-                <a:r>
-                  <a:rPr lang="zh-CN" altLang="en-US" dirty="0" smtClean="0"/>
-                  <a:t>：</a:t>
+                  <a:rPr lang="zh-CN" altLang="en-US" dirty="0"/>
+                  <a:t>入库为：</a:t>
                 </a:r>
                 <a14:m>
                   <m:oMath xmlns:m="http://schemas.openxmlformats.org/officeDocument/2006/math">
@@ -9458,7 +9371,7 @@
                   </m:oMath>
                 </a14:m>
                 <a:r>
-                  <a:rPr lang="en-US" altLang="zh-CN" sz="2400" dirty="0" smtClean="0"/>
+                  <a:rPr lang="en-US" altLang="zh-CN" sz="2400" dirty="0"/>
                   <a:t> </a:t>
                 </a:r>
                 <a:r>
@@ -9477,15 +9390,7 @@
                 </a14:m>
                 <a:r>
                   <a:rPr lang="zh-CN" altLang="en-US" sz="2400" dirty="0"/>
-                  <a:t>为</a:t>
-                </a:r>
-                <a:r>
-                  <a:rPr lang="zh-CN" altLang="en-US" sz="2400" dirty="0"/>
-                  <a:t>时间</a:t>
-                </a:r>
-                <a:r>
-                  <a:rPr lang="zh-CN" altLang="en-US" sz="2400" dirty="0" smtClean="0"/>
-                  <a:t>变量</a:t>
+                  <a:t>为时间变量</a:t>
                 </a:r>
                 <a14:m>
                   <m:oMath xmlns:m="http://schemas.openxmlformats.org/officeDocument/2006/math">
@@ -9498,19 +9403,14 @@
                   </m:oMath>
                 </a14:m>
                 <a:r>
-                  <a:rPr lang="zh-CN" altLang="en-US" sz="2400" dirty="0" smtClean="0"/>
+                  <a:rPr lang="zh-CN" altLang="en-US" sz="2400" dirty="0"/>
                   <a:t>简写）</a:t>
                 </a:r>
-                <a:endParaRPr lang="zh-CN" altLang="en-US" sz="2400" dirty="0"/>
               </a:p>
               <a:p>
                 <a:r>
-                  <a:rPr lang="zh-CN" altLang="en-US" dirty="0" smtClean="0"/>
-                  <a:t>出</a:t>
-                </a:r>
-                <a:r>
-                  <a:rPr lang="zh-CN" altLang="en-US" dirty="0" smtClean="0"/>
-                  <a:t>库为：</a:t>
+                  <a:rPr lang="zh-CN" altLang="en-US" dirty="0"/>
+                  <a:t>出库为：</a:t>
                 </a:r>
                 <a14:m>
                   <m:oMath xmlns:m="http://schemas.openxmlformats.org/officeDocument/2006/math">
@@ -9584,7 +9484,7 @@
                   <a:rPr lang="en-US" altLang="zh-CN" sz="2400" dirty="0"/>
                   <a:t> </a:t>
                 </a:r>
-                <a:endParaRPr lang="en-US" altLang="zh-CN" dirty="0" smtClean="0"/>
+                <a:endParaRPr lang="en-US" altLang="zh-CN" dirty="0"/>
               </a:p>
               <a:p>
                 <a:endParaRPr lang="zh-CN" altLang="en-US" dirty="0"/>
@@ -9592,7 +9492,7 @@
             </p:txBody>
           </p:sp>
         </mc:Choice>
-        <mc:Fallback>
+        <mc:Fallback xmlns="">
           <p:sp>
             <p:nvSpPr>
               <p:cNvPr id="3" name="内容占位符 2"/>
@@ -9727,15 +9627,15 @@
             <a:lstStyle/>
             <a:p>
               <a:r>
-                <a:rPr lang="zh-CN" altLang="en-US" dirty="0" smtClean="0"/>
+                <a:rPr lang="zh-CN" altLang="en-US" dirty="0"/>
                 <a:t>时间</a:t>
               </a:r>
               <a:r>
-                <a:rPr lang="en-US" altLang="zh-CN" dirty="0" smtClean="0"/>
+                <a:rPr lang="en-US" altLang="zh-CN" dirty="0"/>
                 <a:t>t</a:t>
               </a:r>
               <a:r>
-                <a:rPr lang="en-US" altLang="zh-CN" sz="1100" dirty="0" smtClean="0"/>
+                <a:rPr lang="en-US" altLang="zh-CN" sz="1100" dirty="0"/>
                 <a:t>0</a:t>
               </a:r>
               <a:endParaRPr lang="zh-CN" altLang="en-US" sz="1200" dirty="0"/>
@@ -9765,15 +9665,15 @@
             <a:lstStyle/>
             <a:p>
               <a:r>
-                <a:rPr lang="zh-CN" altLang="en-US" dirty="0" smtClean="0"/>
+                <a:rPr lang="zh-CN" altLang="en-US" dirty="0"/>
                 <a:t>时间</a:t>
               </a:r>
               <a:r>
-                <a:rPr lang="en-US" altLang="zh-CN" dirty="0" smtClean="0"/>
+                <a:rPr lang="en-US" altLang="zh-CN" dirty="0"/>
                 <a:t>t</a:t>
               </a:r>
               <a:r>
-                <a:rPr lang="en-US" altLang="zh-CN" sz="1100" dirty="0" smtClean="0"/>
+                <a:rPr lang="en-US" altLang="zh-CN" sz="1100" dirty="0"/>
                 <a:t>1</a:t>
               </a:r>
               <a:endParaRPr lang="zh-CN" altLang="en-US" sz="1100" dirty="0"/>
@@ -9803,7 +9703,7 @@
           <a:graphicData uri="http://schemas.openxmlformats.org/presentationml/2006/ole">
             <mc:AlternateContent xmlns:mc="http://schemas.openxmlformats.org/markup-compatibility/2006">
               <mc:Choice xmlns:v="urn:schemas-microsoft-com:vml" Requires="v">
-                <p:oleObj spid="_x0000_s3147" name="Equation" r:id="rId6" imgW="3022560" imgH="228600" progId="Equation.DSMT4">
+                <p:oleObj spid="_x0000_s3148" name="Equation" r:id="rId6" imgW="3022560" imgH="228600" progId="Equation.DSMT4">
                   <p:embed/>
                 </p:oleObj>
               </mc:Choice>
@@ -9875,10 +9775,9 @@
           <a:p>
             <a:pPr algn="ctr"/>
             <a:r>
-              <a:rPr lang="zh-CN" altLang="en-US" sz="2400" dirty="0" smtClean="0"/>
+              <a:rPr lang="zh-CN" altLang="en-US" sz="2400" dirty="0"/>
               <a:t>水池</a:t>
             </a:r>
-            <a:endParaRPr lang="zh-CN" altLang="en-US" sz="2400" dirty="0"/>
           </a:p>
         </p:txBody>
       </p:sp>
@@ -9919,15 +9818,14 @@
           <a:p>
             <a:pPr algn="ctr"/>
             <a:r>
-              <a:rPr lang="zh-CN" altLang="en-US" sz="2400" dirty="0" smtClean="0"/>
+              <a:rPr lang="zh-CN" altLang="en-US" sz="2400" dirty="0"/>
               <a:t>存量</a:t>
             </a:r>
-            <a:endParaRPr lang="zh-CN" altLang="en-US" sz="2400" dirty="0"/>
           </a:p>
         </p:txBody>
       </p:sp>
-      <mc:AlternateContent xmlns:mc="http://schemas.openxmlformats.org/markup-compatibility/2006">
-        <mc:Choice xmlns:a14="http://schemas.microsoft.com/office/drawing/2010/main" Requires="a14">
+      <mc:AlternateContent xmlns:mc="http://schemas.openxmlformats.org/markup-compatibility/2006" xmlns:a14="http://schemas.microsoft.com/office/drawing/2010/main">
+        <mc:Choice Requires="a14">
           <p:sp>
             <p:nvSpPr>
               <p:cNvPr id="14" name="矩形 13"/>
@@ -9950,7 +9848,7 @@
               <a:lstStyle/>
               <a:p>
                 <a:r>
-                  <a:rPr lang="zh-CN" altLang="en-US" dirty="0" smtClean="0"/>
+                  <a:rPr lang="zh-CN" altLang="en-US" dirty="0"/>
                   <a:t>（</a:t>
                 </a:r>
                 <a14:m>
@@ -9964,19 +9862,14 @@
                   </m:oMath>
                 </a14:m>
                 <a:r>
-                  <a:rPr lang="zh-CN" altLang="en-US" dirty="0" smtClean="0"/>
-                  <a:t>为</a:t>
+                  <a:rPr lang="zh-CN" altLang="en-US" dirty="0"/>
+                  <a:t>为时间变量）</a:t>
                 </a:r>
-                <a:r>
-                  <a:rPr lang="zh-CN" altLang="en-US" dirty="0"/>
-                  <a:t>时间变量）</a:t>
-                </a:r>
-                <a:endParaRPr lang="zh-CN" altLang="en-US" dirty="0"/>
               </a:p>
             </p:txBody>
           </p:sp>
         </mc:Choice>
-        <mc:Fallback>
+        <mc:Fallback xmlns="">
           <p:sp>
             <p:nvSpPr>
               <p:cNvPr id="14" name="矩形 13"/>
@@ -10853,10 +10746,9 @@
           <a:lstStyle/>
           <a:p>
             <a:r>
-              <a:rPr lang="zh-CN" altLang="en-US" sz="2800" dirty="0" smtClean="0"/>
+              <a:rPr lang="zh-CN" altLang="en-US" sz="2800" dirty="0"/>
               <a:t>计算过程</a:t>
             </a:r>
-            <a:endParaRPr lang="zh-CN" altLang="en-US" sz="2800" dirty="0"/>
           </a:p>
         </p:txBody>
       </p:sp>
@@ -10886,10 +10778,9 @@
               <a:buNone/>
             </a:pPr>
             <a:r>
-              <a:rPr lang="zh-CN" altLang="en-US" sz="2400" dirty="0" smtClean="0"/>
+              <a:rPr lang="zh-CN" altLang="en-US" sz="2400" dirty="0"/>
               <a:t>精确计算各时间的存量</a:t>
             </a:r>
-            <a:endParaRPr lang="zh-CN" altLang="en-US" sz="2400" dirty="0"/>
           </a:p>
         </p:txBody>
       </p:sp>
@@ -10939,7 +10830,7 @@
           <a:graphicData uri="http://schemas.openxmlformats.org/presentationml/2006/ole">
             <mc:AlternateContent xmlns:mc="http://schemas.openxmlformats.org/markup-compatibility/2006">
               <mc:Choice xmlns:v="urn:schemas-microsoft-com:vml" Requires="v">
-                <p:oleObj spid="_x0000_s1167" name="Equation" r:id="rId4" imgW="3124080" imgH="355320" progId="Equation.DSMT4">
+                <p:oleObj spid="_x0000_s1169" name="Equation" r:id="rId4" imgW="3124080" imgH="355320" progId="Equation.DSMT4">
                   <p:embed/>
                 </p:oleObj>
               </mc:Choice>
@@ -10996,7 +10887,7 @@
           <a:graphicData uri="http://schemas.openxmlformats.org/presentationml/2006/ole">
             <mc:AlternateContent xmlns:mc="http://schemas.openxmlformats.org/markup-compatibility/2006">
               <mc:Choice xmlns:v="urn:schemas-microsoft-com:vml" Requires="v">
-                <p:oleObj spid="_x0000_s1168" name="Equation" r:id="rId6" imgW="2984400" imgH="228600" progId="Equation.DSMT4">
+                <p:oleObj spid="_x0000_s1170" name="Equation" r:id="rId6" imgW="2984400" imgH="228600" progId="Equation.DSMT4">
                   <p:embed/>
                 </p:oleObj>
               </mc:Choice>
@@ -11118,11 +11009,11 @@
               <a:lstStyle/>
               <a:p>
                 <a:r>
-                  <a:rPr lang="zh-CN" altLang="en-US" dirty="0" smtClean="0"/>
+                  <a:rPr lang="zh-CN" altLang="en-US" dirty="0"/>
                   <a:t>时间</a:t>
                 </a:r>
                 <a:r>
-                  <a:rPr lang="en-US" altLang="zh-CN" dirty="0" smtClean="0"/>
+                  <a:rPr lang="en-US" altLang="zh-CN" dirty="0"/>
                   <a:t>t</a:t>
                 </a:r>
                 <a:r>
@@ -11156,11 +11047,11 @@
               <a:lstStyle/>
               <a:p>
                 <a:r>
-                  <a:rPr lang="zh-CN" altLang="en-US" dirty="0" smtClean="0"/>
+                  <a:rPr lang="zh-CN" altLang="en-US" dirty="0"/>
                   <a:t>时间</a:t>
                 </a:r>
                 <a:r>
-                  <a:rPr lang="en-US" altLang="zh-CN" dirty="0" smtClean="0"/>
+                  <a:rPr lang="en-US" altLang="zh-CN" dirty="0"/>
                   <a:t>t </a:t>
                 </a:r>
                 <a:endParaRPr lang="zh-CN" altLang="en-US" dirty="0"/>
@@ -11194,7 +11085,7 @@
                 <a:t>时间</a:t>
               </a:r>
               <a:r>
-                <a:rPr lang="en-US" altLang="zh-CN" dirty="0" smtClean="0"/>
+                <a:rPr lang="en-US" altLang="zh-CN" dirty="0"/>
                 <a:t>t</a:t>
               </a:r>
               <a:r>
@@ -11231,7 +11122,7 @@
                 <a:t>时间</a:t>
               </a:r>
               <a:r>
-                <a:rPr lang="en-US" altLang="zh-CN" dirty="0" smtClean="0"/>
+                <a:rPr lang="en-US" altLang="zh-CN" dirty="0"/>
                 <a:t>t</a:t>
               </a:r>
               <a:r>
@@ -11267,7 +11158,7 @@
               <a:lstStyle/>
               <a:p>
                 <a:r>
-                  <a:rPr lang="zh-CN" altLang="en-US" b="0" dirty="0" smtClean="0"/>
+                  <a:rPr lang="zh-CN" altLang="en-US" b="0" dirty="0"/>
                   <a:t>时间间隔</a:t>
                 </a:r>
                 <a14:m>
@@ -11355,11 +11246,7 @@
               <a:p>
                 <a:r>
                   <a:rPr lang="zh-CN" altLang="en-US" dirty="0"/>
-                  <a:t>时间</a:t>
-                </a:r>
-                <a:r>
-                  <a:rPr lang="zh-CN" altLang="en-US" dirty="0" smtClean="0"/>
-                  <a:t>间隔</a:t>
+                  <a:t>时间间隔</a:t>
                 </a:r>
                 <a14:m>
                   <m:oMath xmlns:m="http://schemas.openxmlformats.org/officeDocument/2006/math">
@@ -11673,10 +11560,9 @@
           <a:lstStyle/>
           <a:p>
             <a:r>
-              <a:rPr lang="zh-CN" altLang="en-US" dirty="0" smtClean="0"/>
+              <a:rPr lang="zh-CN" altLang="en-US" dirty="0"/>
               <a:t>仿真方程计算过程</a:t>
             </a:r>
-            <a:endParaRPr lang="zh-CN" altLang="en-US" dirty="0"/>
           </a:p>
         </p:txBody>
       </p:sp>
@@ -11698,28 +11584,27 @@
           <a:lstStyle/>
           <a:p>
             <a:r>
-              <a:rPr lang="zh-CN" altLang="en-US" sz="2400" dirty="0" smtClean="0"/>
+              <a:rPr lang="zh-CN" altLang="en-US" sz="2400" dirty="0"/>
               <a:t>仿真中，时间间隔被设置为相对小的时间间隔，长度设为</a:t>
             </a:r>
             <a:r>
-              <a:rPr lang="en-US" altLang="zh-CN" sz="2400" dirty="0" smtClean="0"/>
+              <a:rPr lang="en-US" altLang="zh-CN" sz="2400" dirty="0"/>
               <a:t>DT</a:t>
             </a:r>
           </a:p>
           <a:p>
             <a:r>
-              <a:rPr lang="zh-CN" altLang="en-US" sz="2400" dirty="0" smtClean="0"/>
+              <a:rPr lang="zh-CN" altLang="en-US" sz="2400" dirty="0"/>
               <a:t>由于积分中的瞬时量无法获取，采用</a:t>
             </a:r>
             <a:r>
-              <a:rPr lang="en-US" altLang="zh-CN" sz="2400" dirty="0" smtClean="0"/>
+              <a:rPr lang="en-US" altLang="zh-CN" sz="2400" dirty="0"/>
               <a:t>Euler</a:t>
             </a:r>
             <a:r>
-              <a:rPr lang="zh-CN" altLang="en-US" sz="2400" dirty="0" smtClean="0"/>
+              <a:rPr lang="zh-CN" altLang="en-US" sz="2400" dirty="0"/>
               <a:t>方法近似计算存量</a:t>
             </a:r>
-            <a:endParaRPr lang="zh-CN" altLang="en-US" sz="2400" dirty="0"/>
           </a:p>
         </p:txBody>
       </p:sp>
@@ -11746,22 +11631,21 @@
           <a:lstStyle/>
           <a:p>
             <a:r>
-              <a:rPr lang="en-US" altLang="zh-CN" dirty="0" smtClean="0"/>
+              <a:rPr lang="en-US" altLang="zh-CN" dirty="0"/>
               <a:t>Euler</a:t>
             </a:r>
             <a:r>
-              <a:rPr lang="zh-CN" altLang="en-US" dirty="0" smtClean="0"/>
+              <a:rPr lang="zh-CN" altLang="en-US" dirty="0"/>
               <a:t>方法实质是假设</a:t>
             </a:r>
             <a:r>
-              <a:rPr lang="en-US" altLang="zh-CN" dirty="0" smtClean="0"/>
+              <a:rPr lang="en-US" altLang="zh-CN" dirty="0"/>
               <a:t>DT</a:t>
             </a:r>
             <a:r>
-              <a:rPr lang="zh-CN" altLang="en-US" dirty="0" smtClean="0"/>
+              <a:rPr lang="zh-CN" altLang="en-US" dirty="0"/>
               <a:t>时间段内的速率量保持恒定，这与大部分管理实际问题相符合</a:t>
             </a:r>
-            <a:endParaRPr lang="zh-CN" altLang="en-US" dirty="0"/>
           </a:p>
         </p:txBody>
       </p:sp>
@@ -12075,11 +11959,11 @@
             <a:lstStyle/>
             <a:p>
               <a:r>
-                <a:rPr lang="zh-CN" altLang="en-US" sz="1400" dirty="0" smtClean="0"/>
+                <a:rPr lang="zh-CN" altLang="en-US" sz="1400" dirty="0"/>
                 <a:t>时间间隔被设定为</a:t>
               </a:r>
               <a:r>
-                <a:rPr lang="en-US" altLang="zh-CN" sz="1400" dirty="0" smtClean="0"/>
+                <a:rPr lang="en-US" altLang="zh-CN" sz="1400" dirty="0"/>
                 <a:t>DT</a:t>
               </a:r>
               <a:endParaRPr lang="zh-CN" altLang="en-US" sz="1400" dirty="0"/>
@@ -12109,7 +11993,7 @@
             <a:lstStyle/>
             <a:p>
               <a:r>
-                <a:rPr lang="en-US" altLang="zh-CN" sz="1400" dirty="0" smtClean="0"/>
+                <a:rPr lang="en-US" altLang="zh-CN" sz="1400" dirty="0"/>
                 <a:t>J</a:t>
               </a:r>
               <a:endParaRPr lang="zh-CN" altLang="en-US" sz="1400" dirty="0"/>
@@ -12169,7 +12053,7 @@
             <a:lstStyle/>
             <a:p>
               <a:r>
-                <a:rPr lang="en-US" altLang="zh-CN" sz="1400" dirty="0" smtClean="0"/>
+                <a:rPr lang="en-US" altLang="zh-CN" sz="1400" dirty="0"/>
                 <a:t>L</a:t>
               </a:r>
               <a:endParaRPr lang="zh-CN" altLang="en-US" sz="1400" dirty="0"/>
@@ -12199,7 +12083,7 @@
             <a:lstStyle/>
             <a:p>
               <a:r>
-                <a:rPr lang="en-US" altLang="zh-CN" sz="1400" dirty="0" smtClean="0"/>
+                <a:rPr lang="en-US" altLang="zh-CN" sz="1400" dirty="0"/>
                 <a:t>JK</a:t>
               </a:r>
               <a:endParaRPr lang="zh-CN" altLang="en-US" sz="1400" dirty="0"/>
@@ -12229,7 +12113,7 @@
             <a:lstStyle/>
             <a:p>
               <a:r>
-                <a:rPr lang="en-US" altLang="zh-CN" sz="1400" dirty="0" smtClean="0"/>
+                <a:rPr lang="en-US" altLang="zh-CN" sz="1400" dirty="0"/>
                 <a:t>KL</a:t>
               </a:r>
               <a:endParaRPr lang="zh-CN" altLang="en-US" sz="1400" dirty="0"/>
@@ -12360,7 +12244,7 @@
             <a:graphicData uri="http://schemas.openxmlformats.org/presentationml/2006/ole">
               <mc:AlternateContent xmlns:mc="http://schemas.openxmlformats.org/markup-compatibility/2006">
                 <mc:Choice xmlns:v="urn:schemas-microsoft-com:vml" Requires="v">
-                  <p:oleObj spid="_x0000_s5173" name="Equation" r:id="rId3" imgW="3454200" imgH="203040" progId="Equation.DSMT4">
+                  <p:oleObj spid="_x0000_s5174" name="Equation" r:id="rId3" imgW="3454200" imgH="203040" progId="Equation.DSMT4">
                     <p:embed/>
                   </p:oleObj>
                 </mc:Choice>
@@ -12418,21 +12302,21 @@
             <a:lstStyle/>
             <a:p>
               <a:r>
-                <a:rPr lang="en-US" altLang="zh-CN" sz="1600" dirty="0" smtClean="0">
+                <a:rPr lang="en-US" altLang="zh-CN" sz="1600" dirty="0">
                   <a:latin typeface="华文楷体" panose="02010600040101010101" pitchFamily="2" charset="-122"/>
                   <a:ea typeface="华文楷体" panose="02010600040101010101" pitchFamily="2" charset="-122"/>
                 </a:rPr>
                 <a:t>J</a:t>
               </a:r>
               <a:r>
-                <a:rPr lang="zh-CN" altLang="en-US" sz="1600" dirty="0" smtClean="0">
+                <a:rPr lang="zh-CN" altLang="en-US" sz="1600" dirty="0">
                   <a:latin typeface="华文楷体" panose="02010600040101010101" pitchFamily="2" charset="-122"/>
                   <a:ea typeface="华文楷体" panose="02010600040101010101" pitchFamily="2" charset="-122"/>
                 </a:rPr>
                 <a:t>时刻存量已知为</a:t>
               </a:r>
               <a:r>
-                <a:rPr lang="en-US" altLang="zh-CN" sz="1600" i="1" dirty="0" smtClean="0">
+                <a:rPr lang="en-US" altLang="zh-CN" sz="1600" i="1" dirty="0">
                   <a:latin typeface="华文楷体" panose="02010600040101010101" pitchFamily="2" charset="-122"/>
                   <a:ea typeface="华文楷体" panose="02010600040101010101" pitchFamily="2" charset="-122"/>
                 </a:rPr>
@@ -12513,44 +12397,40 @@
             <a:lstStyle/>
             <a:p>
               <a:r>
-                <a:rPr lang="zh-CN" altLang="en-US" sz="1600" dirty="0" smtClean="0">
+                <a:rPr lang="zh-CN" altLang="en-US" sz="1600" dirty="0">
                   <a:latin typeface="华文楷体" panose="02010600040101010101" pitchFamily="2" charset="-122"/>
                   <a:ea typeface="华文楷体" panose="02010600040101010101" pitchFamily="2" charset="-122"/>
                 </a:rPr>
                 <a:t>计算一个</a:t>
               </a:r>
               <a:r>
-                <a:rPr lang="en-US" altLang="zh-CN" sz="1600" dirty="0" smtClean="0">
+                <a:rPr lang="en-US" altLang="zh-CN" sz="1600" dirty="0">
                   <a:latin typeface="华文楷体" panose="02010600040101010101" pitchFamily="2" charset="-122"/>
                   <a:ea typeface="华文楷体" panose="02010600040101010101" pitchFamily="2" charset="-122"/>
                 </a:rPr>
                 <a:t>DT</a:t>
               </a:r>
               <a:r>
-                <a:rPr lang="zh-CN" altLang="en-US" sz="1600" dirty="0" smtClean="0">
+                <a:rPr lang="zh-CN" altLang="en-US" sz="1600" dirty="0">
                   <a:latin typeface="华文楷体" panose="02010600040101010101" pitchFamily="2" charset="-122"/>
                   <a:ea typeface="华文楷体" panose="02010600040101010101" pitchFamily="2" charset="-122"/>
                 </a:rPr>
                 <a:t>之后的</a:t>
               </a:r>
               <a:r>
-                <a:rPr lang="en-US" altLang="zh-CN" sz="1600" i="1" dirty="0" smtClean="0">
+                <a:rPr lang="en-US" altLang="zh-CN" sz="1600" i="1" dirty="0">
                   <a:latin typeface="华文楷体" panose="02010600040101010101" pitchFamily="2" charset="-122"/>
                   <a:ea typeface="华文楷体" panose="02010600040101010101" pitchFamily="2" charset="-122"/>
                 </a:rPr>
                 <a:t>Stock(K)</a:t>
               </a:r>
               <a:r>
-                <a:rPr lang="zh-CN" altLang="en-US" sz="1600" dirty="0" smtClean="0">
+                <a:rPr lang="zh-CN" altLang="en-US" sz="1600" dirty="0">
                   <a:latin typeface="华文楷体" panose="02010600040101010101" pitchFamily="2" charset="-122"/>
                   <a:ea typeface="华文楷体" panose="02010600040101010101" pitchFamily="2" charset="-122"/>
                 </a:rPr>
                 <a:t>：</a:t>
               </a:r>
-              <a:endParaRPr lang="zh-CN" altLang="en-US" sz="1600" dirty="0">
-                <a:latin typeface="华文楷体" panose="02010600040101010101" pitchFamily="2" charset="-122"/>
-                <a:ea typeface="华文楷体" panose="02010600040101010101" pitchFamily="2" charset="-122"/>
-              </a:endParaRPr>
             </a:p>
           </p:txBody>
         </p:sp>
@@ -12626,45 +12506,38 @@
                   <a:latin typeface="华文楷体" panose="02010600040101010101" pitchFamily="2" charset="-122"/>
                   <a:ea typeface="华文楷体" panose="02010600040101010101" pitchFamily="2" charset="-122"/>
                 </a:rPr>
-                <a:t>再</a:t>
+                <a:t>再计算一个</a:t>
               </a:r>
               <a:r>
-                <a:rPr lang="zh-CN" altLang="en-US" sz="1600" dirty="0" smtClean="0">
-                  <a:latin typeface="华文楷体" panose="02010600040101010101" pitchFamily="2" charset="-122"/>
-                  <a:ea typeface="华文楷体" panose="02010600040101010101" pitchFamily="2" charset="-122"/>
-                </a:rPr>
-                <a:t>计算一个</a:t>
-              </a:r>
-              <a:r>
-                <a:rPr lang="en-US" altLang="zh-CN" sz="1600" dirty="0" smtClean="0">
+                <a:rPr lang="en-US" altLang="zh-CN" sz="1600" dirty="0">
                   <a:latin typeface="华文楷体" panose="02010600040101010101" pitchFamily="2" charset="-122"/>
                   <a:ea typeface="华文楷体" panose="02010600040101010101" pitchFamily="2" charset="-122"/>
                 </a:rPr>
                 <a:t>DT</a:t>
               </a:r>
               <a:r>
-                <a:rPr lang="zh-CN" altLang="en-US" sz="1600" dirty="0" smtClean="0">
+                <a:rPr lang="zh-CN" altLang="en-US" sz="1600" dirty="0">
                   <a:latin typeface="华文楷体" panose="02010600040101010101" pitchFamily="2" charset="-122"/>
                   <a:ea typeface="华文楷体" panose="02010600040101010101" pitchFamily="2" charset="-122"/>
                 </a:rPr>
                 <a:t>之后的速率</a:t>
               </a:r>
               <a:r>
-                <a:rPr lang="en-US" altLang="zh-CN" sz="1600" i="1" dirty="0" smtClean="0">
+                <a:rPr lang="en-US" altLang="zh-CN" sz="1600" i="1" dirty="0">
                   <a:latin typeface="华文楷体" panose="02010600040101010101" pitchFamily="2" charset="-122"/>
                   <a:ea typeface="华文楷体" panose="02010600040101010101" pitchFamily="2" charset="-122"/>
                 </a:rPr>
                 <a:t>Inflow(K)</a:t>
               </a:r>
               <a:r>
-                <a:rPr lang="zh-CN" altLang="en-US" sz="1600" dirty="0" smtClean="0">
+                <a:rPr lang="zh-CN" altLang="en-US" sz="1600" dirty="0">
                   <a:latin typeface="华文楷体" panose="02010600040101010101" pitchFamily="2" charset="-122"/>
                   <a:ea typeface="华文楷体" panose="02010600040101010101" pitchFamily="2" charset="-122"/>
                 </a:rPr>
                 <a:t>和</a:t>
               </a:r>
               <a:r>
-                <a:rPr lang="en-US" altLang="zh-CN" sz="1600" i="1" dirty="0" smtClean="0">
+                <a:rPr lang="en-US" altLang="zh-CN" sz="1600" i="1" dirty="0">
                   <a:latin typeface="华文楷体" panose="02010600040101010101" pitchFamily="2" charset="-122"/>
                   <a:ea typeface="华文楷体" panose="02010600040101010101" pitchFamily="2" charset="-122"/>
                 </a:rPr>
@@ -12748,11 +12621,11 @@
             <a:lstStyle/>
             <a:p>
               <a:r>
-                <a:rPr lang="zh-CN" altLang="en-US" sz="1400" dirty="0" smtClean="0"/>
+                <a:rPr lang="zh-CN" altLang="en-US" sz="1400" dirty="0"/>
                 <a:t>时间轴</a:t>
               </a:r>
               <a:r>
-                <a:rPr lang="en-US" altLang="zh-CN" sz="1400" dirty="0" smtClean="0"/>
+                <a:rPr lang="en-US" altLang="zh-CN" sz="1400" dirty="0"/>
                 <a:t>TIME</a:t>
               </a:r>
               <a:endParaRPr lang="zh-CN" altLang="en-US" sz="1400" dirty="0"/>
@@ -12782,13 +12655,6 @@
       </p:transition>
     </mc:Fallback>
   </mc:AlternateContent>
-  <p:timing>
-    <p:tnLst>
-      <p:par>
-        <p:cTn id="1" dur="indefinite" restart="never" nodeType="tmRoot"/>
-      </p:par>
-    </p:tnLst>
-  </p:timing>
 </p:sld>
 </file>
 
@@ -12849,23 +12715,19 @@
           <a:lstStyle/>
           <a:p>
             <a:r>
-              <a:rPr lang="en-US" altLang="zh-CN" dirty="0" smtClean="0"/>
+              <a:rPr lang="en-US" altLang="zh-CN" dirty="0"/>
               <a:t>Euler</a:t>
             </a:r>
             <a:r>
               <a:rPr lang="zh-CN" altLang="en-US" dirty="0"/>
-              <a:t>方法</a:t>
-            </a:r>
-            <a:r>
-              <a:rPr lang="zh-CN" altLang="en-US" dirty="0" smtClean="0"/>
-              <a:t>实质</a:t>
-            </a:r>
-            <a:endParaRPr lang="en-US" altLang="zh-CN" dirty="0" smtClean="0"/>
+              <a:t>方法实质</a:t>
+            </a:r>
+            <a:endParaRPr lang="en-US" altLang="zh-CN" dirty="0"/>
           </a:p>
           <a:p>
             <a:pPr lvl="1"/>
             <a:r>
-              <a:rPr lang="zh-CN" altLang="en-US" dirty="0" smtClean="0"/>
+              <a:rPr lang="zh-CN" altLang="en-US" dirty="0"/>
               <a:t>假设</a:t>
             </a:r>
             <a:r>
@@ -12874,91 +12736,78 @@
             </a:r>
             <a:r>
               <a:rPr lang="zh-CN" altLang="en-US" dirty="0"/>
-              <a:t>时间段内的速率量保持恒定，这与大部分管理实际问题相</a:t>
-            </a:r>
-            <a:r>
-              <a:rPr lang="zh-CN" altLang="en-US" dirty="0" smtClean="0"/>
-              <a:t>符合</a:t>
-            </a:r>
-            <a:endParaRPr lang="en-US" altLang="zh-CN" dirty="0" smtClean="0"/>
+              <a:t>时间段内的速率量保持恒定，这与大部分管理实际问题相符合</a:t>
+            </a:r>
+            <a:endParaRPr lang="en-US" altLang="zh-CN" dirty="0"/>
           </a:p>
           <a:p>
             <a:pPr lvl="1"/>
             <a:r>
-              <a:rPr lang="zh-CN" altLang="en-US" dirty="0" smtClean="0"/>
+              <a:rPr lang="zh-CN" altLang="en-US" dirty="0"/>
               <a:t>系统变化的速率很慢，时间间隔很短，</a:t>
             </a:r>
             <a:r>
-              <a:rPr lang="en-US" altLang="zh-CN" dirty="0" smtClean="0"/>
+              <a:rPr lang="en-US" altLang="zh-CN" dirty="0"/>
               <a:t>Euler</a:t>
             </a:r>
             <a:r>
-              <a:rPr lang="zh-CN" altLang="en-US" dirty="0" smtClean="0"/>
+              <a:rPr lang="zh-CN" altLang="en-US" dirty="0"/>
               <a:t>方法的误差很小</a:t>
             </a:r>
-            <a:endParaRPr lang="en-US" altLang="zh-CN" dirty="0" smtClean="0"/>
-          </a:p>
-          <a:p>
-            <a:r>
-              <a:rPr lang="en-US" altLang="zh-CN" dirty="0" err="1" smtClean="0"/>
+            <a:endParaRPr lang="en-US" altLang="zh-CN" dirty="0"/>
+          </a:p>
+          <a:p>
+            <a:r>
+              <a:rPr lang="en-US" altLang="zh-CN" dirty="0" err="1"/>
               <a:t>Runge-Kutta</a:t>
             </a:r>
             <a:r>
-              <a:rPr lang="zh-CN" altLang="en-US" dirty="0" smtClean="0"/>
+              <a:rPr lang="zh-CN" altLang="en-US" dirty="0"/>
               <a:t>方法（龙格库塔法）</a:t>
             </a:r>
-            <a:endParaRPr lang="en-US" altLang="zh-CN" dirty="0" smtClean="0"/>
+            <a:endParaRPr lang="en-US" altLang="zh-CN" dirty="0"/>
           </a:p>
           <a:p>
             <a:pPr lvl="1"/>
             <a:r>
-              <a:rPr lang="zh-CN" altLang="en-US" dirty="0" smtClean="0"/>
+              <a:rPr lang="zh-CN" altLang="en-US" dirty="0"/>
               <a:t>不能假设速率在</a:t>
             </a:r>
             <a:r>
-              <a:rPr lang="en-US" altLang="zh-CN" dirty="0" smtClean="0"/>
+              <a:rPr lang="en-US" altLang="zh-CN" dirty="0"/>
               <a:t>DT</a:t>
             </a:r>
             <a:r>
-              <a:rPr lang="zh-CN" altLang="en-US" dirty="0" smtClean="0"/>
+              <a:rPr lang="zh-CN" altLang="en-US" dirty="0"/>
               <a:t>内是恒定的，估算平均增长速度</a:t>
             </a:r>
-            <a:endParaRPr lang="en-US" altLang="zh-CN" dirty="0" smtClean="0"/>
-          </a:p>
-          <a:p>
-            <a:r>
-              <a:rPr lang="en-US" altLang="zh-CN" dirty="0" smtClean="0"/>
+            <a:endParaRPr lang="en-US" altLang="zh-CN" dirty="0"/>
+          </a:p>
+          <a:p>
+            <a:r>
+              <a:rPr lang="en-US" altLang="zh-CN" dirty="0"/>
               <a:t>DT</a:t>
             </a:r>
             <a:r>
-              <a:rPr lang="zh-CN" altLang="en-US" dirty="0" smtClean="0"/>
+              <a:rPr lang="zh-CN" altLang="en-US" dirty="0"/>
               <a:t>的选择如何影响精度</a:t>
             </a:r>
-            <a:endParaRPr lang="en-US" altLang="zh-CN" dirty="0" smtClean="0"/>
+            <a:endParaRPr lang="en-US" altLang="zh-CN" dirty="0"/>
           </a:p>
           <a:p>
             <a:pPr lvl="1"/>
             <a:r>
               <a:rPr lang="zh-CN" altLang="en-US" dirty="0"/>
-              <a:t>偏</a:t>
-            </a:r>
-            <a:r>
-              <a:rPr lang="zh-CN" altLang="en-US" dirty="0" smtClean="0"/>
-              <a:t>大：误差扩大</a:t>
-            </a:r>
-            <a:endParaRPr lang="en-US" altLang="zh-CN" dirty="0" smtClean="0"/>
+              <a:t>偏大：误差扩大</a:t>
+            </a:r>
+            <a:endParaRPr lang="en-US" altLang="zh-CN" dirty="0"/>
           </a:p>
           <a:p>
             <a:pPr lvl="1"/>
             <a:r>
               <a:rPr lang="zh-CN" altLang="en-US" dirty="0"/>
-              <a:t>偏</a:t>
-            </a:r>
-            <a:r>
-              <a:rPr lang="zh-CN" altLang="en-US" dirty="0" smtClean="0"/>
-              <a:t>小：计算超出计算机范围</a:t>
-            </a:r>
-            <a:endParaRPr lang="zh-CN" altLang="en-US" dirty="0"/>
+              <a:t>偏小：计算超出计算机范围</a:t>
+            </a:r>
           </a:p>
         </p:txBody>
       </p:sp>
@@ -13044,7 +12893,7 @@
                 </a:lnSpc>
               </a:pPr>
               <a:r>
-                <a:rPr lang="zh-CN" altLang="en-US" sz="2400" dirty="0" smtClean="0">
+                <a:rPr lang="zh-CN" altLang="en-US" sz="2400" dirty="0">
                   <a:solidFill>
                     <a:sysClr val="windowText" lastClr="000000"/>
                   </a:solidFill>
@@ -13053,7 +12902,7 @@
                 </a:rPr>
                 <a:t>思考：</a:t>
               </a:r>
-              <a:endParaRPr lang="en-US" altLang="zh-CN" sz="2400" dirty="0" smtClean="0">
+              <a:endParaRPr lang="en-US" altLang="zh-CN" sz="2400" dirty="0">
                 <a:solidFill>
                   <a:sysClr val="windowText" lastClr="000000"/>
                 </a:solidFill>
@@ -13094,7 +12943,7 @@
                   <a:spcPct val="150000"/>
                 </a:lnSpc>
               </a:pPr>
-              <a:endParaRPr lang="zh-CN" altLang="en-US" sz="2400" dirty="0" smtClean="0">
+              <a:endParaRPr lang="zh-CN" altLang="en-US" sz="2400" dirty="0">
                 <a:solidFill>
                   <a:sysClr val="windowText" lastClr="000000"/>
                 </a:solidFill>
@@ -13158,7 +13007,7 @@
                 <a:buNone/>
                 <a:tabLst/>
               </a:pPr>
-              <a:endParaRPr kumimoji="0" lang="en-US" sz="1200" b="0" i="0" u="none" strike="noStrike" kern="0" cap="none" spc="0" normalizeH="0" baseline="0" noProof="0" dirty="0" smtClean="0">
+              <a:endParaRPr kumimoji="0" lang="en-US" sz="1200" b="0" i="0" u="none" strike="noStrike" kern="0" cap="none" spc="0" normalizeH="0" baseline="0" noProof="0" dirty="0">
                 <a:ln>
                   <a:noFill/>
                 </a:ln>
@@ -13758,10 +13607,9 @@
           <a:lstStyle/>
           <a:p>
             <a:r>
-              <a:rPr lang="zh-CN" altLang="en-US" sz="2800" dirty="0" smtClean="0"/>
+              <a:rPr lang="zh-CN" altLang="en-US" sz="2800" dirty="0"/>
               <a:t>仿真方程</a:t>
             </a:r>
-            <a:endParaRPr lang="zh-CN" altLang="en-US" sz="2800" dirty="0"/>
           </a:p>
         </p:txBody>
       </p:sp>
@@ -13779,8 +13627,8 @@
             <a:chExt cx="6441443" cy="3232765"/>
           </a:xfrm>
         </p:grpSpPr>
-        <mc:AlternateContent xmlns:mc="http://schemas.openxmlformats.org/markup-compatibility/2006">
-          <mc:Choice xmlns:a14="http://schemas.microsoft.com/office/drawing/2010/main" Requires="a14">
+        <mc:AlternateContent xmlns:mc="http://schemas.openxmlformats.org/markup-compatibility/2006" xmlns:a14="http://schemas.microsoft.com/office/drawing/2010/main">
+          <mc:Choice Requires="a14">
             <p:sp>
               <p:nvSpPr>
                 <p:cNvPr id="4" name="文本框 3"/>
@@ -13803,6 +13651,7 @@
                 </a:bodyPr>
                 <a:lstStyle/>
                 <a:p>
+                  <a:pPr/>
                   <a14:m>
                     <m:oMathPara xmlns:m="http://schemas.openxmlformats.org/officeDocument/2006/math">
                       <m:oMathParaPr>
@@ -13957,7 +13806,7 @@
               </p:txBody>
             </p:sp>
           </mc:Choice>
-          <mc:Fallback>
+          <mc:Fallback xmlns="">
             <p:sp>
               <p:nvSpPr>
                 <p:cNvPr id="4" name="文本框 3"/>
@@ -13996,8 +13845,8 @@
             </p:sp>
           </mc:Fallback>
         </mc:AlternateContent>
-        <mc:AlternateContent xmlns:mc="http://schemas.openxmlformats.org/markup-compatibility/2006">
-          <mc:Choice xmlns:a14="http://schemas.microsoft.com/office/drawing/2010/main" Requires="a14">
+        <mc:AlternateContent xmlns:mc="http://schemas.openxmlformats.org/markup-compatibility/2006" xmlns:a14="http://schemas.microsoft.com/office/drawing/2010/main">
+          <mc:Choice Requires="a14">
             <p:sp>
               <p:nvSpPr>
                 <p:cNvPr id="5" name="文本框 4"/>
@@ -14020,6 +13869,7 @@
                 </a:bodyPr>
                 <a:lstStyle/>
                 <a:p>
+                  <a:pPr/>
                   <a14:m>
                     <m:oMathPara xmlns:m="http://schemas.openxmlformats.org/officeDocument/2006/math">
                       <m:oMathParaPr>
@@ -14058,7 +13908,7 @@
               </p:txBody>
             </p:sp>
           </mc:Choice>
-          <mc:Fallback>
+          <mc:Fallback xmlns="">
             <p:sp>
               <p:nvSpPr>
                 <p:cNvPr id="5" name="文本框 4"/>
@@ -14097,8 +13947,8 @@
             </p:sp>
           </mc:Fallback>
         </mc:AlternateContent>
-        <mc:AlternateContent xmlns:mc="http://schemas.openxmlformats.org/markup-compatibility/2006">
-          <mc:Choice xmlns:a14="http://schemas.microsoft.com/office/drawing/2010/main" Requires="a14">
+        <mc:AlternateContent xmlns:mc="http://schemas.openxmlformats.org/markup-compatibility/2006" xmlns:a14="http://schemas.microsoft.com/office/drawing/2010/main">
+          <mc:Choice Requires="a14">
             <p:sp>
               <p:nvSpPr>
                 <p:cNvPr id="6" name="文本框 5"/>
@@ -14121,6 +13971,7 @@
                 </a:bodyPr>
                 <a:lstStyle/>
                 <a:p>
+                  <a:pPr/>
                   <a14:m>
                     <m:oMathPara xmlns:m="http://schemas.openxmlformats.org/officeDocument/2006/math">
                       <m:oMathParaPr>
@@ -14200,7 +14051,7 @@
               </p:txBody>
             </p:sp>
           </mc:Choice>
-          <mc:Fallback>
+          <mc:Fallback xmlns="">
             <p:sp>
               <p:nvSpPr>
                 <p:cNvPr id="6" name="文本框 5"/>
@@ -14239,8 +14090,8 @@
             </p:sp>
           </mc:Fallback>
         </mc:AlternateContent>
-        <mc:AlternateContent xmlns:mc="http://schemas.openxmlformats.org/markup-compatibility/2006">
-          <mc:Choice xmlns:a14="http://schemas.microsoft.com/office/drawing/2010/main" Requires="a14">
+        <mc:AlternateContent xmlns:mc="http://schemas.openxmlformats.org/markup-compatibility/2006" xmlns:a14="http://schemas.microsoft.com/office/drawing/2010/main">
+          <mc:Choice Requires="a14">
             <p:sp>
               <p:nvSpPr>
                 <p:cNvPr id="7" name="文本框 6"/>
@@ -14263,6 +14114,7 @@
                 </a:bodyPr>
                 <a:lstStyle/>
                 <a:p>
+                  <a:pPr/>
                   <a14:m>
                     <m:oMathPara xmlns:m="http://schemas.openxmlformats.org/officeDocument/2006/math">
                       <m:oMathParaPr>
@@ -14342,7 +14194,7 @@
               </p:txBody>
             </p:sp>
           </mc:Choice>
-          <mc:Fallback>
+          <mc:Fallback xmlns="">
             <p:sp>
               <p:nvSpPr>
                 <p:cNvPr id="7" name="文本框 6"/>
@@ -14555,10 +14407,9 @@
               <a:buNone/>
             </a:pPr>
             <a:r>
-              <a:rPr lang="zh-CN" altLang="en-US" dirty="0" smtClean="0"/>
+              <a:rPr lang="zh-CN" altLang="en-US" dirty="0"/>
               <a:t>软件计算结果</a:t>
             </a:r>
-            <a:endParaRPr lang="zh-CN" altLang="en-US" dirty="0"/>
           </a:p>
         </p:txBody>
       </p:sp>
@@ -14632,13 +14483,6 @@
       </p:transition>
     </mc:Fallback>
   </mc:AlternateContent>
-  <p:timing>
-    <p:tnLst>
-      <p:par>
-        <p:cTn id="1" dur="indefinite" restart="never" nodeType="tmRoot"/>
-      </p:par>
-    </p:tnLst>
-  </p:timing>
 </p:sld>
 </file>
 
@@ -14675,10 +14519,9 @@
           <a:lstStyle/>
           <a:p>
             <a:r>
-              <a:rPr lang="zh-CN" altLang="en-US" dirty="0" smtClean="0"/>
+              <a:rPr lang="zh-CN" altLang="en-US" dirty="0"/>
               <a:t>变量的相互导入</a:t>
             </a:r>
-            <a:endParaRPr lang="zh-CN" altLang="en-US" dirty="0"/>
           </a:p>
         </p:txBody>
       </p:sp>
@@ -14698,33 +14541,25 @@
           <a:lstStyle/>
           <a:p>
             <a:r>
-              <a:rPr lang="zh-CN" altLang="en-US" dirty="0" smtClean="0"/>
+              <a:rPr lang="zh-CN" altLang="en-US" dirty="0"/>
               <a:t>建立起两个量之间的因果关系</a:t>
             </a:r>
-            <a:endParaRPr lang="en-US" altLang="zh-CN" dirty="0" smtClean="0"/>
-          </a:p>
-          <a:p>
-            <a:r>
-              <a:rPr lang="zh-CN" altLang="en-US" dirty="0" smtClean="0"/>
+            <a:endParaRPr lang="en-US" altLang="zh-CN" dirty="0"/>
+          </a:p>
+          <a:p>
+            <a:r>
+              <a:rPr lang="zh-CN" altLang="en-US" dirty="0"/>
               <a:t>箭头指向意味着将</a:t>
             </a:r>
             <a:r>
-              <a:rPr lang="en-US" altLang="zh-CN" dirty="0" smtClean="0"/>
+              <a:rPr lang="en-US" altLang="zh-CN" dirty="0"/>
               <a:t>L</a:t>
             </a:r>
             <a:r>
-              <a:rPr lang="zh-CN" altLang="en-US" dirty="0" smtClean="0"/>
-              <a:t>量导入到计算</a:t>
-            </a:r>
-            <a:r>
               <a:rPr lang="zh-CN" altLang="en-US" dirty="0"/>
-              <a:t>流</a:t>
-            </a:r>
-            <a:r>
-              <a:rPr lang="zh-CN" altLang="en-US" dirty="0" smtClean="0"/>
-              <a:t>量中</a:t>
-            </a:r>
-            <a:endParaRPr lang="en-US" altLang="zh-CN" dirty="0" smtClean="0"/>
+              <a:t>量导入到计算流量中</a:t>
+            </a:r>
+            <a:endParaRPr lang="en-US" altLang="zh-CN" dirty="0"/>
           </a:p>
           <a:p>
             <a:endParaRPr lang="zh-CN" altLang="en-US" dirty="0"/>
@@ -14936,18 +14771,17 @@
           <a:lstStyle/>
           <a:p>
             <a:r>
-              <a:rPr lang="zh-CN" altLang="en-US" dirty="0" smtClean="0"/>
+              <a:rPr lang="zh-CN" altLang="en-US" dirty="0"/>
               <a:t>问题</a:t>
             </a:r>
             <a:r>
-              <a:rPr lang="en-US" altLang="zh-CN" dirty="0" smtClean="0"/>
+              <a:rPr lang="en-US" altLang="zh-CN" dirty="0"/>
               <a:t>3</a:t>
             </a:r>
             <a:r>
-              <a:rPr lang="zh-CN" altLang="en-US" dirty="0" smtClean="0"/>
+              <a:rPr lang="zh-CN" altLang="en-US" dirty="0"/>
               <a:t>：种群的繁衍（南审的猫）</a:t>
             </a:r>
-            <a:endParaRPr lang="zh-CN" altLang="en-US" dirty="0"/>
           </a:p>
         </p:txBody>
       </p:sp>
@@ -14975,8 +14809,8 @@
           </a:prstGeom>
         </p:spPr>
       </p:pic>
-      <mc:AlternateContent xmlns:mc="http://schemas.openxmlformats.org/markup-compatibility/2006">
-        <mc:Choice xmlns:a14="http://schemas.microsoft.com/office/drawing/2010/main" Requires="a14">
+      <mc:AlternateContent xmlns:mc="http://schemas.openxmlformats.org/markup-compatibility/2006" xmlns:a14="http://schemas.microsoft.com/office/drawing/2010/main">
+        <mc:Choice Requires="a14">
           <p:sp>
             <p:nvSpPr>
               <p:cNvPr id="3" name="文本框 2"/>
@@ -15132,7 +14966,7 @@
                     </m:oMath>
                   </m:oMathPara>
                 </a14:m>
-                <a:endParaRPr lang="en-US" altLang="zh-CN" b="0" dirty="0" smtClean="0"/>
+                <a:endParaRPr lang="en-US" altLang="zh-CN" b="0" dirty="0"/>
               </a:p>
               <a:p>
                 <a:pPr algn="ctr">
@@ -15179,7 +15013,7 @@
                     </m:oMath>
                   </m:oMathPara>
                 </a14:m>
-                <a:endParaRPr lang="en-US" altLang="zh-CN" b="0" dirty="0" smtClean="0"/>
+                <a:endParaRPr lang="en-US" altLang="zh-CN" b="0" dirty="0"/>
               </a:p>
               <a:p>
                 <a:pPr>
@@ -15244,7 +15078,7 @@
                     </m:oMath>
                   </m:oMathPara>
                 </a14:m>
-                <a:endParaRPr lang="en-US" altLang="zh-CN" dirty="0" smtClean="0"/>
+                <a:endParaRPr lang="en-US" altLang="zh-CN" dirty="0"/>
               </a:p>
               <a:p>
                 <a:pPr>
@@ -15314,7 +15148,7 @@
             </p:txBody>
           </p:sp>
         </mc:Choice>
-        <mc:Fallback>
+        <mc:Fallback xmlns="">
           <p:sp>
             <p:nvSpPr>
               <p:cNvPr id="3" name="文本框 2"/>
@@ -15588,12 +15422,8 @@
           <a:lstStyle/>
           <a:p>
             <a:r>
-              <a:rPr lang="zh-CN" altLang="en-US" dirty="0" smtClean="0"/>
-              <a:t>存量</a:t>
-            </a:r>
-            <a:r>
               <a:rPr lang="zh-CN" altLang="en-US" dirty="0"/>
-              <a:t>在系统中的功能含义</a:t>
+              <a:t>存量在系统中的功能含义</a:t>
             </a:r>
             <a:endParaRPr lang="en-US" altLang="zh-CN" dirty="0"/>
           </a:p>
@@ -15617,87 +15447,87 @@
           <a:lstStyle/>
           <a:p>
             <a:r>
-              <a:rPr lang="zh-CN" altLang="en-US" dirty="0" smtClean="0"/>
+              <a:rPr lang="zh-CN" altLang="en-US" dirty="0"/>
               <a:t>表征系统状态，提供行动的基础</a:t>
             </a:r>
-            <a:endParaRPr lang="en-US" altLang="zh-CN" dirty="0" smtClean="0"/>
+            <a:endParaRPr lang="en-US" altLang="zh-CN" dirty="0"/>
           </a:p>
           <a:p>
             <a:pPr lvl="1"/>
             <a:r>
-              <a:rPr lang="zh-CN" altLang="en-US" dirty="0" smtClean="0"/>
+              <a:rPr lang="zh-CN" altLang="en-US" dirty="0"/>
               <a:t>构成系统的基本要素</a:t>
             </a:r>
-            <a:endParaRPr lang="en-US" altLang="zh-CN" dirty="0" smtClean="0"/>
+            <a:endParaRPr lang="en-US" altLang="zh-CN" dirty="0"/>
           </a:p>
           <a:p>
             <a:pPr lvl="1"/>
             <a:r>
-              <a:rPr lang="zh-CN" altLang="en-US" dirty="0" smtClean="0"/>
+              <a:rPr lang="zh-CN" altLang="en-US" dirty="0"/>
               <a:t>动静相对，相互依存</a:t>
             </a:r>
-            <a:endParaRPr lang="en-US" altLang="zh-CN" dirty="0" smtClean="0"/>
-          </a:p>
-          <a:p>
-            <a:r>
-              <a:rPr lang="zh-CN" altLang="en-US" dirty="0" smtClean="0"/>
+            <a:endParaRPr lang="en-US" altLang="zh-CN" dirty="0"/>
+          </a:p>
+          <a:p>
+            <a:r>
+              <a:rPr lang="zh-CN" altLang="en-US" dirty="0"/>
               <a:t>让系统出现惯性和记忆</a:t>
             </a:r>
-            <a:endParaRPr lang="en-US" altLang="zh-CN" dirty="0" smtClean="0"/>
+            <a:endParaRPr lang="en-US" altLang="zh-CN" dirty="0"/>
           </a:p>
           <a:p>
             <a:pPr lvl="1"/>
             <a:r>
-              <a:rPr lang="zh-CN" altLang="en-US" dirty="0" smtClean="0"/>
+              <a:rPr lang="zh-CN" altLang="en-US" dirty="0"/>
               <a:t>没有流量将不会改变</a:t>
             </a:r>
-            <a:endParaRPr lang="en-US" altLang="zh-CN" dirty="0" smtClean="0"/>
-          </a:p>
-          <a:p>
-            <a:r>
-              <a:rPr lang="zh-CN" altLang="en-US" dirty="0" smtClean="0"/>
+            <a:endParaRPr lang="en-US" altLang="zh-CN" dirty="0"/>
+          </a:p>
+          <a:p>
+            <a:r>
+              <a:rPr lang="zh-CN" altLang="en-US" dirty="0"/>
               <a:t>延迟的来源</a:t>
             </a:r>
-            <a:endParaRPr lang="en-US" altLang="zh-CN" dirty="0" smtClean="0"/>
+            <a:endParaRPr lang="en-US" altLang="zh-CN" dirty="0"/>
           </a:p>
           <a:p>
             <a:pPr lvl="1"/>
             <a:r>
-              <a:rPr lang="zh-CN" altLang="en-US" dirty="0" smtClean="0"/>
+              <a:rPr lang="zh-CN" altLang="en-US" dirty="0"/>
               <a:t>所有延迟均涉及存量</a:t>
             </a:r>
-            <a:endParaRPr lang="en-US" altLang="zh-CN" dirty="0" smtClean="0"/>
+            <a:endParaRPr lang="en-US" altLang="zh-CN" dirty="0"/>
           </a:p>
           <a:p>
             <a:pPr lvl="1"/>
             <a:r>
-              <a:rPr lang="zh-CN" altLang="en-US" dirty="0" smtClean="0"/>
+              <a:rPr lang="zh-CN" altLang="en-US" dirty="0"/>
               <a:t>输入变化，而输出延后才发生变化</a:t>
             </a:r>
-            <a:endParaRPr lang="en-US" altLang="zh-CN" dirty="0" smtClean="0"/>
-          </a:p>
-          <a:p>
-            <a:r>
-              <a:rPr lang="zh-CN" altLang="en-US" dirty="0" smtClean="0"/>
+            <a:endParaRPr lang="en-US" altLang="zh-CN" dirty="0"/>
+          </a:p>
+          <a:p>
+            <a:r>
+              <a:rPr lang="zh-CN" altLang="en-US" dirty="0"/>
               <a:t>产生不均衡</a:t>
             </a:r>
-            <a:endParaRPr lang="en-US" altLang="zh-CN" dirty="0" smtClean="0"/>
+            <a:endParaRPr lang="en-US" altLang="zh-CN" dirty="0"/>
           </a:p>
           <a:p>
             <a:pPr lvl="1"/>
             <a:r>
-              <a:rPr lang="zh-CN" altLang="en-US" dirty="0" smtClean="0"/>
+              <a:rPr lang="zh-CN" altLang="en-US" dirty="0"/>
               <a:t>存量吸收入流和出流的差异</a:t>
             </a:r>
-            <a:endParaRPr lang="en-US" altLang="zh-CN" dirty="0" smtClean="0"/>
+            <a:endParaRPr lang="en-US" altLang="zh-CN" dirty="0"/>
           </a:p>
           <a:p>
             <a:pPr lvl="1"/>
             <a:r>
-              <a:rPr lang="zh-CN" altLang="en-US" dirty="0" smtClean="0"/>
+              <a:rPr lang="zh-CN" altLang="en-US" dirty="0"/>
               <a:t>入流和出流之间产生波动的根源</a:t>
             </a:r>
-            <a:endParaRPr lang="en-US" altLang="zh-CN" dirty="0" smtClean="0"/>
+            <a:endParaRPr lang="en-US" altLang="zh-CN" dirty="0"/>
           </a:p>
           <a:p>
             <a:pPr lvl="1">
@@ -15730,13 +15560,6 @@
       </p:transition>
     </mc:Fallback>
   </mc:AlternateContent>
-  <p:timing>
-    <p:tnLst>
-      <p:par>
-        <p:cTn id="1" dur="indefinite" restart="never" nodeType="tmRoot"/>
-      </p:par>
-    </p:tnLst>
-  </p:timing>
 </p:sld>
 </file>
 
@@ -15773,15 +15596,15 @@
           <a:lstStyle/>
           <a:p>
             <a:r>
-              <a:rPr lang="en-US" altLang="zh-CN" dirty="0" smtClean="0"/>
+              <a:rPr lang="en-US" altLang="zh-CN" dirty="0"/>
               <a:t>1.System Dynamics(</a:t>
             </a:r>
             <a:r>
-              <a:rPr lang="zh-CN" altLang="en-US" dirty="0" smtClean="0"/>
+              <a:rPr lang="zh-CN" altLang="en-US" dirty="0"/>
               <a:t>系统动力学</a:t>
             </a:r>
             <a:r>
-              <a:rPr lang="en-US" altLang="zh-CN" dirty="0" smtClean="0"/>
+              <a:rPr lang="en-US" altLang="zh-CN" dirty="0"/>
               <a:t>)</a:t>
             </a:r>
             <a:endParaRPr lang="zh-CN" altLang="en-US" dirty="0"/>
@@ -15809,7 +15632,7 @@
               </a:lnSpc>
             </a:pPr>
             <a:r>
-              <a:rPr lang="zh-CN" altLang="en-US" dirty="0" smtClean="0"/>
+              <a:rPr lang="zh-CN" altLang="en-US" dirty="0"/>
               <a:t>系统动力学是上世纪</a:t>
             </a:r>
             <a:r>
@@ -15866,13 +15689,6 @@
       </p:transition>
     </mc:Fallback>
   </mc:AlternateContent>
-  <p:timing>
-    <p:tnLst>
-      <p:par>
-        <p:cTn id="1" dur="indefinite" restart="never" nodeType="tmRoot"/>
-      </p:par>
-    </p:tnLst>
-  </p:timing>
 </p:sld>
 </file>
 
@@ -15909,10 +15725,9 @@
           <a:lstStyle/>
           <a:p>
             <a:r>
-              <a:rPr lang="zh-CN" altLang="en-US" dirty="0" smtClean="0"/>
+              <a:rPr lang="zh-CN" altLang="en-US" dirty="0"/>
               <a:t>练习：辨识存量、流量</a:t>
             </a:r>
-            <a:endParaRPr lang="zh-CN" altLang="en-US" dirty="0"/>
           </a:p>
         </p:txBody>
       </p:sp>
@@ -15936,10 +15751,10 @@
               <a:buChar char="l"/>
             </a:pPr>
             <a:r>
-              <a:rPr lang="zh-CN" altLang="en-US" dirty="0" smtClean="0"/>
+              <a:rPr lang="zh-CN" altLang="en-US" dirty="0"/>
               <a:t>数学中，积分  导数</a:t>
             </a:r>
-            <a:endParaRPr lang="en-US" altLang="zh-CN" dirty="0" smtClean="0"/>
+            <a:endParaRPr lang="en-US" altLang="zh-CN" dirty="0"/>
           </a:p>
           <a:p>
             <a:pPr>
@@ -15947,10 +15762,10 @@
               <a:buChar char="l"/>
             </a:pPr>
             <a:r>
-              <a:rPr lang="zh-CN" altLang="en-US" dirty="0" smtClean="0"/>
+              <a:rPr lang="zh-CN" altLang="en-US" dirty="0"/>
               <a:t>工程中， 状态  变化速度</a:t>
             </a:r>
-            <a:endParaRPr lang="en-US" altLang="zh-CN" dirty="0" smtClean="0"/>
+            <a:endParaRPr lang="en-US" altLang="zh-CN" dirty="0"/>
           </a:p>
           <a:p>
             <a:pPr>
@@ -15958,10 +15773,10 @@
               <a:buChar char="l"/>
             </a:pPr>
             <a:r>
-              <a:rPr lang="zh-CN" altLang="en-US" dirty="0" smtClean="0"/>
+              <a:rPr lang="zh-CN" altLang="en-US" dirty="0"/>
               <a:t>仓储管理， 仓库库存  入库量</a:t>
             </a:r>
-            <a:endParaRPr lang="en-US" altLang="zh-CN" dirty="0" smtClean="0"/>
+            <a:endParaRPr lang="en-US" altLang="zh-CN" dirty="0"/>
           </a:p>
           <a:p>
             <a:pPr>
@@ -15969,14 +15784,10 @@
               <a:buChar char="l"/>
             </a:pPr>
             <a:r>
-              <a:rPr lang="zh-CN" altLang="en-US" dirty="0" smtClean="0"/>
-              <a:t>企业人事， 录用新员工 企业</a:t>
-            </a:r>
-            <a:r>
               <a:rPr lang="zh-CN" altLang="en-US" dirty="0"/>
-              <a:t>员工数量 </a:t>
-            </a:r>
-            <a:endParaRPr lang="en-US" altLang="zh-CN" dirty="0" smtClean="0"/>
+              <a:t>企业人事， 录用新员工 企业员工数量 </a:t>
+            </a:r>
+            <a:endParaRPr lang="en-US" altLang="zh-CN" dirty="0"/>
           </a:p>
           <a:p>
             <a:pPr>
@@ -15984,10 +15795,10 @@
               <a:buChar char="l"/>
             </a:pPr>
             <a:r>
-              <a:rPr lang="zh-CN" altLang="en-US" dirty="0" smtClean="0"/>
+              <a:rPr lang="zh-CN" altLang="en-US" dirty="0"/>
               <a:t>金融， 现金流 资产负债表项目</a:t>
             </a:r>
-            <a:endParaRPr lang="en-US" altLang="zh-CN" dirty="0" smtClean="0"/>
+            <a:endParaRPr lang="en-US" altLang="zh-CN" dirty="0"/>
           </a:p>
           <a:p>
             <a:pPr>
@@ -15995,17 +15806,17 @@
               <a:buChar char="l"/>
             </a:pPr>
             <a:r>
-              <a:rPr lang="zh-CN" altLang="en-US" dirty="0" smtClean="0"/>
+              <a:rPr lang="zh-CN" altLang="en-US" dirty="0"/>
               <a:t>生物， 种群数量 死亡率</a:t>
             </a:r>
-            <a:endParaRPr lang="en-US" altLang="zh-CN" dirty="0" smtClean="0"/>
+            <a:endParaRPr lang="en-US" altLang="zh-CN" dirty="0"/>
           </a:p>
           <a:p>
             <a:pPr>
               <a:buFont typeface="Wingdings" panose="05000000000000000000" pitchFamily="2" charset="2"/>
               <a:buChar char="l"/>
             </a:pPr>
-            <a:endParaRPr lang="en-US" altLang="zh-CN" dirty="0" smtClean="0"/>
+            <a:endParaRPr lang="en-US" altLang="zh-CN" dirty="0"/>
           </a:p>
           <a:p>
             <a:pPr>
@@ -16038,13 +15849,6 @@
       </p:transition>
     </mc:Fallback>
   </mc:AlternateContent>
-  <p:timing>
-    <p:tnLst>
-      <p:par>
-        <p:cTn id="1" dur="indefinite" restart="never" nodeType="tmRoot"/>
-      </p:par>
-    </p:tnLst>
-  </p:timing>
 </p:sld>
 </file>
 
@@ -16103,55 +15907,54 @@
           <a:lstStyle/>
           <a:p>
             <a:r>
-              <a:rPr lang="zh-CN" altLang="en-US" dirty="0" smtClean="0"/>
+              <a:rPr lang="zh-CN" altLang="en-US" dirty="0"/>
               <a:t>飞行员在驾驶飞机时，</a:t>
             </a:r>
             <a:r>
-              <a:rPr lang="zh-CN" altLang="en-US" u="sng" dirty="0" smtClean="0"/>
+              <a:rPr lang="zh-CN" altLang="en-US" u="sng" dirty="0"/>
               <a:t>飞机的高度</a:t>
             </a:r>
             <a:r>
-              <a:rPr lang="zh-CN" altLang="en-US" dirty="0" smtClean="0"/>
+              <a:rPr lang="zh-CN" altLang="en-US" dirty="0"/>
               <a:t>，</a:t>
             </a:r>
             <a:r>
-              <a:rPr lang="zh-CN" altLang="en-US" u="sng" dirty="0" smtClean="0"/>
+              <a:rPr lang="zh-CN" altLang="en-US" u="sng" dirty="0"/>
               <a:t>飞行的方向</a:t>
             </a:r>
-            <a:endParaRPr lang="en-US" altLang="zh-CN" u="sng" dirty="0" smtClean="0"/>
-          </a:p>
-          <a:p>
-            <a:r>
-              <a:rPr lang="zh-CN" altLang="en-US" dirty="0" smtClean="0"/>
+            <a:endParaRPr lang="en-US" altLang="zh-CN" u="sng" dirty="0"/>
+          </a:p>
+          <a:p>
+            <a:r>
+              <a:rPr lang="zh-CN" altLang="en-US" dirty="0"/>
               <a:t>企业当中产成品的</a:t>
             </a:r>
             <a:r>
-              <a:rPr lang="zh-CN" altLang="en-US" u="sng" dirty="0" smtClean="0"/>
+              <a:rPr lang="zh-CN" altLang="en-US" u="sng" dirty="0"/>
               <a:t>在库库存</a:t>
             </a:r>
             <a:r>
-              <a:rPr lang="zh-CN" altLang="en-US" dirty="0" smtClean="0"/>
+              <a:rPr lang="zh-CN" altLang="en-US" dirty="0"/>
               <a:t>，</a:t>
             </a:r>
             <a:r>
-              <a:rPr lang="zh-CN" altLang="en-US" u="sng" dirty="0" smtClean="0"/>
+              <a:rPr lang="zh-CN" altLang="en-US" u="sng" dirty="0"/>
               <a:t>原材料仓库总零备件</a:t>
             </a:r>
-            <a:endParaRPr lang="en-US" altLang="zh-CN" u="sng" dirty="0" smtClean="0"/>
-          </a:p>
-          <a:p>
-            <a:r>
-              <a:rPr lang="zh-CN" altLang="en-US" u="sng" dirty="0" smtClean="0"/>
+            <a:endParaRPr lang="en-US" altLang="zh-CN" u="sng" dirty="0"/>
+          </a:p>
+          <a:p>
+            <a:r>
+              <a:rPr lang="zh-CN" altLang="en-US" u="sng" dirty="0"/>
               <a:t>股票的价值</a:t>
             </a:r>
-            <a:endParaRPr lang="en-US" altLang="zh-CN" u="sng" dirty="0" smtClean="0"/>
-          </a:p>
-          <a:p>
-            <a:r>
-              <a:rPr lang="zh-CN" altLang="en-US" u="sng" dirty="0" smtClean="0"/>
+            <a:endParaRPr lang="en-US" altLang="zh-CN" u="sng" dirty="0"/>
+          </a:p>
+          <a:p>
+            <a:r>
+              <a:rPr lang="zh-CN" altLang="en-US" u="sng" dirty="0"/>
               <a:t>人的体温</a:t>
             </a:r>
-            <a:endParaRPr lang="zh-CN" altLang="en-US" u="sng" dirty="0"/>
           </a:p>
         </p:txBody>
       </p:sp>
@@ -16177,13 +15980,6 @@
       </p:transition>
     </mc:Fallback>
   </mc:AlternateContent>
-  <p:timing>
-    <p:tnLst>
-      <p:par>
-        <p:cTn id="1" dur="indefinite" restart="never" nodeType="tmRoot"/>
-      </p:par>
-    </p:tnLst>
-  </p:timing>
 </p:sld>
 </file>
 
@@ -16220,20 +16016,16 @@
           <a:lstStyle/>
           <a:p>
             <a:r>
-              <a:rPr lang="zh-CN" altLang="en-US" smtClean="0"/>
+              <a:rPr lang="zh-CN" altLang="en-US"/>
               <a:t>流量</a:t>
             </a:r>
             <a:r>
-              <a:rPr lang="en-US" altLang="zh-CN" smtClean="0"/>
+              <a:rPr lang="en-US" altLang="zh-CN"/>
               <a:t>-</a:t>
             </a:r>
             <a:r>
-              <a:rPr lang="zh-CN" altLang="en-US" smtClean="0"/>
-              <a:t>让</a:t>
-            </a:r>
-            <a:r>
               <a:rPr lang="zh-CN" altLang="en-US"/>
-              <a:t>系统动起来</a:t>
+              <a:t>让系统动起来</a:t>
             </a:r>
           </a:p>
         </p:txBody>
@@ -16254,64 +16046,63 @@
           <a:lstStyle/>
           <a:p>
             <a:r>
-              <a:rPr lang="zh-CN" altLang="en-US" dirty="0" smtClean="0"/>
+              <a:rPr lang="zh-CN" altLang="en-US" dirty="0"/>
               <a:t>严格的数学意义上，流量是瞬间值</a:t>
             </a:r>
-            <a:endParaRPr lang="en-US" altLang="zh-CN" dirty="0" smtClean="0"/>
-          </a:p>
-          <a:p>
-            <a:r>
-              <a:rPr lang="zh-CN" altLang="en-US" dirty="0" smtClean="0"/>
+            <a:endParaRPr lang="en-US" altLang="zh-CN" dirty="0"/>
+          </a:p>
+          <a:p>
+            <a:r>
+              <a:rPr lang="zh-CN" altLang="en-US" dirty="0"/>
               <a:t>瞬间值</a:t>
             </a:r>
-            <a:endParaRPr lang="en-US" altLang="zh-CN" dirty="0" smtClean="0"/>
+            <a:endParaRPr lang="en-US" altLang="zh-CN" dirty="0"/>
           </a:p>
           <a:p>
             <a:pPr lvl="1"/>
             <a:r>
-              <a:rPr lang="zh-CN" altLang="en-US" dirty="0" smtClean="0"/>
+              <a:rPr lang="zh-CN" altLang="en-US" dirty="0"/>
               <a:t>现实中无法做到</a:t>
             </a:r>
-            <a:endParaRPr lang="en-US" altLang="zh-CN" dirty="0" smtClean="0"/>
+            <a:endParaRPr lang="en-US" altLang="zh-CN" dirty="0"/>
           </a:p>
           <a:p>
             <a:pPr lvl="1"/>
             <a:r>
-              <a:rPr lang="zh-CN" altLang="en-US" dirty="0" smtClean="0"/>
+              <a:rPr lang="zh-CN" altLang="en-US" dirty="0"/>
               <a:t>经济管理中没有意义</a:t>
             </a:r>
-            <a:endParaRPr lang="en-US" altLang="zh-CN" dirty="0" smtClean="0"/>
-          </a:p>
-          <a:p>
-            <a:r>
-              <a:rPr lang="zh-CN" altLang="en-US" dirty="0" smtClean="0"/>
+            <a:endParaRPr lang="en-US" altLang="zh-CN" dirty="0"/>
+          </a:p>
+          <a:p>
+            <a:r>
+              <a:rPr lang="zh-CN" altLang="en-US" dirty="0"/>
               <a:t>仿真值</a:t>
             </a:r>
-            <a:endParaRPr lang="en-US" altLang="zh-CN" dirty="0" smtClean="0"/>
+            <a:endParaRPr lang="en-US" altLang="zh-CN" dirty="0"/>
           </a:p>
           <a:p>
             <a:pPr lvl="1"/>
             <a:r>
-              <a:rPr lang="zh-CN" altLang="en-US" dirty="0" smtClean="0"/>
+              <a:rPr lang="zh-CN" altLang="en-US" dirty="0"/>
               <a:t>时间轴被分为一定间隔的时间段</a:t>
             </a:r>
-            <a:endParaRPr lang="en-US" altLang="zh-CN" dirty="0" smtClean="0"/>
+            <a:endParaRPr lang="en-US" altLang="zh-CN" dirty="0"/>
           </a:p>
           <a:p>
             <a:pPr lvl="1"/>
             <a:r>
-              <a:rPr lang="zh-CN" altLang="en-US" dirty="0" smtClean="0"/>
+              <a:rPr lang="zh-CN" altLang="en-US" dirty="0"/>
               <a:t>时间段内的持续值代替瞬间值</a:t>
             </a:r>
-            <a:endParaRPr lang="en-US" altLang="zh-CN" dirty="0" smtClean="0"/>
+            <a:endParaRPr lang="en-US" altLang="zh-CN" dirty="0"/>
           </a:p>
           <a:p>
             <a:pPr lvl="1"/>
             <a:r>
-              <a:rPr lang="zh-CN" altLang="en-US" dirty="0" smtClean="0"/>
+              <a:rPr lang="zh-CN" altLang="en-US" dirty="0"/>
               <a:t>离散值代替连续值</a:t>
             </a:r>
-            <a:endParaRPr lang="zh-CN" altLang="en-US" dirty="0"/>
           </a:p>
         </p:txBody>
       </p:sp>
@@ -16362,7 +16153,7 @@
           <a:lstStyle/>
           <a:p>
             <a:r>
-              <a:rPr lang="en-US" altLang="zh-CN" smtClean="0">
+              <a:rPr lang="en-US" altLang="zh-CN">
                 <a:solidFill>
                   <a:srgbClr val="FF0000"/>
                 </a:solidFill>
@@ -16372,7 +16163,7 @@
           </a:p>
           <a:p>
             <a:r>
-              <a:rPr lang="en-US" altLang="zh-CN" smtClean="0">
+              <a:rPr lang="en-US" altLang="zh-CN">
                 <a:solidFill>
                   <a:srgbClr val="FF0000"/>
                 </a:solidFill>
@@ -16382,7 +16173,7 @@
           </a:p>
           <a:p>
             <a:r>
-              <a:rPr lang="en-US" altLang="zh-CN" smtClean="0">
+              <a:rPr lang="en-US" altLang="zh-CN">
                 <a:solidFill>
                   <a:srgbClr val="FF0000"/>
                 </a:solidFill>
@@ -16434,10 +16225,9 @@
           <a:p>
             <a:pPr algn="ctr"/>
             <a:r>
-              <a:rPr lang="zh-CN" altLang="en-US" dirty="0" smtClean="0"/>
+              <a:rPr lang="zh-CN" altLang="en-US" dirty="0"/>
               <a:t>遮盖板</a:t>
             </a:r>
-            <a:endParaRPr lang="zh-CN" altLang="en-US" dirty="0"/>
           </a:p>
         </p:txBody>
       </p:sp>
@@ -16699,18 +16489,17 @@
           <a:lstStyle/>
           <a:p>
             <a:r>
-              <a:rPr lang="zh-CN" altLang="en-US" dirty="0" smtClean="0"/>
+              <a:rPr lang="zh-CN" altLang="en-US" dirty="0"/>
               <a:t>流量</a:t>
             </a:r>
             <a:r>
-              <a:rPr lang="en-US" altLang="zh-CN" dirty="0" smtClean="0"/>
+              <a:rPr lang="en-US" altLang="zh-CN" dirty="0"/>
               <a:t>-</a:t>
             </a:r>
             <a:r>
-              <a:rPr lang="zh-CN" altLang="en-US" dirty="0" smtClean="0"/>
+              <a:rPr lang="zh-CN" altLang="en-US" dirty="0"/>
               <a:t>让系统动起来</a:t>
             </a:r>
-            <a:endParaRPr lang="zh-CN" altLang="en-US" dirty="0"/>
           </a:p>
         </p:txBody>
       </p:sp>
@@ -16730,65 +16519,64 @@
           <a:lstStyle/>
           <a:p>
             <a:r>
-              <a:rPr lang="zh-CN" altLang="en-US" dirty="0" smtClean="0"/>
+              <a:rPr lang="zh-CN" altLang="en-US" dirty="0"/>
               <a:t>流量            （率量）</a:t>
             </a:r>
-            <a:endParaRPr lang="en-US" altLang="zh-CN" dirty="0" smtClean="0"/>
+            <a:endParaRPr lang="en-US" altLang="zh-CN" dirty="0"/>
           </a:p>
           <a:p>
             <a:pPr lvl="1"/>
             <a:r>
-              <a:rPr lang="zh-CN" altLang="en-US" dirty="0" smtClean="0"/>
+              <a:rPr lang="zh-CN" altLang="en-US" dirty="0"/>
               <a:t>每个单位</a:t>
             </a:r>
             <a:r>
-              <a:rPr lang="en-US" altLang="zh-CN" dirty="0" smtClean="0"/>
+              <a:rPr lang="en-US" altLang="zh-CN" dirty="0"/>
               <a:t>DT</a:t>
             </a:r>
             <a:r>
-              <a:rPr lang="zh-CN" altLang="en-US" dirty="0" smtClean="0"/>
+              <a:rPr lang="zh-CN" altLang="en-US" dirty="0"/>
               <a:t>中进入存量的数量</a:t>
             </a:r>
-            <a:endParaRPr lang="en-US" altLang="zh-CN" dirty="0" smtClean="0"/>
+            <a:endParaRPr lang="en-US" altLang="zh-CN" dirty="0"/>
           </a:p>
           <a:p>
             <a:pPr lvl="1"/>
             <a:r>
-              <a:rPr lang="zh-CN" altLang="en-US" dirty="0" smtClean="0"/>
+              <a:rPr lang="zh-CN" altLang="en-US" dirty="0"/>
               <a:t>流量图中三要素</a:t>
             </a:r>
-            <a:endParaRPr lang="en-US" altLang="zh-CN" dirty="0" smtClean="0"/>
+            <a:endParaRPr lang="en-US" altLang="zh-CN" dirty="0"/>
           </a:p>
           <a:p>
             <a:pPr lvl="2"/>
             <a:r>
-              <a:rPr lang="zh-CN" altLang="en-US" dirty="0" smtClean="0"/>
+              <a:rPr lang="zh-CN" altLang="en-US" dirty="0"/>
               <a:t>箭头：指示流量方向</a:t>
             </a:r>
-            <a:endParaRPr lang="en-US" altLang="zh-CN" dirty="0" smtClean="0"/>
+            <a:endParaRPr lang="en-US" altLang="zh-CN" dirty="0"/>
           </a:p>
           <a:p>
             <a:pPr lvl="2"/>
             <a:r>
-              <a:rPr lang="zh-CN" altLang="en-US" dirty="0" smtClean="0"/>
+              <a:rPr lang="zh-CN" altLang="en-US" dirty="0"/>
               <a:t>阀门：调节流量</a:t>
             </a:r>
-            <a:endParaRPr lang="en-US" altLang="zh-CN" dirty="0" smtClean="0"/>
+            <a:endParaRPr lang="en-US" altLang="zh-CN" dirty="0"/>
           </a:p>
           <a:p>
             <a:pPr lvl="2"/>
             <a:r>
-              <a:rPr lang="zh-CN" altLang="en-US" dirty="0" smtClean="0"/>
+              <a:rPr lang="zh-CN" altLang="en-US" dirty="0"/>
               <a:t>源（汇）：从‘源’来，或到‘漏’去</a:t>
             </a:r>
-            <a:endParaRPr lang="en-US" altLang="zh-CN" dirty="0" smtClean="0"/>
-          </a:p>
-          <a:p>
-            <a:r>
-              <a:rPr lang="zh-CN" altLang="en-US" dirty="0" smtClean="0"/>
+            <a:endParaRPr lang="en-US" altLang="zh-CN" dirty="0"/>
+          </a:p>
+          <a:p>
+            <a:r>
+              <a:rPr lang="zh-CN" altLang="en-US" dirty="0"/>
               <a:t>流量的数学含义：</a:t>
             </a:r>
-            <a:endParaRPr lang="zh-CN" altLang="en-US" dirty="0"/>
           </a:p>
         </p:txBody>
       </p:sp>
@@ -16917,7 +16705,7 @@
           <a:graphicData uri="http://schemas.openxmlformats.org/presentationml/2006/ole">
             <mc:AlternateContent xmlns:mc="http://schemas.openxmlformats.org/markup-compatibility/2006">
               <mc:Choice xmlns:v="urn:schemas-microsoft-com:vml" Requires="v">
-                <p:oleObj spid="_x0000_s10247" name="Equation" r:id="rId5" imgW="2120760" imgH="393480" progId="Equation.DSMT4">
+                <p:oleObj spid="_x0000_s10248" name="Equation" r:id="rId5" imgW="2120760" imgH="393480" progId="Equation.DSMT4">
                   <p:embed/>
                 </p:oleObj>
               </mc:Choice>
@@ -17093,10 +16881,9 @@
           <a:lstStyle/>
           <a:p>
             <a:r>
-              <a:rPr lang="zh-CN" altLang="en-US" smtClean="0"/>
+              <a:rPr lang="zh-CN" altLang="en-US"/>
               <a:t>主要人物</a:t>
             </a:r>
-            <a:endParaRPr lang="zh-CN" altLang="en-US"/>
           </a:p>
         </p:txBody>
       </p:sp>
@@ -17160,35 +16947,21 @@
                 <a:latin typeface="楷体" panose="02010609060101010101" pitchFamily="49" charset="-122"/>
                 <a:ea typeface="楷体" panose="02010609060101010101" pitchFamily="49" charset="-122"/>
               </a:rPr>
-              <a:t>福里斯特</a:t>
-            </a:r>
-            <a:r>
-              <a:rPr lang="zh-CN" altLang="en-US" sz="2000" dirty="0" smtClean="0">
-                <a:latin typeface="楷体" panose="02010609060101010101" pitchFamily="49" charset="-122"/>
-                <a:ea typeface="楷体" panose="02010609060101010101" pitchFamily="49" charset="-122"/>
-              </a:rPr>
-              <a:t>（</a:t>
-            </a:r>
-            <a:r>
-              <a:rPr lang="en-US" altLang="zh-CN" sz="2000" dirty="0" smtClean="0">
+              <a:t>福里斯特（</a:t>
+            </a:r>
+            <a:r>
+              <a:rPr lang="en-US" altLang="zh-CN" sz="2000" dirty="0">
                 <a:latin typeface="楷体" panose="02010609060101010101" pitchFamily="49" charset="-122"/>
                 <a:ea typeface="楷体" panose="02010609060101010101" pitchFamily="49" charset="-122"/>
               </a:rPr>
               <a:t>Jay W Forrester</a:t>
             </a:r>
             <a:r>
-              <a:rPr lang="zh-CN" altLang="en-US" sz="2000" dirty="0" smtClean="0">
-                <a:latin typeface="楷体" panose="02010609060101010101" pitchFamily="49" charset="-122"/>
-                <a:ea typeface="楷体" panose="02010609060101010101" pitchFamily="49" charset="-122"/>
-              </a:rPr>
-              <a:t>），</a:t>
-            </a:r>
-            <a:r>
               <a:rPr lang="zh-CN" altLang="en-US" sz="2000" dirty="0">
                 <a:latin typeface="楷体" panose="02010609060101010101" pitchFamily="49" charset="-122"/>
                 <a:ea typeface="楷体" panose="02010609060101010101" pitchFamily="49" charset="-122"/>
               </a:rPr>
-              <a:t>出生于</a:t>
+              <a:t>），出生于</a:t>
             </a:r>
             <a:r>
               <a:rPr lang="en-US" altLang="zh-CN" sz="2000" dirty="0">
@@ -17198,14 +16971,14 @@
               <a:t>1918</a:t>
             </a:r>
             <a:r>
-              <a:rPr lang="zh-CN" altLang="en-US" sz="2000" dirty="0" smtClean="0">
+              <a:rPr lang="zh-CN" altLang="en-US" sz="2000" dirty="0">
                 <a:latin typeface="楷体" panose="02010609060101010101" pitchFamily="49" charset="-122"/>
                 <a:ea typeface="楷体" panose="02010609060101010101" pitchFamily="49" charset="-122"/>
               </a:rPr>
               <a:t>年的美国，</a:t>
             </a:r>
             <a:r>
-              <a:rPr lang="en-US" altLang="zh-CN" sz="2000" dirty="0" smtClean="0">
+              <a:rPr lang="en-US" altLang="zh-CN" sz="2000" dirty="0">
                 <a:latin typeface="楷体" panose="02010609060101010101" pitchFamily="49" charset="-122"/>
                 <a:ea typeface="楷体" panose="02010609060101010101" pitchFamily="49" charset="-122"/>
               </a:rPr>
@@ -17258,14 +17031,7 @@
                 <a:latin typeface="楷体" panose="02010609060101010101" pitchFamily="49" charset="-122"/>
                 <a:ea typeface="楷体" panose="02010609060101010101" pitchFamily="49" charset="-122"/>
               </a:rPr>
-              <a:t>的家里平静</a:t>
-            </a:r>
-            <a:r>
-              <a:rPr lang="zh-CN" altLang="en-US" sz="2000" dirty="0" smtClean="0">
-                <a:latin typeface="楷体" panose="02010609060101010101" pitchFamily="49" charset="-122"/>
-                <a:ea typeface="楷体" panose="02010609060101010101" pitchFamily="49" charset="-122"/>
-              </a:rPr>
-              <a:t>离去，一生跨过了几乎一个世纪。</a:t>
+              <a:t>的家里平静离去，一生跨过了几乎一个世纪。</a:t>
             </a:r>
             <a:endParaRPr lang="en-US" altLang="zh-CN" sz="2000" dirty="0">
               <a:latin typeface="楷体" panose="02010609060101010101" pitchFamily="49" charset="-122"/>
@@ -17279,7 +17045,7 @@
               </a:lnSpc>
             </a:pPr>
             <a:r>
-              <a:rPr lang="en-US" altLang="zh-CN" sz="2000" dirty="0" smtClean="0">
+              <a:rPr lang="en-US" altLang="zh-CN" sz="2000" dirty="0">
                 <a:latin typeface="楷体" panose="02010609060101010101" pitchFamily="49" charset="-122"/>
                 <a:ea typeface="楷体" panose="02010609060101010101" pitchFamily="49" charset="-122"/>
               </a:rPr>
@@ -17304,24 +17070,17 @@
                 <a:latin typeface="楷体" panose="02010609060101010101" pitchFamily="49" charset="-122"/>
                 <a:ea typeface="楷体" panose="02010609060101010101" pitchFamily="49" charset="-122"/>
               </a:rPr>
-              <a:t>年代研究了伺服系统、磁芯存储器等对计算机科学具有重大意义的</a:t>
-            </a:r>
-            <a:r>
-              <a:rPr lang="zh-CN" altLang="en-US" sz="2000" dirty="0" smtClean="0">
-                <a:latin typeface="楷体" panose="02010609060101010101" pitchFamily="49" charset="-122"/>
-                <a:ea typeface="楷体" panose="02010609060101010101" pitchFamily="49" charset="-122"/>
-              </a:rPr>
-              <a:t>东西，被认为是</a:t>
-            </a:r>
-            <a:r>
-              <a:rPr lang="en-US" altLang="zh-CN" sz="2000" dirty="0" smtClean="0">
+              <a:t>年代研究了伺服系统、磁芯存储器等对计算机科学具有重大意义的东西，被认为是</a:t>
+            </a:r>
+            <a:r>
+              <a:rPr lang="en-US" altLang="zh-CN" sz="2000" dirty="0">
                 <a:latin typeface="楷体" panose="02010609060101010101" pitchFamily="49" charset="-122"/>
                 <a:ea typeface="楷体" panose="02010609060101010101" pitchFamily="49" charset="-122"/>
               </a:rPr>
               <a:t>RAM</a:t>
             </a:r>
             <a:r>
-              <a:rPr lang="zh-CN" altLang="en-US" sz="2000" dirty="0" smtClean="0">
+              <a:rPr lang="zh-CN" altLang="en-US" sz="2000" dirty="0">
                 <a:latin typeface="楷体" panose="02010609060101010101" pitchFamily="49" charset="-122"/>
                 <a:ea typeface="楷体" panose="02010609060101010101" pitchFamily="49" charset="-122"/>
               </a:rPr>
@@ -17339,18 +17098,11 @@
               </a:lnSpc>
             </a:pPr>
             <a:r>
-              <a:rPr lang="zh-CN" altLang="en-US" sz="2000" dirty="0" smtClean="0">
-                <a:latin typeface="楷体" panose="02010609060101010101" pitchFamily="49" charset="-122"/>
-                <a:ea typeface="楷体" panose="02010609060101010101" pitchFamily="49" charset="-122"/>
-              </a:rPr>
-              <a:t>战争</a:t>
-            </a:r>
-            <a:r>
               <a:rPr lang="zh-CN" altLang="en-US" sz="2000" dirty="0">
                 <a:latin typeface="楷体" panose="02010609060101010101" pitchFamily="49" charset="-122"/>
                 <a:ea typeface="楷体" panose="02010609060101010101" pitchFamily="49" charset="-122"/>
               </a:rPr>
-              <a:t>年代，</a:t>
+              <a:t>战争年代，</a:t>
             </a:r>
             <a:r>
               <a:rPr lang="en-US" altLang="zh-CN" sz="2000" dirty="0">
@@ -17456,65 +17208,61 @@
           <a:lstStyle/>
           <a:p>
             <a:r>
-              <a:rPr lang="en-US" altLang="zh-CN" dirty="0" smtClean="0">
+              <a:rPr lang="en-US" altLang="zh-CN" dirty="0">
                 <a:latin typeface="华文楷体" panose="02010600040101010101" pitchFamily="2" charset="-122"/>
                 <a:ea typeface="华文楷体" panose="02010600040101010101" pitchFamily="2" charset="-122"/>
               </a:rPr>
               <a:t>System Dynamics</a:t>
             </a:r>
             <a:r>
-              <a:rPr lang="zh-CN" altLang="en-US" dirty="0" smtClean="0">
+              <a:rPr lang="zh-CN" altLang="en-US" dirty="0">
                 <a:latin typeface="华文楷体" panose="02010600040101010101" pitchFamily="2" charset="-122"/>
                 <a:ea typeface="华文楷体" panose="02010600040101010101" pitchFamily="2" charset="-122"/>
               </a:rPr>
               <a:t>建立者</a:t>
             </a:r>
             <a:r>
-              <a:rPr lang="en-US" altLang="zh-CN" dirty="0" smtClean="0">
+              <a:rPr lang="en-US" altLang="zh-CN" dirty="0">
                 <a:latin typeface="华文楷体" panose="02010600040101010101" pitchFamily="2" charset="-122"/>
                 <a:ea typeface="华文楷体" panose="02010600040101010101" pitchFamily="2" charset="-122"/>
               </a:rPr>
               <a:t>,</a:t>
             </a:r>
             <a:r>
-              <a:rPr lang="zh-CN" altLang="en-US" dirty="0" smtClean="0">
+              <a:rPr lang="zh-CN" altLang="en-US" dirty="0">
                 <a:latin typeface="华文楷体" panose="02010600040101010101" pitchFamily="2" charset="-122"/>
                 <a:ea typeface="华文楷体" panose="02010600040101010101" pitchFamily="2" charset="-122"/>
               </a:rPr>
               <a:t>他的专著</a:t>
             </a:r>
             <a:r>
-              <a:rPr lang="en-US" altLang="zh-CN" dirty="0" smtClean="0">
+              <a:rPr lang="en-US" altLang="zh-CN" dirty="0">
                 <a:latin typeface="华文楷体" panose="02010600040101010101" pitchFamily="2" charset="-122"/>
                 <a:ea typeface="华文楷体" panose="02010600040101010101" pitchFamily="2" charset="-122"/>
               </a:rPr>
               <a:t>《</a:t>
             </a:r>
             <a:r>
-              <a:rPr lang="en-US" altLang="zh-CN" i="1" dirty="0" smtClean="0">
+              <a:rPr lang="en-US" altLang="zh-CN" i="1" dirty="0">
                 <a:latin typeface="华文楷体" panose="02010600040101010101" pitchFamily="2" charset="-122"/>
                 <a:ea typeface="华文楷体" panose="02010600040101010101" pitchFamily="2" charset="-122"/>
               </a:rPr>
               <a:t>Industrial Dynamics</a:t>
             </a:r>
             <a:r>
-              <a:rPr lang="en-US" altLang="zh-CN" dirty="0" smtClean="0">
+              <a:rPr lang="en-US" altLang="zh-CN" dirty="0">
                 <a:latin typeface="华文楷体" panose="02010600040101010101" pitchFamily="2" charset="-122"/>
                 <a:ea typeface="华文楷体" panose="02010600040101010101" pitchFamily="2" charset="-122"/>
               </a:rPr>
               <a:t>》</a:t>
             </a:r>
             <a:r>
-              <a:rPr lang="zh-CN" altLang="en-US" dirty="0" smtClean="0">
+              <a:rPr lang="zh-CN" altLang="en-US" dirty="0">
                 <a:latin typeface="华文楷体" panose="02010600040101010101" pitchFamily="2" charset="-122"/>
                 <a:ea typeface="华文楷体" panose="02010600040101010101" pitchFamily="2" charset="-122"/>
               </a:rPr>
               <a:t>是第一部运用系统动力学研究商业周期问题的书。</a:t>
             </a:r>
-            <a:endParaRPr lang="zh-CN" altLang="en-US" dirty="0">
-              <a:latin typeface="华文楷体" panose="02010600040101010101" pitchFamily="2" charset="-122"/>
-              <a:ea typeface="华文楷体" panose="02010600040101010101" pitchFamily="2" charset="-122"/>
-            </a:endParaRPr>
           </a:p>
         </p:txBody>
       </p:sp>
@@ -17540,13 +17288,6 @@
       </p:transition>
     </mc:Fallback>
   </mc:AlternateContent>
-  <p:timing>
-    <p:tnLst>
-      <p:par>
-        <p:cTn id="1" dur="indefinite" restart="never" nodeType="tmRoot"/>
-      </p:par>
-    </p:tnLst>
-  </p:timing>
 </p:sld>
 </file>
 
@@ -17583,10 +17324,9 @@
           <a:lstStyle/>
           <a:p>
             <a:r>
-              <a:rPr lang="zh-CN" altLang="en-US" smtClean="0"/>
+              <a:rPr lang="zh-CN" altLang="en-US"/>
               <a:t>主要人物</a:t>
             </a:r>
-            <a:endParaRPr lang="zh-CN" altLang="en-US"/>
           </a:p>
         </p:txBody>
       </p:sp>
@@ -17619,7 +17359,7 @@
               <a:buNone/>
             </a:pPr>
             <a:r>
-              <a:rPr lang="en-US" altLang="zh-CN" dirty="0" smtClean="0">
+              <a:rPr lang="en-US" altLang="zh-CN" dirty="0">
                 <a:latin typeface="楷体" panose="02010609060101010101" pitchFamily="49" charset="-122"/>
                 <a:ea typeface="楷体" panose="02010609060101010101" pitchFamily="49" charset="-122"/>
               </a:rPr>
@@ -17684,14 +17424,7 @@
                 <a:latin typeface="楷体" panose="02010609060101010101" pitchFamily="49" charset="-122"/>
                 <a:ea typeface="楷体" panose="02010609060101010101" pitchFamily="49" charset="-122"/>
               </a:rPr>
-              <a:t>在当时，从来没有人想过管理学可以和计算机科学扯到一起，更不会想到计算机还可以用来推演系统的发展变化。此后在各学科相继诞生了生物系统动力学、气象系统动力学、天体系统动力学、分子系统动力学等各学科当中的分支方法，而系统动力学发展到今天也成了几乎所有商科高校必学的仿真方法</a:t>
-            </a:r>
-            <a:r>
-              <a:rPr lang="zh-CN" altLang="en-US" dirty="0" smtClean="0">
-                <a:latin typeface="楷体" panose="02010609060101010101" pitchFamily="49" charset="-122"/>
-                <a:ea typeface="楷体" panose="02010609060101010101" pitchFamily="49" charset="-122"/>
-              </a:rPr>
-              <a:t>。</a:t>
+              <a:t>在当时，从来没有人想过管理学可以和计算机科学扯到一起，更不会想到计算机还可以用来推演系统的发展变化。此后在各学科相继诞生了生物系统动力学、气象系统动力学、天体系统动力学、分子系统动力学等各学科当中的分支方法，而系统动力学发展到今天也成了几乎所有商科高校必学的仿真方法。</a:t>
             </a:r>
             <a:endParaRPr lang="zh-CN" altLang="en-US" dirty="0"/>
           </a:p>
@@ -17720,7 +17453,7 @@
           <a:lstStyle/>
           <a:p>
             <a:r>
-              <a:rPr lang="en-US" altLang="zh-CN" sz="1600" dirty="0" smtClean="0">
+              <a:rPr lang="en-US" altLang="zh-CN" sz="1600" dirty="0">
                 <a:latin typeface="Times New Roman" panose="02020603050405020304" pitchFamily="18" charset="0"/>
                 <a:cs typeface="Times New Roman" panose="02020603050405020304" pitchFamily="18" charset="0"/>
               </a:rPr>
@@ -17729,7 +17462,7 @@
           </a:p>
           <a:p>
             <a:r>
-              <a:rPr lang="en-US" altLang="zh-CN" sz="1600" dirty="0" smtClean="0">
+              <a:rPr lang="en-US" altLang="zh-CN" sz="1600" dirty="0">
                 <a:latin typeface="Times New Roman" panose="02020603050405020304" pitchFamily="18" charset="0"/>
                 <a:cs typeface="Times New Roman" panose="02020603050405020304" pitchFamily="18" charset="0"/>
               </a:rPr>
@@ -17738,7 +17471,7 @@
           </a:p>
           <a:p>
             <a:r>
-              <a:rPr lang="en-US" altLang="zh-CN" sz="1600" dirty="0" smtClean="0">
+              <a:rPr lang="en-US" altLang="zh-CN" sz="1600" dirty="0">
                 <a:latin typeface="Times New Roman" panose="02020603050405020304" pitchFamily="18" charset="0"/>
                 <a:cs typeface="Times New Roman" panose="02020603050405020304" pitchFamily="18" charset="0"/>
               </a:rPr>
@@ -17747,7 +17480,7 @@
           </a:p>
           <a:p>
             <a:r>
-              <a:rPr lang="en-US" altLang="zh-CN" sz="1600" dirty="0" smtClean="0">
+              <a:rPr lang="en-US" altLang="zh-CN" sz="1600" dirty="0">
                 <a:latin typeface="Times New Roman" panose="02020603050405020304" pitchFamily="18" charset="0"/>
                 <a:cs typeface="Times New Roman" panose="02020603050405020304" pitchFamily="18" charset="0"/>
               </a:rPr>
@@ -17813,13 +17546,6 @@
       </p:transition>
     </mc:Fallback>
   </mc:AlternateContent>
-  <p:timing>
-    <p:tnLst>
-      <p:par>
-        <p:cTn id="1" dur="indefinite" restart="never" nodeType="tmRoot"/>
-      </p:par>
-    </p:tnLst>
-  </p:timing>
 </p:sld>
 </file>
 
@@ -17856,18 +17582,13 @@
           <a:lstStyle/>
           <a:p>
             <a:r>
-              <a:rPr lang="en-US" altLang="zh-CN" dirty="0" smtClean="0"/>
+              <a:rPr lang="en-US" altLang="zh-CN" dirty="0"/>
               <a:t>System Dynamics</a:t>
             </a:r>
             <a:r>
-              <a:rPr lang="zh-CN" altLang="en-US" dirty="0" smtClean="0"/>
-              <a:t>引入</a:t>
-            </a:r>
-            <a:r>
-              <a:rPr lang="zh-CN" altLang="en-US" dirty="0" smtClean="0"/>
-              <a:t>中国</a:t>
-            </a:r>
-            <a:endParaRPr lang="zh-CN" altLang="en-US" dirty="0"/>
+              <a:rPr lang="zh-CN" altLang="en-US" dirty="0"/>
+              <a:t>引入中国</a:t>
+            </a:r>
           </a:p>
         </p:txBody>
       </p:sp>
@@ -18227,13 +17948,6 @@
       </p:transition>
     </mc:Fallback>
   </mc:AlternateContent>
-  <p:timing>
-    <p:tnLst>
-      <p:par>
-        <p:cTn id="1" dur="indefinite" restart="never" nodeType="tmRoot"/>
-      </p:par>
-    </p:tnLst>
-  </p:timing>
 </p:sld>
 </file>
 
@@ -19691,16 +19405,12 @@
               </a:spcBef>
             </a:pPr>
             <a:r>
-              <a:rPr lang="en-US" altLang="zh-CN" sz="2400" dirty="0" smtClean="0">
+              <a:rPr lang="en-US" altLang="zh-CN" sz="2400" dirty="0">
                 <a:latin typeface="楷体" panose="02010609060101010101" pitchFamily="49" charset="-122"/>
                 <a:ea typeface="楷体" panose="02010609060101010101" pitchFamily="49" charset="-122"/>
               </a:rPr>
               <a:t>S D</a:t>
             </a:r>
-            <a:endParaRPr lang="en-US" altLang="zh-CN" sz="2400" dirty="0">
-              <a:latin typeface="楷体" panose="02010609060101010101" pitchFamily="49" charset="-122"/>
-              <a:ea typeface="楷体" panose="02010609060101010101" pitchFamily="49" charset="-122"/>
-            </a:endParaRPr>
           </a:p>
         </p:txBody>
       </p:sp>
@@ -21828,18 +21538,17 @@
           <a:lstStyle/>
           <a:p>
             <a:r>
-              <a:rPr lang="zh-CN" altLang="en-US" dirty="0" smtClean="0"/>
+              <a:rPr lang="zh-CN" altLang="en-US" dirty="0"/>
               <a:t>问题</a:t>
             </a:r>
             <a:r>
-              <a:rPr lang="en-US" altLang="zh-CN" dirty="0" smtClean="0"/>
+              <a:rPr lang="en-US" altLang="zh-CN" dirty="0"/>
               <a:t>1</a:t>
             </a:r>
             <a:r>
-              <a:rPr lang="zh-CN" altLang="en-US" dirty="0" smtClean="0"/>
+              <a:rPr lang="zh-CN" altLang="en-US" dirty="0"/>
               <a:t>：水池蓄水问题</a:t>
             </a:r>
-            <a:endParaRPr lang="zh-CN" altLang="en-US" dirty="0"/>
           </a:p>
         </p:txBody>
       </p:sp>
@@ -21903,7 +21612,7 @@
             <a:graphicData uri="http://schemas.openxmlformats.org/presentationml/2006/ole">
               <mc:AlternateContent xmlns:mc="http://schemas.openxmlformats.org/markup-compatibility/2006">
                 <mc:Choice xmlns:v="urn:schemas-microsoft-com:vml" Requires="v">
-                  <p:oleObj spid="_x0000_s7198" name="Equation" r:id="rId4" imgW="850680" imgH="177480" progId="Equation.DSMT4">
+                  <p:oleObj spid="_x0000_s7200" name="Equation" r:id="rId4" imgW="850680" imgH="177480" progId="Equation.DSMT4">
                     <p:embed/>
                   </p:oleObj>
                 </mc:Choice>
@@ -21961,10 +21670,9 @@
             <a:lstStyle/>
             <a:p>
               <a:r>
-                <a:rPr lang="zh-CN" altLang="en-US" dirty="0" smtClean="0"/>
+                <a:rPr lang="zh-CN" altLang="en-US" dirty="0"/>
                 <a:t>初始值：</a:t>
               </a:r>
-              <a:endParaRPr lang="zh-CN" altLang="en-US" dirty="0"/>
             </a:p>
           </p:txBody>
         </p:sp>
@@ -22006,10 +21714,9 @@
             <a:lstStyle/>
             <a:p>
               <a:r>
-                <a:rPr lang="zh-CN" altLang="en-US" dirty="0" smtClean="0"/>
+                <a:rPr lang="zh-CN" altLang="en-US" dirty="0"/>
                 <a:t>输入速率：</a:t>
               </a:r>
-              <a:endParaRPr lang="zh-CN" altLang="en-US" dirty="0"/>
             </a:p>
           </p:txBody>
         </p:sp>
@@ -22035,7 +21742,7 @@
             <a:graphicData uri="http://schemas.openxmlformats.org/presentationml/2006/ole">
               <mc:AlternateContent xmlns:mc="http://schemas.openxmlformats.org/markup-compatibility/2006">
                 <mc:Choice xmlns:v="urn:schemas-microsoft-com:vml" Requires="v">
-                  <p:oleObj spid="_x0000_s7199" name="Equation" r:id="rId6" imgW="888840" imgH="203040" progId="Equation.DSMT4">
+                  <p:oleObj spid="_x0000_s7201" name="Equation" r:id="rId6" imgW="888840" imgH="203040" progId="Equation.DSMT4">
                     <p:embed/>
                   </p:oleObj>
                 </mc:Choice>
@@ -22144,15 +21851,15 @@
             <a:lstStyle/>
             <a:p>
               <a:r>
-                <a:rPr lang="zh-CN" altLang="en-US" dirty="0" smtClean="0"/>
+                <a:rPr lang="zh-CN" altLang="en-US" dirty="0"/>
                 <a:t>时间</a:t>
               </a:r>
               <a:r>
-                <a:rPr lang="en-US" altLang="zh-CN" dirty="0" smtClean="0"/>
+                <a:rPr lang="en-US" altLang="zh-CN" dirty="0"/>
                 <a:t>t</a:t>
               </a:r>
               <a:r>
-                <a:rPr lang="en-US" altLang="zh-CN" sz="1100" dirty="0" smtClean="0"/>
+                <a:rPr lang="en-US" altLang="zh-CN" sz="1100" dirty="0"/>
                 <a:t>0</a:t>
               </a:r>
               <a:endParaRPr lang="zh-CN" altLang="en-US" sz="1200" dirty="0"/>
@@ -22182,15 +21889,15 @@
             <a:lstStyle/>
             <a:p>
               <a:r>
-                <a:rPr lang="zh-CN" altLang="en-US" dirty="0" smtClean="0"/>
+                <a:rPr lang="zh-CN" altLang="en-US" dirty="0"/>
                 <a:t>时间</a:t>
               </a:r>
               <a:r>
-                <a:rPr lang="en-US" altLang="zh-CN" dirty="0" smtClean="0"/>
+                <a:rPr lang="en-US" altLang="zh-CN" dirty="0"/>
                 <a:t>t</a:t>
               </a:r>
               <a:r>
-                <a:rPr lang="en-US" altLang="zh-CN" sz="1100" dirty="0" smtClean="0"/>
+                <a:rPr lang="en-US" altLang="zh-CN" sz="1100" dirty="0"/>
                 <a:t>1</a:t>
               </a:r>
               <a:endParaRPr lang="zh-CN" altLang="en-US" sz="1100" dirty="0"/>
@@ -22498,10 +22205,9 @@
           <a:lstStyle/>
           <a:p>
             <a:r>
-              <a:rPr lang="zh-CN" altLang="en-US" dirty="0" smtClean="0"/>
+              <a:rPr lang="zh-CN" altLang="en-US" dirty="0"/>
               <a:t>蓄水中的计算</a:t>
             </a:r>
-            <a:endParaRPr lang="zh-CN" altLang="en-US" dirty="0"/>
           </a:p>
         </p:txBody>
       </p:sp>
@@ -22546,7 +22252,7 @@
                     <a:lstStyle/>
                     <a:p>
                       <a:r>
-                        <a:rPr lang="en-US" altLang="zh-CN" dirty="0" smtClean="0"/>
+                        <a:rPr lang="en-US" altLang="zh-CN" dirty="0"/>
                         <a:t>Pool</a:t>
                       </a:r>
                       <a:endParaRPr lang="zh-CN" altLang="en-US" dirty="0"/>
@@ -22567,7 +22273,7 @@
                     <a:lstStyle/>
                     <a:p>
                       <a:r>
-                        <a:rPr lang="en-US" altLang="zh-CN" dirty="0" smtClean="0"/>
+                        <a:rPr lang="en-US" altLang="zh-CN" dirty="0"/>
                         <a:t>10</a:t>
                       </a:r>
                       <a:endParaRPr lang="zh-CN" altLang="en-US" dirty="0"/>
@@ -22588,7 +22294,7 @@
                     <a:lstStyle/>
                     <a:p>
                       <a:r>
-                        <a:rPr lang="en-US" altLang="zh-CN" dirty="0" smtClean="0"/>
+                        <a:rPr lang="en-US" altLang="zh-CN" dirty="0"/>
                         <a:t>11.1</a:t>
                       </a:r>
                       <a:endParaRPr lang="zh-CN" altLang="en-US" dirty="0"/>
@@ -22609,7 +22315,7 @@
                     <a:lstStyle/>
                     <a:p>
                       <a:r>
-                        <a:rPr lang="en-US" altLang="zh-CN" dirty="0" smtClean="0"/>
+                        <a:rPr lang="en-US" altLang="zh-CN" dirty="0"/>
                         <a:t>12.2</a:t>
                       </a:r>
                       <a:endParaRPr lang="zh-CN" altLang="en-US" dirty="0"/>
@@ -22630,7 +22336,7 @@
                     <a:lstStyle/>
                     <a:p>
                       <a:r>
-                        <a:rPr lang="en-US" altLang="zh-CN" dirty="0" smtClean="0"/>
+                        <a:rPr lang="en-US" altLang="zh-CN" dirty="0"/>
                         <a:t>13.3</a:t>
                       </a:r>
                       <a:endParaRPr lang="zh-CN" altLang="en-US" dirty="0"/>
@@ -22651,7 +22357,7 @@
                     <a:lstStyle/>
                     <a:p>
                       <a:r>
-                        <a:rPr lang="en-US" altLang="zh-CN" dirty="0" smtClean="0"/>
+                        <a:rPr lang="en-US" altLang="zh-CN" dirty="0"/>
                         <a:t>14.4</a:t>
                       </a:r>
                       <a:endParaRPr lang="zh-CN" altLang="en-US" dirty="0"/>
@@ -22672,7 +22378,7 @@
                     <a:lstStyle/>
                     <a:p>
                       <a:r>
-                        <a:rPr lang="en-US" altLang="zh-CN" dirty="0" smtClean="0"/>
+                        <a:rPr lang="en-US" altLang="zh-CN" dirty="0"/>
                         <a:t>……</a:t>
                       </a:r>
                       <a:endParaRPr lang="zh-CN" altLang="en-US" dirty="0"/>
@@ -22693,7 +22399,7 @@
                     <a:lstStyle/>
                     <a:p>
                       <a:r>
-                        <a:rPr lang="en-US" altLang="zh-CN" dirty="0" smtClean="0"/>
+                        <a:rPr lang="en-US" altLang="zh-CN" dirty="0"/>
                         <a:t>24.3</a:t>
                       </a:r>
                       <a:endParaRPr lang="zh-CN" altLang="en-US" dirty="0"/>
@@ -22733,7 +22439,7 @@
           <a:graphicData uri="http://schemas.openxmlformats.org/presentationml/2006/ole">
             <mc:AlternateContent xmlns:mc="http://schemas.openxmlformats.org/markup-compatibility/2006">
               <mc:Choice xmlns:v="urn:schemas-microsoft-com:vml" Requires="v">
-                <p:oleObj spid="_x0000_s8242" name="Equation" r:id="rId3" imgW="1485720" imgH="228600" progId="Equation.DSMT4">
+                <p:oleObj spid="_x0000_s8246" name="Equation" r:id="rId3" imgW="1485720" imgH="228600" progId="Equation.DSMT4">
                   <p:embed/>
                 </p:oleObj>
               </mc:Choice>
@@ -22790,7 +22496,7 @@
           <a:graphicData uri="http://schemas.openxmlformats.org/presentationml/2006/ole">
             <mc:AlternateContent xmlns:mc="http://schemas.openxmlformats.org/markup-compatibility/2006">
               <mc:Choice xmlns:v="urn:schemas-microsoft-com:vml" Requires="v">
-                <p:oleObj spid="_x0000_s8243" name="Equation" r:id="rId5" imgW="2031840" imgH="330120" progId="Equation.DSMT4">
+                <p:oleObj spid="_x0000_s8247" name="Equation" r:id="rId5" imgW="2031840" imgH="330120" progId="Equation.DSMT4">
                   <p:embed/>
                 </p:oleObj>
               </mc:Choice>
@@ -22847,7 +22553,7 @@
           <a:graphicData uri="http://schemas.openxmlformats.org/presentationml/2006/ole">
             <mc:AlternateContent xmlns:mc="http://schemas.openxmlformats.org/markup-compatibility/2006">
               <mc:Choice xmlns:v="urn:schemas-microsoft-com:vml" Requires="v">
-                <p:oleObj spid="_x0000_s8244" name="Equation" r:id="rId7" imgW="1942920" imgH="228600" progId="Equation.DSMT4">
+                <p:oleObj spid="_x0000_s8248" name="Equation" r:id="rId7" imgW="1942920" imgH="228600" progId="Equation.DSMT4">
                   <p:embed/>
                 </p:oleObj>
               </mc:Choice>
@@ -22918,7 +22624,7 @@
             <a:graphicData uri="http://schemas.openxmlformats.org/presentationml/2006/ole">
               <mc:AlternateContent xmlns:mc="http://schemas.openxmlformats.org/markup-compatibility/2006">
                 <mc:Choice xmlns:v="urn:schemas-microsoft-com:vml" Requires="v">
-                  <p:oleObj spid="_x0000_s8245" name="Equation" r:id="rId9" imgW="647640" imgH="228600" progId="Equation.DSMT4">
+                  <p:oleObj spid="_x0000_s8249" name="Equation" r:id="rId9" imgW="647640" imgH="228600" progId="Equation.DSMT4">
                     <p:embed/>
                   </p:oleObj>
                 </mc:Choice>
@@ -22976,10 +22682,9 @@
             <a:lstStyle/>
             <a:p>
               <a:r>
-                <a:rPr lang="zh-CN" altLang="en-US" dirty="0" smtClean="0"/>
+                <a:rPr lang="zh-CN" altLang="en-US" dirty="0"/>
                 <a:t>足够小</a:t>
               </a:r>
-              <a:endParaRPr lang="zh-CN" altLang="en-US" dirty="0"/>
             </a:p>
           </p:txBody>
         </p:sp>
@@ -23099,11 +22804,11 @@
           <a:lstStyle/>
           <a:p>
             <a:r>
-              <a:rPr lang="zh-CN" altLang="en-US" dirty="0" smtClean="0"/>
+              <a:rPr lang="zh-CN" altLang="en-US" dirty="0"/>
               <a:t>设间隔为</a:t>
             </a:r>
             <a:r>
-              <a:rPr lang="en-US" altLang="zh-CN" dirty="0" smtClean="0"/>
+              <a:rPr lang="en-US" altLang="zh-CN" dirty="0"/>
               <a:t>1</a:t>
             </a:r>
             <a:endParaRPr lang="zh-CN" altLang="en-US" dirty="0"/>
@@ -23150,11 +22855,11 @@
                     <a:lstStyle/>
                     <a:p>
                       <a:r>
-                        <a:rPr lang="zh-CN" altLang="en-US" dirty="0" smtClean="0"/>
+                        <a:rPr lang="zh-CN" altLang="en-US" dirty="0"/>
                         <a:t>时间</a:t>
                       </a:r>
                       <a:r>
-                        <a:rPr lang="en-US" altLang="zh-CN" dirty="0" smtClean="0"/>
+                        <a:rPr lang="en-US" altLang="zh-CN" dirty="0"/>
                         <a:t>t</a:t>
                       </a:r>
                       <a:endParaRPr lang="zh-CN" altLang="en-US" dirty="0"/>
@@ -23175,7 +22880,7 @@
                     <a:lstStyle/>
                     <a:p>
                       <a:r>
-                        <a:rPr lang="en-US" altLang="zh-CN" dirty="0" smtClean="0"/>
+                        <a:rPr lang="en-US" altLang="zh-CN" dirty="0"/>
                         <a:t>0</a:t>
                       </a:r>
                       <a:endParaRPr lang="zh-CN" altLang="en-US" dirty="0"/>
@@ -23196,7 +22901,7 @@
                     <a:lstStyle/>
                     <a:p>
                       <a:r>
-                        <a:rPr lang="en-US" altLang="zh-CN" dirty="0" smtClean="0"/>
+                        <a:rPr lang="en-US" altLang="zh-CN" dirty="0"/>
                         <a:t>1</a:t>
                       </a:r>
                       <a:endParaRPr lang="zh-CN" altLang="en-US" dirty="0"/>
@@ -23217,7 +22922,7 @@
                     <a:lstStyle/>
                     <a:p>
                       <a:r>
-                        <a:rPr lang="en-US" altLang="zh-CN" dirty="0" smtClean="0"/>
+                        <a:rPr lang="en-US" altLang="zh-CN" dirty="0"/>
                         <a:t>2</a:t>
                       </a:r>
                       <a:endParaRPr lang="zh-CN" altLang="en-US" dirty="0"/>
@@ -23238,7 +22943,7 @@
                     <a:lstStyle/>
                     <a:p>
                       <a:r>
-                        <a:rPr lang="en-US" altLang="zh-CN" dirty="0" smtClean="0"/>
+                        <a:rPr lang="en-US" altLang="zh-CN" dirty="0"/>
                         <a:t>3</a:t>
                       </a:r>
                       <a:endParaRPr lang="zh-CN" altLang="en-US" dirty="0"/>
@@ -23259,7 +22964,7 @@
                     <a:lstStyle/>
                     <a:p>
                       <a:r>
-                        <a:rPr lang="en-US" altLang="zh-CN" dirty="0" smtClean="0"/>
+                        <a:rPr lang="en-US" altLang="zh-CN" dirty="0"/>
                         <a:t>4</a:t>
                       </a:r>
                       <a:endParaRPr lang="zh-CN" altLang="en-US" dirty="0"/>
@@ -23280,7 +22985,7 @@
                     <a:lstStyle/>
                     <a:p>
                       <a:r>
-                        <a:rPr lang="en-US" altLang="zh-CN" dirty="0" smtClean="0"/>
+                        <a:rPr lang="en-US" altLang="zh-CN" dirty="0"/>
                         <a:t>……</a:t>
                       </a:r>
                       <a:endParaRPr lang="zh-CN" altLang="en-US" dirty="0"/>
@@ -23301,7 +23006,7 @@
                     <a:lstStyle/>
                     <a:p>
                       <a:r>
-                        <a:rPr lang="en-US" altLang="zh-CN" dirty="0" smtClean="0"/>
+                        <a:rPr lang="en-US" altLang="zh-CN" dirty="0"/>
                         <a:t>13</a:t>
                       </a:r>
                       <a:endParaRPr lang="zh-CN" altLang="en-US" dirty="0"/>
@@ -23757,10 +23462,9 @@
           <a:lstStyle/>
           <a:p>
             <a:r>
-              <a:rPr lang="zh-CN" altLang="en-US" sz="2800" dirty="0" smtClean="0"/>
+              <a:rPr lang="zh-CN" altLang="en-US" sz="2800" dirty="0"/>
               <a:t>计算中的特点</a:t>
             </a:r>
-            <a:endParaRPr lang="zh-CN" altLang="en-US" sz="2800" dirty="0"/>
           </a:p>
         </p:txBody>
       </p:sp>
@@ -23808,24 +23512,24 @@
           <a:lstStyle/>
           <a:p>
             <a:r>
-              <a:rPr lang="zh-CN" altLang="en-US" dirty="0" smtClean="0"/>
+              <a:rPr lang="zh-CN" altLang="en-US" dirty="0"/>
               <a:t>离散方程模拟连续方程</a:t>
             </a:r>
-            <a:endParaRPr lang="en-US" altLang="zh-CN" dirty="0" smtClean="0"/>
-          </a:p>
-          <a:p>
-            <a:r>
-              <a:rPr lang="zh-CN" altLang="en-US" dirty="0" smtClean="0"/>
+            <a:endParaRPr lang="en-US" altLang="zh-CN" dirty="0"/>
+          </a:p>
+          <a:p>
+            <a:r>
+              <a:rPr lang="zh-CN" altLang="en-US" dirty="0"/>
               <a:t>时间间隔量影响仿真计算误差</a:t>
             </a:r>
-            <a:endParaRPr lang="en-US" altLang="zh-CN" dirty="0" smtClean="0"/>
-          </a:p>
-          <a:p>
-            <a:r>
-              <a:rPr lang="zh-CN" altLang="en-US" dirty="0" smtClean="0"/>
+            <a:endParaRPr lang="en-US" altLang="zh-CN" dirty="0"/>
+          </a:p>
+          <a:p>
+            <a:r>
+              <a:rPr lang="zh-CN" altLang="en-US" dirty="0"/>
               <a:t>流量具有方向性</a:t>
             </a:r>
-            <a:endParaRPr lang="en-US" altLang="zh-CN" dirty="0" smtClean="0"/>
+            <a:endParaRPr lang="en-US" altLang="zh-CN" dirty="0"/>
           </a:p>
           <a:p>
             <a:endParaRPr lang="zh-CN" altLang="en-US" dirty="0"/>
@@ -23854,13 +23558,6 @@
       </p:transition>
     </mc:Fallback>
   </mc:AlternateContent>
-  <p:timing>
-    <p:tnLst>
-      <p:par>
-        <p:cTn id="1" dur="indefinite" restart="never" nodeType="tmRoot"/>
-      </p:par>
-    </p:tnLst>
-  </p:timing>
 </p:sld>
 </file>
 
@@ -24459,17 +24156,41 @@
 
 <file path=customXml/item1.xml><?xml version="1.0" encoding="utf-8"?>
 <Control xmlns="http://schemas.microsoft.com/VisualStudio/2011/storyboarding/control">
-  <Id Name="5e505f8e-b0aa-429a-bb4c-92ab0e8a8ee6" RevisionId="d2083f08-ba4f-4330-87aa-e4d23a4443d7" Stencil="172d6d98-e5c9-42e9-a209-79f7a94bbd38" StencilRevisionId="00000000-0000-0000-0000-000000000000" StencilVersion="0.0"/>
+  <Id Name="System.Storyboarding.Common.TextInput" Revision="1" Stencil="System.Storyboarding.Common" StencilVersion="0.1"/>
 </Control>
 </file>
 
 <file path=customXml/item2.xml><?xml version="1.0" encoding="utf-8"?>
 <Control xmlns="http://schemas.microsoft.com/VisualStudio/2011/storyboarding/control">
-  <Id Name="System.Storyboarding.Common.TextInput" Revision="1" Stencil="System.Storyboarding.Common" StencilVersion="0.1"/>
+  <Id Name="5e505f8e-b0aa-429a-bb4c-92ab0e8a8ee6" RevisionId="d2083f08-ba4f-4330-87aa-e4d23a4443d7" Stencil="172d6d98-e5c9-42e9-a209-79f7a94bbd38" StencilRevisionId="00000000-0000-0000-0000-000000000000" StencilVersion="0.0"/>
 </Control>
 </file>
 
 <file path=customXml/item3.xml><?xml version="1.0" encoding="utf-8"?>
+<Control xmlns="http://schemas.microsoft.com/VisualStudio/2011/storyboarding/control">
+  <Id Name="System.Storyboarding.Annotation.StickyNote" Revision="1" Stencil="System.Storyboarding.Annotation" StencilVersion="0.1"/>
+</Control>
+</file>
+
+<file path=customXml/item4.xml><?xml version="1.0" encoding="utf-8"?>
+<Control xmlns="http://schemas.microsoft.com/VisualStudio/2011/storyboarding/control">
+  <Id Name="System.Storyboarding.Common.DragSelection" Revision="1" Stencil="System.Storyboarding.Common" StencilVersion="0.1"/>
+</Control>
+</file>
+
+<file path=customXml/item5.xml><?xml version="1.0" encoding="utf-8"?>
+<Control xmlns="http://schemas.microsoft.com/VisualStudio/2011/storyboarding/control">
+  <Id Name="System.Storyboarding.WindowsApps.WindowsAppsListBox" Revision="1" Stencil="System.Storyboarding.WindowsApps" StencilVersion="0.1"/>
+</Control>
+</file>
+
+<file path=customXml/item6.xml><?xml version="1.0" encoding="utf-8"?>
+<Control xmlns="http://schemas.microsoft.com/VisualStudio/2011/storyboarding/control">
+  <Id Name="System.Storyboarding.Annotation.StickyNote" Revision="1" Stencil="System.Storyboarding.Annotation" StencilVersion="0.1"/>
+</Control>
+</file>
+
+<file path=customXml/item7.xml><?xml version="1.0" encoding="utf-8"?>
 <p:properties xmlns:p="http://schemas.microsoft.com/office/2006/metadata/properties" xmlns:xsi="http://www.w3.org/2001/XMLSchema-instance" xmlns:pc="http://schemas.microsoft.com/office/infopath/2007/PartnerControls">
   <documentManagement>
     <_dlc_DocId xmlns="b4ebf394-daf6-497a-96c5-a2f8c10b38cf">TT6HZDVJM2HV-178-321</_dlc_DocId>
@@ -24481,37 +24202,21 @@
 </p:properties>
 </file>
 
-<file path=customXml/item4.xml><?xml version="1.0" encoding="utf-8"?>
-<Control xmlns="http://schemas.microsoft.com/VisualStudio/2011/storyboarding/control">
-  <Id Name="System.Storyboarding.WindowsApps.WindowsAppsListBox" Revision="1" Stencil="System.Storyboarding.WindowsApps" StencilVersion="0.1"/>
-</Control>
-</file>
-
-<file path=customXml/item5.xml><?xml version="1.0" encoding="utf-8"?>
-<Control xmlns="http://schemas.microsoft.com/VisualStudio/2011/storyboarding/control">
-  <Id Name="System.Storyboarding.Common.DragSelection" Revision="1" Stencil="System.Storyboarding.Common" StencilVersion="0.1"/>
-</Control>
-</file>
-
-<file path=customXml/item6.xml><?xml version="1.0" encoding="utf-8"?>
-<Control xmlns="http://schemas.microsoft.com/VisualStudio/2011/storyboarding/control">
-  <Id Name="System.Storyboarding.Annotation.StickyNote" Revision="1" Stencil="System.Storyboarding.Annotation" StencilVersion="0.1"/>
-</Control>
-</file>
-
-<file path=customXml/item7.xml><?xml version="1.0" encoding="utf-8"?>
+<file path=customXml/item8.xml><?xml version="1.0" encoding="utf-8"?>
 <Control xmlns="http://schemas.microsoft.com/VisualStudio/2011/storyboarding/control">
   <Id Name="System.Storyboarding.WindowsApps.WindowsAppsProgressRing" Revision="1" Stencil="System.Storyboarding.WindowsApps" StencilVersion="0.1"/>
 </Control>
 </file>
 
-<file path=customXml/item8.xml><?xml version="1.0" encoding="utf-8"?>
-<Control xmlns="http://schemas.microsoft.com/VisualStudio/2011/storyboarding/control">
-  <Id Name="System.Storyboarding.Annotation.StickyNote" Revision="1" Stencil="System.Storyboarding.Annotation" StencilVersion="0.1"/>
-</Control>
+<file path=customXml/itemProps1.xml><?xml version="1.0" encoding="utf-8"?>
+<ds:datastoreItem xmlns:ds="http://schemas.openxmlformats.org/officeDocument/2006/customXml" ds:itemID="{195C3A57-25C5-4CAC-A396-8711CE839175}">
+  <ds:schemaRefs>
+    <ds:schemaRef ds:uri="http://schemas.microsoft.com/VisualStudio/2011/storyboarding/control"/>
+  </ds:schemaRefs>
+</ds:datastoreItem>
 </file>
 
-<file path=customXml/itemProps1.xml><?xml version="1.0" encoding="utf-8"?>
+<file path=customXml/itemProps2.xml><?xml version="1.0" encoding="utf-8"?>
 <ds:datastoreItem xmlns:ds="http://schemas.openxmlformats.org/officeDocument/2006/customXml" ds:itemID="{22271091-DDCE-44B5-B608-BB96BCA0C299}">
   <ds:schemaRefs>
     <ds:schemaRef ds:uri="http://schemas.microsoft.com/VisualStudio/2011/storyboarding/control"/>
@@ -24519,15 +24224,39 @@
 </ds:datastoreItem>
 </file>
 
-<file path=customXml/itemProps2.xml><?xml version="1.0" encoding="utf-8"?>
-<ds:datastoreItem xmlns:ds="http://schemas.openxmlformats.org/officeDocument/2006/customXml" ds:itemID="{195C3A57-25C5-4CAC-A396-8711CE839175}">
+<file path=customXml/itemProps3.xml><?xml version="1.0" encoding="utf-8"?>
+<ds:datastoreItem xmlns:ds="http://schemas.openxmlformats.org/officeDocument/2006/customXml" ds:itemID="{DA9AD0B9-FF65-4FA1-BA6B-4E7EE14AEFD0}">
   <ds:schemaRefs>
     <ds:schemaRef ds:uri="http://schemas.microsoft.com/VisualStudio/2011/storyboarding/control"/>
   </ds:schemaRefs>
 </ds:datastoreItem>
 </file>
 
-<file path=customXml/itemProps3.xml><?xml version="1.0" encoding="utf-8"?>
+<file path=customXml/itemProps4.xml><?xml version="1.0" encoding="utf-8"?>
+<ds:datastoreItem xmlns:ds="http://schemas.openxmlformats.org/officeDocument/2006/customXml" ds:itemID="{74F50758-6994-47AF-ADB4-84074E43B95D}">
+  <ds:schemaRefs>
+    <ds:schemaRef ds:uri="http://schemas.microsoft.com/VisualStudio/2011/storyboarding/control"/>
+  </ds:schemaRefs>
+</ds:datastoreItem>
+</file>
+
+<file path=customXml/itemProps5.xml><?xml version="1.0" encoding="utf-8"?>
+<ds:datastoreItem xmlns:ds="http://schemas.openxmlformats.org/officeDocument/2006/customXml" ds:itemID="{925928FA-66B2-4992-9AF7-6AAB34665E06}">
+  <ds:schemaRefs>
+    <ds:schemaRef ds:uri="http://schemas.microsoft.com/VisualStudio/2011/storyboarding/control"/>
+  </ds:schemaRefs>
+</ds:datastoreItem>
+</file>
+
+<file path=customXml/itemProps6.xml><?xml version="1.0" encoding="utf-8"?>
+<ds:datastoreItem xmlns:ds="http://schemas.openxmlformats.org/officeDocument/2006/customXml" ds:itemID="{35CD12A2-2187-402A-B9D9-EF68624DB0B9}">
+  <ds:schemaRefs>
+    <ds:schemaRef ds:uri="http://schemas.microsoft.com/VisualStudio/2011/storyboarding/control"/>
+  </ds:schemaRefs>
+</ds:datastoreItem>
+</file>
+
+<file path=customXml/itemProps7.xml><?xml version="1.0" encoding="utf-8"?>
 <ds:datastoreItem xmlns:ds="http://schemas.openxmlformats.org/officeDocument/2006/customXml" ds:itemID="{1322E1B6-B69B-4B1E-9F64-FFB1E4A65691}">
   <ds:schemaRefs>
     <ds:schemaRef ds:uri="http://schemas.microsoft.com/office/2006/metadata/properties"/>
@@ -24537,42 +24266,10 @@
 </ds:datastoreItem>
 </file>
 
-<file path=customXml/itemProps4.xml><?xml version="1.0" encoding="utf-8"?>
-<ds:datastoreItem xmlns:ds="http://schemas.openxmlformats.org/officeDocument/2006/customXml" ds:itemID="{925928FA-66B2-4992-9AF7-6AAB34665E06}">
-  <ds:schemaRefs>
-    <ds:schemaRef ds:uri="http://schemas.microsoft.com/VisualStudio/2011/storyboarding/control"/>
-  </ds:schemaRefs>
-</ds:datastoreItem>
-</file>
-
-<file path=customXml/itemProps5.xml><?xml version="1.0" encoding="utf-8"?>
-<ds:datastoreItem xmlns:ds="http://schemas.openxmlformats.org/officeDocument/2006/customXml" ds:itemID="{74F50758-6994-47AF-ADB4-84074E43B95D}">
-  <ds:schemaRefs>
-    <ds:schemaRef ds:uri="http://schemas.microsoft.com/VisualStudio/2011/storyboarding/control"/>
-  </ds:schemaRefs>
-</ds:datastoreItem>
-</file>
-
-<file path=customXml/itemProps6.xml><?xml version="1.0" encoding="utf-8"?>
-<ds:datastoreItem xmlns:ds="http://schemas.openxmlformats.org/officeDocument/2006/customXml" ds:itemID="{DA9AD0B9-FF65-4FA1-BA6B-4E7EE14AEFD0}">
-  <ds:schemaRefs>
-    <ds:schemaRef ds:uri="http://schemas.microsoft.com/VisualStudio/2011/storyboarding/control"/>
-  </ds:schemaRefs>
-</ds:datastoreItem>
-</file>
-
-<file path=customXml/itemProps7.xml><?xml version="1.0" encoding="utf-8"?>
+<file path=customXml/itemProps8.xml><?xml version="1.0" encoding="utf-8"?>
 <ds:datastoreItem xmlns:ds="http://schemas.openxmlformats.org/officeDocument/2006/customXml" ds:itemID="{EE994FE8-9D1B-4C75-9803-F4D3D8088B5B}">
   <ds:schemaRefs>
     <ds:schemaRef ds:uri="http://schemas.microsoft.com/VisualStudio/2011/storyboarding/control"/>
   </ds:schemaRefs>
 </ds:datastoreItem>
-</file>
-
-<file path=customXml/itemProps8.xml><?xml version="1.0" encoding="utf-8"?>
-<ds:datastoreItem xmlns:ds="http://schemas.openxmlformats.org/officeDocument/2006/customXml" ds:itemID="{35CD12A2-2187-402A-B9D9-EF68624DB0B9}">
-  <ds:schemaRefs>
-    <ds:schemaRef ds:uri="http://schemas.microsoft.com/VisualStudio/2011/storyboarding/control"/>
-  </ds:schemaRefs>
-</ds:datastoreItem>
 </file>
--- a/系统仿真-2-计算基础.pptx
+++ b/系统仿真-2-计算基础.pptx
@@ -8275,6 +8275,36 @@
             <a:extLst>
               <a:ext uri="{FF2B5EF4-FFF2-40B4-BE49-F238E27FC236}">
                 <a16:creationId xmlns:a16="http://schemas.microsoft.com/office/drawing/2014/main" id="{628F2C51-7206-F44F-8714-4BDB33AD43CB}"/>
+              </a:ext>
+            </a:extLst>
+          </p:cNvPr>
+          <p:cNvPicPr>
+            <a:picLocks noChangeAspect="1"/>
+          </p:cNvPicPr>
+          <p:nvPr/>
+        </p:nvPicPr>
+        <p:blipFill>
+          <a:blip r:link="rId3"/>
+          <a:stretch>
+            <a:fillRect/>
+          </a:stretch>
+        </p:blipFill>
+        <p:spPr>
+          <a:xfrm>
+            <a:off x="1270000" y="1270000"/>
+            <a:ext cx="63500" cy="76200"/>
+          </a:xfrm>
+          <a:prstGeom prst="rect">
+            <a:avLst/>
+          </a:prstGeom>
+        </p:spPr>
+      </p:pic>
+      <p:pic>
+        <p:nvPicPr>
+          <p:cNvPr id="6" name="图片 5">
+            <a:extLst>
+              <a:ext uri="{FF2B5EF4-FFF2-40B4-BE49-F238E27FC236}">
+                <a16:creationId xmlns:a16="http://schemas.microsoft.com/office/drawing/2014/main" id="{B3165DAC-F196-C842-9E8E-E5B9F077810B}"/>
               </a:ext>
             </a:extLst>
           </p:cNvPr>
@@ -9703,7 +9733,7 @@
           <a:graphicData uri="http://schemas.openxmlformats.org/presentationml/2006/ole">
             <mc:AlternateContent xmlns:mc="http://schemas.openxmlformats.org/markup-compatibility/2006">
               <mc:Choice xmlns:v="urn:schemas-microsoft-com:vml" Requires="v">
-                <p:oleObj spid="_x0000_s3148" name="Equation" r:id="rId6" imgW="3022560" imgH="228600" progId="Equation.DSMT4">
+                <p:oleObj spid="_x0000_s3149" name="Equation" r:id="rId6" imgW="3022560" imgH="228600" progId="Equation.DSMT4">
                   <p:embed/>
                 </p:oleObj>
               </mc:Choice>
@@ -10830,7 +10860,7 @@
           <a:graphicData uri="http://schemas.openxmlformats.org/presentationml/2006/ole">
             <mc:AlternateContent xmlns:mc="http://schemas.openxmlformats.org/markup-compatibility/2006">
               <mc:Choice xmlns:v="urn:schemas-microsoft-com:vml" Requires="v">
-                <p:oleObj spid="_x0000_s1169" name="Equation" r:id="rId4" imgW="3124080" imgH="355320" progId="Equation.DSMT4">
+                <p:oleObj spid="_x0000_s1171" name="Equation" r:id="rId4" imgW="3124080" imgH="355320" progId="Equation.DSMT4">
                   <p:embed/>
                 </p:oleObj>
               </mc:Choice>
@@ -10887,7 +10917,7 @@
           <a:graphicData uri="http://schemas.openxmlformats.org/presentationml/2006/ole">
             <mc:AlternateContent xmlns:mc="http://schemas.openxmlformats.org/markup-compatibility/2006">
               <mc:Choice xmlns:v="urn:schemas-microsoft-com:vml" Requires="v">
-                <p:oleObj spid="_x0000_s1170" name="Equation" r:id="rId6" imgW="2984400" imgH="228600" progId="Equation.DSMT4">
+                <p:oleObj spid="_x0000_s1172" name="Equation" r:id="rId6" imgW="2984400" imgH="228600" progId="Equation.DSMT4">
                   <p:embed/>
                 </p:oleObj>
               </mc:Choice>
@@ -12244,7 +12274,7 @@
             <a:graphicData uri="http://schemas.openxmlformats.org/presentationml/2006/ole">
               <mc:AlternateContent xmlns:mc="http://schemas.openxmlformats.org/markup-compatibility/2006">
                 <mc:Choice xmlns:v="urn:schemas-microsoft-com:vml" Requires="v">
-                  <p:oleObj spid="_x0000_s5174" name="Equation" r:id="rId3" imgW="3454200" imgH="203040" progId="Equation.DSMT4">
+                  <p:oleObj spid="_x0000_s5175" name="Equation" r:id="rId3" imgW="3454200" imgH="203040" progId="Equation.DSMT4">
                     <p:embed/>
                   </p:oleObj>
                 </mc:Choice>
@@ -16705,7 +16735,7 @@
           <a:graphicData uri="http://schemas.openxmlformats.org/presentationml/2006/ole">
             <mc:AlternateContent xmlns:mc="http://schemas.openxmlformats.org/markup-compatibility/2006">
               <mc:Choice xmlns:v="urn:schemas-microsoft-com:vml" Requires="v">
-                <p:oleObj spid="_x0000_s10248" name="Equation" r:id="rId5" imgW="2120760" imgH="393480" progId="Equation.DSMT4">
+                <p:oleObj spid="_x0000_s10249" name="Equation" r:id="rId5" imgW="2120760" imgH="393480" progId="Equation.DSMT4">
                   <p:embed/>
                 </p:oleObj>
               </mc:Choice>
@@ -21612,7 +21642,7 @@
             <a:graphicData uri="http://schemas.openxmlformats.org/presentationml/2006/ole">
               <mc:AlternateContent xmlns:mc="http://schemas.openxmlformats.org/markup-compatibility/2006">
                 <mc:Choice xmlns:v="urn:schemas-microsoft-com:vml" Requires="v">
-                  <p:oleObj spid="_x0000_s7200" name="Equation" r:id="rId4" imgW="850680" imgH="177480" progId="Equation.DSMT4">
+                  <p:oleObj spid="_x0000_s7202" name="Equation" r:id="rId4" imgW="850680" imgH="177480" progId="Equation.DSMT4">
                     <p:embed/>
                   </p:oleObj>
                 </mc:Choice>
@@ -21742,7 +21772,7 @@
             <a:graphicData uri="http://schemas.openxmlformats.org/presentationml/2006/ole">
               <mc:AlternateContent xmlns:mc="http://schemas.openxmlformats.org/markup-compatibility/2006">
                 <mc:Choice xmlns:v="urn:schemas-microsoft-com:vml" Requires="v">
-                  <p:oleObj spid="_x0000_s7201" name="Equation" r:id="rId6" imgW="888840" imgH="203040" progId="Equation.DSMT4">
+                  <p:oleObj spid="_x0000_s7203" name="Equation" r:id="rId6" imgW="888840" imgH="203040" progId="Equation.DSMT4">
                     <p:embed/>
                   </p:oleObj>
                 </mc:Choice>
@@ -22439,7 +22469,7 @@
           <a:graphicData uri="http://schemas.openxmlformats.org/presentationml/2006/ole">
             <mc:AlternateContent xmlns:mc="http://schemas.openxmlformats.org/markup-compatibility/2006">
               <mc:Choice xmlns:v="urn:schemas-microsoft-com:vml" Requires="v">
-                <p:oleObj spid="_x0000_s8246" name="Equation" r:id="rId3" imgW="1485720" imgH="228600" progId="Equation.DSMT4">
+                <p:oleObj spid="_x0000_s8250" name="Equation" r:id="rId3" imgW="1485720" imgH="228600" progId="Equation.DSMT4">
                   <p:embed/>
                 </p:oleObj>
               </mc:Choice>
@@ -22496,7 +22526,7 @@
           <a:graphicData uri="http://schemas.openxmlformats.org/presentationml/2006/ole">
             <mc:AlternateContent xmlns:mc="http://schemas.openxmlformats.org/markup-compatibility/2006">
               <mc:Choice xmlns:v="urn:schemas-microsoft-com:vml" Requires="v">
-                <p:oleObj spid="_x0000_s8247" name="Equation" r:id="rId5" imgW="2031840" imgH="330120" progId="Equation.DSMT4">
+                <p:oleObj spid="_x0000_s8251" name="Equation" r:id="rId5" imgW="2031840" imgH="330120" progId="Equation.DSMT4">
                   <p:embed/>
                 </p:oleObj>
               </mc:Choice>
@@ -22553,7 +22583,7 @@
           <a:graphicData uri="http://schemas.openxmlformats.org/presentationml/2006/ole">
             <mc:AlternateContent xmlns:mc="http://schemas.openxmlformats.org/markup-compatibility/2006">
               <mc:Choice xmlns:v="urn:schemas-microsoft-com:vml" Requires="v">
-                <p:oleObj spid="_x0000_s8248" name="Equation" r:id="rId7" imgW="1942920" imgH="228600" progId="Equation.DSMT4">
+                <p:oleObj spid="_x0000_s8252" name="Equation" r:id="rId7" imgW="1942920" imgH="228600" progId="Equation.DSMT4">
                   <p:embed/>
                 </p:oleObj>
               </mc:Choice>
@@ -22624,7 +22654,7 @@
             <a:graphicData uri="http://schemas.openxmlformats.org/presentationml/2006/ole">
               <mc:AlternateContent xmlns:mc="http://schemas.openxmlformats.org/markup-compatibility/2006">
                 <mc:Choice xmlns:v="urn:schemas-microsoft-com:vml" Requires="v">
-                  <p:oleObj spid="_x0000_s8249" name="Equation" r:id="rId9" imgW="647640" imgH="228600" progId="Equation.DSMT4">
+                  <p:oleObj spid="_x0000_s8253" name="Equation" r:id="rId9" imgW="647640" imgH="228600" progId="Equation.DSMT4">
                     <p:embed/>
                   </p:oleObj>
                 </mc:Choice>
@@ -24156,13 +24186,13 @@
 
 <file path=customXml/item1.xml><?xml version="1.0" encoding="utf-8"?>
 <Control xmlns="http://schemas.microsoft.com/VisualStudio/2011/storyboarding/control">
-  <Id Name="System.Storyboarding.Common.TextInput" Revision="1" Stencil="System.Storyboarding.Common" StencilVersion="0.1"/>
+  <Id Name="5e505f8e-b0aa-429a-bb4c-92ab0e8a8ee6" RevisionId="d2083f08-ba4f-4330-87aa-e4d23a4443d7" Stencil="172d6d98-e5c9-42e9-a209-79f7a94bbd38" StencilRevisionId="00000000-0000-0000-0000-000000000000" StencilVersion="0.0"/>
 </Control>
 </file>
 
 <file path=customXml/item2.xml><?xml version="1.0" encoding="utf-8"?>
 <Control xmlns="http://schemas.microsoft.com/VisualStudio/2011/storyboarding/control">
-  <Id Name="5e505f8e-b0aa-429a-bb4c-92ab0e8a8ee6" RevisionId="d2083f08-ba4f-4330-87aa-e4d23a4443d7" Stencil="172d6d98-e5c9-42e9-a209-79f7a94bbd38" StencilRevisionId="00000000-0000-0000-0000-000000000000" StencilVersion="0.0"/>
+  <Id Name="System.Storyboarding.Common.TextInput" Revision="1" Stencil="System.Storyboarding.Common" StencilVersion="0.1"/>
 </Control>
 </file>
 
@@ -24174,23 +24204,29 @@
 
 <file path=customXml/item4.xml><?xml version="1.0" encoding="utf-8"?>
 <Control xmlns="http://schemas.microsoft.com/VisualStudio/2011/storyboarding/control">
-  <Id Name="System.Storyboarding.Common.DragSelection" Revision="1" Stencil="System.Storyboarding.Common" StencilVersion="0.1"/>
+  <Id Name="System.Storyboarding.WindowsApps.WindowsAppsListBox" Revision="1" Stencil="System.Storyboarding.WindowsApps" StencilVersion="0.1"/>
 </Control>
 </file>
 
 <file path=customXml/item5.xml><?xml version="1.0" encoding="utf-8"?>
 <Control xmlns="http://schemas.microsoft.com/VisualStudio/2011/storyboarding/control">
-  <Id Name="System.Storyboarding.WindowsApps.WindowsAppsListBox" Revision="1" Stencil="System.Storyboarding.WindowsApps" StencilVersion="0.1"/>
+  <Id Name="System.Storyboarding.Common.DragSelection" Revision="1" Stencil="System.Storyboarding.Common" StencilVersion="0.1"/>
 </Control>
 </file>
 
 <file path=customXml/item6.xml><?xml version="1.0" encoding="utf-8"?>
 <Control xmlns="http://schemas.microsoft.com/VisualStudio/2011/storyboarding/control">
+  <Id Name="System.Storyboarding.WindowsApps.WindowsAppsProgressRing" Revision="1" Stencil="System.Storyboarding.WindowsApps" StencilVersion="0.1"/>
+</Control>
+</file>
+
+<file path=customXml/item7.xml><?xml version="1.0" encoding="utf-8"?>
+<Control xmlns="http://schemas.microsoft.com/VisualStudio/2011/storyboarding/control">
   <Id Name="System.Storyboarding.Annotation.StickyNote" Revision="1" Stencil="System.Storyboarding.Annotation" StencilVersion="0.1"/>
 </Control>
 </file>
 
-<file path=customXml/item7.xml><?xml version="1.0" encoding="utf-8"?>
+<file path=customXml/item8.xml><?xml version="1.0" encoding="utf-8"?>
 <p:properties xmlns:p="http://schemas.microsoft.com/office/2006/metadata/properties" xmlns:xsi="http://www.w3.org/2001/XMLSchema-instance" xmlns:pc="http://schemas.microsoft.com/office/infopath/2007/PartnerControls">
   <documentManagement>
     <_dlc_DocId xmlns="b4ebf394-daf6-497a-96c5-a2f8c10b38cf">TT6HZDVJM2HV-178-321</_dlc_DocId>
@@ -24202,13 +24238,15 @@
 </p:properties>
 </file>
 
-<file path=customXml/item8.xml><?xml version="1.0" encoding="utf-8"?>
-<Control xmlns="http://schemas.microsoft.com/VisualStudio/2011/storyboarding/control">
-  <Id Name="System.Storyboarding.WindowsApps.WindowsAppsProgressRing" Revision="1" Stencil="System.Storyboarding.WindowsApps" StencilVersion="0.1"/>
-</Control>
+<file path=customXml/itemProps1.xml><?xml version="1.0" encoding="utf-8"?>
+<ds:datastoreItem xmlns:ds="http://schemas.openxmlformats.org/officeDocument/2006/customXml" ds:itemID="{22271091-DDCE-44B5-B608-BB96BCA0C299}">
+  <ds:schemaRefs>
+    <ds:schemaRef ds:uri="http://schemas.microsoft.com/VisualStudio/2011/storyboarding/control"/>
+  </ds:schemaRefs>
+</ds:datastoreItem>
 </file>
 
-<file path=customXml/itemProps1.xml><?xml version="1.0" encoding="utf-8"?>
+<file path=customXml/itemProps2.xml><?xml version="1.0" encoding="utf-8"?>
 <ds:datastoreItem xmlns:ds="http://schemas.openxmlformats.org/officeDocument/2006/customXml" ds:itemID="{195C3A57-25C5-4CAC-A396-8711CE839175}">
   <ds:schemaRefs>
     <ds:schemaRef ds:uri="http://schemas.microsoft.com/VisualStudio/2011/storyboarding/control"/>
@@ -24216,15 +24254,39 @@
 </ds:datastoreItem>
 </file>
 
-<file path=customXml/itemProps2.xml><?xml version="1.0" encoding="utf-8"?>
-<ds:datastoreItem xmlns:ds="http://schemas.openxmlformats.org/officeDocument/2006/customXml" ds:itemID="{22271091-DDCE-44B5-B608-BB96BCA0C299}">
+<file path=customXml/itemProps3.xml><?xml version="1.0" encoding="utf-8"?>
+<ds:datastoreItem xmlns:ds="http://schemas.openxmlformats.org/officeDocument/2006/customXml" ds:itemID="{35CD12A2-2187-402A-B9D9-EF68624DB0B9}">
   <ds:schemaRefs>
     <ds:schemaRef ds:uri="http://schemas.microsoft.com/VisualStudio/2011/storyboarding/control"/>
   </ds:schemaRefs>
 </ds:datastoreItem>
 </file>
 
-<file path=customXml/itemProps3.xml><?xml version="1.0" encoding="utf-8"?>
+<file path=customXml/itemProps4.xml><?xml version="1.0" encoding="utf-8"?>
+<ds:datastoreItem xmlns:ds="http://schemas.openxmlformats.org/officeDocument/2006/customXml" ds:itemID="{925928FA-66B2-4992-9AF7-6AAB34665E06}">
+  <ds:schemaRefs>
+    <ds:schemaRef ds:uri="http://schemas.microsoft.com/VisualStudio/2011/storyboarding/control"/>
+  </ds:schemaRefs>
+</ds:datastoreItem>
+</file>
+
+<file path=customXml/itemProps5.xml><?xml version="1.0" encoding="utf-8"?>
+<ds:datastoreItem xmlns:ds="http://schemas.openxmlformats.org/officeDocument/2006/customXml" ds:itemID="{74F50758-6994-47AF-ADB4-84074E43B95D}">
+  <ds:schemaRefs>
+    <ds:schemaRef ds:uri="http://schemas.microsoft.com/VisualStudio/2011/storyboarding/control"/>
+  </ds:schemaRefs>
+</ds:datastoreItem>
+</file>
+
+<file path=customXml/itemProps6.xml><?xml version="1.0" encoding="utf-8"?>
+<ds:datastoreItem xmlns:ds="http://schemas.openxmlformats.org/officeDocument/2006/customXml" ds:itemID="{EE994FE8-9D1B-4C75-9803-F4D3D8088B5B}">
+  <ds:schemaRefs>
+    <ds:schemaRef ds:uri="http://schemas.microsoft.com/VisualStudio/2011/storyboarding/control"/>
+  </ds:schemaRefs>
+</ds:datastoreItem>
+</file>
+
+<file path=customXml/itemProps7.xml><?xml version="1.0" encoding="utf-8"?>
 <ds:datastoreItem xmlns:ds="http://schemas.openxmlformats.org/officeDocument/2006/customXml" ds:itemID="{DA9AD0B9-FF65-4FA1-BA6B-4E7EE14AEFD0}">
   <ds:schemaRefs>
     <ds:schemaRef ds:uri="http://schemas.microsoft.com/VisualStudio/2011/storyboarding/control"/>
@@ -24232,31 +24294,7 @@
 </ds:datastoreItem>
 </file>
 
-<file path=customXml/itemProps4.xml><?xml version="1.0" encoding="utf-8"?>
-<ds:datastoreItem xmlns:ds="http://schemas.openxmlformats.org/officeDocument/2006/customXml" ds:itemID="{74F50758-6994-47AF-ADB4-84074E43B95D}">
-  <ds:schemaRefs>
-    <ds:schemaRef ds:uri="http://schemas.microsoft.com/VisualStudio/2011/storyboarding/control"/>
-  </ds:schemaRefs>
-</ds:datastoreItem>
-</file>
-
-<file path=customXml/itemProps5.xml><?xml version="1.0" encoding="utf-8"?>
-<ds:datastoreItem xmlns:ds="http://schemas.openxmlformats.org/officeDocument/2006/customXml" ds:itemID="{925928FA-66B2-4992-9AF7-6AAB34665E06}">
-  <ds:schemaRefs>
-    <ds:schemaRef ds:uri="http://schemas.microsoft.com/VisualStudio/2011/storyboarding/control"/>
-  </ds:schemaRefs>
-</ds:datastoreItem>
-</file>
-
-<file path=customXml/itemProps6.xml><?xml version="1.0" encoding="utf-8"?>
-<ds:datastoreItem xmlns:ds="http://schemas.openxmlformats.org/officeDocument/2006/customXml" ds:itemID="{35CD12A2-2187-402A-B9D9-EF68624DB0B9}">
-  <ds:schemaRefs>
-    <ds:schemaRef ds:uri="http://schemas.microsoft.com/VisualStudio/2011/storyboarding/control"/>
-  </ds:schemaRefs>
-</ds:datastoreItem>
-</file>
-
-<file path=customXml/itemProps7.xml><?xml version="1.0" encoding="utf-8"?>
+<file path=customXml/itemProps8.xml><?xml version="1.0" encoding="utf-8"?>
 <ds:datastoreItem xmlns:ds="http://schemas.openxmlformats.org/officeDocument/2006/customXml" ds:itemID="{1322E1B6-B69B-4B1E-9F64-FFB1E4A65691}">
   <ds:schemaRefs>
     <ds:schemaRef ds:uri="http://schemas.microsoft.com/office/2006/metadata/properties"/>
@@ -24264,12 +24302,4 @@
     <ds:schemaRef ds:uri="b4ebf394-daf6-497a-96c5-a2f8c10b38cf"/>
   </ds:schemaRefs>
 </ds:datastoreItem>
-</file>
-
-<file path=customXml/itemProps8.xml><?xml version="1.0" encoding="utf-8"?>
-<ds:datastoreItem xmlns:ds="http://schemas.openxmlformats.org/officeDocument/2006/customXml" ds:itemID="{EE994FE8-9D1B-4C75-9803-F4D3D8088B5B}">
-  <ds:schemaRefs>
-    <ds:schemaRef ds:uri="http://schemas.microsoft.com/VisualStudio/2011/storyboarding/control"/>
-  </ds:schemaRefs>
-</ds:datastoreItem>
 </file>
--- a/系统仿真-2-计算基础.pptx
+++ b/系统仿真-2-计算基础.pptx
@@ -5,10 +5,10 @@
     <p:sldMasterId id="2147483648" r:id="rId9"/>
   </p:sldMasterIdLst>
   <p:notesMasterIdLst>
-    <p:notesMasterId r:id="rId33"/>
+    <p:notesMasterId r:id="rId28"/>
   </p:notesMasterIdLst>
   <p:handoutMasterIdLst>
-    <p:handoutMasterId r:id="rId34"/>
+    <p:handoutMasterId r:id="rId29"/>
   </p:handoutMasterIdLst>
   <p:sldIdLst>
     <p:sldId id="256" r:id="rId10"/>
@@ -29,11 +29,6 @@
     <p:sldId id="319" r:id="rId25"/>
     <p:sldId id="294" r:id="rId26"/>
     <p:sldId id="301" r:id="rId27"/>
-    <p:sldId id="322" r:id="rId28"/>
-    <p:sldId id="323" r:id="rId29"/>
-    <p:sldId id="324" r:id="rId30"/>
-    <p:sldId id="320" r:id="rId31"/>
-    <p:sldId id="321" r:id="rId32"/>
   </p:sldIdLst>
   <p:sldSz cx="12188825" cy="6858000"/>
   <p:notesSz cx="6858000" cy="9144000"/>
@@ -260,7 +255,7 @@
                 <a:latin typeface="微软雅黑" panose="020B0503020204020204" pitchFamily="34" charset="-122"/>
                 <a:ea typeface="微软雅黑" panose="020B0503020204020204" pitchFamily="34" charset="-122"/>
               </a:rPr>
-              <a:t>2019年3月3日 Sunday</a:t>
+              <a:t>2019年3月7日</a:t>
             </a:fld>
             <a:endParaRPr lang="zh-CN" altLang="en-US" dirty="0">
               <a:latin typeface="微软雅黑" panose="020B0503020204020204" pitchFamily="34" charset="-122"/>
@@ -452,7 +447,7 @@
             <a:fld id="{07D6BDDC-F39A-4E16-93D6-E40B88AA6D58}" type="datetime2">
               <a:rPr lang="zh-CN" altLang="en-US" smtClean="0"/>
               <a:pPr/>
-              <a:t>2019年3月3日 Sunday</a:t>
+              <a:t>2019年3月7日</a:t>
             </a:fld>
             <a:endParaRPr lang="zh-CN" altLang="en-US" dirty="0"/>
           </a:p>
@@ -1610,7 +1605,7 @@
           <a:p>
             <a:pPr rtl="0"/>
             <a:r>
-              <a:rPr lang="zh-CN" altLang="en-US" noProof="0"/>
+              <a:rPr lang="zh-CN" altLang="en-US" noProof="0" smtClean="0"/>
               <a:t>单击此处编辑母版标题样式</a:t>
             </a:r>
             <a:endParaRPr lang="zh-CN" altLang="en-US" noProof="0" dirty="0"/>
@@ -1735,7 +1730,7 @@
           <a:p>
             <a:pPr rtl="0"/>
             <a:r>
-              <a:rPr lang="zh-CN" altLang="en-US" noProof="0"/>
+              <a:rPr lang="zh-CN" altLang="en-US" noProof="0" smtClean="0"/>
               <a:t>单击以编辑母版副标题样式</a:t>
             </a:r>
             <a:endParaRPr lang="zh-CN" altLang="en-US" noProof="0" dirty="0"/>
@@ -1770,7 +1765,7 @@
             <a:fld id="{4947C3F0-2957-4D41-9FB7-182757A04D67}" type="datetime2">
               <a:rPr lang="zh-CN" altLang="en-US" smtClean="0"/>
               <a:pPr/>
-              <a:t>2019年3月3日 Sunday</a:t>
+              <a:t>2019年3月7日</a:t>
             </a:fld>
             <a:endParaRPr lang="zh-CN" altLang="en-US" dirty="0"/>
           </a:p>
@@ -1906,7 +1901,7 @@
           <a:p>
             <a:pPr rtl="0"/>
             <a:r>
-              <a:rPr lang="zh-CN" altLang="en-US" noProof="0"/>
+              <a:rPr lang="zh-CN" altLang="en-US" noProof="0" smtClean="0"/>
               <a:t>单击此处编辑母版标题样式</a:t>
             </a:r>
             <a:endParaRPr lang="zh-CN" altLang="en-US" noProof="0" dirty="0"/>
@@ -1946,35 +1941,35 @@
           <a:p>
             <a:pPr lvl="0" rtl="0"/>
             <a:r>
-              <a:rPr lang="zh-CN" altLang="en-US" noProof="0"/>
+              <a:rPr lang="zh-CN" altLang="en-US" noProof="0" smtClean="0"/>
               <a:t>编辑母版文本样式</a:t>
             </a:r>
           </a:p>
           <a:p>
             <a:pPr lvl="1" rtl="0"/>
             <a:r>
-              <a:rPr lang="zh-CN" altLang="en-US" noProof="0"/>
+              <a:rPr lang="zh-CN" altLang="en-US" noProof="0" smtClean="0"/>
               <a:t>第二级</a:t>
             </a:r>
           </a:p>
           <a:p>
             <a:pPr lvl="2" rtl="0"/>
             <a:r>
-              <a:rPr lang="zh-CN" altLang="en-US" noProof="0"/>
+              <a:rPr lang="zh-CN" altLang="en-US" noProof="0" smtClean="0"/>
               <a:t>第三级</a:t>
             </a:r>
           </a:p>
           <a:p>
             <a:pPr lvl="3" rtl="0"/>
             <a:r>
-              <a:rPr lang="zh-CN" altLang="en-US" noProof="0"/>
+              <a:rPr lang="zh-CN" altLang="en-US" noProof="0" smtClean="0"/>
               <a:t>第四级</a:t>
             </a:r>
           </a:p>
           <a:p>
             <a:pPr lvl="4" rtl="0"/>
             <a:r>
-              <a:rPr lang="zh-CN" altLang="en-US" noProof="0"/>
+              <a:rPr lang="zh-CN" altLang="en-US" noProof="0" smtClean="0"/>
               <a:t>第五级</a:t>
             </a:r>
             <a:endParaRPr lang="zh-CN" altLang="en-US" noProof="0" dirty="0"/>
@@ -2003,7 +1998,7 @@
             <a:fld id="{8DF8E148-EC1F-43A2-8C9E-1F57F6D08A76}" type="datetime2">
               <a:rPr lang="zh-CN" altLang="en-US" smtClean="0"/>
               <a:pPr/>
-              <a:t>2019年3月3日 Sunday</a:t>
+              <a:t>2019年3月7日</a:t>
             </a:fld>
             <a:endParaRPr lang="zh-CN" altLang="en-US" dirty="0"/>
           </a:p>
@@ -2766,7 +2761,7 @@
           <a:p>
             <a:pPr rtl="0"/>
             <a:r>
-              <a:rPr lang="zh-CN" altLang="en-US" noProof="0"/>
+              <a:rPr lang="zh-CN" altLang="en-US" noProof="0" smtClean="0"/>
               <a:t>单击此处编辑母版标题样式</a:t>
             </a:r>
             <a:endParaRPr lang="zh-CN" altLang="en-US" noProof="0" dirty="0"/>
@@ -2826,35 +2821,35 @@
           <a:p>
             <a:pPr lvl="0" rtl="0"/>
             <a:r>
-              <a:rPr lang="zh-CN" altLang="en-US" noProof="0"/>
+              <a:rPr lang="zh-CN" altLang="en-US" noProof="0" smtClean="0"/>
               <a:t>编辑母版文本样式</a:t>
             </a:r>
           </a:p>
           <a:p>
             <a:pPr lvl="1" rtl="0"/>
             <a:r>
-              <a:rPr lang="zh-CN" altLang="en-US" noProof="0"/>
+              <a:rPr lang="zh-CN" altLang="en-US" noProof="0" smtClean="0"/>
               <a:t>第二级</a:t>
             </a:r>
           </a:p>
           <a:p>
             <a:pPr lvl="2" rtl="0"/>
             <a:r>
-              <a:rPr lang="zh-CN" altLang="en-US" noProof="0"/>
+              <a:rPr lang="zh-CN" altLang="en-US" noProof="0" smtClean="0"/>
               <a:t>第三级</a:t>
             </a:r>
           </a:p>
           <a:p>
             <a:pPr lvl="3" rtl="0"/>
             <a:r>
-              <a:rPr lang="zh-CN" altLang="en-US" noProof="0"/>
+              <a:rPr lang="zh-CN" altLang="en-US" noProof="0" smtClean="0"/>
               <a:t>第四级</a:t>
             </a:r>
           </a:p>
           <a:p>
             <a:pPr lvl="4" rtl="0"/>
             <a:r>
-              <a:rPr lang="zh-CN" altLang="en-US" noProof="0"/>
+              <a:rPr lang="zh-CN" altLang="en-US" noProof="0" smtClean="0"/>
               <a:t>第五级</a:t>
             </a:r>
             <a:endParaRPr lang="zh-CN" altLang="en-US" noProof="0" dirty="0"/>
@@ -2886,7 +2881,7 @@
             <a:fld id="{FB7B4C11-1E14-4887-9E78-A9346EC068F1}" type="datetime2">
               <a:rPr lang="zh-CN" altLang="en-US" smtClean="0"/>
               <a:pPr/>
-              <a:t>2019年3月3日 Sunday</a:t>
+              <a:t>2019年3月7日</a:t>
             </a:fld>
             <a:endParaRPr lang="zh-CN" altLang="en-US" dirty="0"/>
           </a:p>
@@ -3018,7 +3013,7 @@
           <a:p>
             <a:pPr rtl="0"/>
             <a:r>
-              <a:rPr lang="zh-CN" altLang="en-US"/>
+              <a:rPr lang="zh-CN" altLang="en-US" smtClean="0"/>
               <a:t>单击此处编辑母版标题样式</a:t>
             </a:r>
             <a:endParaRPr lang="zh-CN" altLang="en-US" dirty="0"/>
@@ -3085,35 +3080,35 @@
           <a:p>
             <a:pPr lvl="0" rtl="0"/>
             <a:r>
-              <a:rPr lang="zh-CN" altLang="en-US"/>
+              <a:rPr lang="zh-CN" altLang="en-US" smtClean="0"/>
               <a:t>编辑母版文本样式</a:t>
             </a:r>
           </a:p>
           <a:p>
             <a:pPr lvl="1" rtl="0"/>
             <a:r>
-              <a:rPr lang="zh-CN" altLang="en-US"/>
+              <a:rPr lang="zh-CN" altLang="en-US" smtClean="0"/>
               <a:t>第二级</a:t>
             </a:r>
           </a:p>
           <a:p>
             <a:pPr lvl="2" rtl="0"/>
             <a:r>
-              <a:rPr lang="zh-CN" altLang="en-US"/>
+              <a:rPr lang="zh-CN" altLang="en-US" smtClean="0"/>
               <a:t>第三级</a:t>
             </a:r>
           </a:p>
           <a:p>
             <a:pPr lvl="3" rtl="0"/>
             <a:r>
-              <a:rPr lang="zh-CN" altLang="en-US"/>
+              <a:rPr lang="zh-CN" altLang="en-US" smtClean="0"/>
               <a:t>第四级</a:t>
             </a:r>
           </a:p>
           <a:p>
             <a:pPr lvl="4" rtl="0"/>
             <a:r>
-              <a:rPr lang="zh-CN" altLang="en-US"/>
+              <a:rPr lang="zh-CN" altLang="en-US" smtClean="0"/>
               <a:t>第五级</a:t>
             </a:r>
             <a:endParaRPr lang="zh-CN" altLang="en-US" dirty="0"/>
@@ -3145,7 +3140,7 @@
             <a:fld id="{86FD5D46-E987-42B2-B42C-B8920598FADE}" type="datetime2">
               <a:rPr lang="zh-CN" altLang="en-US" smtClean="0"/>
               <a:pPr/>
-              <a:t>2019年3月3日 Sunday</a:t>
+              <a:t>2019年3月7日</a:t>
             </a:fld>
             <a:endParaRPr lang="zh-CN" altLang="en-US" dirty="0"/>
           </a:p>
@@ -3234,6 +3229,13 @@
       </p:transition>
     </mc:Fallback>
   </mc:AlternateContent>
+  <p:timing>
+    <p:tnLst>
+      <p:par>
+        <p:cTn id="1" dur="indefinite" restart="never" nodeType="tmRoot"/>
+      </p:par>
+    </p:tnLst>
+  </p:timing>
 </p:sldLayout>
 </file>
 
@@ -4313,7 +4315,7 @@
           <a:p>
             <a:pPr rtl="0"/>
             <a:r>
-              <a:rPr lang="zh-CN" altLang="en-US" noProof="0"/>
+              <a:rPr lang="zh-CN" altLang="en-US" noProof="0" smtClean="0"/>
               <a:t>单击此处编辑母版标题样式</a:t>
             </a:r>
             <a:endParaRPr lang="zh-CN" altLang="en-US" noProof="0" dirty="0"/>
@@ -4438,7 +4440,7 @@
           <a:p>
             <a:pPr lvl="0" rtl="0"/>
             <a:r>
-              <a:rPr lang="zh-CN" altLang="en-US" noProof="0"/>
+              <a:rPr lang="zh-CN" altLang="en-US" noProof="0" smtClean="0"/>
               <a:t>编辑母版文本样式</a:t>
             </a:r>
           </a:p>
@@ -4472,7 +4474,7 @@
             <a:fld id="{8365F240-A7EF-41C8-A85B-C448CF84B5E5}" type="datetime2">
               <a:rPr lang="zh-CN" altLang="en-US" smtClean="0"/>
               <a:pPr/>
-              <a:t>2019年3月3日 Sunday</a:t>
+              <a:t>2019年3月7日</a:t>
             </a:fld>
             <a:endParaRPr lang="zh-CN" altLang="en-US" dirty="0"/>
           </a:p>
@@ -4608,7 +4610,7 @@
           <a:p>
             <a:pPr rtl="0"/>
             <a:r>
-              <a:rPr lang="zh-CN" altLang="en-US"/>
+              <a:rPr lang="zh-CN" altLang="en-US" smtClean="0"/>
               <a:t>单击此处编辑母版标题样式</a:t>
             </a:r>
             <a:endParaRPr lang="zh-CN" altLang="en-US" dirty="0"/>
@@ -4665,35 +4667,35 @@
           <a:p>
             <a:pPr lvl="0" rtl="0"/>
             <a:r>
-              <a:rPr lang="zh-CN" altLang="en-US"/>
+              <a:rPr lang="zh-CN" altLang="en-US" smtClean="0"/>
               <a:t>编辑母版文本样式</a:t>
             </a:r>
           </a:p>
           <a:p>
             <a:pPr lvl="1" rtl="0"/>
             <a:r>
-              <a:rPr lang="zh-CN" altLang="en-US"/>
+              <a:rPr lang="zh-CN" altLang="en-US" smtClean="0"/>
               <a:t>第二级</a:t>
             </a:r>
           </a:p>
           <a:p>
             <a:pPr lvl="2" rtl="0"/>
             <a:r>
-              <a:rPr lang="zh-CN" altLang="en-US"/>
+              <a:rPr lang="zh-CN" altLang="en-US" smtClean="0"/>
               <a:t>第三级</a:t>
             </a:r>
           </a:p>
           <a:p>
             <a:pPr lvl="3" rtl="0"/>
             <a:r>
-              <a:rPr lang="zh-CN" altLang="en-US"/>
+              <a:rPr lang="zh-CN" altLang="en-US" smtClean="0"/>
               <a:t>第四级</a:t>
             </a:r>
           </a:p>
           <a:p>
             <a:pPr lvl="4" rtl="0"/>
             <a:r>
-              <a:rPr lang="zh-CN" altLang="en-US"/>
+              <a:rPr lang="zh-CN" altLang="en-US" smtClean="0"/>
               <a:t>第五级</a:t>
             </a:r>
             <a:endParaRPr lang="zh-CN" altLang="en-US" dirty="0"/>
@@ -4750,35 +4752,35 @@
           <a:p>
             <a:pPr lvl="0" rtl="0"/>
             <a:r>
-              <a:rPr lang="zh-CN" altLang="en-US"/>
+              <a:rPr lang="zh-CN" altLang="en-US" smtClean="0"/>
               <a:t>编辑母版文本样式</a:t>
             </a:r>
           </a:p>
           <a:p>
             <a:pPr lvl="1" rtl="0"/>
             <a:r>
-              <a:rPr lang="zh-CN" altLang="en-US"/>
+              <a:rPr lang="zh-CN" altLang="en-US" smtClean="0"/>
               <a:t>第二级</a:t>
             </a:r>
           </a:p>
           <a:p>
             <a:pPr lvl="2" rtl="0"/>
             <a:r>
-              <a:rPr lang="zh-CN" altLang="en-US"/>
+              <a:rPr lang="zh-CN" altLang="en-US" smtClean="0"/>
               <a:t>第三级</a:t>
             </a:r>
           </a:p>
           <a:p>
             <a:pPr lvl="3" rtl="0"/>
             <a:r>
-              <a:rPr lang="zh-CN" altLang="en-US"/>
+              <a:rPr lang="zh-CN" altLang="en-US" smtClean="0"/>
               <a:t>第四级</a:t>
             </a:r>
           </a:p>
           <a:p>
             <a:pPr lvl="4" rtl="0"/>
             <a:r>
-              <a:rPr lang="zh-CN" altLang="en-US"/>
+              <a:rPr lang="zh-CN" altLang="en-US" smtClean="0"/>
               <a:t>第五级</a:t>
             </a:r>
             <a:endParaRPr lang="zh-CN" altLang="en-US" dirty="0"/>
@@ -4807,7 +4809,7 @@
             <a:fld id="{F770B30E-8728-44DB-AEE3-E4A75AEDBBD9}" type="datetime2">
               <a:rPr lang="zh-CN" altLang="en-US" smtClean="0"/>
               <a:pPr/>
-              <a:t>2019年3月3日 Sunday</a:t>
+              <a:t>2019年3月7日</a:t>
             </a:fld>
             <a:endParaRPr lang="zh-CN" altLang="en-US" dirty="0"/>
           </a:p>
@@ -4926,7 +4928,7 @@
           <a:p>
             <a:pPr rtl="0"/>
             <a:r>
-              <a:rPr lang="zh-CN" altLang="en-US"/>
+              <a:rPr lang="zh-CN" altLang="en-US" smtClean="0"/>
               <a:t>单击此处编辑母版标题样式</a:t>
             </a:r>
             <a:endParaRPr lang="zh-CN" altLang="en-US" dirty="0"/>
@@ -5000,7 +5002,7 @@
           <a:p>
             <a:pPr lvl="0" rtl="0"/>
             <a:r>
-              <a:rPr lang="zh-CN" altLang="en-US"/>
+              <a:rPr lang="zh-CN" altLang="en-US" smtClean="0"/>
               <a:t>编辑母版文本样式</a:t>
             </a:r>
           </a:p>
@@ -5073,35 +5075,35 @@
           <a:p>
             <a:pPr lvl="0" rtl="0"/>
             <a:r>
-              <a:rPr lang="zh-CN" altLang="en-US"/>
+              <a:rPr lang="zh-CN" altLang="en-US" smtClean="0"/>
               <a:t>编辑母版文本样式</a:t>
             </a:r>
           </a:p>
           <a:p>
             <a:pPr lvl="1" rtl="0"/>
             <a:r>
-              <a:rPr lang="zh-CN" altLang="en-US"/>
+              <a:rPr lang="zh-CN" altLang="en-US" smtClean="0"/>
               <a:t>第二级</a:t>
             </a:r>
           </a:p>
           <a:p>
             <a:pPr lvl="2" rtl="0"/>
             <a:r>
-              <a:rPr lang="zh-CN" altLang="en-US"/>
+              <a:rPr lang="zh-CN" altLang="en-US" smtClean="0"/>
               <a:t>第三级</a:t>
             </a:r>
           </a:p>
           <a:p>
             <a:pPr lvl="3" rtl="0"/>
             <a:r>
-              <a:rPr lang="zh-CN" altLang="en-US"/>
+              <a:rPr lang="zh-CN" altLang="en-US" smtClean="0"/>
               <a:t>第四级</a:t>
             </a:r>
           </a:p>
           <a:p>
             <a:pPr lvl="4" rtl="0"/>
             <a:r>
-              <a:rPr lang="zh-CN" altLang="en-US"/>
+              <a:rPr lang="zh-CN" altLang="en-US" smtClean="0"/>
               <a:t>第五级</a:t>
             </a:r>
             <a:endParaRPr lang="zh-CN" altLang="en-US" dirty="0"/>
@@ -5175,7 +5177,7 @@
           <a:p>
             <a:pPr lvl="0" rtl="0"/>
             <a:r>
-              <a:rPr lang="zh-CN" altLang="en-US"/>
+              <a:rPr lang="zh-CN" altLang="en-US" smtClean="0"/>
               <a:t>编辑母版文本样式</a:t>
             </a:r>
           </a:p>
@@ -5248,35 +5250,35 @@
           <a:p>
             <a:pPr lvl="0" rtl="0"/>
             <a:r>
-              <a:rPr lang="zh-CN" altLang="en-US"/>
+              <a:rPr lang="zh-CN" altLang="en-US" smtClean="0"/>
               <a:t>编辑母版文本样式</a:t>
             </a:r>
           </a:p>
           <a:p>
             <a:pPr lvl="1" rtl="0"/>
             <a:r>
-              <a:rPr lang="zh-CN" altLang="en-US"/>
+              <a:rPr lang="zh-CN" altLang="en-US" smtClean="0"/>
               <a:t>第二级</a:t>
             </a:r>
           </a:p>
           <a:p>
             <a:pPr lvl="2" rtl="0"/>
             <a:r>
-              <a:rPr lang="zh-CN" altLang="en-US"/>
+              <a:rPr lang="zh-CN" altLang="en-US" smtClean="0"/>
               <a:t>第三级</a:t>
             </a:r>
           </a:p>
           <a:p>
             <a:pPr lvl="3" rtl="0"/>
             <a:r>
-              <a:rPr lang="zh-CN" altLang="en-US"/>
+              <a:rPr lang="zh-CN" altLang="en-US" smtClean="0"/>
               <a:t>第四级</a:t>
             </a:r>
           </a:p>
           <a:p>
             <a:pPr lvl="4" rtl="0"/>
             <a:r>
-              <a:rPr lang="zh-CN" altLang="en-US"/>
+              <a:rPr lang="zh-CN" altLang="en-US" smtClean="0"/>
               <a:t>第五级</a:t>
             </a:r>
             <a:endParaRPr lang="zh-CN" altLang="en-US" dirty="0"/>
@@ -5308,7 +5310,7 @@
             <a:fld id="{680BCF82-A51A-4389-A573-378AD02C5141}" type="datetime2">
               <a:rPr lang="zh-CN" altLang="en-US" smtClean="0"/>
               <a:pPr/>
-              <a:t>2019年3月3日 Sunday</a:t>
+              <a:t>2019年3月7日</a:t>
             </a:fld>
             <a:endParaRPr lang="zh-CN" altLang="en-US" dirty="0"/>
           </a:p>
@@ -5434,7 +5436,7 @@
           <a:p>
             <a:pPr rtl="0"/>
             <a:r>
-              <a:rPr lang="zh-CN" altLang="en-US"/>
+              <a:rPr lang="zh-CN" altLang="en-US" smtClean="0"/>
               <a:t>单击此处编辑母版标题样式</a:t>
             </a:r>
             <a:endParaRPr lang="zh-CN" altLang="en-US" dirty="0"/>
@@ -5463,7 +5465,7 @@
             <a:fld id="{CE03A716-E3DC-4D9D-823C-60FCD8C9B163}" type="datetime2">
               <a:rPr lang="zh-CN" altLang="en-US" smtClean="0"/>
               <a:pPr/>
-              <a:t>2019年3月3日 Sunday</a:t>
+              <a:t>2019年3月7日</a:t>
             </a:fld>
             <a:endParaRPr lang="zh-CN" altLang="en-US" dirty="0"/>
           </a:p>
@@ -5823,7 +5825,7 @@
             <a:fld id="{C16B8A94-44E5-4844-A22C-F796FCAA90D9}" type="datetime2">
               <a:rPr lang="zh-CN" altLang="en-US" smtClean="0"/>
               <a:pPr/>
-              <a:t>2019年3月3日 Sunday</a:t>
+              <a:t>2019年3月7日</a:t>
             </a:fld>
             <a:endParaRPr lang="zh-CN" altLang="en-US" dirty="0"/>
           </a:p>
@@ -6158,7 +6160,7 @@
           <a:p>
             <a:pPr rtl="0"/>
             <a:r>
-              <a:rPr lang="zh-CN" altLang="en-US" noProof="0"/>
+              <a:rPr lang="zh-CN" altLang="en-US" noProof="0" smtClean="0"/>
               <a:t>单击此处编辑母版标题样式</a:t>
             </a:r>
             <a:endParaRPr lang="zh-CN" altLang="en-US" noProof="0" dirty="0"/>
@@ -6232,35 +6234,35 @@
           <a:p>
             <a:pPr lvl="0" rtl="0"/>
             <a:r>
-              <a:rPr lang="zh-CN" altLang="en-US" noProof="0"/>
+              <a:rPr lang="zh-CN" altLang="en-US" noProof="0" smtClean="0"/>
               <a:t>编辑母版文本样式</a:t>
             </a:r>
           </a:p>
           <a:p>
             <a:pPr lvl="1" rtl="0"/>
             <a:r>
-              <a:rPr lang="zh-CN" altLang="en-US" noProof="0"/>
+              <a:rPr lang="zh-CN" altLang="en-US" noProof="0" smtClean="0"/>
               <a:t>第二级</a:t>
             </a:r>
           </a:p>
           <a:p>
             <a:pPr lvl="2" rtl="0"/>
             <a:r>
-              <a:rPr lang="zh-CN" altLang="en-US" noProof="0"/>
+              <a:rPr lang="zh-CN" altLang="en-US" noProof="0" smtClean="0"/>
               <a:t>第三级</a:t>
             </a:r>
           </a:p>
           <a:p>
             <a:pPr lvl="3" rtl="0"/>
             <a:r>
-              <a:rPr lang="zh-CN" altLang="en-US" noProof="0"/>
+              <a:rPr lang="zh-CN" altLang="en-US" noProof="0" smtClean="0"/>
               <a:t>第四级</a:t>
             </a:r>
           </a:p>
           <a:p>
             <a:pPr lvl="4" rtl="0"/>
             <a:r>
-              <a:rPr lang="zh-CN" altLang="en-US" noProof="0"/>
+              <a:rPr lang="zh-CN" altLang="en-US" noProof="0" smtClean="0"/>
               <a:t>第五级</a:t>
             </a:r>
             <a:endParaRPr lang="zh-CN" altLang="en-US" noProof="0" dirty="0"/>
@@ -6334,7 +6336,7 @@
           <a:p>
             <a:pPr lvl="0" rtl="0"/>
             <a:r>
-              <a:rPr lang="zh-CN" altLang="en-US" noProof="0"/>
+              <a:rPr lang="zh-CN" altLang="en-US" noProof="0" smtClean="0"/>
               <a:t>编辑母版文本样式</a:t>
             </a:r>
           </a:p>
@@ -6365,7 +6367,7 @@
             <a:fld id="{F288B2AC-AC0A-4E49-82A3-94EE74FA7FBF}" type="datetime2">
               <a:rPr lang="zh-CN" altLang="en-US" smtClean="0"/>
               <a:pPr/>
-              <a:t>2019年3月3日 Sunday</a:t>
+              <a:t>2019年3月7日</a:t>
             </a:fld>
             <a:endParaRPr lang="zh-CN" altLang="en-US" dirty="0"/>
           </a:p>
@@ -6453,6 +6455,13 @@
       </p:transition>
     </mc:Fallback>
   </mc:AlternateContent>
+  <p:timing>
+    <p:tnLst>
+      <p:par>
+        <p:cTn id="1" dur="indefinite" restart="never" nodeType="tmRoot"/>
+      </p:par>
+    </p:tnLst>
+  </p:timing>
 </p:sldLayout>
 </file>
 
@@ -6664,7 +6673,7 @@
           <a:p>
             <a:pPr rtl="0"/>
             <a:r>
-              <a:rPr lang="zh-CN" altLang="en-US"/>
+              <a:rPr lang="zh-CN" altLang="en-US" smtClean="0"/>
               <a:t>单击此处编辑母版标题样式</a:t>
             </a:r>
             <a:endParaRPr lang="zh-CN" altLang="en-US" dirty="0"/>
@@ -6743,7 +6752,7 @@
           <a:p>
             <a:pPr rtl="0"/>
             <a:r>
-              <a:rPr lang="zh-CN" altLang="en-US"/>
+              <a:rPr lang="zh-CN" altLang="en-US" smtClean="0"/>
               <a:t>单击图标添加图片</a:t>
             </a:r>
             <a:endParaRPr lang="zh-CN" altLang="en-US" dirty="0"/>
@@ -6817,7 +6826,7 @@
           <a:p>
             <a:pPr lvl="0" rtl="0"/>
             <a:r>
-              <a:rPr lang="zh-CN" altLang="en-US"/>
+              <a:rPr lang="zh-CN" altLang="en-US" smtClean="0"/>
               <a:t>编辑母版文本样式</a:t>
             </a:r>
           </a:p>
@@ -6851,7 +6860,7 @@
             <a:fld id="{1878E339-1BD2-4FEE-A113-9A0301740CF6}" type="datetime2">
               <a:rPr lang="zh-CN" altLang="en-US" smtClean="0"/>
               <a:pPr/>
-              <a:t>2019年3月3日 Sunday</a:t>
+              <a:t>2019年3月7日</a:t>
             </a:fld>
             <a:endParaRPr lang="zh-CN" altLang="en-US" dirty="0"/>
           </a:p>
@@ -7775,7 +7784,7 @@
             <a:fld id="{A339CB27-C670-4AAB-948C-7E3D1D9FAE30}" type="datetime2">
               <a:rPr lang="zh-CN" altLang="en-US" smtClean="0"/>
               <a:pPr/>
-              <a:t>2019年3月3日 Sunday</a:t>
+              <a:t>2019年3月7日</a:t>
             </a:fld>
             <a:endParaRPr lang="zh-CN" altLang="en-US" dirty="0"/>
           </a:p>
@@ -8232,13 +8241,18 @@
           <a:p>
             <a:pPr rtl="0"/>
             <a:r>
-              <a:rPr lang="zh-CN" altLang="en-US" dirty="0">
+              <a:rPr lang="zh-CN" altLang="en-US" dirty="0" smtClean="0">
                 <a:latin typeface="Arial" panose="020B0604020202020204" pitchFamily="34" charset="0"/>
                 <a:ea typeface="微软雅黑" panose="020B0503020204020204" pitchFamily="34" charset="-122"/>
                 <a:sym typeface="Arial" panose="020B0604020202020204" pitchFamily="34" charset="0"/>
               </a:rPr>
               <a:t>物流系统建模与仿真</a:t>
             </a:r>
+            <a:endParaRPr lang="zh-CN" altLang="en-US" dirty="0">
+              <a:latin typeface="Arial" panose="020B0604020202020204" pitchFamily="34" charset="0"/>
+              <a:ea typeface="微软雅黑" panose="020B0503020204020204" pitchFamily="34" charset="-122"/>
+              <a:sym typeface="Arial" panose="020B0604020202020204" pitchFamily="34" charset="0"/>
+            </a:endParaRPr>
           </a:p>
         </p:txBody>
       </p:sp>
@@ -8259,76 +8273,37 @@
           <a:p>
             <a:pPr rtl="0"/>
             <a:r>
-              <a:rPr lang="zh-CN" altLang="en-US" dirty="0">
+              <a:rPr lang="zh-CN" altLang="en-US" dirty="0" smtClean="0">
                 <a:latin typeface="Arial" panose="020B0604020202020204" pitchFamily="34" charset="0"/>
                 <a:ea typeface="微软雅黑" panose="020B0503020204020204" pitchFamily="34" charset="-122"/>
                 <a:sym typeface="Arial" panose="020B0604020202020204" pitchFamily="34" charset="0"/>
               </a:rPr>
-              <a:t>仿真计算的理论基础 </a:t>
-            </a:r>
+              <a:t>第三</a:t>
+            </a:r>
+            <a:r>
+              <a:rPr lang="zh-CN" altLang="en-US" smtClean="0">
+                <a:latin typeface="Arial" panose="020B0604020202020204" pitchFamily="34" charset="0"/>
+                <a:ea typeface="微软雅黑" panose="020B0503020204020204" pitchFamily="34" charset="-122"/>
+                <a:sym typeface="Arial" panose="020B0604020202020204" pitchFamily="34" charset="0"/>
+              </a:rPr>
+              <a:t>节 仿真计算的理论</a:t>
+            </a:r>
+            <a:r>
+              <a:rPr lang="zh-CN" altLang="en-US" dirty="0" smtClean="0">
+                <a:latin typeface="Arial" panose="020B0604020202020204" pitchFamily="34" charset="0"/>
+                <a:ea typeface="微软雅黑" panose="020B0503020204020204" pitchFamily="34" charset="-122"/>
+                <a:sym typeface="Arial" panose="020B0604020202020204" pitchFamily="34" charset="0"/>
+              </a:rPr>
+              <a:t>基础 </a:t>
+            </a:r>
+            <a:endParaRPr lang="zh-CN" altLang="en-US" dirty="0">
+              <a:latin typeface="Arial" panose="020B0604020202020204" pitchFamily="34" charset="0"/>
+              <a:ea typeface="微软雅黑" panose="020B0503020204020204" pitchFamily="34" charset="-122"/>
+              <a:sym typeface="Arial" panose="020B0604020202020204" pitchFamily="34" charset="0"/>
+            </a:endParaRPr>
           </a:p>
         </p:txBody>
       </p:sp>
-      <p:pic>
-        <p:nvPicPr>
-          <p:cNvPr id="5" name="图片 4">
-            <a:extLst>
-              <a:ext uri="{FF2B5EF4-FFF2-40B4-BE49-F238E27FC236}">
-                <a16:creationId xmlns:a16="http://schemas.microsoft.com/office/drawing/2014/main" id="{628F2C51-7206-F44F-8714-4BDB33AD43CB}"/>
-              </a:ext>
-            </a:extLst>
-          </p:cNvPr>
-          <p:cNvPicPr>
-            <a:picLocks noChangeAspect="1"/>
-          </p:cNvPicPr>
-          <p:nvPr/>
-        </p:nvPicPr>
-        <p:blipFill>
-          <a:blip r:link="rId3"/>
-          <a:stretch>
-            <a:fillRect/>
-          </a:stretch>
-        </p:blipFill>
-        <p:spPr>
-          <a:xfrm>
-            <a:off x="1270000" y="1270000"/>
-            <a:ext cx="63500" cy="76200"/>
-          </a:xfrm>
-          <a:prstGeom prst="rect">
-            <a:avLst/>
-          </a:prstGeom>
-        </p:spPr>
-      </p:pic>
-      <p:pic>
-        <p:nvPicPr>
-          <p:cNvPr id="6" name="图片 5">
-            <a:extLst>
-              <a:ext uri="{FF2B5EF4-FFF2-40B4-BE49-F238E27FC236}">
-                <a16:creationId xmlns:a16="http://schemas.microsoft.com/office/drawing/2014/main" id="{B3165DAC-F196-C842-9E8E-E5B9F077810B}"/>
-              </a:ext>
-            </a:extLst>
-          </p:cNvPr>
-          <p:cNvPicPr>
-            <a:picLocks noChangeAspect="1"/>
-          </p:cNvPicPr>
-          <p:nvPr/>
-        </p:nvPicPr>
-        <p:blipFill>
-          <a:blip r:link="rId3"/>
-          <a:stretch>
-            <a:fillRect/>
-          </a:stretch>
-        </p:blipFill>
-        <p:spPr>
-          <a:xfrm>
-            <a:off x="1270000" y="1270000"/>
-            <a:ext cx="63500" cy="76200"/>
-          </a:xfrm>
-          <a:prstGeom prst="rect">
-            <a:avLst/>
-          </a:prstGeom>
-        </p:spPr>
-      </p:pic>
     </p:spTree>
     <p:extLst>
       <p:ext uri="{BB962C8B-B14F-4D97-AF65-F5344CB8AC3E}">
@@ -8351,6 +8326,13 @@
       </p:transition>
     </mc:Fallback>
   </mc:AlternateContent>
+  <p:timing>
+    <p:tnLst>
+      <p:par>
+        <p:cTn id="1" dur="indefinite" restart="never" nodeType="tmRoot"/>
+      </p:par>
+    </p:tnLst>
+  </p:timing>
 </p:sld>
 </file>
 
@@ -8387,9 +8369,10 @@
           <a:lstStyle/>
           <a:p>
             <a:r>
-              <a:rPr lang="zh-CN" altLang="en-US" dirty="0"/>
+              <a:rPr lang="zh-CN" altLang="en-US" dirty="0" smtClean="0"/>
               <a:t>时间间隔 </a:t>
             </a:r>
+            <a:endParaRPr lang="zh-CN" altLang="en-US" dirty="0"/>
           </a:p>
         </p:txBody>
       </p:sp>
@@ -8454,7 +8437,7 @@
                     <a:lstStyle/>
                     <a:p>
                       <a:r>
-                        <a:rPr lang="zh-CN" altLang="en-US" dirty="0">
+                        <a:rPr lang="zh-CN" altLang="en-US" dirty="0" smtClean="0">
                           <a:solidFill>
                             <a:srgbClr val="0070C0"/>
                           </a:solidFill>
@@ -8463,6 +8446,13 @@
                         </a:rPr>
                         <a:t>时间步长</a:t>
                       </a:r>
+                      <a:endParaRPr lang="zh-CN" altLang="en-US" dirty="0">
+                        <a:solidFill>
+                          <a:srgbClr val="0070C0"/>
+                        </a:solidFill>
+                        <a:latin typeface="宋体" panose="02010600030101010101" pitchFamily="2" charset="-122"/>
+                        <a:ea typeface="宋体" panose="02010600030101010101" pitchFamily="2" charset="-122"/>
+                      </a:endParaRPr>
                     </a:p>
                   </a:txBody>
                   <a:tcPr>
@@ -8480,7 +8470,7 @@
                     <a:lstStyle/>
                     <a:p>
                       <a:r>
-                        <a:rPr lang="zh-CN" altLang="en-US" dirty="0">
+                        <a:rPr lang="zh-CN" altLang="en-US" dirty="0" smtClean="0">
                           <a:solidFill>
                             <a:srgbClr val="0070C0"/>
                           </a:solidFill>
@@ -8489,6 +8479,13 @@
                         </a:rPr>
                         <a:t>无穷小</a:t>
                       </a:r>
+                      <a:endParaRPr lang="zh-CN" altLang="en-US" dirty="0">
+                        <a:solidFill>
+                          <a:srgbClr val="0070C0"/>
+                        </a:solidFill>
+                        <a:latin typeface="宋体" panose="02010600030101010101" pitchFamily="2" charset="-122"/>
+                        <a:ea typeface="宋体" panose="02010600030101010101" pitchFamily="2" charset="-122"/>
+                      </a:endParaRPr>
                     </a:p>
                   </a:txBody>
                   <a:tcPr>
@@ -8529,7 +8526,7 @@
                     <a:lstStyle/>
                     <a:p>
                       <a:r>
-                        <a:rPr lang="zh-CN" altLang="en-US" dirty="0">
+                        <a:rPr lang="zh-CN" altLang="en-US" dirty="0" smtClean="0">
                           <a:solidFill>
                             <a:srgbClr val="0070C0"/>
                           </a:solidFill>
@@ -8538,6 +8535,13 @@
                         </a:rPr>
                         <a:t>相对小</a:t>
                       </a:r>
+                      <a:endParaRPr lang="zh-CN" altLang="en-US" dirty="0">
+                        <a:solidFill>
+                          <a:srgbClr val="0070C0"/>
+                        </a:solidFill>
+                        <a:latin typeface="宋体" panose="02010600030101010101" pitchFamily="2" charset="-122"/>
+                        <a:ea typeface="宋体" panose="02010600030101010101" pitchFamily="2" charset="-122"/>
+                      </a:endParaRPr>
                     </a:p>
                   </a:txBody>
                   <a:tcPr>
@@ -8562,7 +8566,7 @@
                     <a:lstStyle/>
                     <a:p>
                       <a:r>
-                        <a:rPr lang="zh-CN" altLang="en-US">
+                        <a:rPr lang="zh-CN" altLang="en-US" smtClean="0">
                           <a:solidFill>
                             <a:srgbClr val="0070C0"/>
                           </a:solidFill>
@@ -8595,7 +8599,7 @@
                     <a:lstStyle/>
                     <a:p>
                       <a:r>
-                        <a:rPr lang="zh-CN" altLang="en-US">
+                        <a:rPr lang="zh-CN" altLang="en-US" smtClean="0">
                           <a:solidFill>
                             <a:srgbClr val="0070C0"/>
                           </a:solidFill>
@@ -8651,7 +8655,7 @@
                     <a:lstStyle/>
                     <a:p>
                       <a:r>
-                        <a:rPr lang="zh-CN" altLang="en-US">
+                        <a:rPr lang="zh-CN" altLang="en-US" smtClean="0">
                           <a:solidFill>
                             <a:srgbClr val="0070C0"/>
                           </a:solidFill>
@@ -8691,7 +8695,7 @@
                     <a:lstStyle/>
                     <a:p>
                       <a:r>
-                        <a:rPr lang="zh-CN" altLang="en-US" dirty="0">
+                        <a:rPr lang="zh-CN" altLang="en-US" dirty="0" smtClean="0">
                           <a:solidFill>
                             <a:srgbClr val="0070C0"/>
                           </a:solidFill>
@@ -8700,6 +8704,13 @@
                         </a:rPr>
                         <a:t>符号</a:t>
                       </a:r>
+                      <a:endParaRPr lang="zh-CN" altLang="en-US" dirty="0">
+                        <a:solidFill>
+                          <a:srgbClr val="0070C0"/>
+                        </a:solidFill>
+                        <a:latin typeface="宋体" panose="02010600030101010101" pitchFamily="2" charset="-122"/>
+                        <a:ea typeface="宋体" panose="02010600030101010101" pitchFamily="2" charset="-122"/>
+                      </a:endParaRPr>
                     </a:p>
                   </a:txBody>
                   <a:tcPr>
@@ -8717,7 +8728,7 @@
                     <a:lstStyle/>
                     <a:p>
                       <a:r>
-                        <a:rPr lang="en-US" altLang="zh-CN" i="1" dirty="0" err="1">
+                        <a:rPr lang="en-US" altLang="zh-CN" i="1" dirty="0" err="1" smtClean="0">
                           <a:solidFill>
                             <a:srgbClr val="0070C0"/>
                           </a:solidFill>
@@ -8773,7 +8784,7 @@
                     <a:lstStyle/>
                     <a:p>
                       <a:r>
-                        <a:rPr lang="zh-CN" altLang="en-US" dirty="0">
+                        <a:rPr lang="zh-CN" altLang="en-US" dirty="0" smtClean="0">
                           <a:solidFill>
                             <a:srgbClr val="0070C0"/>
                           </a:solidFill>
@@ -8784,7 +8795,7 @@
                         <a:t></a:t>
                       </a:r>
                       <a:r>
-                        <a:rPr lang="en-US" altLang="zh-CN" dirty="0">
+                        <a:rPr lang="en-US" altLang="zh-CN" dirty="0" smtClean="0">
                           <a:solidFill>
                             <a:srgbClr val="0070C0"/>
                           </a:solidFill>
@@ -8825,7 +8836,7 @@
                     <a:lstStyle/>
                     <a:p>
                       <a:r>
-                        <a:rPr lang="zh-CN" altLang="en-US" dirty="0">
+                        <a:rPr lang="zh-CN" altLang="en-US" dirty="0" smtClean="0">
                           <a:solidFill>
                             <a:srgbClr val="0070C0"/>
                           </a:solidFill>
@@ -8834,6 +8845,13 @@
                         </a:rPr>
                         <a:t>存量计算方法</a:t>
                       </a:r>
+                      <a:endParaRPr lang="zh-CN" altLang="en-US" dirty="0">
+                        <a:solidFill>
+                          <a:srgbClr val="0070C0"/>
+                        </a:solidFill>
+                        <a:latin typeface="宋体" panose="02010600030101010101" pitchFamily="2" charset="-122"/>
+                        <a:ea typeface="宋体" panose="02010600030101010101" pitchFamily="2" charset="-122"/>
+                      </a:endParaRPr>
                     </a:p>
                   </a:txBody>
                   <a:tcPr>
@@ -8851,7 +8869,7 @@
                     <a:lstStyle/>
                     <a:p>
                       <a:r>
-                        <a:rPr lang="zh-CN" altLang="en-US">
+                        <a:rPr lang="zh-CN" altLang="en-US" smtClean="0">
                           <a:solidFill>
                             <a:srgbClr val="0070C0"/>
                           </a:solidFill>
@@ -8907,7 +8925,7 @@
                     <a:lstStyle/>
                     <a:p>
                       <a:r>
-                        <a:rPr lang="zh-CN" altLang="en-US" dirty="0">
+                        <a:rPr lang="zh-CN" altLang="en-US" dirty="0" smtClean="0">
                           <a:solidFill>
                             <a:srgbClr val="0070C0"/>
                           </a:solidFill>
@@ -8916,6 +8934,13 @@
                         </a:rPr>
                         <a:t>累加</a:t>
                       </a:r>
+                      <a:endParaRPr lang="zh-CN" altLang="en-US" dirty="0">
+                        <a:solidFill>
+                          <a:srgbClr val="0070C0"/>
+                        </a:solidFill>
+                        <a:latin typeface="宋体" panose="02010600030101010101" pitchFamily="2" charset="-122"/>
+                        <a:ea typeface="宋体" panose="02010600030101010101" pitchFamily="2" charset="-122"/>
+                      </a:endParaRPr>
                     </a:p>
                   </a:txBody>
                   <a:tcPr>
@@ -8940,7 +8965,7 @@
                     <a:lstStyle/>
                     <a:p>
                       <a:r>
-                        <a:rPr lang="zh-CN" altLang="en-US">
+                        <a:rPr lang="zh-CN" altLang="en-US" smtClean="0">
                           <a:solidFill>
                             <a:srgbClr val="0070C0"/>
                           </a:solidFill>
@@ -8973,7 +8998,7 @@
                     <a:lstStyle/>
                     <a:p>
                       <a:r>
-                        <a:rPr lang="zh-CN" altLang="en-US">
+                        <a:rPr lang="zh-CN" altLang="en-US" smtClean="0">
                           <a:solidFill>
                             <a:srgbClr val="0070C0"/>
                           </a:solidFill>
@@ -9029,7 +9054,7 @@
                     <a:lstStyle/>
                     <a:p>
                       <a:r>
-                        <a:rPr lang="zh-CN" altLang="en-US">
+                        <a:rPr lang="zh-CN" altLang="en-US" smtClean="0">
                           <a:solidFill>
                             <a:srgbClr val="0070C0"/>
                           </a:solidFill>
@@ -9069,7 +9094,7 @@
                     <a:lstStyle/>
                     <a:p>
                       <a:r>
-                        <a:rPr lang="zh-CN" altLang="en-US">
+                        <a:rPr lang="zh-CN" altLang="en-US" smtClean="0">
                           <a:solidFill>
                             <a:srgbClr val="0070C0"/>
                           </a:solidFill>
@@ -9102,7 +9127,7 @@
                     <a:lstStyle/>
                     <a:p>
                       <a:r>
-                        <a:rPr lang="zh-CN" altLang="en-US">
+                        <a:rPr lang="zh-CN" altLang="en-US" smtClean="0">
                           <a:solidFill>
                             <a:srgbClr val="0070C0"/>
                           </a:solidFill>
@@ -9158,7 +9183,7 @@
                     <a:lstStyle/>
                     <a:p>
                       <a:r>
-                        <a:rPr lang="zh-CN" altLang="en-US" dirty="0">
+                        <a:rPr lang="zh-CN" altLang="en-US" dirty="0" smtClean="0">
                           <a:solidFill>
                             <a:srgbClr val="0070C0"/>
                           </a:solidFill>
@@ -9167,6 +9192,13 @@
                         </a:rPr>
                         <a:t>定量</a:t>
                       </a:r>
+                      <a:endParaRPr lang="zh-CN" altLang="en-US" dirty="0">
+                        <a:solidFill>
+                          <a:srgbClr val="0070C0"/>
+                        </a:solidFill>
+                        <a:latin typeface="宋体" panose="02010600030101010101" pitchFamily="2" charset="-122"/>
+                        <a:ea typeface="宋体" panose="02010600030101010101" pitchFamily="2" charset="-122"/>
+                      </a:endParaRPr>
                     </a:p>
                   </a:txBody>
                   <a:tcPr>
@@ -9246,6 +9278,13 @@
       </p:transition>
     </mc:Fallback>
   </mc:AlternateContent>
+  <p:timing>
+    <p:tnLst>
+      <p:par>
+        <p:cTn id="1" dur="indefinite" restart="never" nodeType="tmRoot"/>
+      </p:par>
+    </p:tnLst>
+  </p:timing>
 </p:sld>
 </file>
 
@@ -9282,17 +9321,18 @@
           <a:lstStyle/>
           <a:p>
             <a:r>
-              <a:rPr lang="zh-CN" altLang="en-US" dirty="0"/>
+              <a:rPr lang="zh-CN" altLang="en-US" dirty="0" smtClean="0"/>
               <a:t>问题</a:t>
             </a:r>
             <a:r>
-              <a:rPr lang="en-US" altLang="zh-CN" dirty="0"/>
+              <a:rPr lang="en-US" altLang="zh-CN" dirty="0" smtClean="0"/>
               <a:t>2</a:t>
             </a:r>
             <a:r>
-              <a:rPr lang="zh-CN" altLang="en-US" dirty="0"/>
+              <a:rPr lang="zh-CN" altLang="en-US" dirty="0" smtClean="0"/>
               <a:t>：入库出库问题</a:t>
             </a:r>
+            <a:endParaRPr lang="zh-CN" altLang="en-US" dirty="0"/>
           </a:p>
         </p:txBody>
       </p:sp>
@@ -9319,23 +9359,27 @@
               <a:lstStyle/>
               <a:p>
                 <a:r>
-                  <a:rPr lang="zh-CN" altLang="en-US" dirty="0"/>
+                  <a:rPr lang="zh-CN" altLang="en-US" dirty="0" smtClean="0"/>
                   <a:t>某仓库</a:t>
                 </a:r>
                 <a:r>
-                  <a:rPr lang="en-US" altLang="zh-CN" dirty="0"/>
+                  <a:rPr lang="en-US" altLang="zh-CN" dirty="0" smtClean="0"/>
                   <a:t>Stock</a:t>
                 </a:r>
                 <a:r>
-                  <a:rPr lang="zh-CN" altLang="en-US" dirty="0"/>
-                  <a:t>，库存初始为</a:t>
+                  <a:rPr lang="zh-CN" altLang="en-US" dirty="0" smtClean="0"/>
+                  <a:t>，</a:t>
                 </a:r>
                 <a:r>
-                  <a:rPr lang="en-US" altLang="zh-CN" dirty="0"/>
+                  <a:rPr lang="zh-CN" altLang="en-US" dirty="0"/>
+                  <a:t>库存初始为</a:t>
+                </a:r>
+                <a:r>
+                  <a:rPr lang="en-US" altLang="zh-CN" dirty="0" smtClean="0"/>
                   <a:t>0</a:t>
                 </a:r>
                 <a:r>
-                  <a:rPr lang="zh-CN" altLang="en-US" dirty="0"/>
+                  <a:rPr lang="zh-CN" altLang="en-US" dirty="0" smtClean="0"/>
                   <a:t>，时间</a:t>
                 </a:r>
                 <a:r>
@@ -9344,13 +9388,17 @@
                 </a:r>
                 <a:r>
                   <a:rPr lang="zh-CN" altLang="en-US" dirty="0"/>
-                  <a:t>以天为单位</a:t>
+                  <a:t>以天为</a:t>
                 </a:r>
-                <a:endParaRPr lang="en-US" altLang="zh-CN" dirty="0"/>
+                <a:r>
+                  <a:rPr lang="zh-CN" altLang="en-US" dirty="0" smtClean="0"/>
+                  <a:t>单位</a:t>
+                </a:r>
+                <a:endParaRPr lang="en-US" altLang="zh-CN" dirty="0" smtClean="0"/>
               </a:p>
               <a:p>
                 <a:r>
-                  <a:rPr lang="zh-CN" altLang="en-US" dirty="0"/>
+                  <a:rPr lang="zh-CN" altLang="en-US" dirty="0" smtClean="0"/>
                   <a:t>入库为：</a:t>
                 </a:r>
                 <a14:m>
@@ -9401,7 +9449,7 @@
                   </m:oMath>
                 </a14:m>
                 <a:r>
-                  <a:rPr lang="en-US" altLang="zh-CN" sz="2400" dirty="0"/>
+                  <a:rPr lang="en-US" altLang="zh-CN" sz="2400" dirty="0" smtClean="0"/>
                   <a:t> </a:t>
                 </a:r>
                 <a:r>
@@ -9420,7 +9468,11 @@
                 </a14:m>
                 <a:r>
                   <a:rPr lang="zh-CN" altLang="en-US" sz="2400" dirty="0"/>
-                  <a:t>为时间变量</a:t>
+                  <a:t>为时间</a:t>
+                </a:r>
+                <a:r>
+                  <a:rPr lang="zh-CN" altLang="en-US" sz="2400" dirty="0" smtClean="0"/>
+                  <a:t>变量</a:t>
                 </a:r>
                 <a14:m>
                   <m:oMath xmlns:m="http://schemas.openxmlformats.org/officeDocument/2006/math">
@@ -9433,13 +9485,14 @@
                   </m:oMath>
                 </a14:m>
                 <a:r>
-                  <a:rPr lang="zh-CN" altLang="en-US" sz="2400" dirty="0"/>
+                  <a:rPr lang="zh-CN" altLang="en-US" sz="2400" dirty="0" smtClean="0"/>
                   <a:t>简写）</a:t>
                 </a:r>
+                <a:endParaRPr lang="zh-CN" altLang="en-US" sz="2400" dirty="0"/>
               </a:p>
               <a:p>
                 <a:r>
-                  <a:rPr lang="zh-CN" altLang="en-US" dirty="0"/>
+                  <a:rPr lang="zh-CN" altLang="en-US" dirty="0" smtClean="0"/>
                   <a:t>出库为：</a:t>
                 </a:r>
                 <a14:m>
@@ -9514,7 +9567,7 @@
                   <a:rPr lang="en-US" altLang="zh-CN" sz="2400" dirty="0"/>
                   <a:t> </a:t>
                 </a:r>
-                <a:endParaRPr lang="en-US" altLang="zh-CN" dirty="0"/>
+                <a:endParaRPr lang="en-US" altLang="zh-CN" dirty="0" smtClean="0"/>
               </a:p>
               <a:p>
                 <a:endParaRPr lang="zh-CN" altLang="en-US" dirty="0"/>
@@ -9657,15 +9710,15 @@
             <a:lstStyle/>
             <a:p>
               <a:r>
-                <a:rPr lang="zh-CN" altLang="en-US" dirty="0"/>
+                <a:rPr lang="zh-CN" altLang="en-US" dirty="0" smtClean="0"/>
                 <a:t>时间</a:t>
               </a:r>
               <a:r>
-                <a:rPr lang="en-US" altLang="zh-CN" dirty="0"/>
+                <a:rPr lang="en-US" altLang="zh-CN" dirty="0" smtClean="0"/>
                 <a:t>t</a:t>
               </a:r>
               <a:r>
-                <a:rPr lang="en-US" altLang="zh-CN" sz="1100" dirty="0"/>
+                <a:rPr lang="en-US" altLang="zh-CN" sz="1100" dirty="0" smtClean="0"/>
                 <a:t>0</a:t>
               </a:r>
               <a:endParaRPr lang="zh-CN" altLang="en-US" sz="1200" dirty="0"/>
@@ -9695,15 +9748,15 @@
             <a:lstStyle/>
             <a:p>
               <a:r>
-                <a:rPr lang="zh-CN" altLang="en-US" dirty="0"/>
+                <a:rPr lang="zh-CN" altLang="en-US" dirty="0" smtClean="0"/>
                 <a:t>时间</a:t>
               </a:r>
               <a:r>
-                <a:rPr lang="en-US" altLang="zh-CN" dirty="0"/>
+                <a:rPr lang="en-US" altLang="zh-CN" dirty="0" smtClean="0"/>
                 <a:t>t</a:t>
               </a:r>
               <a:r>
-                <a:rPr lang="en-US" altLang="zh-CN" sz="1100" dirty="0"/>
+                <a:rPr lang="en-US" altLang="zh-CN" sz="1100" dirty="0" smtClean="0"/>
                 <a:t>1</a:t>
               </a:r>
               <a:endParaRPr lang="zh-CN" altLang="en-US" sz="1100" dirty="0"/>
@@ -9720,25 +9773,25 @@
           <p:nvPr>
             <p:extLst>
               <p:ext uri="{D42A27DB-BD31-4B8C-83A1-F6EECF244321}">
-                <p14:modId xmlns:p14="http://schemas.microsoft.com/office/powerpoint/2010/main" val="2662772297"/>
+                <p14:modId xmlns:p14="http://schemas.microsoft.com/office/powerpoint/2010/main" val="2332671960"/>
               </p:ext>
             </p:extLst>
           </p:nvPr>
         </p:nvGraphicFramePr>
         <p:xfrm>
-          <a:off x="3286100" y="4002333"/>
-          <a:ext cx="5529263" cy="419100"/>
+          <a:off x="3124200" y="3979863"/>
+          <a:ext cx="5854700" cy="465137"/>
         </p:xfrm>
         <a:graphic>
           <a:graphicData uri="http://schemas.openxmlformats.org/presentationml/2006/ole">
             <mc:AlternateContent xmlns:mc="http://schemas.openxmlformats.org/markup-compatibility/2006">
               <mc:Choice xmlns:v="urn:schemas-microsoft-com:vml" Requires="v">
-                <p:oleObj spid="_x0000_s3149" name="Equation" r:id="rId6" imgW="3022560" imgH="228600" progId="Equation.DSMT4">
+                <p:oleObj spid="_x0000_s3151" name="Equation" r:id="rId6" imgW="3200400" imgH="253800" progId="Equation.DSMT4">
                   <p:embed/>
                 </p:oleObj>
               </mc:Choice>
               <mc:Fallback>
-                <p:oleObj name="Equation" r:id="rId6" imgW="3022560" imgH="228600" progId="Equation.DSMT4">
+                <p:oleObj name="Equation" r:id="rId6" imgW="3200400" imgH="253800" progId="Equation.DSMT4">
                   <p:embed/>
                   <p:pic>
                     <p:nvPicPr>
@@ -9754,8 +9807,8 @@
                     </p:blipFill>
                     <p:spPr>
                       <a:xfrm>
-                        <a:off x="3286100" y="4002333"/>
-                        <a:ext cx="5529263" cy="419100"/>
+                        <a:off x="3124200" y="3979863"/>
+                        <a:ext cx="5854700" cy="465137"/>
                       </a:xfrm>
                       <a:prstGeom prst="rect">
                         <a:avLst/>
@@ -9805,9 +9858,10 @@
           <a:p>
             <a:pPr algn="ctr"/>
             <a:r>
-              <a:rPr lang="zh-CN" altLang="en-US" sz="2400" dirty="0"/>
+              <a:rPr lang="zh-CN" altLang="en-US" sz="2400" dirty="0" smtClean="0"/>
               <a:t>水池</a:t>
             </a:r>
+            <a:endParaRPr lang="zh-CN" altLang="en-US" sz="2400" dirty="0"/>
           </a:p>
         </p:txBody>
       </p:sp>
@@ -9848,9 +9902,10 @@
           <a:p>
             <a:pPr algn="ctr"/>
             <a:r>
-              <a:rPr lang="zh-CN" altLang="en-US" sz="2400" dirty="0"/>
+              <a:rPr lang="zh-CN" altLang="en-US" sz="2400" dirty="0" smtClean="0"/>
               <a:t>存量</a:t>
             </a:r>
+            <a:endParaRPr lang="zh-CN" altLang="en-US" sz="2400" dirty="0"/>
           </a:p>
         </p:txBody>
       </p:sp>
@@ -9878,7 +9933,7 @@
               <a:lstStyle/>
               <a:p>
                 <a:r>
-                  <a:rPr lang="zh-CN" altLang="en-US" dirty="0"/>
+                  <a:rPr lang="zh-CN" altLang="en-US" dirty="0" smtClean="0"/>
                   <a:t>（</a:t>
                 </a:r>
                 <a14:m>
@@ -9892,8 +9947,12 @@
                   </m:oMath>
                 </a14:m>
                 <a:r>
+                  <a:rPr lang="zh-CN" altLang="en-US" dirty="0" smtClean="0"/>
+                  <a:t>为</a:t>
+                </a:r>
+                <a:r>
                   <a:rPr lang="zh-CN" altLang="en-US" dirty="0"/>
-                  <a:t>为时间变量）</a:t>
+                  <a:t>时间变量）</a:t>
                 </a:r>
               </a:p>
             </p:txBody>
@@ -10776,9 +10835,10 @@
           <a:lstStyle/>
           <a:p>
             <a:r>
-              <a:rPr lang="zh-CN" altLang="en-US" sz="2800" dirty="0"/>
+              <a:rPr lang="zh-CN" altLang="en-US" sz="2800" dirty="0" smtClean="0"/>
               <a:t>计算过程</a:t>
             </a:r>
+            <a:endParaRPr lang="zh-CN" altLang="en-US" sz="2800" dirty="0"/>
           </a:p>
         </p:txBody>
       </p:sp>
@@ -10808,9 +10868,10 @@
               <a:buNone/>
             </a:pPr>
             <a:r>
-              <a:rPr lang="zh-CN" altLang="en-US" sz="2400" dirty="0"/>
+              <a:rPr lang="zh-CN" altLang="en-US" sz="2400" dirty="0" smtClean="0"/>
               <a:t>精确计算各时间的存量</a:t>
             </a:r>
+            <a:endParaRPr lang="zh-CN" altLang="en-US" sz="2400" dirty="0"/>
           </a:p>
         </p:txBody>
       </p:sp>
@@ -10860,7 +10921,7 @@
           <a:graphicData uri="http://schemas.openxmlformats.org/presentationml/2006/ole">
             <mc:AlternateContent xmlns:mc="http://schemas.openxmlformats.org/markup-compatibility/2006">
               <mc:Choice xmlns:v="urn:schemas-microsoft-com:vml" Requires="v">
-                <p:oleObj spid="_x0000_s1171" name="Equation" r:id="rId4" imgW="3124080" imgH="355320" progId="Equation.DSMT4">
+                <p:oleObj spid="_x0000_s1177" name="Equation" r:id="rId4" imgW="3124080" imgH="355320" progId="Equation.DSMT4">
                   <p:embed/>
                 </p:oleObj>
               </mc:Choice>
@@ -10904,25 +10965,25 @@
           <p:nvPr>
             <p:extLst>
               <p:ext uri="{D42A27DB-BD31-4B8C-83A1-F6EECF244321}">
-                <p14:modId xmlns:p14="http://schemas.microsoft.com/office/powerpoint/2010/main" val="2452106191"/>
+                <p14:modId xmlns:p14="http://schemas.microsoft.com/office/powerpoint/2010/main" val="3971748654"/>
               </p:ext>
             </p:extLst>
           </p:nvPr>
         </p:nvGraphicFramePr>
         <p:xfrm>
-          <a:off x="3172423" y="3568058"/>
-          <a:ext cx="5460647" cy="418262"/>
+          <a:off x="2882900" y="3590925"/>
+          <a:ext cx="6040438" cy="371475"/>
         </p:xfrm>
         <a:graphic>
           <a:graphicData uri="http://schemas.openxmlformats.org/presentationml/2006/ole">
             <mc:AlternateContent xmlns:mc="http://schemas.openxmlformats.org/markup-compatibility/2006">
               <mc:Choice xmlns:v="urn:schemas-microsoft-com:vml" Requires="v">
-                <p:oleObj spid="_x0000_s1172" name="Equation" r:id="rId6" imgW="2984400" imgH="228600" progId="Equation.DSMT4">
+                <p:oleObj spid="_x0000_s1178" name="Equation" r:id="rId6" imgW="3301920" imgH="203040" progId="Equation.DSMT4">
                   <p:embed/>
                 </p:oleObj>
               </mc:Choice>
               <mc:Fallback>
-                <p:oleObj name="Equation" r:id="rId6" imgW="2984400" imgH="228600" progId="Equation.DSMT4">
+                <p:oleObj name="Equation" r:id="rId6" imgW="3301920" imgH="203040" progId="Equation.DSMT4">
                   <p:embed/>
                   <p:pic>
                     <p:nvPicPr>
@@ -10938,8 +10999,8 @@
                     </p:blipFill>
                     <p:spPr>
                       <a:xfrm>
-                        <a:off x="3172423" y="3568058"/>
-                        <a:ext cx="5460647" cy="418262"/>
+                        <a:off x="2882900" y="3590925"/>
+                        <a:ext cx="6040438" cy="371475"/>
                       </a:xfrm>
                       <a:prstGeom prst="rect">
                         <a:avLst/>
@@ -11039,11 +11100,11 @@
               <a:lstStyle/>
               <a:p>
                 <a:r>
-                  <a:rPr lang="zh-CN" altLang="en-US" dirty="0"/>
+                  <a:rPr lang="zh-CN" altLang="en-US" dirty="0" smtClean="0"/>
                   <a:t>时间</a:t>
                 </a:r>
                 <a:r>
-                  <a:rPr lang="en-US" altLang="zh-CN" dirty="0"/>
+                  <a:rPr lang="en-US" altLang="zh-CN" dirty="0" smtClean="0"/>
                   <a:t>t</a:t>
                 </a:r>
                 <a:r>
@@ -11077,11 +11138,11 @@
               <a:lstStyle/>
               <a:p>
                 <a:r>
-                  <a:rPr lang="zh-CN" altLang="en-US" dirty="0"/>
+                  <a:rPr lang="zh-CN" altLang="en-US" dirty="0" smtClean="0"/>
                   <a:t>时间</a:t>
                 </a:r>
                 <a:r>
-                  <a:rPr lang="en-US" altLang="zh-CN" dirty="0"/>
+                  <a:rPr lang="en-US" altLang="zh-CN" dirty="0" smtClean="0"/>
                   <a:t>t </a:t>
                 </a:r>
                 <a:endParaRPr lang="zh-CN" altLang="en-US" dirty="0"/>
@@ -11115,7 +11176,7 @@
                 <a:t>时间</a:t>
               </a:r>
               <a:r>
-                <a:rPr lang="en-US" altLang="zh-CN" dirty="0"/>
+                <a:rPr lang="en-US" altLang="zh-CN" dirty="0" smtClean="0"/>
                 <a:t>t</a:t>
               </a:r>
               <a:r>
@@ -11152,7 +11213,7 @@
                 <a:t>时间</a:t>
               </a:r>
               <a:r>
-                <a:rPr lang="en-US" altLang="zh-CN" dirty="0"/>
+                <a:rPr lang="en-US" altLang="zh-CN" dirty="0" smtClean="0"/>
                 <a:t>t</a:t>
               </a:r>
               <a:r>
@@ -11188,7 +11249,7 @@
               <a:lstStyle/>
               <a:p>
                 <a:r>
-                  <a:rPr lang="zh-CN" altLang="en-US" b="0" dirty="0"/>
+                  <a:rPr lang="zh-CN" altLang="en-US" b="0" dirty="0" smtClean="0"/>
                   <a:t>时间间隔</a:t>
                 </a:r>
                 <a14:m>
@@ -11276,7 +11337,11 @@
               <a:p>
                 <a:r>
                   <a:rPr lang="zh-CN" altLang="en-US" dirty="0"/>
-                  <a:t>时间间隔</a:t>
+                  <a:t>时间</a:t>
+                </a:r>
+                <a:r>
+                  <a:rPr lang="zh-CN" altLang="en-US" dirty="0" smtClean="0"/>
+                  <a:t>间隔</a:t>
                 </a:r>
                 <a14:m>
                   <m:oMath xmlns:m="http://schemas.openxmlformats.org/officeDocument/2006/math">
@@ -11590,9 +11655,10 @@
           <a:lstStyle/>
           <a:p>
             <a:r>
-              <a:rPr lang="zh-CN" altLang="en-US" dirty="0"/>
+              <a:rPr lang="zh-CN" altLang="en-US" dirty="0" smtClean="0"/>
               <a:t>仿真方程计算过程</a:t>
             </a:r>
+            <a:endParaRPr lang="zh-CN" altLang="en-US" dirty="0"/>
           </a:p>
         </p:txBody>
       </p:sp>
@@ -11614,27 +11680,28 @@
           <a:lstStyle/>
           <a:p>
             <a:r>
-              <a:rPr lang="zh-CN" altLang="en-US" sz="2400" dirty="0"/>
+              <a:rPr lang="zh-CN" altLang="en-US" sz="2400" dirty="0" smtClean="0"/>
               <a:t>仿真中，时间间隔被设置为相对小的时间间隔，长度设为</a:t>
             </a:r>
             <a:r>
-              <a:rPr lang="en-US" altLang="zh-CN" sz="2400" dirty="0"/>
+              <a:rPr lang="en-US" altLang="zh-CN" sz="2400" dirty="0" smtClean="0"/>
               <a:t>DT</a:t>
             </a:r>
           </a:p>
           <a:p>
             <a:r>
-              <a:rPr lang="zh-CN" altLang="en-US" sz="2400" dirty="0"/>
+              <a:rPr lang="zh-CN" altLang="en-US" sz="2400" dirty="0" smtClean="0"/>
               <a:t>由于积分中的瞬时量无法获取，采用</a:t>
             </a:r>
             <a:r>
-              <a:rPr lang="en-US" altLang="zh-CN" sz="2400" dirty="0"/>
+              <a:rPr lang="en-US" altLang="zh-CN" sz="2400" dirty="0" smtClean="0"/>
               <a:t>Euler</a:t>
             </a:r>
             <a:r>
-              <a:rPr lang="zh-CN" altLang="en-US" sz="2400" dirty="0"/>
+              <a:rPr lang="zh-CN" altLang="en-US" sz="2400" dirty="0" smtClean="0"/>
               <a:t>方法近似计算存量</a:t>
             </a:r>
+            <a:endParaRPr lang="zh-CN" altLang="en-US" sz="2400" dirty="0"/>
           </a:p>
         </p:txBody>
       </p:sp>
@@ -11661,21 +11728,22 @@
           <a:lstStyle/>
           <a:p>
             <a:r>
-              <a:rPr lang="en-US" altLang="zh-CN" dirty="0"/>
+              <a:rPr lang="en-US" altLang="zh-CN" dirty="0" smtClean="0"/>
               <a:t>Euler</a:t>
             </a:r>
             <a:r>
-              <a:rPr lang="zh-CN" altLang="en-US" dirty="0"/>
+              <a:rPr lang="zh-CN" altLang="en-US" dirty="0" smtClean="0"/>
               <a:t>方法实质是假设</a:t>
             </a:r>
             <a:r>
-              <a:rPr lang="en-US" altLang="zh-CN" dirty="0"/>
+              <a:rPr lang="en-US" altLang="zh-CN" dirty="0" smtClean="0"/>
               <a:t>DT</a:t>
             </a:r>
             <a:r>
-              <a:rPr lang="zh-CN" altLang="en-US" dirty="0"/>
+              <a:rPr lang="zh-CN" altLang="en-US" dirty="0" smtClean="0"/>
               <a:t>时间段内的速率量保持恒定，这与大部分管理实际问题相符合</a:t>
             </a:r>
+            <a:endParaRPr lang="zh-CN" altLang="en-US" dirty="0"/>
           </a:p>
         </p:txBody>
       </p:sp>
@@ -11989,11 +12057,11 @@
             <a:lstStyle/>
             <a:p>
               <a:r>
-                <a:rPr lang="zh-CN" altLang="en-US" sz="1400" dirty="0"/>
+                <a:rPr lang="zh-CN" altLang="en-US" sz="1400" dirty="0" smtClean="0"/>
                 <a:t>时间间隔被设定为</a:t>
               </a:r>
               <a:r>
-                <a:rPr lang="en-US" altLang="zh-CN" sz="1400" dirty="0"/>
+                <a:rPr lang="en-US" altLang="zh-CN" sz="1400" dirty="0" smtClean="0"/>
                 <a:t>DT</a:t>
               </a:r>
               <a:endParaRPr lang="zh-CN" altLang="en-US" sz="1400" dirty="0"/>
@@ -12023,7 +12091,7 @@
             <a:lstStyle/>
             <a:p>
               <a:r>
-                <a:rPr lang="en-US" altLang="zh-CN" sz="1400" dirty="0"/>
+                <a:rPr lang="en-US" altLang="zh-CN" sz="1400" dirty="0" smtClean="0"/>
                 <a:t>J</a:t>
               </a:r>
               <a:endParaRPr lang="zh-CN" altLang="en-US" sz="1400" dirty="0"/>
@@ -12083,7 +12151,7 @@
             <a:lstStyle/>
             <a:p>
               <a:r>
-                <a:rPr lang="en-US" altLang="zh-CN" sz="1400" dirty="0"/>
+                <a:rPr lang="en-US" altLang="zh-CN" sz="1400" dirty="0" smtClean="0"/>
                 <a:t>L</a:t>
               </a:r>
               <a:endParaRPr lang="zh-CN" altLang="en-US" sz="1400" dirty="0"/>
@@ -12113,7 +12181,7 @@
             <a:lstStyle/>
             <a:p>
               <a:r>
-                <a:rPr lang="en-US" altLang="zh-CN" sz="1400" dirty="0"/>
+                <a:rPr lang="en-US" altLang="zh-CN" sz="1400" dirty="0" smtClean="0"/>
                 <a:t>JK</a:t>
               </a:r>
               <a:endParaRPr lang="zh-CN" altLang="en-US" sz="1400" dirty="0"/>
@@ -12143,7 +12211,7 @@
             <a:lstStyle/>
             <a:p>
               <a:r>
-                <a:rPr lang="en-US" altLang="zh-CN" sz="1400" dirty="0"/>
+                <a:rPr lang="en-US" altLang="zh-CN" sz="1400" dirty="0" smtClean="0"/>
                 <a:t>KL</a:t>
               </a:r>
               <a:endParaRPr lang="zh-CN" altLang="en-US" sz="1400" dirty="0"/>
@@ -12274,7 +12342,7 @@
             <a:graphicData uri="http://schemas.openxmlformats.org/presentationml/2006/ole">
               <mc:AlternateContent xmlns:mc="http://schemas.openxmlformats.org/markup-compatibility/2006">
                 <mc:Choice xmlns:v="urn:schemas-microsoft-com:vml" Requires="v">
-                  <p:oleObj spid="_x0000_s5175" name="Equation" r:id="rId3" imgW="3454200" imgH="203040" progId="Equation.DSMT4">
+                  <p:oleObj spid="_x0000_s5176" name="Equation" r:id="rId3" imgW="3454200" imgH="203040" progId="Equation.DSMT4">
                     <p:embed/>
                   </p:oleObj>
                 </mc:Choice>
@@ -12332,21 +12400,21 @@
             <a:lstStyle/>
             <a:p>
               <a:r>
-                <a:rPr lang="en-US" altLang="zh-CN" sz="1600" dirty="0">
+                <a:rPr lang="en-US" altLang="zh-CN" sz="1600" dirty="0" smtClean="0">
                   <a:latin typeface="华文楷体" panose="02010600040101010101" pitchFamily="2" charset="-122"/>
                   <a:ea typeface="华文楷体" panose="02010600040101010101" pitchFamily="2" charset="-122"/>
                 </a:rPr>
                 <a:t>J</a:t>
               </a:r>
               <a:r>
-                <a:rPr lang="zh-CN" altLang="en-US" sz="1600" dirty="0">
+                <a:rPr lang="zh-CN" altLang="en-US" sz="1600" dirty="0" smtClean="0">
                   <a:latin typeface="华文楷体" panose="02010600040101010101" pitchFamily="2" charset="-122"/>
                   <a:ea typeface="华文楷体" panose="02010600040101010101" pitchFamily="2" charset="-122"/>
                 </a:rPr>
                 <a:t>时刻存量已知为</a:t>
               </a:r>
               <a:r>
-                <a:rPr lang="en-US" altLang="zh-CN" sz="1600" i="1" dirty="0">
+                <a:rPr lang="en-US" altLang="zh-CN" sz="1600" i="1" dirty="0" smtClean="0">
                   <a:latin typeface="华文楷体" panose="02010600040101010101" pitchFamily="2" charset="-122"/>
                   <a:ea typeface="华文楷体" panose="02010600040101010101" pitchFamily="2" charset="-122"/>
                 </a:rPr>
@@ -12427,40 +12495,44 @@
             <a:lstStyle/>
             <a:p>
               <a:r>
-                <a:rPr lang="zh-CN" altLang="en-US" sz="1600" dirty="0">
+                <a:rPr lang="zh-CN" altLang="en-US" sz="1600" dirty="0" smtClean="0">
                   <a:latin typeface="华文楷体" panose="02010600040101010101" pitchFamily="2" charset="-122"/>
                   <a:ea typeface="华文楷体" panose="02010600040101010101" pitchFamily="2" charset="-122"/>
                 </a:rPr>
                 <a:t>计算一个</a:t>
               </a:r>
               <a:r>
-                <a:rPr lang="en-US" altLang="zh-CN" sz="1600" dirty="0">
+                <a:rPr lang="en-US" altLang="zh-CN" sz="1600" dirty="0" smtClean="0">
                   <a:latin typeface="华文楷体" panose="02010600040101010101" pitchFamily="2" charset="-122"/>
                   <a:ea typeface="华文楷体" panose="02010600040101010101" pitchFamily="2" charset="-122"/>
                 </a:rPr>
                 <a:t>DT</a:t>
               </a:r>
               <a:r>
-                <a:rPr lang="zh-CN" altLang="en-US" sz="1600" dirty="0">
+                <a:rPr lang="zh-CN" altLang="en-US" sz="1600" dirty="0" smtClean="0">
                   <a:latin typeface="华文楷体" panose="02010600040101010101" pitchFamily="2" charset="-122"/>
                   <a:ea typeface="华文楷体" panose="02010600040101010101" pitchFamily="2" charset="-122"/>
                 </a:rPr>
                 <a:t>之后的</a:t>
               </a:r>
               <a:r>
-                <a:rPr lang="en-US" altLang="zh-CN" sz="1600" i="1" dirty="0">
+                <a:rPr lang="en-US" altLang="zh-CN" sz="1600" i="1" dirty="0" smtClean="0">
                   <a:latin typeface="华文楷体" panose="02010600040101010101" pitchFamily="2" charset="-122"/>
                   <a:ea typeface="华文楷体" panose="02010600040101010101" pitchFamily="2" charset="-122"/>
                 </a:rPr>
                 <a:t>Stock(K)</a:t>
               </a:r>
               <a:r>
-                <a:rPr lang="zh-CN" altLang="en-US" sz="1600" dirty="0">
+                <a:rPr lang="zh-CN" altLang="en-US" sz="1600" dirty="0" smtClean="0">
                   <a:latin typeface="华文楷体" panose="02010600040101010101" pitchFamily="2" charset="-122"/>
                   <a:ea typeface="华文楷体" panose="02010600040101010101" pitchFamily="2" charset="-122"/>
                 </a:rPr>
                 <a:t>：</a:t>
               </a:r>
+              <a:endParaRPr lang="zh-CN" altLang="en-US" sz="1600" dirty="0">
+                <a:latin typeface="华文楷体" panose="02010600040101010101" pitchFamily="2" charset="-122"/>
+                <a:ea typeface="华文楷体" panose="02010600040101010101" pitchFamily="2" charset="-122"/>
+              </a:endParaRPr>
             </a:p>
           </p:txBody>
         </p:sp>
@@ -12536,38 +12608,45 @@
                   <a:latin typeface="华文楷体" panose="02010600040101010101" pitchFamily="2" charset="-122"/>
                   <a:ea typeface="华文楷体" panose="02010600040101010101" pitchFamily="2" charset="-122"/>
                 </a:rPr>
-                <a:t>再计算一个</a:t>
+                <a:t>再</a:t>
               </a:r>
               <a:r>
-                <a:rPr lang="en-US" altLang="zh-CN" sz="1600" dirty="0">
+                <a:rPr lang="zh-CN" altLang="en-US" sz="1600" dirty="0" smtClean="0">
+                  <a:latin typeface="华文楷体" panose="02010600040101010101" pitchFamily="2" charset="-122"/>
+                  <a:ea typeface="华文楷体" panose="02010600040101010101" pitchFamily="2" charset="-122"/>
+                </a:rPr>
+                <a:t>计算一个</a:t>
+              </a:r>
+              <a:r>
+                <a:rPr lang="en-US" altLang="zh-CN" sz="1600" dirty="0" smtClean="0">
                   <a:latin typeface="华文楷体" panose="02010600040101010101" pitchFamily="2" charset="-122"/>
                   <a:ea typeface="华文楷体" panose="02010600040101010101" pitchFamily="2" charset="-122"/>
                 </a:rPr>
                 <a:t>DT</a:t>
               </a:r>
               <a:r>
-                <a:rPr lang="zh-CN" altLang="en-US" sz="1600" dirty="0">
+                <a:rPr lang="zh-CN" altLang="en-US" sz="1600" dirty="0" smtClean="0">
                   <a:latin typeface="华文楷体" panose="02010600040101010101" pitchFamily="2" charset="-122"/>
                   <a:ea typeface="华文楷体" panose="02010600040101010101" pitchFamily="2" charset="-122"/>
                 </a:rPr>
                 <a:t>之后的速率</a:t>
               </a:r>
               <a:r>
-                <a:rPr lang="en-US" altLang="zh-CN" sz="1600" i="1" dirty="0">
+                <a:rPr lang="en-US" altLang="zh-CN" sz="1600" i="1" dirty="0" smtClean="0">
                   <a:latin typeface="华文楷体" panose="02010600040101010101" pitchFamily="2" charset="-122"/>
                   <a:ea typeface="华文楷体" panose="02010600040101010101" pitchFamily="2" charset="-122"/>
                 </a:rPr>
                 <a:t>Inflow(K)</a:t>
               </a:r>
               <a:r>
-                <a:rPr lang="zh-CN" altLang="en-US" sz="1600" dirty="0">
+                <a:rPr lang="zh-CN" altLang="en-US" sz="1600" dirty="0" smtClean="0">
                   <a:latin typeface="华文楷体" panose="02010600040101010101" pitchFamily="2" charset="-122"/>
                   <a:ea typeface="华文楷体" panose="02010600040101010101" pitchFamily="2" charset="-122"/>
                 </a:rPr>
                 <a:t>和</a:t>
               </a:r>
               <a:r>
-                <a:rPr lang="en-US" altLang="zh-CN" sz="1600" i="1" dirty="0">
+                <a:rPr lang="en-US" altLang="zh-CN" sz="1600" i="1" dirty="0" smtClean="0">
                   <a:latin typeface="华文楷体" panose="02010600040101010101" pitchFamily="2" charset="-122"/>
                   <a:ea typeface="华文楷体" panose="02010600040101010101" pitchFamily="2" charset="-122"/>
                 </a:rPr>
@@ -12651,11 +12730,11 @@
             <a:lstStyle/>
             <a:p>
               <a:r>
-                <a:rPr lang="zh-CN" altLang="en-US" sz="1400" dirty="0"/>
+                <a:rPr lang="zh-CN" altLang="en-US" sz="1400" dirty="0" smtClean="0"/>
                 <a:t>时间轴</a:t>
               </a:r>
               <a:r>
-                <a:rPr lang="en-US" altLang="zh-CN" sz="1400" dirty="0"/>
+                <a:rPr lang="en-US" altLang="zh-CN" sz="1400" dirty="0" smtClean="0"/>
                 <a:t>TIME</a:t>
               </a:r>
               <a:endParaRPr lang="zh-CN" altLang="en-US" sz="1400" dirty="0"/>
@@ -12685,6 +12764,13 @@
       </p:transition>
     </mc:Fallback>
   </mc:AlternateContent>
+  <p:timing>
+    <p:tnLst>
+      <p:par>
+        <p:cTn id="1" dur="indefinite" restart="never" nodeType="tmRoot"/>
+      </p:par>
+    </p:tnLst>
+  </p:timing>
 </p:sld>
 </file>
 
@@ -12745,19 +12831,23 @@
           <a:lstStyle/>
           <a:p>
             <a:r>
-              <a:rPr lang="en-US" altLang="zh-CN" dirty="0"/>
+              <a:rPr lang="en-US" altLang="zh-CN" dirty="0" smtClean="0"/>
               <a:t>Euler</a:t>
             </a:r>
             <a:r>
               <a:rPr lang="zh-CN" altLang="en-US" dirty="0"/>
-              <a:t>方法实质</a:t>
-            </a:r>
-            <a:endParaRPr lang="en-US" altLang="zh-CN" dirty="0"/>
+              <a:t>方法</a:t>
+            </a:r>
+            <a:r>
+              <a:rPr lang="zh-CN" altLang="en-US" dirty="0" smtClean="0"/>
+              <a:t>实质</a:t>
+            </a:r>
+            <a:endParaRPr lang="en-US" altLang="zh-CN" dirty="0" smtClean="0"/>
           </a:p>
           <a:p>
             <a:pPr lvl="1"/>
             <a:r>
-              <a:rPr lang="zh-CN" altLang="en-US" dirty="0"/>
+              <a:rPr lang="zh-CN" altLang="en-US" dirty="0" smtClean="0"/>
               <a:t>假设</a:t>
             </a:r>
             <a:r>
@@ -12766,78 +12856,91 @@
             </a:r>
             <a:r>
               <a:rPr lang="zh-CN" altLang="en-US" dirty="0"/>
-              <a:t>时间段内的速率量保持恒定，这与大部分管理实际问题相符合</a:t>
-            </a:r>
-            <a:endParaRPr lang="en-US" altLang="zh-CN" dirty="0"/>
+              <a:t>时间段内的速率量保持恒定，这与大部分管理实际问题相</a:t>
+            </a:r>
+            <a:r>
+              <a:rPr lang="zh-CN" altLang="en-US" dirty="0" smtClean="0"/>
+              <a:t>符合</a:t>
+            </a:r>
+            <a:endParaRPr lang="en-US" altLang="zh-CN" dirty="0" smtClean="0"/>
           </a:p>
           <a:p>
             <a:pPr lvl="1"/>
             <a:r>
+              <a:rPr lang="zh-CN" altLang="en-US" dirty="0" smtClean="0"/>
+              <a:t>系统变化的速率很慢，时间间隔很短，</a:t>
+            </a:r>
+            <a:r>
+              <a:rPr lang="en-US" altLang="zh-CN" dirty="0" smtClean="0"/>
+              <a:t>Euler</a:t>
+            </a:r>
+            <a:r>
+              <a:rPr lang="zh-CN" altLang="en-US" dirty="0" smtClean="0"/>
+              <a:t>方法的误差很小</a:t>
+            </a:r>
+            <a:endParaRPr lang="en-US" altLang="zh-CN" dirty="0" smtClean="0"/>
+          </a:p>
+          <a:p>
+            <a:r>
+              <a:rPr lang="en-US" altLang="zh-CN" dirty="0" err="1" smtClean="0"/>
+              <a:t>Runge-Kutta</a:t>
+            </a:r>
+            <a:r>
+              <a:rPr lang="zh-CN" altLang="en-US" dirty="0" smtClean="0"/>
+              <a:t>方法（龙格库塔法）</a:t>
+            </a:r>
+            <a:endParaRPr lang="en-US" altLang="zh-CN" dirty="0" smtClean="0"/>
+          </a:p>
+          <a:p>
+            <a:pPr lvl="1"/>
+            <a:r>
+              <a:rPr lang="zh-CN" altLang="en-US" dirty="0" smtClean="0"/>
+              <a:t>不能假设速率在</a:t>
+            </a:r>
+            <a:r>
+              <a:rPr lang="en-US" altLang="zh-CN" dirty="0" smtClean="0"/>
+              <a:t>DT</a:t>
+            </a:r>
+            <a:r>
+              <a:rPr lang="zh-CN" altLang="en-US" dirty="0" smtClean="0"/>
+              <a:t>内是恒定的，估算平均增长速度</a:t>
+            </a:r>
+            <a:endParaRPr lang="en-US" altLang="zh-CN" dirty="0" smtClean="0"/>
+          </a:p>
+          <a:p>
+            <a:r>
+              <a:rPr lang="en-US" altLang="zh-CN" dirty="0" smtClean="0"/>
+              <a:t>DT</a:t>
+            </a:r>
+            <a:r>
+              <a:rPr lang="zh-CN" altLang="en-US" dirty="0" smtClean="0"/>
+              <a:t>的选择如何影响精度</a:t>
+            </a:r>
+            <a:endParaRPr lang="en-US" altLang="zh-CN" dirty="0" smtClean="0"/>
+          </a:p>
+          <a:p>
+            <a:pPr lvl="1"/>
+            <a:r>
               <a:rPr lang="zh-CN" altLang="en-US" dirty="0"/>
-              <a:t>系统变化的速率很慢，时间间隔很短，</a:t>
-            </a:r>
-            <a:r>
-              <a:rPr lang="en-US" altLang="zh-CN" dirty="0"/>
-              <a:t>Euler</a:t>
-            </a:r>
+              <a:t>偏</a:t>
+            </a:r>
+            <a:r>
+              <a:rPr lang="zh-CN" altLang="en-US" dirty="0" smtClean="0"/>
+              <a:t>大：误差扩大</a:t>
+            </a:r>
+            <a:endParaRPr lang="en-US" altLang="zh-CN" dirty="0" smtClean="0"/>
+          </a:p>
+          <a:p>
+            <a:pPr lvl="1"/>
             <a:r>
               <a:rPr lang="zh-CN" altLang="en-US" dirty="0"/>
-              <a:t>方法的误差很小</a:t>
-            </a:r>
-            <a:endParaRPr lang="en-US" altLang="zh-CN" dirty="0"/>
-          </a:p>
-          <a:p>
-            <a:r>
-              <a:rPr lang="en-US" altLang="zh-CN" dirty="0" err="1"/>
-              <a:t>Runge-Kutta</a:t>
-            </a:r>
-            <a:r>
-              <a:rPr lang="zh-CN" altLang="en-US" dirty="0"/>
-              <a:t>方法（龙格库塔法）</a:t>
-            </a:r>
-            <a:endParaRPr lang="en-US" altLang="zh-CN" dirty="0"/>
-          </a:p>
-          <a:p>
-            <a:pPr lvl="1"/>
-            <a:r>
-              <a:rPr lang="zh-CN" altLang="en-US" dirty="0"/>
-              <a:t>不能假设速率在</a:t>
-            </a:r>
-            <a:r>
-              <a:rPr lang="en-US" altLang="zh-CN" dirty="0"/>
-              <a:t>DT</a:t>
-            </a:r>
-            <a:r>
-              <a:rPr lang="zh-CN" altLang="en-US" dirty="0"/>
-              <a:t>内是恒定的，估算平均增长速度</a:t>
-            </a:r>
-            <a:endParaRPr lang="en-US" altLang="zh-CN" dirty="0"/>
-          </a:p>
-          <a:p>
-            <a:r>
-              <a:rPr lang="en-US" altLang="zh-CN" dirty="0"/>
-              <a:t>DT</a:t>
-            </a:r>
-            <a:r>
-              <a:rPr lang="zh-CN" altLang="en-US" dirty="0"/>
-              <a:t>的选择如何影响精度</a:t>
-            </a:r>
-            <a:endParaRPr lang="en-US" altLang="zh-CN" dirty="0"/>
-          </a:p>
-          <a:p>
-            <a:pPr lvl="1"/>
-            <a:r>
-              <a:rPr lang="zh-CN" altLang="en-US" dirty="0"/>
-              <a:t>偏大：误差扩大</a:t>
-            </a:r>
-            <a:endParaRPr lang="en-US" altLang="zh-CN" dirty="0"/>
-          </a:p>
-          <a:p>
-            <a:pPr lvl="1"/>
-            <a:r>
-              <a:rPr lang="zh-CN" altLang="en-US" dirty="0"/>
-              <a:t>偏小：计算超出计算机范围</a:t>
-            </a:r>
+              <a:t>偏</a:t>
+            </a:r>
+            <a:r>
+              <a:rPr lang="zh-CN" altLang="en-US" dirty="0" smtClean="0"/>
+              <a:t>小：计算超出计算机范围</a:t>
+            </a:r>
+            <a:endParaRPr lang="zh-CN" altLang="en-US" dirty="0"/>
           </a:p>
         </p:txBody>
       </p:sp>
@@ -12923,7 +13026,7 @@
                 </a:lnSpc>
               </a:pPr>
               <a:r>
-                <a:rPr lang="zh-CN" altLang="en-US" sz="2400" dirty="0">
+                <a:rPr lang="zh-CN" altLang="en-US" sz="2400" dirty="0" smtClean="0">
                   <a:solidFill>
                     <a:sysClr val="windowText" lastClr="000000"/>
                   </a:solidFill>
@@ -12932,7 +13035,7 @@
                 </a:rPr>
                 <a:t>思考：</a:t>
               </a:r>
-              <a:endParaRPr lang="en-US" altLang="zh-CN" sz="2400" dirty="0">
+              <a:endParaRPr lang="en-US" altLang="zh-CN" sz="2400" dirty="0" smtClean="0">
                 <a:solidFill>
                   <a:sysClr val="windowText" lastClr="000000"/>
                 </a:solidFill>
@@ -12973,7 +13076,7 @@
                   <a:spcPct val="150000"/>
                 </a:lnSpc>
               </a:pPr>
-              <a:endParaRPr lang="zh-CN" altLang="en-US" sz="2400" dirty="0">
+              <a:endParaRPr lang="zh-CN" altLang="en-US" sz="2400" dirty="0" smtClean="0">
                 <a:solidFill>
                   <a:sysClr val="windowText" lastClr="000000"/>
                 </a:solidFill>
@@ -13037,7 +13140,7 @@
                 <a:buNone/>
                 <a:tabLst/>
               </a:pPr>
-              <a:endParaRPr kumimoji="0" lang="en-US" sz="1200" b="0" i="0" u="none" strike="noStrike" kern="0" cap="none" spc="0" normalizeH="0" baseline="0" noProof="0" dirty="0">
+              <a:endParaRPr kumimoji="0" lang="en-US" sz="1200" b="0" i="0" u="none" strike="noStrike" kern="0" cap="none" spc="0" normalizeH="0" baseline="0" noProof="0" dirty="0" smtClean="0">
                 <a:ln>
                   <a:noFill/>
                 </a:ln>
@@ -13637,9 +13740,10 @@
           <a:lstStyle/>
           <a:p>
             <a:r>
-              <a:rPr lang="zh-CN" altLang="en-US" sz="2800" dirty="0"/>
+              <a:rPr lang="zh-CN" altLang="en-US" sz="2800" dirty="0" smtClean="0"/>
               <a:t>仿真方程</a:t>
             </a:r>
+            <a:endParaRPr lang="zh-CN" altLang="en-US" sz="2800" dirty="0"/>
           </a:p>
         </p:txBody>
       </p:sp>
@@ -13738,9 +13842,9 @@
                         </m:r>
                         <m:r>
                           <a:rPr lang="en-US" altLang="zh-CN" sz="2000" b="0" i="1" smtClean="0">
-                            <a:latin typeface="Cambria Math" panose="02040503050406030204" pitchFamily="18" charset="0"/>
+                            <a:latin typeface="Cambria Math"/>
                           </a:rPr>
-                          <m:t>𝐿</m:t>
+                          <m:t>𝐽</m:t>
                         </m:r>
                         <m:r>
                           <a:rPr lang="en-US" altLang="zh-CN" sz="2000" b="0" i="1" smtClean="0">
@@ -13853,7 +13957,7 @@
                 <a:prstGeom prst="rect">
                   <a:avLst/>
                 </a:prstGeom>
-                <a:blipFill>
+                <a:blipFill rotWithShape="1">
                   <a:blip r:embed="rId2"/>
                   <a:stretch>
                     <a:fillRect b="-37255"/>
@@ -14437,9 +14541,10 @@
               <a:buNone/>
             </a:pPr>
             <a:r>
-              <a:rPr lang="zh-CN" altLang="en-US" dirty="0"/>
+              <a:rPr lang="zh-CN" altLang="en-US" dirty="0" smtClean="0"/>
               <a:t>软件计算结果</a:t>
             </a:r>
+            <a:endParaRPr lang="zh-CN" altLang="en-US" dirty="0"/>
           </a:p>
         </p:txBody>
       </p:sp>
@@ -14459,8 +14564,8 @@
         </p:blipFill>
         <p:spPr>
           <a:xfrm>
-            <a:off x="3735201" y="3287684"/>
-            <a:ext cx="5060841" cy="2911976"/>
+            <a:off x="0" y="1052736"/>
+            <a:ext cx="9320484" cy="5362948"/>
           </a:xfrm>
           <a:prstGeom prst="rect">
             <a:avLst/>
@@ -14483,7 +14588,7 @@
         </p:blipFill>
         <p:spPr>
           <a:xfrm>
-            <a:off x="3265915" y="1550263"/>
+            <a:off x="4510236" y="1268760"/>
             <a:ext cx="5999415" cy="1356450"/>
           </a:xfrm>
           <a:prstGeom prst="rect">
@@ -14513,6 +14618,13 @@
       </p:transition>
     </mc:Fallback>
   </mc:AlternateContent>
+  <p:timing>
+    <p:tnLst>
+      <p:par>
+        <p:cTn id="1" dur="indefinite" restart="never" nodeType="tmRoot"/>
+      </p:par>
+    </p:tnLst>
+  </p:timing>
 </p:sld>
 </file>
 
@@ -14549,9 +14661,10 @@
           <a:lstStyle/>
           <a:p>
             <a:r>
-              <a:rPr lang="zh-CN" altLang="en-US" dirty="0"/>
+              <a:rPr lang="zh-CN" altLang="en-US" dirty="0" smtClean="0"/>
               <a:t>变量的相互导入</a:t>
             </a:r>
+            <a:endParaRPr lang="zh-CN" altLang="en-US" dirty="0"/>
           </a:p>
         </p:txBody>
       </p:sp>
@@ -14571,25 +14684,33 @@
           <a:lstStyle/>
           <a:p>
             <a:r>
+              <a:rPr lang="zh-CN" altLang="en-US" dirty="0" smtClean="0"/>
+              <a:t>建立起两个量之间的因果关系</a:t>
+            </a:r>
+            <a:endParaRPr lang="en-US" altLang="zh-CN" dirty="0" smtClean="0"/>
+          </a:p>
+          <a:p>
+            <a:r>
+              <a:rPr lang="zh-CN" altLang="en-US" dirty="0" smtClean="0"/>
+              <a:t>箭头指向意味着将</a:t>
+            </a:r>
+            <a:r>
+              <a:rPr lang="en-US" altLang="zh-CN" dirty="0" smtClean="0"/>
+              <a:t>L</a:t>
+            </a:r>
+            <a:r>
+              <a:rPr lang="zh-CN" altLang="en-US" dirty="0" smtClean="0"/>
+              <a:t>量导入到计算</a:t>
+            </a:r>
+            <a:r>
               <a:rPr lang="zh-CN" altLang="en-US" dirty="0"/>
-              <a:t>建立起两个量之间的因果关系</a:t>
-            </a:r>
-            <a:endParaRPr lang="en-US" altLang="zh-CN" dirty="0"/>
-          </a:p>
-          <a:p>
-            <a:r>
-              <a:rPr lang="zh-CN" altLang="en-US" dirty="0"/>
-              <a:t>箭头指向意味着将</a:t>
-            </a:r>
-            <a:r>
-              <a:rPr lang="en-US" altLang="zh-CN" dirty="0"/>
-              <a:t>L</a:t>
-            </a:r>
-            <a:r>
-              <a:rPr lang="zh-CN" altLang="en-US" dirty="0"/>
-              <a:t>量导入到计算流量中</a:t>
-            </a:r>
-            <a:endParaRPr lang="en-US" altLang="zh-CN" dirty="0"/>
+              <a:t>流</a:t>
+            </a:r>
+            <a:r>
+              <a:rPr lang="zh-CN" altLang="en-US" dirty="0" smtClean="0"/>
+              <a:t>量中</a:t>
+            </a:r>
+            <a:endParaRPr lang="en-US" altLang="zh-CN" dirty="0" smtClean="0"/>
           </a:p>
           <a:p>
             <a:endParaRPr lang="zh-CN" altLang="en-US" dirty="0"/>
@@ -14612,7 +14733,7 @@
         </p:blipFill>
         <p:spPr>
           <a:xfrm>
-            <a:off x="7606580" y="1916832"/>
+            <a:off x="3502124" y="2990393"/>
             <a:ext cx="4327291" cy="2136960"/>
           </a:xfrm>
           <a:prstGeom prst="rect">
@@ -14801,17 +14922,18 @@
           <a:lstStyle/>
           <a:p>
             <a:r>
-              <a:rPr lang="zh-CN" altLang="en-US" dirty="0"/>
+              <a:rPr lang="zh-CN" altLang="en-US" dirty="0" smtClean="0"/>
               <a:t>问题</a:t>
             </a:r>
             <a:r>
-              <a:rPr lang="en-US" altLang="zh-CN" dirty="0"/>
+              <a:rPr lang="en-US" altLang="zh-CN" dirty="0" smtClean="0"/>
               <a:t>3</a:t>
             </a:r>
             <a:r>
-              <a:rPr lang="zh-CN" altLang="en-US" dirty="0"/>
+              <a:rPr lang="zh-CN" altLang="en-US" dirty="0" smtClean="0"/>
               <a:t>：种群的繁衍（南审的猫）</a:t>
             </a:r>
+            <a:endParaRPr lang="zh-CN" altLang="en-US" dirty="0"/>
           </a:p>
         </p:txBody>
       </p:sp>
@@ -14996,7 +15118,7 @@
                     </m:oMath>
                   </m:oMathPara>
                 </a14:m>
-                <a:endParaRPr lang="en-US" altLang="zh-CN" b="0" dirty="0"/>
+                <a:endParaRPr lang="en-US" altLang="zh-CN" b="0" dirty="0" smtClean="0"/>
               </a:p>
               <a:p>
                 <a:pPr algn="ctr">
@@ -15043,7 +15165,7 @@
                     </m:oMath>
                   </m:oMathPara>
                 </a14:m>
-                <a:endParaRPr lang="en-US" altLang="zh-CN" b="0" dirty="0"/>
+                <a:endParaRPr lang="en-US" altLang="zh-CN" b="0" dirty="0" smtClean="0"/>
               </a:p>
               <a:p>
                 <a:pPr>
@@ -15108,7 +15230,7 @@
                     </m:oMath>
                   </m:oMathPara>
                 </a14:m>
-                <a:endParaRPr lang="en-US" altLang="zh-CN" dirty="0"/>
+                <a:endParaRPr lang="en-US" altLang="zh-CN" dirty="0" smtClean="0"/>
               </a:p>
               <a:p>
                 <a:pPr>
@@ -15419,180 +15541,6 @@
 </p:sld>
 </file>
 
-<file path=ppt/slides/slide19.xml><?xml version="1.0" encoding="utf-8"?>
-<p:sld xmlns:a="http://schemas.openxmlformats.org/drawingml/2006/main" xmlns:r="http://schemas.openxmlformats.org/officeDocument/2006/relationships" xmlns:p="http://schemas.openxmlformats.org/presentationml/2006/main">
-  <p:cSld>
-    <p:spTree>
-      <p:nvGrpSpPr>
-        <p:cNvPr id="1" name=""/>
-        <p:cNvGrpSpPr/>
-        <p:nvPr/>
-      </p:nvGrpSpPr>
-      <p:grpSpPr>
-        <a:xfrm>
-          <a:off x="0" y="0"/>
-          <a:ext cx="0" cy="0"/>
-          <a:chOff x="0" y="0"/>
-          <a:chExt cx="0" cy="0"/>
-        </a:xfrm>
-      </p:grpSpPr>
-      <p:sp>
-        <p:nvSpPr>
-          <p:cNvPr id="2" name="标题 1"/>
-          <p:cNvSpPr>
-            <a:spLocks noGrp="1"/>
-          </p:cNvSpPr>
-          <p:nvPr>
-            <p:ph type="title"/>
-          </p:nvPr>
-        </p:nvSpPr>
-        <p:spPr/>
-        <p:txBody>
-          <a:bodyPr/>
-          <a:lstStyle/>
-          <a:p>
-            <a:r>
-              <a:rPr lang="zh-CN" altLang="en-US" dirty="0"/>
-              <a:t>存量在系统中的功能含义</a:t>
-            </a:r>
-            <a:endParaRPr lang="en-US" altLang="zh-CN" dirty="0"/>
-          </a:p>
-        </p:txBody>
-      </p:sp>
-      <p:sp>
-        <p:nvSpPr>
-          <p:cNvPr id="3" name="内容占位符 2"/>
-          <p:cNvSpPr>
-            <a:spLocks noGrp="1"/>
-          </p:cNvSpPr>
-          <p:nvPr>
-            <p:ph idx="1"/>
-          </p:nvPr>
-        </p:nvSpPr>
-        <p:spPr/>
-        <p:txBody>
-          <a:bodyPr>
-            <a:normAutofit lnSpcReduction="10000"/>
-          </a:bodyPr>
-          <a:lstStyle/>
-          <a:p>
-            <a:r>
-              <a:rPr lang="zh-CN" altLang="en-US" dirty="0"/>
-              <a:t>表征系统状态，提供行动的基础</a:t>
-            </a:r>
-            <a:endParaRPr lang="en-US" altLang="zh-CN" dirty="0"/>
-          </a:p>
-          <a:p>
-            <a:pPr lvl="1"/>
-            <a:r>
-              <a:rPr lang="zh-CN" altLang="en-US" dirty="0"/>
-              <a:t>构成系统的基本要素</a:t>
-            </a:r>
-            <a:endParaRPr lang="en-US" altLang="zh-CN" dirty="0"/>
-          </a:p>
-          <a:p>
-            <a:pPr lvl="1"/>
-            <a:r>
-              <a:rPr lang="zh-CN" altLang="en-US" dirty="0"/>
-              <a:t>动静相对，相互依存</a:t>
-            </a:r>
-            <a:endParaRPr lang="en-US" altLang="zh-CN" dirty="0"/>
-          </a:p>
-          <a:p>
-            <a:r>
-              <a:rPr lang="zh-CN" altLang="en-US" dirty="0"/>
-              <a:t>让系统出现惯性和记忆</a:t>
-            </a:r>
-            <a:endParaRPr lang="en-US" altLang="zh-CN" dirty="0"/>
-          </a:p>
-          <a:p>
-            <a:pPr lvl="1"/>
-            <a:r>
-              <a:rPr lang="zh-CN" altLang="en-US" dirty="0"/>
-              <a:t>没有流量将不会改变</a:t>
-            </a:r>
-            <a:endParaRPr lang="en-US" altLang="zh-CN" dirty="0"/>
-          </a:p>
-          <a:p>
-            <a:r>
-              <a:rPr lang="zh-CN" altLang="en-US" dirty="0"/>
-              <a:t>延迟的来源</a:t>
-            </a:r>
-            <a:endParaRPr lang="en-US" altLang="zh-CN" dirty="0"/>
-          </a:p>
-          <a:p>
-            <a:pPr lvl="1"/>
-            <a:r>
-              <a:rPr lang="zh-CN" altLang="en-US" dirty="0"/>
-              <a:t>所有延迟均涉及存量</a:t>
-            </a:r>
-            <a:endParaRPr lang="en-US" altLang="zh-CN" dirty="0"/>
-          </a:p>
-          <a:p>
-            <a:pPr lvl="1"/>
-            <a:r>
-              <a:rPr lang="zh-CN" altLang="en-US" dirty="0"/>
-              <a:t>输入变化，而输出延后才发生变化</a:t>
-            </a:r>
-            <a:endParaRPr lang="en-US" altLang="zh-CN" dirty="0"/>
-          </a:p>
-          <a:p>
-            <a:r>
-              <a:rPr lang="zh-CN" altLang="en-US" dirty="0"/>
-              <a:t>产生不均衡</a:t>
-            </a:r>
-            <a:endParaRPr lang="en-US" altLang="zh-CN" dirty="0"/>
-          </a:p>
-          <a:p>
-            <a:pPr lvl="1"/>
-            <a:r>
-              <a:rPr lang="zh-CN" altLang="en-US" dirty="0"/>
-              <a:t>存量吸收入流和出流的差异</a:t>
-            </a:r>
-            <a:endParaRPr lang="en-US" altLang="zh-CN" dirty="0"/>
-          </a:p>
-          <a:p>
-            <a:pPr lvl="1"/>
-            <a:r>
-              <a:rPr lang="zh-CN" altLang="en-US" dirty="0"/>
-              <a:t>入流和出流之间产生波动的根源</a:t>
-            </a:r>
-            <a:endParaRPr lang="en-US" altLang="zh-CN" dirty="0"/>
-          </a:p>
-          <a:p>
-            <a:pPr lvl="1">
-              <a:buFont typeface="Wingdings" panose="05000000000000000000" pitchFamily="2" charset="2"/>
-              <a:buChar char="l"/>
-            </a:pPr>
-            <a:endParaRPr lang="zh-CN" altLang="en-US" dirty="0"/>
-          </a:p>
-        </p:txBody>
-      </p:sp>
-    </p:spTree>
-    <p:extLst>
-      <p:ext uri="{BB962C8B-B14F-4D97-AF65-F5344CB8AC3E}">
-        <p14:creationId xmlns:p14="http://schemas.microsoft.com/office/powerpoint/2010/main" val="781622348"/>
-      </p:ext>
-    </p:extLst>
-  </p:cSld>
-  <p:clrMapOvr>
-    <a:masterClrMapping/>
-  </p:clrMapOvr>
-  <mc:AlternateContent xmlns:mc="http://schemas.openxmlformats.org/markup-compatibility/2006" xmlns:p14="http://schemas.microsoft.com/office/powerpoint/2010/main">
-    <mc:Choice Requires="p14">
-      <p:transition spd="med" p14:dur="700">
-        <p:fade/>
-      </p:transition>
-    </mc:Choice>
-    <mc:Fallback xmlns="">
-      <p:transition spd="med">
-        <p:fade/>
-      </p:transition>
-    </mc:Fallback>
-  </mc:AlternateContent>
-</p:sld>
-</file>
-
 <file path=ppt/slides/slide2.xml><?xml version="1.0" encoding="utf-8"?>
 <p:sld xmlns:a="http://schemas.openxmlformats.org/drawingml/2006/main" xmlns:r="http://schemas.openxmlformats.org/officeDocument/2006/relationships" xmlns:p="http://schemas.openxmlformats.org/presentationml/2006/main">
   <p:cSld>
@@ -15626,15 +15574,15 @@
           <a:lstStyle/>
           <a:p>
             <a:r>
-              <a:rPr lang="en-US" altLang="zh-CN" dirty="0"/>
+              <a:rPr lang="en-US" altLang="zh-CN" dirty="0" smtClean="0"/>
               <a:t>1.System Dynamics(</a:t>
             </a:r>
             <a:r>
-              <a:rPr lang="zh-CN" altLang="en-US" dirty="0"/>
+              <a:rPr lang="zh-CN" altLang="en-US" dirty="0" smtClean="0"/>
               <a:t>系统动力学</a:t>
             </a:r>
             <a:r>
-              <a:rPr lang="en-US" altLang="zh-CN" dirty="0"/>
+              <a:rPr lang="en-US" altLang="zh-CN" dirty="0" smtClean="0"/>
               <a:t>)</a:t>
             </a:r>
             <a:endParaRPr lang="zh-CN" altLang="en-US" dirty="0"/>
@@ -15662,7 +15610,7 @@
               </a:lnSpc>
             </a:pPr>
             <a:r>
-              <a:rPr lang="zh-CN" altLang="en-US" dirty="0"/>
+              <a:rPr lang="zh-CN" altLang="en-US" dirty="0" smtClean="0"/>
               <a:t>系统动力学是上世纪</a:t>
             </a:r>
             <a:r>
@@ -15719,1159 +15667,10 @@
       </p:transition>
     </mc:Fallback>
   </mc:AlternateContent>
-</p:sld>
-</file>
-
-<file path=ppt/slides/slide20.xml><?xml version="1.0" encoding="utf-8"?>
-<p:sld xmlns:a="http://schemas.openxmlformats.org/drawingml/2006/main" xmlns:r="http://schemas.openxmlformats.org/officeDocument/2006/relationships" xmlns:p="http://schemas.openxmlformats.org/presentationml/2006/main">
-  <p:cSld>
-    <p:spTree>
-      <p:nvGrpSpPr>
-        <p:cNvPr id="1" name=""/>
-        <p:cNvGrpSpPr/>
-        <p:nvPr/>
-      </p:nvGrpSpPr>
-      <p:grpSpPr>
-        <a:xfrm>
-          <a:off x="0" y="0"/>
-          <a:ext cx="0" cy="0"/>
-          <a:chOff x="0" y="0"/>
-          <a:chExt cx="0" cy="0"/>
-        </a:xfrm>
-      </p:grpSpPr>
-      <p:sp>
-        <p:nvSpPr>
-          <p:cNvPr id="2" name="标题 1"/>
-          <p:cNvSpPr>
-            <a:spLocks noGrp="1"/>
-          </p:cNvSpPr>
-          <p:nvPr>
-            <p:ph type="title"/>
-          </p:nvPr>
-        </p:nvSpPr>
-        <p:spPr/>
-        <p:txBody>
-          <a:bodyPr/>
-          <a:lstStyle/>
-          <a:p>
-            <a:r>
-              <a:rPr lang="zh-CN" altLang="en-US" dirty="0"/>
-              <a:t>练习：辨识存量、流量</a:t>
-            </a:r>
-          </a:p>
-        </p:txBody>
-      </p:sp>
-      <p:sp>
-        <p:nvSpPr>
-          <p:cNvPr id="3" name="内容占位符 2"/>
-          <p:cNvSpPr>
-            <a:spLocks noGrp="1"/>
-          </p:cNvSpPr>
-          <p:nvPr>
-            <p:ph idx="1"/>
-          </p:nvPr>
-        </p:nvSpPr>
-        <p:spPr/>
-        <p:txBody>
-          <a:bodyPr/>
-          <a:lstStyle/>
-          <a:p>
-            <a:pPr>
-              <a:buFont typeface="Wingdings" panose="05000000000000000000" pitchFamily="2" charset="2"/>
-              <a:buChar char="l"/>
-            </a:pPr>
-            <a:r>
-              <a:rPr lang="zh-CN" altLang="en-US" dirty="0"/>
-              <a:t>数学中，积分  导数</a:t>
-            </a:r>
-            <a:endParaRPr lang="en-US" altLang="zh-CN" dirty="0"/>
-          </a:p>
-          <a:p>
-            <a:pPr>
-              <a:buFont typeface="Wingdings" panose="05000000000000000000" pitchFamily="2" charset="2"/>
-              <a:buChar char="l"/>
-            </a:pPr>
-            <a:r>
-              <a:rPr lang="zh-CN" altLang="en-US" dirty="0"/>
-              <a:t>工程中， 状态  变化速度</a:t>
-            </a:r>
-            <a:endParaRPr lang="en-US" altLang="zh-CN" dirty="0"/>
-          </a:p>
-          <a:p>
-            <a:pPr>
-              <a:buFont typeface="Wingdings" panose="05000000000000000000" pitchFamily="2" charset="2"/>
-              <a:buChar char="l"/>
-            </a:pPr>
-            <a:r>
-              <a:rPr lang="zh-CN" altLang="en-US" dirty="0"/>
-              <a:t>仓储管理， 仓库库存  入库量</a:t>
-            </a:r>
-            <a:endParaRPr lang="en-US" altLang="zh-CN" dirty="0"/>
-          </a:p>
-          <a:p>
-            <a:pPr>
-              <a:buFont typeface="Wingdings" panose="05000000000000000000" pitchFamily="2" charset="2"/>
-              <a:buChar char="l"/>
-            </a:pPr>
-            <a:r>
-              <a:rPr lang="zh-CN" altLang="en-US" dirty="0"/>
-              <a:t>企业人事， 录用新员工 企业员工数量 </a:t>
-            </a:r>
-            <a:endParaRPr lang="en-US" altLang="zh-CN" dirty="0"/>
-          </a:p>
-          <a:p>
-            <a:pPr>
-              <a:buFont typeface="Wingdings" panose="05000000000000000000" pitchFamily="2" charset="2"/>
-              <a:buChar char="l"/>
-            </a:pPr>
-            <a:r>
-              <a:rPr lang="zh-CN" altLang="en-US" dirty="0"/>
-              <a:t>金融， 现金流 资产负债表项目</a:t>
-            </a:r>
-            <a:endParaRPr lang="en-US" altLang="zh-CN" dirty="0"/>
-          </a:p>
-          <a:p>
-            <a:pPr>
-              <a:buFont typeface="Wingdings" panose="05000000000000000000" pitchFamily="2" charset="2"/>
-              <a:buChar char="l"/>
-            </a:pPr>
-            <a:r>
-              <a:rPr lang="zh-CN" altLang="en-US" dirty="0"/>
-              <a:t>生物， 种群数量 死亡率</a:t>
-            </a:r>
-            <a:endParaRPr lang="en-US" altLang="zh-CN" dirty="0"/>
-          </a:p>
-          <a:p>
-            <a:pPr>
-              <a:buFont typeface="Wingdings" panose="05000000000000000000" pitchFamily="2" charset="2"/>
-              <a:buChar char="l"/>
-            </a:pPr>
-            <a:endParaRPr lang="en-US" altLang="zh-CN" dirty="0"/>
-          </a:p>
-          <a:p>
-            <a:pPr>
-              <a:buFont typeface="Wingdings" panose="05000000000000000000" pitchFamily="2" charset="2"/>
-              <a:buChar char="l"/>
-            </a:pPr>
-            <a:endParaRPr lang="zh-CN" altLang="en-US" dirty="0"/>
-          </a:p>
-        </p:txBody>
-      </p:sp>
-    </p:spTree>
-    <p:extLst>
-      <p:ext uri="{BB962C8B-B14F-4D97-AF65-F5344CB8AC3E}">
-        <p14:creationId xmlns:p14="http://schemas.microsoft.com/office/powerpoint/2010/main" val="842901240"/>
-      </p:ext>
-    </p:extLst>
-  </p:cSld>
-  <p:clrMapOvr>
-    <a:masterClrMapping/>
-  </p:clrMapOvr>
-  <mc:AlternateContent xmlns:mc="http://schemas.openxmlformats.org/markup-compatibility/2006" xmlns:p14="http://schemas.microsoft.com/office/powerpoint/2010/main">
-    <mc:Choice Requires="p14">
-      <p:transition spd="med" p14:dur="700">
-        <p:fade/>
-      </p:transition>
-    </mc:Choice>
-    <mc:Fallback xmlns="">
-      <p:transition spd="med">
-        <p:fade/>
-      </p:transition>
-    </mc:Fallback>
-  </mc:AlternateContent>
-</p:sld>
-</file>
-
-<file path=ppt/slides/slide21.xml><?xml version="1.0" encoding="utf-8"?>
-<p:sld xmlns:a="http://schemas.openxmlformats.org/drawingml/2006/main" xmlns:r="http://schemas.openxmlformats.org/officeDocument/2006/relationships" xmlns:p="http://schemas.openxmlformats.org/presentationml/2006/main">
-  <p:cSld>
-    <p:spTree>
-      <p:nvGrpSpPr>
-        <p:cNvPr id="1" name=""/>
-        <p:cNvGrpSpPr/>
-        <p:nvPr/>
-      </p:nvGrpSpPr>
-      <p:grpSpPr>
-        <a:xfrm>
-          <a:off x="0" y="0"/>
-          <a:ext cx="0" cy="0"/>
-          <a:chOff x="0" y="0"/>
-          <a:chExt cx="0" cy="0"/>
-        </a:xfrm>
-      </p:grpSpPr>
-      <p:sp>
-        <p:nvSpPr>
-          <p:cNvPr id="2" name="标题 1"/>
-          <p:cNvSpPr>
-            <a:spLocks noGrp="1"/>
-          </p:cNvSpPr>
-          <p:nvPr>
-            <p:ph type="title"/>
-          </p:nvPr>
-        </p:nvSpPr>
-        <p:spPr/>
-        <p:txBody>
-          <a:bodyPr/>
-          <a:lstStyle/>
-          <a:p>
-            <a:r>
-              <a:rPr lang="zh-CN" altLang="en-US" dirty="0"/>
-              <a:t>练习：辨识存量、流量</a:t>
-            </a:r>
-          </a:p>
-        </p:txBody>
-      </p:sp>
-      <p:sp>
-        <p:nvSpPr>
-          <p:cNvPr id="3" name="内容占位符 2"/>
-          <p:cNvSpPr>
-            <a:spLocks noGrp="1"/>
-          </p:cNvSpPr>
-          <p:nvPr>
-            <p:ph idx="1"/>
-          </p:nvPr>
-        </p:nvSpPr>
-        <p:spPr/>
-        <p:txBody>
-          <a:bodyPr/>
-          <a:lstStyle/>
-          <a:p>
-            <a:r>
-              <a:rPr lang="zh-CN" altLang="en-US" dirty="0"/>
-              <a:t>飞行员在驾驶飞机时，</a:t>
-            </a:r>
-            <a:r>
-              <a:rPr lang="zh-CN" altLang="en-US" u="sng" dirty="0"/>
-              <a:t>飞机的高度</a:t>
-            </a:r>
-            <a:r>
-              <a:rPr lang="zh-CN" altLang="en-US" dirty="0"/>
-              <a:t>，</a:t>
-            </a:r>
-            <a:r>
-              <a:rPr lang="zh-CN" altLang="en-US" u="sng" dirty="0"/>
-              <a:t>飞行的方向</a:t>
-            </a:r>
-            <a:endParaRPr lang="en-US" altLang="zh-CN" u="sng" dirty="0"/>
-          </a:p>
-          <a:p>
-            <a:r>
-              <a:rPr lang="zh-CN" altLang="en-US" dirty="0"/>
-              <a:t>企业当中产成品的</a:t>
-            </a:r>
-            <a:r>
-              <a:rPr lang="zh-CN" altLang="en-US" u="sng" dirty="0"/>
-              <a:t>在库库存</a:t>
-            </a:r>
-            <a:r>
-              <a:rPr lang="zh-CN" altLang="en-US" dirty="0"/>
-              <a:t>，</a:t>
-            </a:r>
-            <a:r>
-              <a:rPr lang="zh-CN" altLang="en-US" u="sng" dirty="0"/>
-              <a:t>原材料仓库总零备件</a:t>
-            </a:r>
-            <a:endParaRPr lang="en-US" altLang="zh-CN" u="sng" dirty="0"/>
-          </a:p>
-          <a:p>
-            <a:r>
-              <a:rPr lang="zh-CN" altLang="en-US" u="sng" dirty="0"/>
-              <a:t>股票的价值</a:t>
-            </a:r>
-            <a:endParaRPr lang="en-US" altLang="zh-CN" u="sng" dirty="0"/>
-          </a:p>
-          <a:p>
-            <a:r>
-              <a:rPr lang="zh-CN" altLang="en-US" u="sng" dirty="0"/>
-              <a:t>人的体温</a:t>
-            </a:r>
-          </a:p>
-        </p:txBody>
-      </p:sp>
-    </p:spTree>
-    <p:extLst>
-      <p:ext uri="{BB962C8B-B14F-4D97-AF65-F5344CB8AC3E}">
-        <p14:creationId xmlns:p14="http://schemas.microsoft.com/office/powerpoint/2010/main" val="3461082486"/>
-      </p:ext>
-    </p:extLst>
-  </p:cSld>
-  <p:clrMapOvr>
-    <a:masterClrMapping/>
-  </p:clrMapOvr>
-  <mc:AlternateContent xmlns:mc="http://schemas.openxmlformats.org/markup-compatibility/2006" xmlns:p14="http://schemas.microsoft.com/office/powerpoint/2010/main">
-    <mc:Choice Requires="p14">
-      <p:transition spd="med" p14:dur="700">
-        <p:fade/>
-      </p:transition>
-    </mc:Choice>
-    <mc:Fallback xmlns="">
-      <p:transition spd="med">
-        <p:fade/>
-      </p:transition>
-    </mc:Fallback>
-  </mc:AlternateContent>
-</p:sld>
-</file>
-
-<file path=ppt/slides/slide22.xml><?xml version="1.0" encoding="utf-8"?>
-<p:sld xmlns:a="http://schemas.openxmlformats.org/drawingml/2006/main" xmlns:r="http://schemas.openxmlformats.org/officeDocument/2006/relationships" xmlns:p="http://schemas.openxmlformats.org/presentationml/2006/main">
-  <p:cSld>
-    <p:spTree>
-      <p:nvGrpSpPr>
-        <p:cNvPr id="1" name=""/>
-        <p:cNvGrpSpPr/>
-        <p:nvPr/>
-      </p:nvGrpSpPr>
-      <p:grpSpPr>
-        <a:xfrm>
-          <a:off x="0" y="0"/>
-          <a:ext cx="0" cy="0"/>
-          <a:chOff x="0" y="0"/>
-          <a:chExt cx="0" cy="0"/>
-        </a:xfrm>
-      </p:grpSpPr>
-      <p:sp>
-        <p:nvSpPr>
-          <p:cNvPr id="2" name="标题 1"/>
-          <p:cNvSpPr>
-            <a:spLocks noGrp="1"/>
-          </p:cNvSpPr>
-          <p:nvPr>
-            <p:ph type="title"/>
-          </p:nvPr>
-        </p:nvSpPr>
-        <p:spPr/>
-        <p:txBody>
-          <a:bodyPr/>
-          <a:lstStyle/>
-          <a:p>
-            <a:r>
-              <a:rPr lang="zh-CN" altLang="en-US"/>
-              <a:t>流量</a:t>
-            </a:r>
-            <a:r>
-              <a:rPr lang="en-US" altLang="zh-CN"/>
-              <a:t>-</a:t>
-            </a:r>
-            <a:r>
-              <a:rPr lang="zh-CN" altLang="en-US"/>
-              <a:t>让系统动起来</a:t>
-            </a:r>
-          </a:p>
-        </p:txBody>
-      </p:sp>
-      <p:sp>
-        <p:nvSpPr>
-          <p:cNvPr id="3" name="内容占位符 2"/>
-          <p:cNvSpPr>
-            <a:spLocks noGrp="1"/>
-          </p:cNvSpPr>
-          <p:nvPr>
-            <p:ph idx="1"/>
-          </p:nvPr>
-        </p:nvSpPr>
-        <p:spPr/>
-        <p:txBody>
-          <a:bodyPr/>
-          <a:lstStyle/>
-          <a:p>
-            <a:r>
-              <a:rPr lang="zh-CN" altLang="en-US" dirty="0"/>
-              <a:t>严格的数学意义上，流量是瞬间值</a:t>
-            </a:r>
-            <a:endParaRPr lang="en-US" altLang="zh-CN" dirty="0"/>
-          </a:p>
-          <a:p>
-            <a:r>
-              <a:rPr lang="zh-CN" altLang="en-US" dirty="0"/>
-              <a:t>瞬间值</a:t>
-            </a:r>
-            <a:endParaRPr lang="en-US" altLang="zh-CN" dirty="0"/>
-          </a:p>
-          <a:p>
-            <a:pPr lvl="1"/>
-            <a:r>
-              <a:rPr lang="zh-CN" altLang="en-US" dirty="0"/>
-              <a:t>现实中无法做到</a:t>
-            </a:r>
-            <a:endParaRPr lang="en-US" altLang="zh-CN" dirty="0"/>
-          </a:p>
-          <a:p>
-            <a:pPr lvl="1"/>
-            <a:r>
-              <a:rPr lang="zh-CN" altLang="en-US" dirty="0"/>
-              <a:t>经济管理中没有意义</a:t>
-            </a:r>
-            <a:endParaRPr lang="en-US" altLang="zh-CN" dirty="0"/>
-          </a:p>
-          <a:p>
-            <a:r>
-              <a:rPr lang="zh-CN" altLang="en-US" dirty="0"/>
-              <a:t>仿真值</a:t>
-            </a:r>
-            <a:endParaRPr lang="en-US" altLang="zh-CN" dirty="0"/>
-          </a:p>
-          <a:p>
-            <a:pPr lvl="1"/>
-            <a:r>
-              <a:rPr lang="zh-CN" altLang="en-US" dirty="0"/>
-              <a:t>时间轴被分为一定间隔的时间段</a:t>
-            </a:r>
-            <a:endParaRPr lang="en-US" altLang="zh-CN" dirty="0"/>
-          </a:p>
-          <a:p>
-            <a:pPr lvl="1"/>
-            <a:r>
-              <a:rPr lang="zh-CN" altLang="en-US" dirty="0"/>
-              <a:t>时间段内的持续值代替瞬间值</a:t>
-            </a:r>
-            <a:endParaRPr lang="en-US" altLang="zh-CN" dirty="0"/>
-          </a:p>
-          <a:p>
-            <a:pPr lvl="1"/>
-            <a:r>
-              <a:rPr lang="zh-CN" altLang="en-US" dirty="0"/>
-              <a:t>离散值代替连续值</a:t>
-            </a:r>
-          </a:p>
-        </p:txBody>
-      </p:sp>
-      <p:pic>
-        <p:nvPicPr>
-          <p:cNvPr id="4" name="图片 3"/>
-          <p:cNvPicPr>
-            <a:picLocks noChangeAspect="1"/>
-          </p:cNvPicPr>
-          <p:nvPr/>
-        </p:nvPicPr>
-        <p:blipFill>
-          <a:blip r:embed="rId3"/>
-          <a:stretch>
-            <a:fillRect/>
-          </a:stretch>
-        </p:blipFill>
-        <p:spPr>
-          <a:xfrm>
-            <a:off x="7030516" y="2492896"/>
-            <a:ext cx="4657231" cy="1055760"/>
-          </a:xfrm>
-          <a:prstGeom prst="rect">
-            <a:avLst/>
-          </a:prstGeom>
-        </p:spPr>
-      </p:pic>
-      <p:sp>
-        <p:nvSpPr>
-          <p:cNvPr id="5" name="文本框 4"/>
-          <p:cNvSpPr txBox="1"/>
-          <p:nvPr/>
-        </p:nvSpPr>
-        <p:spPr>
-          <a:xfrm>
-            <a:off x="7246540" y="3964862"/>
-            <a:ext cx="3910751" cy="923330"/>
-          </a:xfrm>
-          <a:prstGeom prst="rect">
-            <a:avLst/>
-          </a:prstGeom>
-          <a:noFill/>
-        </p:spPr>
-        <p:txBody>
-          <a:bodyPr wrap="none" rtlCol="0">
-            <a:spAutoFit/>
-          </a:bodyPr>
-          <a:lstStyle/>
-          <a:p>
-            <a:r>
-              <a:rPr lang="en-US" altLang="zh-CN">
-                <a:solidFill>
-                  <a:srgbClr val="FF0000"/>
-                </a:solidFill>
-              </a:rPr>
-              <a:t>Stock=INTEGRAL(Inflow-Outflow,60)</a:t>
-            </a:r>
-          </a:p>
-          <a:p>
-            <a:r>
-              <a:rPr lang="en-US" altLang="zh-CN">
-                <a:solidFill>
-                  <a:srgbClr val="FF0000"/>
-                </a:solidFill>
-              </a:rPr>
-              <a:t>Inflow=1.5</a:t>
-            </a:r>
-          </a:p>
-          <a:p>
-            <a:r>
-              <a:rPr lang="en-US" altLang="zh-CN">
-                <a:solidFill>
-                  <a:srgbClr val="FF0000"/>
-                </a:solidFill>
-              </a:rPr>
-              <a:t>Outflow=1.2</a:t>
-            </a:r>
-            <a:endParaRPr lang="zh-CN" altLang="en-US">
-              <a:solidFill>
-                <a:srgbClr val="FF0000"/>
-              </a:solidFill>
-            </a:endParaRPr>
-          </a:p>
-        </p:txBody>
-      </p:sp>
-      <p:sp>
-        <p:nvSpPr>
-          <p:cNvPr id="6" name="矩形 5"/>
-          <p:cNvSpPr/>
-          <p:nvPr/>
-        </p:nvSpPr>
-        <p:spPr>
-          <a:xfrm>
-            <a:off x="9766820" y="2492896"/>
-            <a:ext cx="1920927" cy="1055760"/>
-          </a:xfrm>
-          <a:prstGeom prst="rect">
-            <a:avLst/>
-          </a:prstGeom>
-        </p:spPr>
-        <p:style>
-          <a:lnRef idx="2">
-            <a:schemeClr val="accent1">
-              <a:shade val="50000"/>
-            </a:schemeClr>
-          </a:lnRef>
-          <a:fillRef idx="1">
-            <a:schemeClr val="accent1"/>
-          </a:fillRef>
-          <a:effectRef idx="0">
-            <a:schemeClr val="accent1"/>
-          </a:effectRef>
-          <a:fontRef idx="minor">
-            <a:schemeClr val="lt1"/>
-          </a:fontRef>
-        </p:style>
-        <p:txBody>
-          <a:bodyPr rtlCol="0" anchor="ctr"/>
-          <a:lstStyle/>
-          <a:p>
-            <a:pPr algn="ctr"/>
-            <a:r>
-              <a:rPr lang="zh-CN" altLang="en-US" dirty="0"/>
-              <a:t>遮盖板</a:t>
-            </a:r>
-          </a:p>
-        </p:txBody>
-      </p:sp>
-    </p:spTree>
-    <p:extLst>
-      <p:ext uri="{BB962C8B-B14F-4D97-AF65-F5344CB8AC3E}">
-        <p14:creationId xmlns:p14="http://schemas.microsoft.com/office/powerpoint/2010/main" val="15368002"/>
-      </p:ext>
-    </p:extLst>
-  </p:cSld>
-  <p:clrMapOvr>
-    <a:masterClrMapping/>
-  </p:clrMapOvr>
-  <mc:AlternateContent xmlns:mc="http://schemas.openxmlformats.org/markup-compatibility/2006" xmlns:p14="http://schemas.microsoft.com/office/powerpoint/2010/main">
-    <mc:Choice Requires="p14">
-      <p:transition spd="med" p14:dur="700">
-        <p:fade/>
-      </p:transition>
-    </mc:Choice>
-    <mc:Fallback xmlns="">
-      <p:transition spd="med">
-        <p:fade/>
-      </p:transition>
-    </mc:Fallback>
-  </mc:AlternateContent>
   <p:timing>
     <p:tnLst>
       <p:par>
-        <p:cTn id="1" dur="indefinite" restart="never" nodeType="tmRoot">
-          <p:childTnLst>
-            <p:seq concurrent="1" nextAc="seek">
-              <p:cTn id="2" dur="indefinite" nodeType="mainSeq">
-                <p:childTnLst>
-                  <p:par>
-                    <p:cTn id="3" fill="hold">
-                      <p:stCondLst>
-                        <p:cond delay="indefinite"/>
-                      </p:stCondLst>
-                      <p:childTnLst>
-                        <p:par>
-                          <p:cTn id="4" fill="hold">
-                            <p:stCondLst>
-                              <p:cond delay="0"/>
-                            </p:stCondLst>
-                            <p:childTnLst>
-                              <p:par>
-                                <p:cTn id="5" presetID="10" presetClass="entr" presetSubtype="0" fill="hold" nodeType="clickEffect">
-                                  <p:stCondLst>
-                                    <p:cond delay="0"/>
-                                  </p:stCondLst>
-                                  <p:childTnLst>
-                                    <p:set>
-                                      <p:cBhvr>
-                                        <p:cTn id="6" dur="1" fill="hold">
-                                          <p:stCondLst>
-                                            <p:cond delay="0"/>
-                                          </p:stCondLst>
-                                        </p:cTn>
-                                        <p:tgtEl>
-                                          <p:spTgt spid="4"/>
-                                        </p:tgtEl>
-                                        <p:attrNameLst>
-                                          <p:attrName>style.visibility</p:attrName>
-                                        </p:attrNameLst>
-                                      </p:cBhvr>
-                                      <p:to>
-                                        <p:strVal val="visible"/>
-                                      </p:to>
-                                    </p:set>
-                                    <p:animEffect transition="in" filter="fade">
-                                      <p:cBhvr>
-                                        <p:cTn id="7" dur="500"/>
-                                        <p:tgtEl>
-                                          <p:spTgt spid="4"/>
-                                        </p:tgtEl>
-                                      </p:cBhvr>
-                                    </p:animEffect>
-                                  </p:childTnLst>
-                                </p:cTn>
-                              </p:par>
-                            </p:childTnLst>
-                          </p:cTn>
-                        </p:par>
-                      </p:childTnLst>
-                    </p:cTn>
-                  </p:par>
-                  <p:par>
-                    <p:cTn id="8" fill="hold">
-                      <p:stCondLst>
-                        <p:cond delay="indefinite"/>
-                      </p:stCondLst>
-                      <p:childTnLst>
-                        <p:par>
-                          <p:cTn id="9" fill="hold">
-                            <p:stCondLst>
-                              <p:cond delay="0"/>
-                            </p:stCondLst>
-                            <p:childTnLst>
-                              <p:par>
-                                <p:cTn id="10" presetID="2" presetClass="entr" presetSubtype="1" fill="hold" grpId="0" nodeType="clickEffect">
-                                  <p:stCondLst>
-                                    <p:cond delay="0"/>
-                                  </p:stCondLst>
-                                  <p:childTnLst>
-                                    <p:set>
-                                      <p:cBhvr>
-                                        <p:cTn id="11" dur="1" fill="hold">
-                                          <p:stCondLst>
-                                            <p:cond delay="0"/>
-                                          </p:stCondLst>
-                                        </p:cTn>
-                                        <p:tgtEl>
-                                          <p:spTgt spid="6"/>
-                                        </p:tgtEl>
-                                        <p:attrNameLst>
-                                          <p:attrName>style.visibility</p:attrName>
-                                        </p:attrNameLst>
-                                      </p:cBhvr>
-                                      <p:to>
-                                        <p:strVal val="visible"/>
-                                      </p:to>
-                                    </p:set>
-                                    <p:anim calcmode="lin" valueType="num">
-                                      <p:cBhvr additive="base">
-                                        <p:cTn id="12" dur="500" fill="hold"/>
-                                        <p:tgtEl>
-                                          <p:spTgt spid="6"/>
-                                        </p:tgtEl>
-                                        <p:attrNameLst>
-                                          <p:attrName>ppt_x</p:attrName>
-                                        </p:attrNameLst>
-                                      </p:cBhvr>
-                                      <p:tavLst>
-                                        <p:tav tm="0">
-                                          <p:val>
-                                            <p:strVal val="#ppt_x"/>
-                                          </p:val>
-                                        </p:tav>
-                                        <p:tav tm="100000">
-                                          <p:val>
-                                            <p:strVal val="#ppt_x"/>
-                                          </p:val>
-                                        </p:tav>
-                                      </p:tavLst>
-                                    </p:anim>
-                                    <p:anim calcmode="lin" valueType="num">
-                                      <p:cBhvr additive="base">
-                                        <p:cTn id="13" dur="500" fill="hold"/>
-                                        <p:tgtEl>
-                                          <p:spTgt spid="6"/>
-                                        </p:tgtEl>
-                                        <p:attrNameLst>
-                                          <p:attrName>ppt_y</p:attrName>
-                                        </p:attrNameLst>
-                                      </p:cBhvr>
-                                      <p:tavLst>
-                                        <p:tav tm="0">
-                                          <p:val>
-                                            <p:strVal val="0-#ppt_h/2"/>
-                                          </p:val>
-                                        </p:tav>
-                                        <p:tav tm="100000">
-                                          <p:val>
-                                            <p:strVal val="#ppt_y"/>
-                                          </p:val>
-                                        </p:tav>
-                                      </p:tavLst>
-                                    </p:anim>
-                                  </p:childTnLst>
-                                  <p:subTnLst>
-                                    <p:audio>
-                                      <p:cMediaNode>
-                                        <p:cTn display="0" masterRel="sameClick">
-                                          <p:stCondLst>
-                                            <p:cond evt="begin" delay="0">
-                                              <p:tn val="10"/>
-                                            </p:cond>
-                                          </p:stCondLst>
-                                          <p:endCondLst>
-                                            <p:cond evt="onStopAudio" delay="0">
-                                              <p:tgtEl>
-                                                <p:sldTgt/>
-                                              </p:tgtEl>
-                                            </p:cond>
-                                          </p:endCondLst>
-                                        </p:cTn>
-                                        <p:tgtEl>
-                                          <p:sndTgt r:embed="rId2" name="wind.wav"/>
-                                        </p:tgtEl>
-                                      </p:cMediaNode>
-                                    </p:audio>
-                                  </p:subTnLst>
-                                </p:cTn>
-                              </p:par>
-                            </p:childTnLst>
-                          </p:cTn>
-                        </p:par>
-                      </p:childTnLst>
-                    </p:cTn>
-                  </p:par>
-                </p:childTnLst>
-              </p:cTn>
-              <p:prevCondLst>
-                <p:cond evt="onPrev" delay="0">
-                  <p:tgtEl>
-                    <p:sldTgt/>
-                  </p:tgtEl>
-                </p:cond>
-              </p:prevCondLst>
-              <p:nextCondLst>
-                <p:cond evt="onNext" delay="0">
-                  <p:tgtEl>
-                    <p:sldTgt/>
-                  </p:tgtEl>
-                </p:cond>
-              </p:nextCondLst>
-            </p:seq>
-          </p:childTnLst>
-        </p:cTn>
-      </p:par>
-    </p:tnLst>
-    <p:bldLst>
-      <p:bldP spid="6" grpId="0" animBg="1"/>
-    </p:bldLst>
-  </p:timing>
-</p:sld>
-</file>
-
-<file path=ppt/slides/slide23.xml><?xml version="1.0" encoding="utf-8"?>
-<p:sld xmlns:a="http://schemas.openxmlformats.org/drawingml/2006/main" xmlns:r="http://schemas.openxmlformats.org/officeDocument/2006/relationships" xmlns:p="http://schemas.openxmlformats.org/presentationml/2006/main">
-  <p:cSld>
-    <p:spTree>
-      <p:nvGrpSpPr>
-        <p:cNvPr id="1" name=""/>
-        <p:cNvGrpSpPr/>
-        <p:nvPr/>
-      </p:nvGrpSpPr>
-      <p:grpSpPr>
-        <a:xfrm>
-          <a:off x="0" y="0"/>
-          <a:ext cx="0" cy="0"/>
-          <a:chOff x="0" y="0"/>
-          <a:chExt cx="0" cy="0"/>
-        </a:xfrm>
-      </p:grpSpPr>
-      <p:sp>
-        <p:nvSpPr>
-          <p:cNvPr id="2" name="标题 1"/>
-          <p:cNvSpPr>
-            <a:spLocks noGrp="1"/>
-          </p:cNvSpPr>
-          <p:nvPr>
-            <p:ph type="title"/>
-          </p:nvPr>
-        </p:nvSpPr>
-        <p:spPr/>
-        <p:txBody>
-          <a:bodyPr/>
-          <a:lstStyle/>
-          <a:p>
-            <a:r>
-              <a:rPr lang="zh-CN" altLang="en-US" dirty="0"/>
-              <a:t>流量</a:t>
-            </a:r>
-            <a:r>
-              <a:rPr lang="en-US" altLang="zh-CN" dirty="0"/>
-              <a:t>-</a:t>
-            </a:r>
-            <a:r>
-              <a:rPr lang="zh-CN" altLang="en-US" dirty="0"/>
-              <a:t>让系统动起来</a:t>
-            </a:r>
-          </a:p>
-        </p:txBody>
-      </p:sp>
-      <p:sp>
-        <p:nvSpPr>
-          <p:cNvPr id="3" name="内容占位符 2"/>
-          <p:cNvSpPr>
-            <a:spLocks noGrp="1"/>
-          </p:cNvSpPr>
-          <p:nvPr>
-            <p:ph idx="1"/>
-          </p:nvPr>
-        </p:nvSpPr>
-        <p:spPr/>
-        <p:txBody>
-          <a:bodyPr/>
-          <a:lstStyle/>
-          <a:p>
-            <a:r>
-              <a:rPr lang="zh-CN" altLang="en-US" dirty="0"/>
-              <a:t>流量            （率量）</a:t>
-            </a:r>
-            <a:endParaRPr lang="en-US" altLang="zh-CN" dirty="0"/>
-          </a:p>
-          <a:p>
-            <a:pPr lvl="1"/>
-            <a:r>
-              <a:rPr lang="zh-CN" altLang="en-US" dirty="0"/>
-              <a:t>每个单位</a:t>
-            </a:r>
-            <a:r>
-              <a:rPr lang="en-US" altLang="zh-CN" dirty="0"/>
-              <a:t>DT</a:t>
-            </a:r>
-            <a:r>
-              <a:rPr lang="zh-CN" altLang="en-US" dirty="0"/>
-              <a:t>中进入存量的数量</a:t>
-            </a:r>
-            <a:endParaRPr lang="en-US" altLang="zh-CN" dirty="0"/>
-          </a:p>
-          <a:p>
-            <a:pPr lvl="1"/>
-            <a:r>
-              <a:rPr lang="zh-CN" altLang="en-US" dirty="0"/>
-              <a:t>流量图中三要素</a:t>
-            </a:r>
-            <a:endParaRPr lang="en-US" altLang="zh-CN" dirty="0"/>
-          </a:p>
-          <a:p>
-            <a:pPr lvl="2"/>
-            <a:r>
-              <a:rPr lang="zh-CN" altLang="en-US" dirty="0"/>
-              <a:t>箭头：指示流量方向</a:t>
-            </a:r>
-            <a:endParaRPr lang="en-US" altLang="zh-CN" dirty="0"/>
-          </a:p>
-          <a:p>
-            <a:pPr lvl="2"/>
-            <a:r>
-              <a:rPr lang="zh-CN" altLang="en-US" dirty="0"/>
-              <a:t>阀门：调节流量</a:t>
-            </a:r>
-            <a:endParaRPr lang="en-US" altLang="zh-CN" dirty="0"/>
-          </a:p>
-          <a:p>
-            <a:pPr lvl="2"/>
-            <a:r>
-              <a:rPr lang="zh-CN" altLang="en-US" dirty="0"/>
-              <a:t>源（汇）：从‘源’来，或到‘漏’去</a:t>
-            </a:r>
-            <a:endParaRPr lang="en-US" altLang="zh-CN" dirty="0"/>
-          </a:p>
-          <a:p>
-            <a:r>
-              <a:rPr lang="zh-CN" altLang="en-US" dirty="0"/>
-              <a:t>流量的数学含义：</a:t>
-            </a:r>
-          </a:p>
-        </p:txBody>
-      </p:sp>
-      <p:pic>
-        <p:nvPicPr>
-          <p:cNvPr id="4" name="图片 3"/>
-          <p:cNvPicPr>
-            <a:picLocks noChangeAspect="1"/>
-          </p:cNvPicPr>
-          <p:nvPr/>
-        </p:nvPicPr>
-        <p:blipFill>
-          <a:blip r:embed="rId3"/>
-          <a:stretch>
-            <a:fillRect/>
-          </a:stretch>
-        </p:blipFill>
-        <p:spPr>
-          <a:xfrm>
-            <a:off x="7030516" y="2276872"/>
-            <a:ext cx="4657231" cy="1055760"/>
-          </a:xfrm>
-          <a:prstGeom prst="rect">
-            <a:avLst/>
-          </a:prstGeom>
-        </p:spPr>
-      </p:pic>
-      <mc:AlternateContent xmlns:mc="http://schemas.openxmlformats.org/markup-compatibility/2006" xmlns:a14="http://schemas.microsoft.com/office/drawing/2010/main">
-        <mc:Choice Requires="a14">
-          <p:sp>
-            <p:nvSpPr>
-              <p:cNvPr id="5" name="矩形 4"/>
-              <p:cNvSpPr/>
-              <p:nvPr/>
-            </p:nvSpPr>
-            <p:spPr>
-              <a:xfrm>
-                <a:off x="2782044" y="1600200"/>
-                <a:ext cx="1020151" cy="369332"/>
-              </a:xfrm>
-              <a:prstGeom prst="rect">
-                <a:avLst/>
-              </a:prstGeom>
-            </p:spPr>
-            <p:txBody>
-              <a:bodyPr wrap="none">
-                <a:spAutoFit/>
-              </a:bodyPr>
-              <a:lstStyle/>
-              <a:p>
-                <a:pPr/>
-                <a14:m>
-                  <m:oMathPara xmlns:m="http://schemas.openxmlformats.org/officeDocument/2006/math">
-                    <m:oMathParaPr>
-                      <m:jc m:val="centerGroup"/>
-                    </m:oMathParaPr>
-                    <m:oMath xmlns:m="http://schemas.openxmlformats.org/officeDocument/2006/math">
-                      <m:r>
-                        <a:rPr lang="zh-CN" altLang="en-US" i="1">
-                          <a:latin typeface="Cambria Math" panose="02040503050406030204" pitchFamily="18" charset="0"/>
-                        </a:rPr>
-                        <m:t>𝐼𝑛𝑓𝑙𝑜𝑤</m:t>
-                      </m:r>
-                    </m:oMath>
-                  </m:oMathPara>
-                </a14:m>
-                <a:endParaRPr lang="zh-CN" altLang="en-US"/>
-              </a:p>
-            </p:txBody>
-          </p:sp>
-        </mc:Choice>
-        <mc:Fallback xmlns="">
-          <p:sp>
-            <p:nvSpPr>
-              <p:cNvPr id="5" name="矩形 4"/>
-              <p:cNvSpPr>
-                <a:spLocks noRot="1" noChangeAspect="1" noMove="1" noResize="1" noEditPoints="1" noAdjustHandles="1" noChangeArrowheads="1" noChangeShapeType="1" noTextEdit="1"/>
-              </p:cNvSpPr>
-              <p:nvPr/>
-            </p:nvSpPr>
-            <p:spPr>
-              <a:xfrm>
-                <a:off x="2782044" y="1600200"/>
-                <a:ext cx="1020151" cy="369332"/>
-              </a:xfrm>
-              <a:prstGeom prst="rect">
-                <a:avLst/>
-              </a:prstGeom>
-              <a:blipFill rotWithShape="0">
-                <a:blip r:embed="rId4"/>
-                <a:stretch>
-                  <a:fillRect b="-16667"/>
-                </a:stretch>
-              </a:blipFill>
-            </p:spPr>
-            <p:txBody>
-              <a:bodyPr/>
-              <a:lstStyle/>
-              <a:p>
-                <a:r>
-                  <a:rPr lang="zh-CN" altLang="en-US">
-                    <a:noFill/>
-                  </a:rPr>
-                  <a:t> </a:t>
-                </a:r>
-              </a:p>
-            </p:txBody>
-          </p:sp>
-        </mc:Fallback>
-      </mc:AlternateContent>
-      <p:graphicFrame>
-        <p:nvGraphicFramePr>
-          <p:cNvPr id="6" name="对象 5"/>
-          <p:cNvGraphicFramePr>
-            <a:graphicFrameLocks noChangeAspect="1"/>
-          </p:cNvGraphicFramePr>
-          <p:nvPr>
-            <p:extLst/>
-          </p:nvPr>
-        </p:nvGraphicFramePr>
-        <p:xfrm>
-          <a:off x="2566020" y="4869160"/>
-          <a:ext cx="3494183" cy="648621"/>
-        </p:xfrm>
-        <a:graphic>
-          <a:graphicData uri="http://schemas.openxmlformats.org/presentationml/2006/ole">
-            <mc:AlternateContent xmlns:mc="http://schemas.openxmlformats.org/markup-compatibility/2006">
-              <mc:Choice xmlns:v="urn:schemas-microsoft-com:vml" Requires="v">
-                <p:oleObj spid="_x0000_s10249" name="Equation" r:id="rId5" imgW="2120760" imgH="393480" progId="Equation.DSMT4">
-                  <p:embed/>
-                </p:oleObj>
-              </mc:Choice>
-              <mc:Fallback>
-                <p:oleObj name="Equation" r:id="rId5" imgW="2120760" imgH="393480" progId="Equation.DSMT4">
-                  <p:embed/>
-                  <p:pic>
-                    <p:nvPicPr>
-                      <p:cNvPr id="6" name="对象 5"/>
-                      <p:cNvPicPr/>
-                      <p:nvPr/>
-                    </p:nvPicPr>
-                    <p:blipFill>
-                      <a:blip r:embed="rId6"/>
-                      <a:stretch>
-                        <a:fillRect/>
-                      </a:stretch>
-                    </p:blipFill>
-                    <p:spPr>
-                      <a:xfrm>
-                        <a:off x="2566020" y="4869160"/>
-                        <a:ext cx="3494183" cy="648621"/>
-                      </a:xfrm>
-                      <a:prstGeom prst="rect">
-                        <a:avLst/>
-                      </a:prstGeom>
-                    </p:spPr>
-                  </p:pic>
-                </p:oleObj>
-              </mc:Fallback>
-            </mc:AlternateContent>
-          </a:graphicData>
-        </a:graphic>
-      </p:graphicFrame>
-    </p:spTree>
-    <p:extLst>
-      <p:ext uri="{BB962C8B-B14F-4D97-AF65-F5344CB8AC3E}">
-        <p14:creationId xmlns:p14="http://schemas.microsoft.com/office/powerpoint/2010/main" val="1204953132"/>
-      </p:ext>
-    </p:extLst>
-  </p:cSld>
-  <p:clrMapOvr>
-    <a:masterClrMapping/>
-  </p:clrMapOvr>
-  <mc:AlternateContent xmlns:mc="http://schemas.openxmlformats.org/markup-compatibility/2006" xmlns:p14="http://schemas.microsoft.com/office/powerpoint/2010/main">
-    <mc:Choice Requires="p14">
-      <p:transition spd="med" p14:dur="700">
-        <p:fade/>
-      </p:transition>
-    </mc:Choice>
-    <mc:Fallback xmlns="">
-      <p:transition spd="med">
-        <p:fade/>
-      </p:transition>
-    </mc:Fallback>
-  </mc:AlternateContent>
-  <p:timing>
-    <p:tnLst>
-      <p:par>
-        <p:cTn id="1" dur="indefinite" restart="never" nodeType="tmRoot">
-          <p:childTnLst>
-            <p:seq concurrent="1" nextAc="seek">
-              <p:cTn id="2" dur="indefinite" nodeType="mainSeq">
-                <p:childTnLst>
-                  <p:par>
-                    <p:cTn id="3" fill="hold">
-                      <p:stCondLst>
-                        <p:cond delay="indefinite"/>
-                      </p:stCondLst>
-                      <p:childTnLst>
-                        <p:par>
-                          <p:cTn id="4" fill="hold">
-                            <p:stCondLst>
-                              <p:cond delay="0"/>
-                            </p:stCondLst>
-                            <p:childTnLst>
-                              <p:par>
-                                <p:cTn id="5" presetID="10" presetClass="entr" presetSubtype="0" fill="hold" nodeType="clickEffect">
-                                  <p:stCondLst>
-                                    <p:cond delay="0"/>
-                                  </p:stCondLst>
-                                  <p:childTnLst>
-                                    <p:set>
-                                      <p:cBhvr>
-                                        <p:cTn id="6" dur="1" fill="hold">
-                                          <p:stCondLst>
-                                            <p:cond delay="0"/>
-                                          </p:stCondLst>
-                                        </p:cTn>
-                                        <p:tgtEl>
-                                          <p:spTgt spid="4"/>
-                                        </p:tgtEl>
-                                        <p:attrNameLst>
-                                          <p:attrName>style.visibility</p:attrName>
-                                        </p:attrNameLst>
-                                      </p:cBhvr>
-                                      <p:to>
-                                        <p:strVal val="visible"/>
-                                      </p:to>
-                                    </p:set>
-                                    <p:animEffect transition="in" filter="fade">
-                                      <p:cBhvr>
-                                        <p:cTn id="7" dur="500"/>
-                                        <p:tgtEl>
-                                          <p:spTgt spid="4"/>
-                                        </p:tgtEl>
-                                      </p:cBhvr>
-                                    </p:animEffect>
-                                  </p:childTnLst>
-                                </p:cTn>
-                              </p:par>
-                            </p:childTnLst>
-                          </p:cTn>
-                        </p:par>
-                      </p:childTnLst>
-                    </p:cTn>
-                  </p:par>
-                </p:childTnLst>
-              </p:cTn>
-              <p:prevCondLst>
-                <p:cond evt="onPrev" delay="0">
-                  <p:tgtEl>
-                    <p:sldTgt/>
-                  </p:tgtEl>
-                </p:cond>
-              </p:prevCondLst>
-              <p:nextCondLst>
-                <p:cond evt="onNext" delay="0">
-                  <p:tgtEl>
-                    <p:sldTgt/>
-                  </p:tgtEl>
-                </p:cond>
-              </p:nextCondLst>
-            </p:seq>
-          </p:childTnLst>
-        </p:cTn>
+        <p:cTn id="1" dur="indefinite" restart="never" nodeType="tmRoot"/>
       </p:par>
     </p:tnLst>
   </p:timing>
@@ -16911,9 +15710,10 @@
           <a:lstStyle/>
           <a:p>
             <a:r>
-              <a:rPr lang="zh-CN" altLang="en-US"/>
+              <a:rPr lang="zh-CN" altLang="en-US" smtClean="0"/>
               <a:t>主要人物</a:t>
             </a:r>
+            <a:endParaRPr lang="zh-CN" altLang="en-US"/>
           </a:p>
         </p:txBody>
       </p:sp>
@@ -16977,21 +15777,35 @@
                 <a:latin typeface="楷体" panose="02010609060101010101" pitchFamily="49" charset="-122"/>
                 <a:ea typeface="楷体" panose="02010609060101010101" pitchFamily="49" charset="-122"/>
               </a:rPr>
-              <a:t>福里斯特（</a:t>
-            </a:r>
-            <a:r>
-              <a:rPr lang="en-US" altLang="zh-CN" sz="2000" dirty="0">
+              <a:t>福里斯特</a:t>
+            </a:r>
+            <a:r>
+              <a:rPr lang="zh-CN" altLang="en-US" sz="2000" dirty="0" smtClean="0">
+                <a:latin typeface="楷体" panose="02010609060101010101" pitchFamily="49" charset="-122"/>
+                <a:ea typeface="楷体" panose="02010609060101010101" pitchFamily="49" charset="-122"/>
+              </a:rPr>
+              <a:t>（</a:t>
+            </a:r>
+            <a:r>
+              <a:rPr lang="en-US" altLang="zh-CN" sz="2000" dirty="0" smtClean="0">
                 <a:latin typeface="楷体" panose="02010609060101010101" pitchFamily="49" charset="-122"/>
                 <a:ea typeface="楷体" panose="02010609060101010101" pitchFamily="49" charset="-122"/>
               </a:rPr>
               <a:t>Jay W Forrester</a:t>
             </a:r>
             <a:r>
+              <a:rPr lang="zh-CN" altLang="en-US" sz="2000" dirty="0" smtClean="0">
+                <a:latin typeface="楷体" panose="02010609060101010101" pitchFamily="49" charset="-122"/>
+                <a:ea typeface="楷体" panose="02010609060101010101" pitchFamily="49" charset="-122"/>
+              </a:rPr>
+              <a:t>），</a:t>
+            </a:r>
+            <a:r>
               <a:rPr lang="zh-CN" altLang="en-US" sz="2000" dirty="0">
                 <a:latin typeface="楷体" panose="02010609060101010101" pitchFamily="49" charset="-122"/>
                 <a:ea typeface="楷体" panose="02010609060101010101" pitchFamily="49" charset="-122"/>
               </a:rPr>
-              <a:t>），出生于</a:t>
+              <a:t>出生于</a:t>
             </a:r>
             <a:r>
               <a:rPr lang="en-US" altLang="zh-CN" sz="2000" dirty="0">
@@ -17001,14 +15815,14 @@
               <a:t>1918</a:t>
             </a:r>
             <a:r>
-              <a:rPr lang="zh-CN" altLang="en-US" sz="2000" dirty="0">
+              <a:rPr lang="zh-CN" altLang="en-US" sz="2000" dirty="0" smtClean="0">
                 <a:latin typeface="楷体" panose="02010609060101010101" pitchFamily="49" charset="-122"/>
                 <a:ea typeface="楷体" panose="02010609060101010101" pitchFamily="49" charset="-122"/>
               </a:rPr>
               <a:t>年的美国，</a:t>
             </a:r>
             <a:r>
-              <a:rPr lang="en-US" altLang="zh-CN" sz="2000" dirty="0">
+              <a:rPr lang="en-US" altLang="zh-CN" sz="2000" dirty="0" smtClean="0">
                 <a:latin typeface="楷体" panose="02010609060101010101" pitchFamily="49" charset="-122"/>
                 <a:ea typeface="楷体" panose="02010609060101010101" pitchFamily="49" charset="-122"/>
               </a:rPr>
@@ -17061,7 +15875,14 @@
                 <a:latin typeface="楷体" panose="02010609060101010101" pitchFamily="49" charset="-122"/>
                 <a:ea typeface="楷体" panose="02010609060101010101" pitchFamily="49" charset="-122"/>
               </a:rPr>
-              <a:t>的家里平静离去，一生跨过了几乎一个世纪。</a:t>
+              <a:t>的家里平静</a:t>
+            </a:r>
+            <a:r>
+              <a:rPr lang="zh-CN" altLang="en-US" sz="2000" dirty="0" smtClean="0">
+                <a:latin typeface="楷体" panose="02010609060101010101" pitchFamily="49" charset="-122"/>
+                <a:ea typeface="楷体" panose="02010609060101010101" pitchFamily="49" charset="-122"/>
+              </a:rPr>
+              <a:t>离去，一生跨过了几乎一个世纪。</a:t>
             </a:r>
             <a:endParaRPr lang="en-US" altLang="zh-CN" sz="2000" dirty="0">
               <a:latin typeface="楷体" panose="02010609060101010101" pitchFamily="49" charset="-122"/>
@@ -17075,7 +15896,7 @@
               </a:lnSpc>
             </a:pPr>
             <a:r>
-              <a:rPr lang="en-US" altLang="zh-CN" sz="2000" dirty="0">
+              <a:rPr lang="en-US" altLang="zh-CN" sz="2000" dirty="0" smtClean="0">
                 <a:latin typeface="楷体" panose="02010609060101010101" pitchFamily="49" charset="-122"/>
                 <a:ea typeface="楷体" panose="02010609060101010101" pitchFamily="49" charset="-122"/>
               </a:rPr>
@@ -17100,17 +15921,24 @@
                 <a:latin typeface="楷体" panose="02010609060101010101" pitchFamily="49" charset="-122"/>
                 <a:ea typeface="楷体" panose="02010609060101010101" pitchFamily="49" charset="-122"/>
               </a:rPr>
-              <a:t>年代研究了伺服系统、磁芯存储器等对计算机科学具有重大意义的东西，被认为是</a:t>
-            </a:r>
-            <a:r>
-              <a:rPr lang="en-US" altLang="zh-CN" sz="2000" dirty="0">
+              <a:t>年代研究了伺服系统、磁芯存储器等对计算机科学具有重大意义的</a:t>
+            </a:r>
+            <a:r>
+              <a:rPr lang="zh-CN" altLang="en-US" sz="2000" dirty="0" smtClean="0">
+                <a:latin typeface="楷体" panose="02010609060101010101" pitchFamily="49" charset="-122"/>
+                <a:ea typeface="楷体" panose="02010609060101010101" pitchFamily="49" charset="-122"/>
+              </a:rPr>
+              <a:t>东西，被认为是</a:t>
+            </a:r>
+            <a:r>
+              <a:rPr lang="en-US" altLang="zh-CN" sz="2000" dirty="0" smtClean="0">
                 <a:latin typeface="楷体" panose="02010609060101010101" pitchFamily="49" charset="-122"/>
                 <a:ea typeface="楷体" panose="02010609060101010101" pitchFamily="49" charset="-122"/>
               </a:rPr>
               <a:t>RAM</a:t>
             </a:r>
             <a:r>
-              <a:rPr lang="zh-CN" altLang="en-US" sz="2000" dirty="0">
+              <a:rPr lang="zh-CN" altLang="en-US" sz="2000" dirty="0" smtClean="0">
                 <a:latin typeface="楷体" panose="02010609060101010101" pitchFamily="49" charset="-122"/>
                 <a:ea typeface="楷体" panose="02010609060101010101" pitchFamily="49" charset="-122"/>
               </a:rPr>
@@ -17128,11 +15956,18 @@
               </a:lnSpc>
             </a:pPr>
             <a:r>
+              <a:rPr lang="zh-CN" altLang="en-US" sz="2000" dirty="0" smtClean="0">
+                <a:latin typeface="楷体" panose="02010609060101010101" pitchFamily="49" charset="-122"/>
+                <a:ea typeface="楷体" panose="02010609060101010101" pitchFamily="49" charset="-122"/>
+              </a:rPr>
+              <a:t>战争</a:t>
+            </a:r>
+            <a:r>
               <a:rPr lang="zh-CN" altLang="en-US" sz="2000" dirty="0">
                 <a:latin typeface="楷体" panose="02010609060101010101" pitchFamily="49" charset="-122"/>
                 <a:ea typeface="楷体" panose="02010609060101010101" pitchFamily="49" charset="-122"/>
               </a:rPr>
-              <a:t>战争年代，</a:t>
+              <a:t>年代，</a:t>
             </a:r>
             <a:r>
               <a:rPr lang="en-US" altLang="zh-CN" sz="2000" dirty="0">
@@ -17238,61 +16073,65 @@
           <a:lstStyle/>
           <a:p>
             <a:r>
-              <a:rPr lang="en-US" altLang="zh-CN" dirty="0">
+              <a:rPr lang="en-US" altLang="zh-CN" dirty="0" smtClean="0">
                 <a:latin typeface="华文楷体" panose="02010600040101010101" pitchFamily="2" charset="-122"/>
                 <a:ea typeface="华文楷体" panose="02010600040101010101" pitchFamily="2" charset="-122"/>
               </a:rPr>
               <a:t>System Dynamics</a:t>
             </a:r>
             <a:r>
-              <a:rPr lang="zh-CN" altLang="en-US" dirty="0">
+              <a:rPr lang="zh-CN" altLang="en-US" dirty="0" smtClean="0">
                 <a:latin typeface="华文楷体" panose="02010600040101010101" pitchFamily="2" charset="-122"/>
                 <a:ea typeface="华文楷体" panose="02010600040101010101" pitchFamily="2" charset="-122"/>
               </a:rPr>
               <a:t>建立者</a:t>
             </a:r>
             <a:r>
-              <a:rPr lang="en-US" altLang="zh-CN" dirty="0">
+              <a:rPr lang="en-US" altLang="zh-CN" dirty="0" smtClean="0">
                 <a:latin typeface="华文楷体" panose="02010600040101010101" pitchFamily="2" charset="-122"/>
                 <a:ea typeface="华文楷体" panose="02010600040101010101" pitchFamily="2" charset="-122"/>
               </a:rPr>
               <a:t>,</a:t>
             </a:r>
             <a:r>
-              <a:rPr lang="zh-CN" altLang="en-US" dirty="0">
+              <a:rPr lang="zh-CN" altLang="en-US" dirty="0" smtClean="0">
                 <a:latin typeface="华文楷体" panose="02010600040101010101" pitchFamily="2" charset="-122"/>
                 <a:ea typeface="华文楷体" panose="02010600040101010101" pitchFamily="2" charset="-122"/>
               </a:rPr>
               <a:t>他的专著</a:t>
             </a:r>
             <a:r>
-              <a:rPr lang="en-US" altLang="zh-CN" dirty="0">
+              <a:rPr lang="en-US" altLang="zh-CN" dirty="0" smtClean="0">
                 <a:latin typeface="华文楷体" panose="02010600040101010101" pitchFamily="2" charset="-122"/>
                 <a:ea typeface="华文楷体" panose="02010600040101010101" pitchFamily="2" charset="-122"/>
               </a:rPr>
               <a:t>《</a:t>
             </a:r>
             <a:r>
-              <a:rPr lang="en-US" altLang="zh-CN" i="1" dirty="0">
+              <a:rPr lang="en-US" altLang="zh-CN" i="1" dirty="0" smtClean="0">
                 <a:latin typeface="华文楷体" panose="02010600040101010101" pitchFamily="2" charset="-122"/>
                 <a:ea typeface="华文楷体" panose="02010600040101010101" pitchFamily="2" charset="-122"/>
               </a:rPr>
               <a:t>Industrial Dynamics</a:t>
             </a:r>
             <a:r>
-              <a:rPr lang="en-US" altLang="zh-CN" dirty="0">
+              <a:rPr lang="en-US" altLang="zh-CN" dirty="0" smtClean="0">
                 <a:latin typeface="华文楷体" panose="02010600040101010101" pitchFamily="2" charset="-122"/>
                 <a:ea typeface="华文楷体" panose="02010600040101010101" pitchFamily="2" charset="-122"/>
               </a:rPr>
               <a:t>》</a:t>
             </a:r>
             <a:r>
-              <a:rPr lang="zh-CN" altLang="en-US" dirty="0">
+              <a:rPr lang="zh-CN" altLang="en-US" dirty="0" smtClean="0">
                 <a:latin typeface="华文楷体" panose="02010600040101010101" pitchFamily="2" charset="-122"/>
                 <a:ea typeface="华文楷体" panose="02010600040101010101" pitchFamily="2" charset="-122"/>
               </a:rPr>
               <a:t>是第一部运用系统动力学研究商业周期问题的书。</a:t>
             </a:r>
+            <a:endParaRPr lang="zh-CN" altLang="en-US" dirty="0">
+              <a:latin typeface="华文楷体" panose="02010600040101010101" pitchFamily="2" charset="-122"/>
+              <a:ea typeface="华文楷体" panose="02010600040101010101" pitchFamily="2" charset="-122"/>
+            </a:endParaRPr>
           </a:p>
         </p:txBody>
       </p:sp>
@@ -17318,6 +16157,13 @@
       </p:transition>
     </mc:Fallback>
   </mc:AlternateContent>
+  <p:timing>
+    <p:tnLst>
+      <p:par>
+        <p:cTn id="1" dur="indefinite" restart="never" nodeType="tmRoot"/>
+      </p:par>
+    </p:tnLst>
+  </p:timing>
 </p:sld>
 </file>
 
@@ -17354,9 +16200,10 @@
           <a:lstStyle/>
           <a:p>
             <a:r>
-              <a:rPr lang="zh-CN" altLang="en-US"/>
+              <a:rPr lang="zh-CN" altLang="en-US" smtClean="0"/>
               <a:t>主要人物</a:t>
             </a:r>
+            <a:endParaRPr lang="zh-CN" altLang="en-US"/>
           </a:p>
         </p:txBody>
       </p:sp>
@@ -17389,7 +16236,7 @@
               <a:buNone/>
             </a:pPr>
             <a:r>
-              <a:rPr lang="en-US" altLang="zh-CN" dirty="0">
+              <a:rPr lang="en-US" altLang="zh-CN" dirty="0" smtClean="0">
                 <a:latin typeface="楷体" panose="02010609060101010101" pitchFamily="49" charset="-122"/>
                 <a:ea typeface="楷体" panose="02010609060101010101" pitchFamily="49" charset="-122"/>
               </a:rPr>
@@ -17454,7 +16301,14 @@
                 <a:latin typeface="楷体" panose="02010609060101010101" pitchFamily="49" charset="-122"/>
                 <a:ea typeface="楷体" panose="02010609060101010101" pitchFamily="49" charset="-122"/>
               </a:rPr>
-              <a:t>在当时，从来没有人想过管理学可以和计算机科学扯到一起，更不会想到计算机还可以用来推演系统的发展变化。此后在各学科相继诞生了生物系统动力学、气象系统动力学、天体系统动力学、分子系统动力学等各学科当中的分支方法，而系统动力学发展到今天也成了几乎所有商科高校必学的仿真方法。</a:t>
+              <a:t>在当时，从来没有人想过管理学可以和计算机科学扯到一起，更不会想到计算机还可以用来推演系统的发展变化。此后在各学科相继诞生了生物系统动力学、气象系统动力学、天体系统动力学、分子系统动力学等各学科当中的分支方法，而系统动力学发展到今天也成了几乎所有商科高校必学的仿真方法</a:t>
+            </a:r>
+            <a:r>
+              <a:rPr lang="zh-CN" altLang="en-US" dirty="0" smtClean="0">
+                <a:latin typeface="楷体" panose="02010609060101010101" pitchFamily="49" charset="-122"/>
+                <a:ea typeface="楷体" panose="02010609060101010101" pitchFamily="49" charset="-122"/>
+              </a:rPr>
+              <a:t>。</a:t>
             </a:r>
             <a:endParaRPr lang="zh-CN" altLang="en-US" dirty="0"/>
           </a:p>
@@ -17483,7 +16337,7 @@
           <a:lstStyle/>
           <a:p>
             <a:r>
-              <a:rPr lang="en-US" altLang="zh-CN" sz="1600" dirty="0">
+              <a:rPr lang="en-US" altLang="zh-CN" sz="1600" dirty="0" smtClean="0">
                 <a:latin typeface="Times New Roman" panose="02020603050405020304" pitchFamily="18" charset="0"/>
                 <a:cs typeface="Times New Roman" panose="02020603050405020304" pitchFamily="18" charset="0"/>
               </a:rPr>
@@ -17492,7 +16346,7 @@
           </a:p>
           <a:p>
             <a:r>
-              <a:rPr lang="en-US" altLang="zh-CN" sz="1600" dirty="0">
+              <a:rPr lang="en-US" altLang="zh-CN" sz="1600" dirty="0" smtClean="0">
                 <a:latin typeface="Times New Roman" panose="02020603050405020304" pitchFamily="18" charset="0"/>
                 <a:cs typeface="Times New Roman" panose="02020603050405020304" pitchFamily="18" charset="0"/>
               </a:rPr>
@@ -17501,7 +16355,7 @@
           </a:p>
           <a:p>
             <a:r>
-              <a:rPr lang="en-US" altLang="zh-CN" sz="1600" dirty="0">
+              <a:rPr lang="en-US" altLang="zh-CN" sz="1600" dirty="0" smtClean="0">
                 <a:latin typeface="Times New Roman" panose="02020603050405020304" pitchFamily="18" charset="0"/>
                 <a:cs typeface="Times New Roman" panose="02020603050405020304" pitchFamily="18" charset="0"/>
               </a:rPr>
@@ -17510,7 +16364,7 @@
           </a:p>
           <a:p>
             <a:r>
-              <a:rPr lang="en-US" altLang="zh-CN" sz="1600" dirty="0">
+              <a:rPr lang="en-US" altLang="zh-CN" sz="1600" dirty="0" smtClean="0">
                 <a:latin typeface="Times New Roman" panose="02020603050405020304" pitchFamily="18" charset="0"/>
                 <a:cs typeface="Times New Roman" panose="02020603050405020304" pitchFamily="18" charset="0"/>
               </a:rPr>
@@ -17576,6 +16430,13 @@
       </p:transition>
     </mc:Fallback>
   </mc:AlternateContent>
+  <p:timing>
+    <p:tnLst>
+      <p:par>
+        <p:cTn id="1" dur="indefinite" restart="never" nodeType="tmRoot"/>
+      </p:par>
+    </p:tnLst>
+  </p:timing>
 </p:sld>
 </file>
 
@@ -17612,13 +16473,14 @@
           <a:lstStyle/>
           <a:p>
             <a:r>
-              <a:rPr lang="en-US" altLang="zh-CN" dirty="0"/>
+              <a:rPr lang="en-US" altLang="zh-CN" dirty="0" smtClean="0"/>
               <a:t>System Dynamics</a:t>
             </a:r>
             <a:r>
-              <a:rPr lang="zh-CN" altLang="en-US" dirty="0"/>
+              <a:rPr lang="zh-CN" altLang="en-US" dirty="0" smtClean="0"/>
               <a:t>引入中国</a:t>
             </a:r>
+            <a:endParaRPr lang="zh-CN" altLang="en-US" dirty="0"/>
           </a:p>
         </p:txBody>
       </p:sp>
@@ -17978,6 +16840,13 @@
       </p:transition>
     </mc:Fallback>
   </mc:AlternateContent>
+  <p:timing>
+    <p:tnLst>
+      <p:par>
+        <p:cTn id="1" dur="indefinite" restart="never" nodeType="tmRoot"/>
+      </p:par>
+    </p:tnLst>
+  </p:timing>
 </p:sld>
 </file>
 
@@ -19435,12 +18304,16 @@
               </a:spcBef>
             </a:pPr>
             <a:r>
-              <a:rPr lang="en-US" altLang="zh-CN" sz="2400" dirty="0">
+              <a:rPr lang="en-US" altLang="zh-CN" sz="2400" dirty="0" smtClean="0">
                 <a:latin typeface="楷体" panose="02010609060101010101" pitchFamily="49" charset="-122"/>
                 <a:ea typeface="楷体" panose="02010609060101010101" pitchFamily="49" charset="-122"/>
               </a:rPr>
               <a:t>S D</a:t>
             </a:r>
+            <a:endParaRPr lang="en-US" altLang="zh-CN" sz="2400" dirty="0">
+              <a:latin typeface="楷体" panose="02010609060101010101" pitchFamily="49" charset="-122"/>
+              <a:ea typeface="楷体" panose="02010609060101010101" pitchFamily="49" charset="-122"/>
+            </a:endParaRPr>
           </a:p>
         </p:txBody>
       </p:sp>
@@ -21568,17 +20441,18 @@
           <a:lstStyle/>
           <a:p>
             <a:r>
-              <a:rPr lang="zh-CN" altLang="en-US" dirty="0"/>
+              <a:rPr lang="zh-CN" altLang="en-US" dirty="0" smtClean="0"/>
               <a:t>问题</a:t>
             </a:r>
             <a:r>
-              <a:rPr lang="en-US" altLang="zh-CN" dirty="0"/>
+              <a:rPr lang="en-US" altLang="zh-CN" dirty="0" smtClean="0"/>
               <a:t>1</a:t>
             </a:r>
             <a:r>
-              <a:rPr lang="zh-CN" altLang="en-US" dirty="0"/>
+              <a:rPr lang="zh-CN" altLang="en-US" dirty="0" smtClean="0"/>
               <a:t>：水池蓄水问题</a:t>
             </a:r>
+            <a:endParaRPr lang="zh-CN" altLang="en-US" dirty="0"/>
           </a:p>
         </p:txBody>
       </p:sp>
@@ -21642,7 +20516,7 @@
             <a:graphicData uri="http://schemas.openxmlformats.org/presentationml/2006/ole">
               <mc:AlternateContent xmlns:mc="http://schemas.openxmlformats.org/markup-compatibility/2006">
                 <mc:Choice xmlns:v="urn:schemas-microsoft-com:vml" Requires="v">
-                  <p:oleObj spid="_x0000_s7202" name="Equation" r:id="rId4" imgW="850680" imgH="177480" progId="Equation.DSMT4">
+                  <p:oleObj spid="_x0000_s7204" name="Equation" r:id="rId4" imgW="850680" imgH="177480" progId="Equation.DSMT4">
                     <p:embed/>
                   </p:oleObj>
                 </mc:Choice>
@@ -21700,9 +20574,10 @@
             <a:lstStyle/>
             <a:p>
               <a:r>
-                <a:rPr lang="zh-CN" altLang="en-US" dirty="0"/>
+                <a:rPr lang="zh-CN" altLang="en-US" dirty="0" smtClean="0"/>
                 <a:t>初始值：</a:t>
               </a:r>
+              <a:endParaRPr lang="zh-CN" altLang="en-US" dirty="0"/>
             </a:p>
           </p:txBody>
         </p:sp>
@@ -21744,9 +20619,10 @@
             <a:lstStyle/>
             <a:p>
               <a:r>
-                <a:rPr lang="zh-CN" altLang="en-US" dirty="0"/>
+                <a:rPr lang="zh-CN" altLang="en-US" dirty="0" smtClean="0"/>
                 <a:t>输入速率：</a:t>
               </a:r>
+              <a:endParaRPr lang="zh-CN" altLang="en-US" dirty="0"/>
             </a:p>
           </p:txBody>
         </p:sp>
@@ -21772,7 +20648,7 @@
             <a:graphicData uri="http://schemas.openxmlformats.org/presentationml/2006/ole">
               <mc:AlternateContent xmlns:mc="http://schemas.openxmlformats.org/markup-compatibility/2006">
                 <mc:Choice xmlns:v="urn:schemas-microsoft-com:vml" Requires="v">
-                  <p:oleObj spid="_x0000_s7203" name="Equation" r:id="rId6" imgW="888840" imgH="203040" progId="Equation.DSMT4">
+                  <p:oleObj spid="_x0000_s7205" name="Equation" r:id="rId6" imgW="888840" imgH="203040" progId="Equation.DSMT4">
                     <p:embed/>
                   </p:oleObj>
                 </mc:Choice>
@@ -21881,15 +20757,15 @@
             <a:lstStyle/>
             <a:p>
               <a:r>
-                <a:rPr lang="zh-CN" altLang="en-US" dirty="0"/>
+                <a:rPr lang="zh-CN" altLang="en-US" dirty="0" smtClean="0"/>
                 <a:t>时间</a:t>
               </a:r>
               <a:r>
-                <a:rPr lang="en-US" altLang="zh-CN" dirty="0"/>
+                <a:rPr lang="en-US" altLang="zh-CN" dirty="0" smtClean="0"/>
                 <a:t>t</a:t>
               </a:r>
               <a:r>
-                <a:rPr lang="en-US" altLang="zh-CN" sz="1100" dirty="0"/>
+                <a:rPr lang="en-US" altLang="zh-CN" sz="1100" dirty="0" smtClean="0"/>
                 <a:t>0</a:t>
               </a:r>
               <a:endParaRPr lang="zh-CN" altLang="en-US" sz="1200" dirty="0"/>
@@ -21919,15 +20795,15 @@
             <a:lstStyle/>
             <a:p>
               <a:r>
-                <a:rPr lang="zh-CN" altLang="en-US" dirty="0"/>
+                <a:rPr lang="zh-CN" altLang="en-US" dirty="0" smtClean="0"/>
                 <a:t>时间</a:t>
               </a:r>
               <a:r>
-                <a:rPr lang="en-US" altLang="zh-CN" dirty="0"/>
+                <a:rPr lang="en-US" altLang="zh-CN" dirty="0" smtClean="0"/>
                 <a:t>t</a:t>
               </a:r>
               <a:r>
-                <a:rPr lang="en-US" altLang="zh-CN" sz="1100" dirty="0"/>
+                <a:rPr lang="en-US" altLang="zh-CN" sz="1100" dirty="0" smtClean="0"/>
                 <a:t>1</a:t>
               </a:r>
               <a:endParaRPr lang="zh-CN" altLang="en-US" sz="1100" dirty="0"/>
@@ -22235,9 +21111,10 @@
           <a:lstStyle/>
           <a:p>
             <a:r>
-              <a:rPr lang="zh-CN" altLang="en-US" dirty="0"/>
+              <a:rPr lang="zh-CN" altLang="en-US" dirty="0" smtClean="0"/>
               <a:t>蓄水中的计算</a:t>
             </a:r>
+            <a:endParaRPr lang="zh-CN" altLang="en-US" dirty="0"/>
           </a:p>
         </p:txBody>
       </p:sp>
@@ -22282,7 +21159,7 @@
                     <a:lstStyle/>
                     <a:p>
                       <a:r>
-                        <a:rPr lang="en-US" altLang="zh-CN" dirty="0"/>
+                        <a:rPr lang="en-US" altLang="zh-CN" dirty="0" smtClean="0"/>
                         <a:t>Pool</a:t>
                       </a:r>
                       <a:endParaRPr lang="zh-CN" altLang="en-US" dirty="0"/>
@@ -22303,7 +21180,7 @@
                     <a:lstStyle/>
                     <a:p>
                       <a:r>
-                        <a:rPr lang="en-US" altLang="zh-CN" dirty="0"/>
+                        <a:rPr lang="en-US" altLang="zh-CN" dirty="0" smtClean="0"/>
                         <a:t>10</a:t>
                       </a:r>
                       <a:endParaRPr lang="zh-CN" altLang="en-US" dirty="0"/>
@@ -22324,7 +21201,7 @@
                     <a:lstStyle/>
                     <a:p>
                       <a:r>
-                        <a:rPr lang="en-US" altLang="zh-CN" dirty="0"/>
+                        <a:rPr lang="en-US" altLang="zh-CN" dirty="0" smtClean="0"/>
                         <a:t>11.1</a:t>
                       </a:r>
                       <a:endParaRPr lang="zh-CN" altLang="en-US" dirty="0"/>
@@ -22345,7 +21222,7 @@
                     <a:lstStyle/>
                     <a:p>
                       <a:r>
-                        <a:rPr lang="en-US" altLang="zh-CN" dirty="0"/>
+                        <a:rPr lang="en-US" altLang="zh-CN" dirty="0" smtClean="0"/>
                         <a:t>12.2</a:t>
                       </a:r>
                       <a:endParaRPr lang="zh-CN" altLang="en-US" dirty="0"/>
@@ -22366,7 +21243,7 @@
                     <a:lstStyle/>
                     <a:p>
                       <a:r>
-                        <a:rPr lang="en-US" altLang="zh-CN" dirty="0"/>
+                        <a:rPr lang="en-US" altLang="zh-CN" dirty="0" smtClean="0"/>
                         <a:t>13.3</a:t>
                       </a:r>
                       <a:endParaRPr lang="zh-CN" altLang="en-US" dirty="0"/>
@@ -22387,7 +21264,7 @@
                     <a:lstStyle/>
                     <a:p>
                       <a:r>
-                        <a:rPr lang="en-US" altLang="zh-CN" dirty="0"/>
+                        <a:rPr lang="en-US" altLang="zh-CN" dirty="0" smtClean="0"/>
                         <a:t>14.4</a:t>
                       </a:r>
                       <a:endParaRPr lang="zh-CN" altLang="en-US" dirty="0"/>
@@ -22408,7 +21285,7 @@
                     <a:lstStyle/>
                     <a:p>
                       <a:r>
-                        <a:rPr lang="en-US" altLang="zh-CN" dirty="0"/>
+                        <a:rPr lang="en-US" altLang="zh-CN" dirty="0" smtClean="0"/>
                         <a:t>……</a:t>
                       </a:r>
                       <a:endParaRPr lang="zh-CN" altLang="en-US" dirty="0"/>
@@ -22429,7 +21306,7 @@
                     <a:lstStyle/>
                     <a:p>
                       <a:r>
-                        <a:rPr lang="en-US" altLang="zh-CN" dirty="0"/>
+                        <a:rPr lang="en-US" altLang="zh-CN" dirty="0" smtClean="0"/>
                         <a:t>24.3</a:t>
                       </a:r>
                       <a:endParaRPr lang="zh-CN" altLang="en-US" dirty="0"/>
@@ -22469,7 +21346,7 @@
           <a:graphicData uri="http://schemas.openxmlformats.org/presentationml/2006/ole">
             <mc:AlternateContent xmlns:mc="http://schemas.openxmlformats.org/markup-compatibility/2006">
               <mc:Choice xmlns:v="urn:schemas-microsoft-com:vml" Requires="v">
-                <p:oleObj spid="_x0000_s8250" name="Equation" r:id="rId3" imgW="1485720" imgH="228600" progId="Equation.DSMT4">
+                <p:oleObj spid="_x0000_s8258" name="Equation" r:id="rId3" imgW="1485720" imgH="228600" progId="Equation.DSMT4">
                   <p:embed/>
                 </p:oleObj>
               </mc:Choice>
@@ -22513,25 +21390,25 @@
           <p:nvPr>
             <p:extLst>
               <p:ext uri="{D42A27DB-BD31-4B8C-83A1-F6EECF244321}">
-                <p14:modId xmlns:p14="http://schemas.microsoft.com/office/powerpoint/2010/main" val="1803860364"/>
+                <p14:modId xmlns:p14="http://schemas.microsoft.com/office/powerpoint/2010/main" val="2975711885"/>
               </p:ext>
             </p:extLst>
           </p:nvPr>
         </p:nvGraphicFramePr>
         <p:xfrm>
-          <a:off x="1978794" y="2581275"/>
-          <a:ext cx="3611562" cy="588963"/>
+          <a:off x="1978025" y="2559050"/>
+          <a:ext cx="3611563" cy="635000"/>
         </p:xfrm>
         <a:graphic>
           <a:graphicData uri="http://schemas.openxmlformats.org/presentationml/2006/ole">
             <mc:AlternateContent xmlns:mc="http://schemas.openxmlformats.org/markup-compatibility/2006">
               <mc:Choice xmlns:v="urn:schemas-microsoft-com:vml" Requires="v">
-                <p:oleObj spid="_x0000_s8251" name="Equation" r:id="rId5" imgW="2031840" imgH="330120" progId="Equation.DSMT4">
+                <p:oleObj spid="_x0000_s8259" name="Equation" r:id="rId5" imgW="2031840" imgH="355320" progId="Equation.DSMT4">
                   <p:embed/>
                 </p:oleObj>
               </mc:Choice>
               <mc:Fallback>
-                <p:oleObj name="Equation" r:id="rId5" imgW="2031840" imgH="330120" progId="Equation.DSMT4">
+                <p:oleObj name="Equation" r:id="rId5" imgW="2031840" imgH="355320" progId="Equation.DSMT4">
                   <p:embed/>
                   <p:pic>
                     <p:nvPicPr>
@@ -22547,8 +21424,8 @@
                     </p:blipFill>
                     <p:spPr>
                       <a:xfrm>
-                        <a:off x="1978794" y="2581275"/>
-                        <a:ext cx="3611562" cy="588963"/>
+                        <a:off x="1978025" y="2559050"/>
+                        <a:ext cx="3611563" cy="635000"/>
                       </a:xfrm>
                       <a:prstGeom prst="rect">
                         <a:avLst/>
@@ -22570,25 +21447,25 @@
           <p:nvPr>
             <p:extLst>
               <p:ext uri="{D42A27DB-BD31-4B8C-83A1-F6EECF244321}">
-                <p14:modId xmlns:p14="http://schemas.microsoft.com/office/powerpoint/2010/main" val="4165137696"/>
+                <p14:modId xmlns:p14="http://schemas.microsoft.com/office/powerpoint/2010/main" val="1390837017"/>
               </p:ext>
             </p:extLst>
           </p:nvPr>
         </p:nvGraphicFramePr>
         <p:xfrm>
-          <a:off x="1944688" y="4102100"/>
-          <a:ext cx="3454400" cy="407988"/>
+          <a:off x="1787525" y="4079875"/>
+          <a:ext cx="3770313" cy="454025"/>
         </p:xfrm>
         <a:graphic>
           <a:graphicData uri="http://schemas.openxmlformats.org/presentationml/2006/ole">
             <mc:AlternateContent xmlns:mc="http://schemas.openxmlformats.org/markup-compatibility/2006">
               <mc:Choice xmlns:v="urn:schemas-microsoft-com:vml" Requires="v">
-                <p:oleObj spid="_x0000_s8252" name="Equation" r:id="rId7" imgW="1942920" imgH="228600" progId="Equation.DSMT4">
+                <p:oleObj spid="_x0000_s8260" name="Equation" r:id="rId7" imgW="2120760" imgH="253800" progId="Equation.DSMT4">
                   <p:embed/>
                 </p:oleObj>
               </mc:Choice>
               <mc:Fallback>
-                <p:oleObj name="Equation" r:id="rId7" imgW="1942920" imgH="228600" progId="Equation.DSMT4">
+                <p:oleObj name="Equation" r:id="rId7" imgW="2120760" imgH="253800" progId="Equation.DSMT4">
                   <p:embed/>
                   <p:pic>
                     <p:nvPicPr>
@@ -22604,8 +21481,8 @@
                     </p:blipFill>
                     <p:spPr>
                       <a:xfrm>
-                        <a:off x="1944688" y="4102100"/>
-                        <a:ext cx="3454400" cy="407988"/>
+                        <a:off x="1787525" y="4079875"/>
+                        <a:ext cx="3770313" cy="454025"/>
                       </a:xfrm>
                       <a:prstGeom prst="rect">
                         <a:avLst/>
@@ -22654,7 +21531,7 @@
             <a:graphicData uri="http://schemas.openxmlformats.org/presentationml/2006/ole">
               <mc:AlternateContent xmlns:mc="http://schemas.openxmlformats.org/markup-compatibility/2006">
                 <mc:Choice xmlns:v="urn:schemas-microsoft-com:vml" Requires="v">
-                  <p:oleObj spid="_x0000_s8253" name="Equation" r:id="rId9" imgW="647640" imgH="228600" progId="Equation.DSMT4">
+                  <p:oleObj spid="_x0000_s8261" name="Equation" r:id="rId9" imgW="647640" imgH="228600" progId="Equation.DSMT4">
                     <p:embed/>
                   </p:oleObj>
                 </mc:Choice>
@@ -22712,9 +21589,10 @@
             <a:lstStyle/>
             <a:p>
               <a:r>
-                <a:rPr lang="zh-CN" altLang="en-US" dirty="0"/>
+                <a:rPr lang="zh-CN" altLang="en-US" dirty="0" smtClean="0"/>
                 <a:t>足够小</a:t>
               </a:r>
+              <a:endParaRPr lang="zh-CN" altLang="en-US" dirty="0"/>
             </a:p>
           </p:txBody>
         </p:sp>
@@ -22834,11 +21712,11 @@
           <a:lstStyle/>
           <a:p>
             <a:r>
-              <a:rPr lang="zh-CN" altLang="en-US" dirty="0"/>
+              <a:rPr lang="zh-CN" altLang="en-US" dirty="0" smtClean="0"/>
               <a:t>设间隔为</a:t>
             </a:r>
             <a:r>
-              <a:rPr lang="en-US" altLang="zh-CN" dirty="0"/>
+              <a:rPr lang="en-US" altLang="zh-CN" dirty="0" smtClean="0"/>
               <a:t>1</a:t>
             </a:r>
             <a:endParaRPr lang="zh-CN" altLang="en-US" dirty="0"/>
@@ -22885,11 +21763,11 @@
                     <a:lstStyle/>
                     <a:p>
                       <a:r>
-                        <a:rPr lang="zh-CN" altLang="en-US" dirty="0"/>
+                        <a:rPr lang="zh-CN" altLang="en-US" dirty="0" smtClean="0"/>
                         <a:t>时间</a:t>
                       </a:r>
                       <a:r>
-                        <a:rPr lang="en-US" altLang="zh-CN" dirty="0"/>
+                        <a:rPr lang="en-US" altLang="zh-CN" dirty="0" smtClean="0"/>
                         <a:t>t</a:t>
                       </a:r>
                       <a:endParaRPr lang="zh-CN" altLang="en-US" dirty="0"/>
@@ -22910,7 +21788,7 @@
                     <a:lstStyle/>
                     <a:p>
                       <a:r>
-                        <a:rPr lang="en-US" altLang="zh-CN" dirty="0"/>
+                        <a:rPr lang="en-US" altLang="zh-CN" dirty="0" smtClean="0"/>
                         <a:t>0</a:t>
                       </a:r>
                       <a:endParaRPr lang="zh-CN" altLang="en-US" dirty="0"/>
@@ -22931,7 +21809,7 @@
                     <a:lstStyle/>
                     <a:p>
                       <a:r>
-                        <a:rPr lang="en-US" altLang="zh-CN" dirty="0"/>
+                        <a:rPr lang="en-US" altLang="zh-CN" dirty="0" smtClean="0"/>
                         <a:t>1</a:t>
                       </a:r>
                       <a:endParaRPr lang="zh-CN" altLang="en-US" dirty="0"/>
@@ -22952,7 +21830,7 @@
                     <a:lstStyle/>
                     <a:p>
                       <a:r>
-                        <a:rPr lang="en-US" altLang="zh-CN" dirty="0"/>
+                        <a:rPr lang="en-US" altLang="zh-CN" dirty="0" smtClean="0"/>
                         <a:t>2</a:t>
                       </a:r>
                       <a:endParaRPr lang="zh-CN" altLang="en-US" dirty="0"/>
@@ -22973,7 +21851,7 @@
                     <a:lstStyle/>
                     <a:p>
                       <a:r>
-                        <a:rPr lang="en-US" altLang="zh-CN" dirty="0"/>
+                        <a:rPr lang="en-US" altLang="zh-CN" dirty="0" smtClean="0"/>
                         <a:t>3</a:t>
                       </a:r>
                       <a:endParaRPr lang="zh-CN" altLang="en-US" dirty="0"/>
@@ -22994,7 +21872,7 @@
                     <a:lstStyle/>
                     <a:p>
                       <a:r>
-                        <a:rPr lang="en-US" altLang="zh-CN" dirty="0"/>
+                        <a:rPr lang="en-US" altLang="zh-CN" dirty="0" smtClean="0"/>
                         <a:t>4</a:t>
                       </a:r>
                       <a:endParaRPr lang="zh-CN" altLang="en-US" dirty="0"/>
@@ -23015,7 +21893,7 @@
                     <a:lstStyle/>
                     <a:p>
                       <a:r>
-                        <a:rPr lang="en-US" altLang="zh-CN" dirty="0"/>
+                        <a:rPr lang="en-US" altLang="zh-CN" dirty="0" smtClean="0"/>
                         <a:t>……</a:t>
                       </a:r>
                       <a:endParaRPr lang="zh-CN" altLang="en-US" dirty="0"/>
@@ -23036,7 +21914,7 @@
                     <a:lstStyle/>
                     <a:p>
                       <a:r>
-                        <a:rPr lang="en-US" altLang="zh-CN" dirty="0"/>
+                        <a:rPr lang="en-US" altLang="zh-CN" dirty="0" smtClean="0"/>
                         <a:t>13</a:t>
                       </a:r>
                       <a:endParaRPr lang="zh-CN" altLang="en-US" dirty="0"/>
@@ -23492,9 +22370,10 @@
           <a:lstStyle/>
           <a:p>
             <a:r>
-              <a:rPr lang="zh-CN" altLang="en-US" sz="2800" dirty="0"/>
+              <a:rPr lang="zh-CN" altLang="en-US" sz="2800" dirty="0" smtClean="0"/>
               <a:t>计算中的特点</a:t>
             </a:r>
+            <a:endParaRPr lang="zh-CN" altLang="en-US" sz="2800" dirty="0"/>
           </a:p>
         </p:txBody>
       </p:sp>
@@ -23513,8 +22392,8 @@
         </p:blipFill>
         <p:spPr>
           <a:xfrm>
-            <a:off x="6094412" y="3501008"/>
-            <a:ext cx="4379541" cy="2376264"/>
+            <a:off x="1773932" y="692696"/>
+            <a:ext cx="9555362" cy="5184576"/>
           </a:xfrm>
           <a:prstGeom prst="rect">
             <a:avLst/>
@@ -23542,24 +22421,24 @@
           <a:lstStyle/>
           <a:p>
             <a:r>
-              <a:rPr lang="zh-CN" altLang="en-US" dirty="0"/>
+              <a:rPr lang="zh-CN" altLang="en-US" dirty="0" smtClean="0"/>
               <a:t>离散方程模拟连续方程</a:t>
             </a:r>
-            <a:endParaRPr lang="en-US" altLang="zh-CN" dirty="0"/>
-          </a:p>
-          <a:p>
-            <a:r>
-              <a:rPr lang="zh-CN" altLang="en-US" dirty="0"/>
+            <a:endParaRPr lang="en-US" altLang="zh-CN" dirty="0" smtClean="0"/>
+          </a:p>
+          <a:p>
+            <a:r>
+              <a:rPr lang="zh-CN" altLang="en-US" dirty="0" smtClean="0"/>
               <a:t>时间间隔量影响仿真计算误差</a:t>
             </a:r>
-            <a:endParaRPr lang="en-US" altLang="zh-CN" dirty="0"/>
-          </a:p>
-          <a:p>
-            <a:r>
-              <a:rPr lang="zh-CN" altLang="en-US" dirty="0"/>
+            <a:endParaRPr lang="en-US" altLang="zh-CN" dirty="0" smtClean="0"/>
+          </a:p>
+          <a:p>
+            <a:r>
+              <a:rPr lang="zh-CN" altLang="en-US" dirty="0" smtClean="0"/>
               <a:t>流量具有方向性</a:t>
             </a:r>
-            <a:endParaRPr lang="en-US" altLang="zh-CN" dirty="0"/>
+            <a:endParaRPr lang="en-US" altLang="zh-CN" dirty="0" smtClean="0"/>
           </a:p>
           <a:p>
             <a:endParaRPr lang="zh-CN" altLang="en-US" dirty="0"/>
@@ -23588,6 +22467,13 @@
       </p:transition>
     </mc:Fallback>
   </mc:AlternateContent>
+  <p:timing>
+    <p:tnLst>
+      <p:par>
+        <p:cTn id="1" dur="indefinite" restart="never" nodeType="tmRoot"/>
+      </p:par>
+    </p:tnLst>
+  </p:timing>
 </p:sld>
 </file>
 
@@ -24185,14 +23071,20 @@
 </file>
 
 <file path=customXml/item1.xml><?xml version="1.0" encoding="utf-8"?>
-<Control xmlns="http://schemas.microsoft.com/VisualStudio/2011/storyboarding/control">
-  <Id Name="5e505f8e-b0aa-429a-bb4c-92ab0e8a8ee6" RevisionId="d2083f08-ba4f-4330-87aa-e4d23a4443d7" Stencil="172d6d98-e5c9-42e9-a209-79f7a94bbd38" StencilRevisionId="00000000-0000-0000-0000-000000000000" StencilVersion="0.0"/>
-</Control>
+<p:properties xmlns:p="http://schemas.microsoft.com/office/2006/metadata/properties" xmlns:xsi="http://www.w3.org/2001/XMLSchema-instance" xmlns:pc="http://schemas.microsoft.com/office/infopath/2007/PartnerControls">
+  <documentManagement>
+    <_dlc_DocId xmlns="b4ebf394-daf6-497a-96c5-a2f8c10b38cf">TT6HZDVJM2HV-178-321</_dlc_DocId>
+    <_dlc_DocIdUrl xmlns="b4ebf394-daf6-497a-96c5-a2f8c10b38cf">
+      <Url>http://vstsdfmoss/sites/VSTSDF/DevDiv/TFS/teams/rm/_layouts/DocIdRedir.aspx?ID=TT6HZDVJM2HV-178-321</Url>
+      <Description>TT6HZDVJM2HV-178-321</Description>
+    </_dlc_DocIdUrl>
+  </documentManagement>
+</p:properties>
 </file>
 
 <file path=customXml/item2.xml><?xml version="1.0" encoding="utf-8"?>
 <Control xmlns="http://schemas.microsoft.com/VisualStudio/2011/storyboarding/control">
-  <Id Name="System.Storyboarding.Common.TextInput" Revision="1" Stencil="System.Storyboarding.Common" StencilVersion="0.1"/>
+  <Id Name="System.Storyboarding.Annotation.StickyNote" Revision="1" Stencil="System.Storyboarding.Annotation" StencilVersion="0.1"/>
 </Control>
 </file>
 
@@ -24204,41 +23096,61 @@
 
 <file path=customXml/item4.xml><?xml version="1.0" encoding="utf-8"?>
 <Control xmlns="http://schemas.microsoft.com/VisualStudio/2011/storyboarding/control">
-  <Id Name="System.Storyboarding.WindowsApps.WindowsAppsListBox" Revision="1" Stencil="System.Storyboarding.WindowsApps" StencilVersion="0.1"/>
+  <Id Name="5e505f8e-b0aa-429a-bb4c-92ab0e8a8ee6" RevisionId="d2083f08-ba4f-4330-87aa-e4d23a4443d7" Stencil="172d6d98-e5c9-42e9-a209-79f7a94bbd38" StencilRevisionId="00000000-0000-0000-0000-000000000000" StencilVersion="0.0"/>
 </Control>
 </file>
 
 <file path=customXml/item5.xml><?xml version="1.0" encoding="utf-8"?>
 <Control xmlns="http://schemas.microsoft.com/VisualStudio/2011/storyboarding/control">
-  <Id Name="System.Storyboarding.Common.DragSelection" Revision="1" Stencil="System.Storyboarding.Common" StencilVersion="0.1"/>
+  <Id Name="System.Storyboarding.Common.TextInput" Revision="1" Stencil="System.Storyboarding.Common" StencilVersion="0.1"/>
 </Control>
 </file>
 
 <file path=customXml/item6.xml><?xml version="1.0" encoding="utf-8"?>
 <Control xmlns="http://schemas.microsoft.com/VisualStudio/2011/storyboarding/control">
-  <Id Name="System.Storyboarding.WindowsApps.WindowsAppsProgressRing" Revision="1" Stencil="System.Storyboarding.WindowsApps" StencilVersion="0.1"/>
+  <Id Name="System.Storyboarding.WindowsApps.WindowsAppsListBox" Revision="1" Stencil="System.Storyboarding.WindowsApps" StencilVersion="0.1"/>
 </Control>
 </file>
 
 <file path=customXml/item7.xml><?xml version="1.0" encoding="utf-8"?>
 <Control xmlns="http://schemas.microsoft.com/VisualStudio/2011/storyboarding/control">
-  <Id Name="System.Storyboarding.Annotation.StickyNote" Revision="1" Stencil="System.Storyboarding.Annotation" StencilVersion="0.1"/>
+  <Id Name="System.Storyboarding.WindowsApps.WindowsAppsProgressRing" Revision="1" Stencil="System.Storyboarding.WindowsApps" StencilVersion="0.1"/>
 </Control>
 </file>
 
 <file path=customXml/item8.xml><?xml version="1.0" encoding="utf-8"?>
-<p:properties xmlns:p="http://schemas.microsoft.com/office/2006/metadata/properties" xmlns:xsi="http://www.w3.org/2001/XMLSchema-instance" xmlns:pc="http://schemas.microsoft.com/office/infopath/2007/PartnerControls">
-  <documentManagement>
-    <_dlc_DocId xmlns="b4ebf394-daf6-497a-96c5-a2f8c10b38cf">TT6HZDVJM2HV-178-321</_dlc_DocId>
-    <_dlc_DocIdUrl xmlns="b4ebf394-daf6-497a-96c5-a2f8c10b38cf">
-      <Url>http://vstsdfmoss/sites/VSTSDF/DevDiv/TFS/teams/rm/_layouts/DocIdRedir.aspx?ID=TT6HZDVJM2HV-178-321</Url>
-      <Description>TT6HZDVJM2HV-178-321</Description>
-    </_dlc_DocIdUrl>
-  </documentManagement>
-</p:properties>
+<Control xmlns="http://schemas.microsoft.com/VisualStudio/2011/storyboarding/control">
+  <Id Name="System.Storyboarding.Common.DragSelection" Revision="1" Stencil="System.Storyboarding.Common" StencilVersion="0.1"/>
+</Control>
 </file>
 
 <file path=customXml/itemProps1.xml><?xml version="1.0" encoding="utf-8"?>
+<ds:datastoreItem xmlns:ds="http://schemas.openxmlformats.org/officeDocument/2006/customXml" ds:itemID="{1322E1B6-B69B-4B1E-9F64-FFB1E4A65691}">
+  <ds:schemaRefs>
+    <ds:schemaRef ds:uri="http://schemas.microsoft.com/office/2006/metadata/properties"/>
+    <ds:schemaRef ds:uri="http://schemas.microsoft.com/office/infopath/2007/PartnerControls"/>
+    <ds:schemaRef ds:uri="b4ebf394-daf6-497a-96c5-a2f8c10b38cf"/>
+  </ds:schemaRefs>
+</ds:datastoreItem>
+</file>
+
+<file path=customXml/itemProps2.xml><?xml version="1.0" encoding="utf-8"?>
+<ds:datastoreItem xmlns:ds="http://schemas.openxmlformats.org/officeDocument/2006/customXml" ds:itemID="{35CD12A2-2187-402A-B9D9-EF68624DB0B9}">
+  <ds:schemaRefs>
+    <ds:schemaRef ds:uri="http://schemas.microsoft.com/VisualStudio/2011/storyboarding/control"/>
+  </ds:schemaRefs>
+</ds:datastoreItem>
+</file>
+
+<file path=customXml/itemProps3.xml><?xml version="1.0" encoding="utf-8"?>
+<ds:datastoreItem xmlns:ds="http://schemas.openxmlformats.org/officeDocument/2006/customXml" ds:itemID="{DA9AD0B9-FF65-4FA1-BA6B-4E7EE14AEFD0}">
+  <ds:schemaRefs>
+    <ds:schemaRef ds:uri="http://schemas.microsoft.com/VisualStudio/2011/storyboarding/control"/>
+  </ds:schemaRefs>
+</ds:datastoreItem>
+</file>
+
+<file path=customXml/itemProps4.xml><?xml version="1.0" encoding="utf-8"?>
 <ds:datastoreItem xmlns:ds="http://schemas.openxmlformats.org/officeDocument/2006/customXml" ds:itemID="{22271091-DDCE-44B5-B608-BB96BCA0C299}">
   <ds:schemaRefs>
     <ds:schemaRef ds:uri="http://schemas.microsoft.com/VisualStudio/2011/storyboarding/control"/>
@@ -24246,7 +23158,7 @@
 </ds:datastoreItem>
 </file>
 
-<file path=customXml/itemProps2.xml><?xml version="1.0" encoding="utf-8"?>
+<file path=customXml/itemProps5.xml><?xml version="1.0" encoding="utf-8"?>
 <ds:datastoreItem xmlns:ds="http://schemas.openxmlformats.org/officeDocument/2006/customXml" ds:itemID="{195C3A57-25C5-4CAC-A396-8711CE839175}">
   <ds:schemaRefs>
     <ds:schemaRef ds:uri="http://schemas.microsoft.com/VisualStudio/2011/storyboarding/control"/>
@@ -24254,15 +23166,7 @@
 </ds:datastoreItem>
 </file>
 
-<file path=customXml/itemProps3.xml><?xml version="1.0" encoding="utf-8"?>
-<ds:datastoreItem xmlns:ds="http://schemas.openxmlformats.org/officeDocument/2006/customXml" ds:itemID="{35CD12A2-2187-402A-B9D9-EF68624DB0B9}">
-  <ds:schemaRefs>
-    <ds:schemaRef ds:uri="http://schemas.microsoft.com/VisualStudio/2011/storyboarding/control"/>
-  </ds:schemaRefs>
-</ds:datastoreItem>
-</file>
-
-<file path=customXml/itemProps4.xml><?xml version="1.0" encoding="utf-8"?>
+<file path=customXml/itemProps6.xml><?xml version="1.0" encoding="utf-8"?>
 <ds:datastoreItem xmlns:ds="http://schemas.openxmlformats.org/officeDocument/2006/customXml" ds:itemID="{925928FA-66B2-4992-9AF7-6AAB34665E06}">
   <ds:schemaRefs>
     <ds:schemaRef ds:uri="http://schemas.microsoft.com/VisualStudio/2011/storyboarding/control"/>
@@ -24270,15 +23174,7 @@
 </ds:datastoreItem>
 </file>
 
-<file path=customXml/itemProps5.xml><?xml version="1.0" encoding="utf-8"?>
-<ds:datastoreItem xmlns:ds="http://schemas.openxmlformats.org/officeDocument/2006/customXml" ds:itemID="{74F50758-6994-47AF-ADB4-84074E43B95D}">
-  <ds:schemaRefs>
-    <ds:schemaRef ds:uri="http://schemas.microsoft.com/VisualStudio/2011/storyboarding/control"/>
-  </ds:schemaRefs>
-</ds:datastoreItem>
-</file>
-
-<file path=customXml/itemProps6.xml><?xml version="1.0" encoding="utf-8"?>
+<file path=customXml/itemProps7.xml><?xml version="1.0" encoding="utf-8"?>
 <ds:datastoreItem xmlns:ds="http://schemas.openxmlformats.org/officeDocument/2006/customXml" ds:itemID="{EE994FE8-9D1B-4C75-9803-F4D3D8088B5B}">
   <ds:schemaRefs>
     <ds:schemaRef ds:uri="http://schemas.microsoft.com/VisualStudio/2011/storyboarding/control"/>
@@ -24286,20 +23182,10 @@
 </ds:datastoreItem>
 </file>
 
-<file path=customXml/itemProps7.xml><?xml version="1.0" encoding="utf-8"?>
-<ds:datastoreItem xmlns:ds="http://schemas.openxmlformats.org/officeDocument/2006/customXml" ds:itemID="{DA9AD0B9-FF65-4FA1-BA6B-4E7EE14AEFD0}">
+<file path=customXml/itemProps8.xml><?xml version="1.0" encoding="utf-8"?>
+<ds:datastoreItem xmlns:ds="http://schemas.openxmlformats.org/officeDocument/2006/customXml" ds:itemID="{74F50758-6994-47AF-ADB4-84074E43B95D}">
   <ds:schemaRefs>
     <ds:schemaRef ds:uri="http://schemas.microsoft.com/VisualStudio/2011/storyboarding/control"/>
   </ds:schemaRefs>
 </ds:datastoreItem>
-</file>
-
-<file path=customXml/itemProps8.xml><?xml version="1.0" encoding="utf-8"?>
-<ds:datastoreItem xmlns:ds="http://schemas.openxmlformats.org/officeDocument/2006/customXml" ds:itemID="{1322E1B6-B69B-4B1E-9F64-FFB1E4A65691}">
-  <ds:schemaRefs>
-    <ds:schemaRef ds:uri="http://schemas.microsoft.com/office/2006/metadata/properties"/>
-    <ds:schemaRef ds:uri="http://schemas.microsoft.com/office/infopath/2007/PartnerControls"/>
-    <ds:schemaRef ds:uri="b4ebf394-daf6-497a-96c5-a2f8c10b38cf"/>
-  </ds:schemaRefs>
-</ds:datastoreItem>
 </file>
--- a/系统仿真-2-计算基础.pptx
+++ b/系统仿真-2-计算基础.pptx
@@ -255,7 +255,7 @@
                 <a:latin typeface="微软雅黑" panose="020B0503020204020204" pitchFamily="34" charset="-122"/>
                 <a:ea typeface="微软雅黑" panose="020B0503020204020204" pitchFamily="34" charset="-122"/>
               </a:rPr>
-              <a:t>2019年3月7日</a:t>
+              <a:t>2019年3月14日</a:t>
             </a:fld>
             <a:endParaRPr lang="zh-CN" altLang="en-US" dirty="0">
               <a:latin typeface="微软雅黑" panose="020B0503020204020204" pitchFamily="34" charset="-122"/>
@@ -447,7 +447,7 @@
             <a:fld id="{07D6BDDC-F39A-4E16-93D6-E40B88AA6D58}" type="datetime2">
               <a:rPr lang="zh-CN" altLang="en-US" smtClean="0"/>
               <a:pPr/>
-              <a:t>2019年3月7日</a:t>
+              <a:t>2019年3月14日</a:t>
             </a:fld>
             <a:endParaRPr lang="zh-CN" altLang="en-US" dirty="0"/>
           </a:p>
@@ -1765,7 +1765,7 @@
             <a:fld id="{4947C3F0-2957-4D41-9FB7-182757A04D67}" type="datetime2">
               <a:rPr lang="zh-CN" altLang="en-US" smtClean="0"/>
               <a:pPr/>
-              <a:t>2019年3月7日</a:t>
+              <a:t>2019年3月14日</a:t>
             </a:fld>
             <a:endParaRPr lang="zh-CN" altLang="en-US" dirty="0"/>
           </a:p>
@@ -1998,7 +1998,7 @@
             <a:fld id="{8DF8E148-EC1F-43A2-8C9E-1F57F6D08A76}" type="datetime2">
               <a:rPr lang="zh-CN" altLang="en-US" smtClean="0"/>
               <a:pPr/>
-              <a:t>2019年3月7日</a:t>
+              <a:t>2019年3月14日</a:t>
             </a:fld>
             <a:endParaRPr lang="zh-CN" altLang="en-US" dirty="0"/>
           </a:p>
@@ -2881,7 +2881,7 @@
             <a:fld id="{FB7B4C11-1E14-4887-9E78-A9346EC068F1}" type="datetime2">
               <a:rPr lang="zh-CN" altLang="en-US" smtClean="0"/>
               <a:pPr/>
-              <a:t>2019年3月7日</a:t>
+              <a:t>2019年3月14日</a:t>
             </a:fld>
             <a:endParaRPr lang="zh-CN" altLang="en-US" dirty="0"/>
           </a:p>
@@ -3140,7 +3140,7 @@
             <a:fld id="{86FD5D46-E987-42B2-B42C-B8920598FADE}" type="datetime2">
               <a:rPr lang="zh-CN" altLang="en-US" smtClean="0"/>
               <a:pPr/>
-              <a:t>2019年3月7日</a:t>
+              <a:t>2019年3月14日</a:t>
             </a:fld>
             <a:endParaRPr lang="zh-CN" altLang="en-US" dirty="0"/>
           </a:p>
@@ -4474,7 +4474,7 @@
             <a:fld id="{8365F240-A7EF-41C8-A85B-C448CF84B5E5}" type="datetime2">
               <a:rPr lang="zh-CN" altLang="en-US" smtClean="0"/>
               <a:pPr/>
-              <a:t>2019年3月7日</a:t>
+              <a:t>2019年3月14日</a:t>
             </a:fld>
             <a:endParaRPr lang="zh-CN" altLang="en-US" dirty="0"/>
           </a:p>
@@ -4809,7 +4809,7 @@
             <a:fld id="{F770B30E-8728-44DB-AEE3-E4A75AEDBBD9}" type="datetime2">
               <a:rPr lang="zh-CN" altLang="en-US" smtClean="0"/>
               <a:pPr/>
-              <a:t>2019年3月7日</a:t>
+              <a:t>2019年3月14日</a:t>
             </a:fld>
             <a:endParaRPr lang="zh-CN" altLang="en-US" dirty="0"/>
           </a:p>
@@ -5310,7 +5310,7 @@
             <a:fld id="{680BCF82-A51A-4389-A573-378AD02C5141}" type="datetime2">
               <a:rPr lang="zh-CN" altLang="en-US" smtClean="0"/>
               <a:pPr/>
-              <a:t>2019年3月7日</a:t>
+              <a:t>2019年3月14日</a:t>
             </a:fld>
             <a:endParaRPr lang="zh-CN" altLang="en-US" dirty="0"/>
           </a:p>
@@ -5465,7 +5465,7 @@
             <a:fld id="{CE03A716-E3DC-4D9D-823C-60FCD8C9B163}" type="datetime2">
               <a:rPr lang="zh-CN" altLang="en-US" smtClean="0"/>
               <a:pPr/>
-              <a:t>2019年3月7日</a:t>
+              <a:t>2019年3月14日</a:t>
             </a:fld>
             <a:endParaRPr lang="zh-CN" altLang="en-US" dirty="0"/>
           </a:p>
@@ -5825,7 +5825,7 @@
             <a:fld id="{C16B8A94-44E5-4844-A22C-F796FCAA90D9}" type="datetime2">
               <a:rPr lang="zh-CN" altLang="en-US" smtClean="0"/>
               <a:pPr/>
-              <a:t>2019年3月7日</a:t>
+              <a:t>2019年3月14日</a:t>
             </a:fld>
             <a:endParaRPr lang="zh-CN" altLang="en-US" dirty="0"/>
           </a:p>
@@ -6367,7 +6367,7 @@
             <a:fld id="{F288B2AC-AC0A-4E49-82A3-94EE74FA7FBF}" type="datetime2">
               <a:rPr lang="zh-CN" altLang="en-US" smtClean="0"/>
               <a:pPr/>
-              <a:t>2019年3月7日</a:t>
+              <a:t>2019年3月14日</a:t>
             </a:fld>
             <a:endParaRPr lang="zh-CN" altLang="en-US" dirty="0"/>
           </a:p>
@@ -6860,7 +6860,7 @@
             <a:fld id="{1878E339-1BD2-4FEE-A113-9A0301740CF6}" type="datetime2">
               <a:rPr lang="zh-CN" altLang="en-US" smtClean="0"/>
               <a:pPr/>
-              <a:t>2019年3月7日</a:t>
+              <a:t>2019年3月14日</a:t>
             </a:fld>
             <a:endParaRPr lang="zh-CN" altLang="en-US" dirty="0"/>
           </a:p>
@@ -7784,7 +7784,7 @@
             <a:fld id="{A339CB27-C670-4AAB-948C-7E3D1D9FAE30}" type="datetime2">
               <a:rPr lang="zh-CN" altLang="en-US" smtClean="0"/>
               <a:pPr/>
-              <a:t>2019年3月7日</a:t>
+              <a:t>2019年3月14日</a:t>
             </a:fld>
             <a:endParaRPr lang="zh-CN" altLang="en-US" dirty="0"/>
           </a:p>
@@ -8278,15 +8278,14 @@
                 <a:ea typeface="微软雅黑" panose="020B0503020204020204" pitchFamily="34" charset="-122"/>
                 <a:sym typeface="Arial" panose="020B0604020202020204" pitchFamily="34" charset="0"/>
               </a:rPr>
-              <a:t>第三</a:t>
-            </a:r>
-            <a:r>
-              <a:rPr lang="zh-CN" altLang="en-US" smtClean="0">
+              <a:t>第</a:t>
+            </a:r>
+            <a:r>
+              <a:rPr lang="zh-CN" altLang="en-US" dirty="0">
                 <a:latin typeface="Arial" panose="020B0604020202020204" pitchFamily="34" charset="0"/>
-                <a:ea typeface="微软雅黑" panose="020B0503020204020204" pitchFamily="34" charset="-122"/>
                 <a:sym typeface="Arial" panose="020B0604020202020204" pitchFamily="34" charset="0"/>
               </a:rPr>
-              <a:t>节 仿真计算的理论</a:t>
+              <a:t>二</a:t>
             </a:r>
             <a:r>
               <a:rPr lang="zh-CN" altLang="en-US" dirty="0" smtClean="0">
@@ -8294,7 +8293,15 @@
                 <a:ea typeface="微软雅黑" panose="020B0503020204020204" pitchFamily="34" charset="-122"/>
                 <a:sym typeface="Arial" panose="020B0604020202020204" pitchFamily="34" charset="0"/>
               </a:rPr>
-              <a:t>基础 </a:t>
+              <a:t>节 </a:t>
+            </a:r>
+            <a:r>
+              <a:rPr lang="zh-CN" altLang="en-US" dirty="0" smtClean="0">
+                <a:latin typeface="Arial" panose="020B0604020202020204" pitchFamily="34" charset="0"/>
+                <a:ea typeface="微软雅黑" panose="020B0503020204020204" pitchFamily="34" charset="-122"/>
+                <a:sym typeface="Arial" panose="020B0604020202020204" pitchFamily="34" charset="0"/>
+              </a:rPr>
+              <a:t>仿真计算的理论基础 </a:t>
             </a:r>
             <a:endParaRPr lang="zh-CN" altLang="en-US" dirty="0">
               <a:latin typeface="Arial" panose="020B0604020202020204" pitchFamily="34" charset="0"/>
@@ -9786,7 +9793,7 @@
           <a:graphicData uri="http://schemas.openxmlformats.org/presentationml/2006/ole">
             <mc:AlternateContent xmlns:mc="http://schemas.openxmlformats.org/markup-compatibility/2006">
               <mc:Choice xmlns:v="urn:schemas-microsoft-com:vml" Requires="v">
-                <p:oleObj spid="_x0000_s3151" name="Equation" r:id="rId6" imgW="3200400" imgH="253800" progId="Equation.DSMT4">
+                <p:oleObj spid="_x0000_s3152" name="Equation" r:id="rId6" imgW="3200400" imgH="253800" progId="Equation.DSMT4">
                   <p:embed/>
                 </p:oleObj>
               </mc:Choice>
@@ -10921,7 +10928,7 @@
           <a:graphicData uri="http://schemas.openxmlformats.org/presentationml/2006/ole">
             <mc:AlternateContent xmlns:mc="http://schemas.openxmlformats.org/markup-compatibility/2006">
               <mc:Choice xmlns:v="urn:schemas-microsoft-com:vml" Requires="v">
-                <p:oleObj spid="_x0000_s1177" name="Equation" r:id="rId4" imgW="3124080" imgH="355320" progId="Equation.DSMT4">
+                <p:oleObj spid="_x0000_s1179" name="Equation" r:id="rId4" imgW="3124080" imgH="355320" progId="Equation.DSMT4">
                   <p:embed/>
                 </p:oleObj>
               </mc:Choice>
@@ -10978,7 +10985,7 @@
           <a:graphicData uri="http://schemas.openxmlformats.org/presentationml/2006/ole">
             <mc:AlternateContent xmlns:mc="http://schemas.openxmlformats.org/markup-compatibility/2006">
               <mc:Choice xmlns:v="urn:schemas-microsoft-com:vml" Requires="v">
-                <p:oleObj spid="_x0000_s1178" name="Equation" r:id="rId6" imgW="3301920" imgH="203040" progId="Equation.DSMT4">
+                <p:oleObj spid="_x0000_s1180" name="Equation" r:id="rId6" imgW="3301920" imgH="203040" progId="Equation.DSMT4">
                   <p:embed/>
                 </p:oleObj>
               </mc:Choice>
@@ -12342,7 +12349,7 @@
             <a:graphicData uri="http://schemas.openxmlformats.org/presentationml/2006/ole">
               <mc:AlternateContent xmlns:mc="http://schemas.openxmlformats.org/markup-compatibility/2006">
                 <mc:Choice xmlns:v="urn:schemas-microsoft-com:vml" Requires="v">
-                  <p:oleObj spid="_x0000_s5176" name="Equation" r:id="rId3" imgW="3454200" imgH="203040" progId="Equation.DSMT4">
+                  <p:oleObj spid="_x0000_s5177" name="Equation" r:id="rId3" imgW="3454200" imgH="203040" progId="Equation.DSMT4">
                     <p:embed/>
                   </p:oleObj>
                 </mc:Choice>
@@ -20516,7 +20523,7 @@
             <a:graphicData uri="http://schemas.openxmlformats.org/presentationml/2006/ole">
               <mc:AlternateContent xmlns:mc="http://schemas.openxmlformats.org/markup-compatibility/2006">
                 <mc:Choice xmlns:v="urn:schemas-microsoft-com:vml" Requires="v">
-                  <p:oleObj spid="_x0000_s7204" name="Equation" r:id="rId4" imgW="850680" imgH="177480" progId="Equation.DSMT4">
+                  <p:oleObj spid="_x0000_s7206" name="Equation" r:id="rId4" imgW="850680" imgH="177480" progId="Equation.DSMT4">
                     <p:embed/>
                   </p:oleObj>
                 </mc:Choice>
@@ -20648,7 +20655,7 @@
             <a:graphicData uri="http://schemas.openxmlformats.org/presentationml/2006/ole">
               <mc:AlternateContent xmlns:mc="http://schemas.openxmlformats.org/markup-compatibility/2006">
                 <mc:Choice xmlns:v="urn:schemas-microsoft-com:vml" Requires="v">
-                  <p:oleObj spid="_x0000_s7205" name="Equation" r:id="rId6" imgW="888840" imgH="203040" progId="Equation.DSMT4">
+                  <p:oleObj spid="_x0000_s7207" name="Equation" r:id="rId6" imgW="888840" imgH="203040" progId="Equation.DSMT4">
                     <p:embed/>
                   </p:oleObj>
                 </mc:Choice>
@@ -21346,7 +21353,7 @@
           <a:graphicData uri="http://schemas.openxmlformats.org/presentationml/2006/ole">
             <mc:AlternateContent xmlns:mc="http://schemas.openxmlformats.org/markup-compatibility/2006">
               <mc:Choice xmlns:v="urn:schemas-microsoft-com:vml" Requires="v">
-                <p:oleObj spid="_x0000_s8258" name="Equation" r:id="rId3" imgW="1485720" imgH="228600" progId="Equation.DSMT4">
+                <p:oleObj spid="_x0000_s8262" name="Equation" r:id="rId3" imgW="1485720" imgH="228600" progId="Equation.DSMT4">
                   <p:embed/>
                 </p:oleObj>
               </mc:Choice>
@@ -21403,7 +21410,7 @@
           <a:graphicData uri="http://schemas.openxmlformats.org/presentationml/2006/ole">
             <mc:AlternateContent xmlns:mc="http://schemas.openxmlformats.org/markup-compatibility/2006">
               <mc:Choice xmlns:v="urn:schemas-microsoft-com:vml" Requires="v">
-                <p:oleObj spid="_x0000_s8259" name="Equation" r:id="rId5" imgW="2031840" imgH="355320" progId="Equation.DSMT4">
+                <p:oleObj spid="_x0000_s8263" name="Equation" r:id="rId5" imgW="2031840" imgH="355320" progId="Equation.DSMT4">
                   <p:embed/>
                 </p:oleObj>
               </mc:Choice>
@@ -21460,7 +21467,7 @@
           <a:graphicData uri="http://schemas.openxmlformats.org/presentationml/2006/ole">
             <mc:AlternateContent xmlns:mc="http://schemas.openxmlformats.org/markup-compatibility/2006">
               <mc:Choice xmlns:v="urn:schemas-microsoft-com:vml" Requires="v">
-                <p:oleObj spid="_x0000_s8260" name="Equation" r:id="rId7" imgW="2120760" imgH="253800" progId="Equation.DSMT4">
+                <p:oleObj spid="_x0000_s8264" name="Equation" r:id="rId7" imgW="2120760" imgH="253800" progId="Equation.DSMT4">
                   <p:embed/>
                 </p:oleObj>
               </mc:Choice>
@@ -21531,7 +21538,7 @@
             <a:graphicData uri="http://schemas.openxmlformats.org/presentationml/2006/ole">
               <mc:AlternateContent xmlns:mc="http://schemas.openxmlformats.org/markup-compatibility/2006">
                 <mc:Choice xmlns:v="urn:schemas-microsoft-com:vml" Requires="v">
-                  <p:oleObj spid="_x0000_s8261" name="Equation" r:id="rId9" imgW="647640" imgH="228600" progId="Equation.DSMT4">
+                  <p:oleObj spid="_x0000_s8265" name="Equation" r:id="rId9" imgW="647640" imgH="228600" progId="Equation.DSMT4">
                     <p:embed/>
                   </p:oleObj>
                 </mc:Choice>
@@ -23084,13 +23091,13 @@
 
 <file path=customXml/item2.xml><?xml version="1.0" encoding="utf-8"?>
 <Control xmlns="http://schemas.microsoft.com/VisualStudio/2011/storyboarding/control">
-  <Id Name="System.Storyboarding.Annotation.StickyNote" Revision="1" Stencil="System.Storyboarding.Annotation" StencilVersion="0.1"/>
+  <Id Name="System.Storyboarding.WindowsApps.WindowsAppsListBox" Revision="1" Stencil="System.Storyboarding.WindowsApps" StencilVersion="0.1"/>
 </Control>
 </file>
 
 <file path=customXml/item3.xml><?xml version="1.0" encoding="utf-8"?>
 <Control xmlns="http://schemas.microsoft.com/VisualStudio/2011/storyboarding/control">
-  <Id Name="System.Storyboarding.Annotation.StickyNote" Revision="1" Stencil="System.Storyboarding.Annotation" StencilVersion="0.1"/>
+  <Id Name="System.Storyboarding.Common.TextInput" Revision="1" Stencil="System.Storyboarding.Common" StencilVersion="0.1"/>
 </Control>
 </file>
 
@@ -23102,13 +23109,13 @@
 
 <file path=customXml/item5.xml><?xml version="1.0" encoding="utf-8"?>
 <Control xmlns="http://schemas.microsoft.com/VisualStudio/2011/storyboarding/control">
-  <Id Name="System.Storyboarding.Common.TextInput" Revision="1" Stencil="System.Storyboarding.Common" StencilVersion="0.1"/>
+  <Id Name="System.Storyboarding.Common.DragSelection" Revision="1" Stencil="System.Storyboarding.Common" StencilVersion="0.1"/>
 </Control>
 </file>
 
 <file path=customXml/item6.xml><?xml version="1.0" encoding="utf-8"?>
 <Control xmlns="http://schemas.microsoft.com/VisualStudio/2011/storyboarding/control">
-  <Id Name="System.Storyboarding.WindowsApps.WindowsAppsListBox" Revision="1" Stencil="System.Storyboarding.WindowsApps" StencilVersion="0.1"/>
+  <Id Name="System.Storyboarding.Annotation.StickyNote" Revision="1" Stencil="System.Storyboarding.Annotation" StencilVersion="0.1"/>
 </Control>
 </file>
 
@@ -23120,7 +23127,7 @@
 
 <file path=customXml/item8.xml><?xml version="1.0" encoding="utf-8"?>
 <Control xmlns="http://schemas.microsoft.com/VisualStudio/2011/storyboarding/control">
-  <Id Name="System.Storyboarding.Common.DragSelection" Revision="1" Stencil="System.Storyboarding.Common" StencilVersion="0.1"/>
+  <Id Name="System.Storyboarding.Annotation.StickyNote" Revision="1" Stencil="System.Storyboarding.Annotation" StencilVersion="0.1"/>
 </Control>
 </file>
 
@@ -23135,7 +23142,7 @@
 </file>
 
 <file path=customXml/itemProps2.xml><?xml version="1.0" encoding="utf-8"?>
-<ds:datastoreItem xmlns:ds="http://schemas.openxmlformats.org/officeDocument/2006/customXml" ds:itemID="{35CD12A2-2187-402A-B9D9-EF68624DB0B9}">
+<ds:datastoreItem xmlns:ds="http://schemas.openxmlformats.org/officeDocument/2006/customXml" ds:itemID="{925928FA-66B2-4992-9AF7-6AAB34665E06}">
   <ds:schemaRefs>
     <ds:schemaRef ds:uri="http://schemas.microsoft.com/VisualStudio/2011/storyboarding/control"/>
   </ds:schemaRefs>
@@ -23143,7 +23150,7 @@
 </file>
 
 <file path=customXml/itemProps3.xml><?xml version="1.0" encoding="utf-8"?>
-<ds:datastoreItem xmlns:ds="http://schemas.openxmlformats.org/officeDocument/2006/customXml" ds:itemID="{DA9AD0B9-FF65-4FA1-BA6B-4E7EE14AEFD0}">
+<ds:datastoreItem xmlns:ds="http://schemas.openxmlformats.org/officeDocument/2006/customXml" ds:itemID="{195C3A57-25C5-4CAC-A396-8711CE839175}">
   <ds:schemaRefs>
     <ds:schemaRef ds:uri="http://schemas.microsoft.com/VisualStudio/2011/storyboarding/control"/>
   </ds:schemaRefs>
@@ -23159,7 +23166,7 @@
 </file>
 
 <file path=customXml/itemProps5.xml><?xml version="1.0" encoding="utf-8"?>
-<ds:datastoreItem xmlns:ds="http://schemas.openxmlformats.org/officeDocument/2006/customXml" ds:itemID="{195C3A57-25C5-4CAC-A396-8711CE839175}">
+<ds:datastoreItem xmlns:ds="http://schemas.openxmlformats.org/officeDocument/2006/customXml" ds:itemID="{74F50758-6994-47AF-ADB4-84074E43B95D}">
   <ds:schemaRefs>
     <ds:schemaRef ds:uri="http://schemas.microsoft.com/VisualStudio/2011/storyboarding/control"/>
   </ds:schemaRefs>
@@ -23167,7 +23174,7 @@
 </file>
 
 <file path=customXml/itemProps6.xml><?xml version="1.0" encoding="utf-8"?>
-<ds:datastoreItem xmlns:ds="http://schemas.openxmlformats.org/officeDocument/2006/customXml" ds:itemID="{925928FA-66B2-4992-9AF7-6AAB34665E06}">
+<ds:datastoreItem xmlns:ds="http://schemas.openxmlformats.org/officeDocument/2006/customXml" ds:itemID="{DA9AD0B9-FF65-4FA1-BA6B-4E7EE14AEFD0}">
   <ds:schemaRefs>
     <ds:schemaRef ds:uri="http://schemas.microsoft.com/VisualStudio/2011/storyboarding/control"/>
   </ds:schemaRefs>
@@ -23183,7 +23190,7 @@
 </file>
 
 <file path=customXml/itemProps8.xml><?xml version="1.0" encoding="utf-8"?>
-<ds:datastoreItem xmlns:ds="http://schemas.openxmlformats.org/officeDocument/2006/customXml" ds:itemID="{74F50758-6994-47AF-ADB4-84074E43B95D}">
+<ds:datastoreItem xmlns:ds="http://schemas.openxmlformats.org/officeDocument/2006/customXml" ds:itemID="{35CD12A2-2187-402A-B9D9-EF68624DB0B9}">
   <ds:schemaRefs>
     <ds:schemaRef ds:uri="http://schemas.microsoft.com/VisualStudio/2011/storyboarding/control"/>
   </ds:schemaRefs>
